--- a/Project/Views/tastebud.views.pptx
+++ b/Project/Views/tastebud.views.pptx
@@ -1,48 +1,50 @@
 
 <file path=ppt/presentation.xml><?xml version="1.0" encoding="utf-8"?>
-<p:presentation xmlns:a="http://schemas.openxmlformats.org/drawingml/2006/main" xmlns:r="http://schemas.openxmlformats.org/officeDocument/2006/relationships" xmlns:p="http://schemas.openxmlformats.org/presentationml/2006/main" saveSubsetFonts="1" embedTrueTypeFonts="true">
+<p:presentation xmlns:a="http://schemas.openxmlformats.org/drawingml/2006/main" xmlns:r="http://schemas.openxmlformats.org/officeDocument/2006/relationships" xmlns:p="http://schemas.openxmlformats.org/presentationml/2006/main" embedTrueTypeFonts="1" saveSubsetFonts="1">
   <p:sldMasterIdLst>
     <p:sldMasterId id="2147483648" r:id="rId1"/>
   </p:sldMasterIdLst>
   <p:sldIdLst>
-    <p:sldId id="256" r:id="rId6"/>
-    <p:sldId id="257" r:id="rId7"/>
-    <p:sldId id="258" r:id="rId8"/>
-    <p:sldId id="259" r:id="rId9"/>
-    <p:sldId id="260" r:id="rId10"/>
-    <p:sldId id="261" r:id="rId11"/>
-    <p:sldId id="262" r:id="rId12"/>
-    <p:sldId id="263" r:id="rId13"/>
-    <p:sldId id="264" r:id="rId14"/>
-    <p:sldId id="265" r:id="rId15"/>
-    <p:sldId id="266" r:id="rId16"/>
-    <p:sldId id="267" r:id="rId17"/>
-    <p:sldId id="268" r:id="rId18"/>
-    <p:sldId id="269" r:id="rId19"/>
-    <p:sldId id="270" r:id="rId20"/>
-    <p:sldId id="271" r:id="rId21"/>
-    <p:sldId id="272" r:id="rId22"/>
-    <p:sldId id="273" r:id="rId23"/>
-    <p:sldId id="274" r:id="rId24"/>
+    <p:sldId id="256" r:id="rId2"/>
+    <p:sldId id="257" r:id="rId3"/>
+    <p:sldId id="258" r:id="rId4"/>
+    <p:sldId id="259" r:id="rId5"/>
+    <p:sldId id="260" r:id="rId6"/>
+    <p:sldId id="261" r:id="rId7"/>
+    <p:sldId id="262" r:id="rId8"/>
+    <p:sldId id="263" r:id="rId9"/>
+    <p:sldId id="264" r:id="rId10"/>
+    <p:sldId id="265" r:id="rId11"/>
+    <p:sldId id="266" r:id="rId12"/>
+    <p:sldId id="267" r:id="rId13"/>
+    <p:sldId id="268" r:id="rId14"/>
+    <p:sldId id="269" r:id="rId15"/>
+    <p:sldId id="270" r:id="rId16"/>
+    <p:sldId id="271" r:id="rId17"/>
+    <p:sldId id="272" r:id="rId18"/>
+    <p:sldId id="273" r:id="rId19"/>
+    <p:sldId id="274" r:id="rId20"/>
   </p:sldIdLst>
   <p:sldSz cx="18288000" cy="10287000"/>
   <p:notesSz cx="6858000" cy="9144000"/>
   <p:embeddedFontLst>
     <p:embeddedFont>
-      <p:font typeface="Open Sans" charset="1" panose="020B0606030504020204"/>
-      <p:regular r:id="rId25"/>
+      <p:font typeface="Montserrat" pitchFamily="2" charset="77"/>
+      <p:regular r:id="rId21"/>
     </p:embeddedFont>
     <p:embeddedFont>
-      <p:font typeface="Montserrat Bold" charset="1" panose="00000800000000000000"/>
-      <p:regular r:id="rId26"/>
+      <p:font typeface="Montserrat Bold" pitchFamily="2" charset="77"/>
+      <p:regular r:id="rId22"/>
+      <p:bold r:id="rId23"/>
     </p:embeddedFont>
     <p:embeddedFont>
-      <p:font typeface="Montserrat" charset="1" panose="00000500000000000000"/>
-      <p:regular r:id="rId27"/>
+      <p:font typeface="Open Sans" panose="020B0606030504020204" pitchFamily="34" charset="0"/>
+      <p:regular r:id="rId24"/>
     </p:embeddedFont>
     <p:embeddedFont>
-      <p:font typeface="Open Sans Bold" charset="1" panose="020B0806030504020204"/>
-      <p:regular r:id="rId28"/>
+      <p:font typeface="Open Sans Bold" panose="020B0806030504020204" pitchFamily="34" charset="0"/>
+      <p:regular r:id="rId25"/>
+      <p:bold r:id="rId26"/>
     </p:embeddedFont>
   </p:embeddedFontLst>
   <p:defaultTextStyle>
@@ -140,6 +142,22 @@
       </a:defRPr>
     </a:lvl9pPr>
   </p:defaultTextStyle>
+  <p:extLst>
+    <p:ext uri="{EFAFB233-063F-42B5-8137-9DF3F51BA10A}">
+      <p15:sldGuideLst xmlns:p15="http://schemas.microsoft.com/office/powerpoint/2012/main">
+        <p15:guide id="1" orient="horz" pos="2160">
+          <p15:clr>
+            <a:srgbClr val="A4A3A4"/>
+          </p15:clr>
+        </p15:guide>
+        <p15:guide id="2" pos="2880">
+          <p15:clr>
+            <a:srgbClr val="A4A3A4"/>
+          </p15:clr>
+        </p15:guide>
+      </p15:sldGuideLst>
+    </p:ext>
+  </p:extLst>
 </p:presentation>
 </file>
 
@@ -181,10 +199,9 @@
           <a:lstStyle/>
           <a:p>
             <a:r>
-              <a:rPr lang="en-US" smtClean="0"/>
+              <a:rPr lang="en-US"/>
               <a:t>Click to edit Master title style</a:t>
             </a:r>
-            <a:endParaRPr lang="en-US"/>
           </a:p>
         </p:txBody>
       </p:sp>
@@ -300,10 +317,9 @@
           </a:lstStyle>
           <a:p>
             <a:r>
-              <a:rPr lang="en-US" smtClean="0"/>
+              <a:rPr lang="en-US"/>
               <a:t>Click to edit Master subtitle style</a:t>
             </a:r>
-            <a:endParaRPr lang="en-US"/>
           </a:p>
         </p:txBody>
       </p:sp>
@@ -325,7 +341,7 @@
             <a:fld id="{1D8BD707-D9CF-40AE-B4C6-C98DA3205C09}" type="datetimeFigureOut">
               <a:rPr lang="en-US" smtClean="0"/>
               <a:pPr/>
-              <a:t>8/1/2011</a:t>
+              <a:t>4/30/25</a:t>
             </a:fld>
             <a:endParaRPr lang="en-US"/>
           </a:p>
@@ -415,10 +431,9 @@
           <a:lstStyle/>
           <a:p>
             <a:r>
-              <a:rPr lang="en-US" smtClean="0"/>
+              <a:rPr lang="en-US"/>
               <a:t>Click to edit Master title style</a:t>
             </a:r>
-            <a:endParaRPr lang="en-US"/>
           </a:p>
         </p:txBody>
       </p:sp>
@@ -439,38 +454,37 @@
           <a:p>
             <a:pPr lvl="0"/>
             <a:r>
-              <a:rPr lang="en-US" smtClean="0"/>
+              <a:rPr lang="en-US"/>
               <a:t>Click to edit Master text styles</a:t>
             </a:r>
           </a:p>
           <a:p>
             <a:pPr lvl="1"/>
             <a:r>
-              <a:rPr lang="en-US" smtClean="0"/>
+              <a:rPr lang="en-US"/>
               <a:t>Second level</a:t>
             </a:r>
           </a:p>
           <a:p>
             <a:pPr lvl="2"/>
             <a:r>
-              <a:rPr lang="en-US" smtClean="0"/>
+              <a:rPr lang="en-US"/>
               <a:t>Third level</a:t>
             </a:r>
           </a:p>
           <a:p>
             <a:pPr lvl="3"/>
             <a:r>
-              <a:rPr lang="en-US" smtClean="0"/>
+              <a:rPr lang="en-US"/>
               <a:t>Fourth level</a:t>
             </a:r>
           </a:p>
           <a:p>
             <a:pPr lvl="4"/>
             <a:r>
-              <a:rPr lang="en-US" smtClean="0"/>
+              <a:rPr lang="en-US"/>
               <a:t>Fifth level</a:t>
             </a:r>
-            <a:endParaRPr lang="en-US"/>
           </a:p>
         </p:txBody>
       </p:sp>
@@ -492,7 +506,7 @@
             <a:fld id="{1D8BD707-D9CF-40AE-B4C6-C98DA3205C09}" type="datetimeFigureOut">
               <a:rPr lang="en-US" smtClean="0"/>
               <a:pPr/>
-              <a:t>8/1/2011</a:t>
+              <a:t>4/30/25</a:t>
             </a:fld>
             <a:endParaRPr lang="en-US"/>
           </a:p>
@@ -587,10 +601,9 @@
           <a:lstStyle/>
           <a:p>
             <a:r>
-              <a:rPr lang="en-US" smtClean="0"/>
+              <a:rPr lang="en-US"/>
               <a:t>Click to edit Master title style</a:t>
             </a:r>
-            <a:endParaRPr lang="en-US"/>
           </a:p>
         </p:txBody>
       </p:sp>
@@ -616,38 +629,37 @@
           <a:p>
             <a:pPr lvl="0"/>
             <a:r>
-              <a:rPr lang="en-US" smtClean="0"/>
+              <a:rPr lang="en-US"/>
               <a:t>Click to edit Master text styles</a:t>
             </a:r>
           </a:p>
           <a:p>
             <a:pPr lvl="1"/>
             <a:r>
-              <a:rPr lang="en-US" smtClean="0"/>
+              <a:rPr lang="en-US"/>
               <a:t>Second level</a:t>
             </a:r>
           </a:p>
           <a:p>
             <a:pPr lvl="2"/>
             <a:r>
-              <a:rPr lang="en-US" smtClean="0"/>
+              <a:rPr lang="en-US"/>
               <a:t>Third level</a:t>
             </a:r>
           </a:p>
           <a:p>
             <a:pPr lvl="3"/>
             <a:r>
-              <a:rPr lang="en-US" smtClean="0"/>
+              <a:rPr lang="en-US"/>
               <a:t>Fourth level</a:t>
             </a:r>
           </a:p>
           <a:p>
             <a:pPr lvl="4"/>
             <a:r>
-              <a:rPr lang="en-US" smtClean="0"/>
+              <a:rPr lang="en-US"/>
               <a:t>Fifth level</a:t>
             </a:r>
-            <a:endParaRPr lang="en-US"/>
           </a:p>
         </p:txBody>
       </p:sp>
@@ -669,7 +681,7 @@
             <a:fld id="{1D8BD707-D9CF-40AE-B4C6-C98DA3205C09}" type="datetimeFigureOut">
               <a:rPr lang="en-US" smtClean="0"/>
               <a:pPr/>
-              <a:t>8/1/2011</a:t>
+              <a:t>4/30/25</a:t>
             </a:fld>
             <a:endParaRPr lang="en-US"/>
           </a:p>
@@ -759,10 +771,9 @@
           <a:lstStyle/>
           <a:p>
             <a:r>
-              <a:rPr lang="en-US" smtClean="0"/>
+              <a:rPr lang="en-US"/>
               <a:t>Click to edit Master title style</a:t>
             </a:r>
-            <a:endParaRPr lang="en-US"/>
           </a:p>
         </p:txBody>
       </p:sp>
@@ -783,38 +794,37 @@
           <a:p>
             <a:pPr lvl="0"/>
             <a:r>
-              <a:rPr lang="en-US" smtClean="0"/>
+              <a:rPr lang="en-US"/>
               <a:t>Click to edit Master text styles</a:t>
             </a:r>
           </a:p>
           <a:p>
             <a:pPr lvl="1"/>
             <a:r>
-              <a:rPr lang="en-US" smtClean="0"/>
+              <a:rPr lang="en-US"/>
               <a:t>Second level</a:t>
             </a:r>
           </a:p>
           <a:p>
             <a:pPr lvl="2"/>
             <a:r>
-              <a:rPr lang="en-US" smtClean="0"/>
+              <a:rPr lang="en-US"/>
               <a:t>Third level</a:t>
             </a:r>
           </a:p>
           <a:p>
             <a:pPr lvl="3"/>
             <a:r>
-              <a:rPr lang="en-US" smtClean="0"/>
+              <a:rPr lang="en-US"/>
               <a:t>Fourth level</a:t>
             </a:r>
           </a:p>
           <a:p>
             <a:pPr lvl="4"/>
             <a:r>
-              <a:rPr lang="en-US" smtClean="0"/>
+              <a:rPr lang="en-US"/>
               <a:t>Fifth level</a:t>
             </a:r>
-            <a:endParaRPr lang="en-US"/>
           </a:p>
         </p:txBody>
       </p:sp>
@@ -836,7 +846,7 @@
             <a:fld id="{1D8BD707-D9CF-40AE-B4C6-C98DA3205C09}" type="datetimeFigureOut">
               <a:rPr lang="en-US" smtClean="0"/>
               <a:pPr/>
-              <a:t>8/1/2011</a:t>
+              <a:t>4/30/25</a:t>
             </a:fld>
             <a:endParaRPr lang="en-US"/>
           </a:p>
@@ -935,10 +945,9 @@
           </a:lstStyle>
           <a:p>
             <a:r>
-              <a:rPr lang="en-US" smtClean="0"/>
+              <a:rPr lang="en-US"/>
               <a:t>Click to edit Master title style</a:t>
             </a:r>
-            <a:endParaRPr lang="en-US"/>
           </a:p>
         </p:txBody>
       </p:sp>
@@ -1055,7 +1064,7 @@
           <a:p>
             <a:pPr lvl="0"/>
             <a:r>
-              <a:rPr lang="en-US" smtClean="0"/>
+              <a:rPr lang="en-US"/>
               <a:t>Click to edit Master text styles</a:t>
             </a:r>
           </a:p>
@@ -1079,7 +1088,7 @@
             <a:fld id="{1D8BD707-D9CF-40AE-B4C6-C98DA3205C09}" type="datetimeFigureOut">
               <a:rPr lang="en-US" smtClean="0"/>
               <a:pPr/>
-              <a:t>8/1/2011</a:t>
+              <a:t>4/30/25</a:t>
             </a:fld>
             <a:endParaRPr lang="en-US"/>
           </a:p>
@@ -1169,10 +1178,9 @@
           <a:lstStyle/>
           <a:p>
             <a:r>
-              <a:rPr lang="en-US" smtClean="0"/>
+              <a:rPr lang="en-US"/>
               <a:t>Click to edit Master title style</a:t>
             </a:r>
-            <a:endParaRPr lang="en-US"/>
           </a:p>
         </p:txBody>
       </p:sp>
@@ -1226,38 +1234,37 @@
           <a:p>
             <a:pPr lvl="0"/>
             <a:r>
-              <a:rPr lang="en-US" smtClean="0"/>
+              <a:rPr lang="en-US"/>
               <a:t>Click to edit Master text styles</a:t>
             </a:r>
           </a:p>
           <a:p>
             <a:pPr lvl="1"/>
             <a:r>
-              <a:rPr lang="en-US" smtClean="0"/>
+              <a:rPr lang="en-US"/>
               <a:t>Second level</a:t>
             </a:r>
           </a:p>
           <a:p>
             <a:pPr lvl="2"/>
             <a:r>
-              <a:rPr lang="en-US" smtClean="0"/>
+              <a:rPr lang="en-US"/>
               <a:t>Third level</a:t>
             </a:r>
           </a:p>
           <a:p>
             <a:pPr lvl="3"/>
             <a:r>
-              <a:rPr lang="en-US" smtClean="0"/>
+              <a:rPr lang="en-US"/>
               <a:t>Fourth level</a:t>
             </a:r>
           </a:p>
           <a:p>
             <a:pPr lvl="4"/>
             <a:r>
-              <a:rPr lang="en-US" smtClean="0"/>
+              <a:rPr lang="en-US"/>
               <a:t>Fifth level</a:t>
             </a:r>
-            <a:endParaRPr lang="en-US"/>
           </a:p>
         </p:txBody>
       </p:sp>
@@ -1311,38 +1318,37 @@
           <a:p>
             <a:pPr lvl="0"/>
             <a:r>
-              <a:rPr lang="en-US" smtClean="0"/>
+              <a:rPr lang="en-US"/>
               <a:t>Click to edit Master text styles</a:t>
             </a:r>
           </a:p>
           <a:p>
             <a:pPr lvl="1"/>
             <a:r>
-              <a:rPr lang="en-US" smtClean="0"/>
+              <a:rPr lang="en-US"/>
               <a:t>Second level</a:t>
             </a:r>
           </a:p>
           <a:p>
             <a:pPr lvl="2"/>
             <a:r>
-              <a:rPr lang="en-US" smtClean="0"/>
+              <a:rPr lang="en-US"/>
               <a:t>Third level</a:t>
             </a:r>
           </a:p>
           <a:p>
             <a:pPr lvl="3"/>
             <a:r>
-              <a:rPr lang="en-US" smtClean="0"/>
+              <a:rPr lang="en-US"/>
               <a:t>Fourth level</a:t>
             </a:r>
           </a:p>
           <a:p>
             <a:pPr lvl="4"/>
             <a:r>
-              <a:rPr lang="en-US" smtClean="0"/>
+              <a:rPr lang="en-US"/>
               <a:t>Fifth level</a:t>
             </a:r>
-            <a:endParaRPr lang="en-US"/>
           </a:p>
         </p:txBody>
       </p:sp>
@@ -1364,7 +1370,7 @@
             <a:fld id="{1D8BD707-D9CF-40AE-B4C6-C98DA3205C09}" type="datetimeFigureOut">
               <a:rPr lang="en-US" smtClean="0"/>
               <a:pPr/>
-              <a:t>8/1/2011</a:t>
+              <a:t>4/30/25</a:t>
             </a:fld>
             <a:endParaRPr lang="en-US"/>
           </a:p>
@@ -1458,10 +1464,9 @@
           </a:lstStyle>
           <a:p>
             <a:r>
-              <a:rPr lang="en-US" smtClean="0"/>
+              <a:rPr lang="en-US"/>
               <a:t>Click to edit Master title style</a:t>
             </a:r>
-            <a:endParaRPr lang="en-US"/>
           </a:p>
         </p:txBody>
       </p:sp>
@@ -1524,7 +1529,7 @@
           <a:p>
             <a:pPr lvl="0"/>
             <a:r>
-              <a:rPr lang="en-US" smtClean="0"/>
+              <a:rPr lang="en-US"/>
               <a:t>Click to edit Master text styles</a:t>
             </a:r>
           </a:p>
@@ -1580,38 +1585,37 @@
           <a:p>
             <a:pPr lvl="0"/>
             <a:r>
-              <a:rPr lang="en-US" smtClean="0"/>
+              <a:rPr lang="en-US"/>
               <a:t>Click to edit Master text styles</a:t>
             </a:r>
           </a:p>
           <a:p>
             <a:pPr lvl="1"/>
             <a:r>
-              <a:rPr lang="en-US" smtClean="0"/>
+              <a:rPr lang="en-US"/>
               <a:t>Second level</a:t>
             </a:r>
           </a:p>
           <a:p>
             <a:pPr lvl="2"/>
             <a:r>
-              <a:rPr lang="en-US" smtClean="0"/>
+              <a:rPr lang="en-US"/>
               <a:t>Third level</a:t>
             </a:r>
           </a:p>
           <a:p>
             <a:pPr lvl="3"/>
             <a:r>
-              <a:rPr lang="en-US" smtClean="0"/>
+              <a:rPr lang="en-US"/>
               <a:t>Fourth level</a:t>
             </a:r>
           </a:p>
           <a:p>
             <a:pPr lvl="4"/>
             <a:r>
-              <a:rPr lang="en-US" smtClean="0"/>
+              <a:rPr lang="en-US"/>
               <a:t>Fifth level</a:t>
             </a:r>
-            <a:endParaRPr lang="en-US"/>
           </a:p>
         </p:txBody>
       </p:sp>
@@ -1674,7 +1678,7 @@
           <a:p>
             <a:pPr lvl="0"/>
             <a:r>
-              <a:rPr lang="en-US" smtClean="0"/>
+              <a:rPr lang="en-US"/>
               <a:t>Click to edit Master text styles</a:t>
             </a:r>
           </a:p>
@@ -1730,38 +1734,37 @@
           <a:p>
             <a:pPr lvl="0"/>
             <a:r>
-              <a:rPr lang="en-US" smtClean="0"/>
+              <a:rPr lang="en-US"/>
               <a:t>Click to edit Master text styles</a:t>
             </a:r>
           </a:p>
           <a:p>
             <a:pPr lvl="1"/>
             <a:r>
-              <a:rPr lang="en-US" smtClean="0"/>
+              <a:rPr lang="en-US"/>
               <a:t>Second level</a:t>
             </a:r>
           </a:p>
           <a:p>
             <a:pPr lvl="2"/>
             <a:r>
-              <a:rPr lang="en-US" smtClean="0"/>
+              <a:rPr lang="en-US"/>
               <a:t>Third level</a:t>
             </a:r>
           </a:p>
           <a:p>
             <a:pPr lvl="3"/>
             <a:r>
-              <a:rPr lang="en-US" smtClean="0"/>
+              <a:rPr lang="en-US"/>
               <a:t>Fourth level</a:t>
             </a:r>
           </a:p>
           <a:p>
             <a:pPr lvl="4"/>
             <a:r>
-              <a:rPr lang="en-US" smtClean="0"/>
+              <a:rPr lang="en-US"/>
               <a:t>Fifth level</a:t>
             </a:r>
-            <a:endParaRPr lang="en-US"/>
           </a:p>
         </p:txBody>
       </p:sp>
@@ -1783,7 +1786,7 @@
             <a:fld id="{1D8BD707-D9CF-40AE-B4C6-C98DA3205C09}" type="datetimeFigureOut">
               <a:rPr lang="en-US" smtClean="0"/>
               <a:pPr/>
-              <a:t>8/1/2011</a:t>
+              <a:t>4/30/25</a:t>
             </a:fld>
             <a:endParaRPr lang="en-US"/>
           </a:p>
@@ -1873,10 +1876,9 @@
           <a:lstStyle/>
           <a:p>
             <a:r>
-              <a:rPr lang="en-US" smtClean="0"/>
+              <a:rPr lang="en-US"/>
               <a:t>Click to edit Master title style</a:t>
             </a:r>
-            <a:endParaRPr lang="en-US"/>
           </a:p>
         </p:txBody>
       </p:sp>
@@ -1898,7 +1900,7 @@
             <a:fld id="{1D8BD707-D9CF-40AE-B4C6-C98DA3205C09}" type="datetimeFigureOut">
               <a:rPr lang="en-US" smtClean="0"/>
               <a:pPr/>
-              <a:t>8/1/2011</a:t>
+              <a:t>4/30/25</a:t>
             </a:fld>
             <a:endParaRPr lang="en-US"/>
           </a:p>
@@ -1990,7 +1992,7 @@
             <a:fld id="{1D8BD707-D9CF-40AE-B4C6-C98DA3205C09}" type="datetimeFigureOut">
               <a:rPr lang="en-US" smtClean="0"/>
               <a:pPr/>
-              <a:t>8/1/2011</a:t>
+              <a:t>4/30/25</a:t>
             </a:fld>
             <a:endParaRPr lang="en-US"/>
           </a:p>
@@ -2089,10 +2091,9 @@
           </a:lstStyle>
           <a:p>
             <a:r>
-              <a:rPr lang="en-US" smtClean="0"/>
+              <a:rPr lang="en-US"/>
               <a:t>Click to edit Master title style</a:t>
             </a:r>
-            <a:endParaRPr lang="en-US"/>
           </a:p>
         </p:txBody>
       </p:sp>
@@ -2146,38 +2147,37 @@
           <a:p>
             <a:pPr lvl="0"/>
             <a:r>
-              <a:rPr lang="en-US" smtClean="0"/>
+              <a:rPr lang="en-US"/>
               <a:t>Click to edit Master text styles</a:t>
             </a:r>
           </a:p>
           <a:p>
             <a:pPr lvl="1"/>
             <a:r>
-              <a:rPr lang="en-US" smtClean="0"/>
+              <a:rPr lang="en-US"/>
               <a:t>Second level</a:t>
             </a:r>
           </a:p>
           <a:p>
             <a:pPr lvl="2"/>
             <a:r>
-              <a:rPr lang="en-US" smtClean="0"/>
+              <a:rPr lang="en-US"/>
               <a:t>Third level</a:t>
             </a:r>
           </a:p>
           <a:p>
             <a:pPr lvl="3"/>
             <a:r>
-              <a:rPr lang="en-US" smtClean="0"/>
+              <a:rPr lang="en-US"/>
               <a:t>Fourth level</a:t>
             </a:r>
           </a:p>
           <a:p>
             <a:pPr lvl="4"/>
             <a:r>
-              <a:rPr lang="en-US" smtClean="0"/>
+              <a:rPr lang="en-US"/>
               <a:t>Fifth level</a:t>
             </a:r>
-            <a:endParaRPr lang="en-US"/>
           </a:p>
         </p:txBody>
       </p:sp>
@@ -2240,7 +2240,7 @@
           <a:p>
             <a:pPr lvl="0"/>
             <a:r>
-              <a:rPr lang="en-US" smtClean="0"/>
+              <a:rPr lang="en-US"/>
               <a:t>Click to edit Master text styles</a:t>
             </a:r>
           </a:p>
@@ -2264,7 +2264,7 @@
             <a:fld id="{1D8BD707-D9CF-40AE-B4C6-C98DA3205C09}" type="datetimeFigureOut">
               <a:rPr lang="en-US" smtClean="0"/>
               <a:pPr/>
-              <a:t>8/1/2011</a:t>
+              <a:t>4/30/25</a:t>
             </a:fld>
             <a:endParaRPr lang="en-US"/>
           </a:p>
@@ -2363,10 +2363,9 @@
           </a:lstStyle>
           <a:p>
             <a:r>
-              <a:rPr lang="en-US" smtClean="0"/>
+              <a:rPr lang="en-US"/>
               <a:t>Click to edit Master title style</a:t>
             </a:r>
-            <a:endParaRPr lang="en-US"/>
           </a:p>
         </p:txBody>
       </p:sp>
@@ -2490,7 +2489,7 @@
           <a:p>
             <a:pPr lvl="0"/>
             <a:r>
-              <a:rPr lang="en-US" smtClean="0"/>
+              <a:rPr lang="en-US"/>
               <a:t>Click to edit Master text styles</a:t>
             </a:r>
           </a:p>
@@ -2514,7 +2513,7 @@
             <a:fld id="{1D8BD707-D9CF-40AE-B4C6-C98DA3205C09}" type="datetimeFigureOut">
               <a:rPr lang="en-US" smtClean="0"/>
               <a:pPr/>
-              <a:t>8/1/2011</a:t>
+              <a:t>4/30/25</a:t>
             </a:fld>
             <a:endParaRPr lang="en-US"/>
           </a:p>
@@ -2619,10 +2618,9 @@
           <a:lstStyle/>
           <a:p>
             <a:r>
-              <a:rPr lang="en-US" smtClean="0"/>
+              <a:rPr lang="en-US"/>
               <a:t>Click to edit Master title style</a:t>
             </a:r>
-            <a:endParaRPr lang="en-US"/>
           </a:p>
         </p:txBody>
       </p:sp>
@@ -2653,38 +2651,37 @@
           <a:p>
             <a:pPr lvl="0"/>
             <a:r>
-              <a:rPr lang="en-US" smtClean="0"/>
+              <a:rPr lang="en-US"/>
               <a:t>Click to edit Master text styles</a:t>
             </a:r>
           </a:p>
           <a:p>
             <a:pPr lvl="1"/>
             <a:r>
-              <a:rPr lang="en-US" smtClean="0"/>
+              <a:rPr lang="en-US"/>
               <a:t>Second level</a:t>
             </a:r>
           </a:p>
           <a:p>
             <a:pPr lvl="2"/>
             <a:r>
-              <a:rPr lang="en-US" smtClean="0"/>
+              <a:rPr lang="en-US"/>
               <a:t>Third level</a:t>
             </a:r>
           </a:p>
           <a:p>
             <a:pPr lvl="3"/>
             <a:r>
-              <a:rPr lang="en-US" smtClean="0"/>
+              <a:rPr lang="en-US"/>
               <a:t>Fourth level</a:t>
             </a:r>
           </a:p>
           <a:p>
             <a:pPr lvl="4"/>
             <a:r>
-              <a:rPr lang="en-US" smtClean="0"/>
+              <a:rPr lang="en-US"/>
               <a:t>Fifth level</a:t>
             </a:r>
-            <a:endParaRPr lang="en-US"/>
           </a:p>
         </p:txBody>
       </p:sp>
@@ -2724,7 +2721,7 @@
             <a:fld id="{1D8BD707-D9CF-40AE-B4C6-C98DA3205C09}" type="datetimeFigureOut">
               <a:rPr lang="en-US" smtClean="0"/>
               <a:pPr/>
-              <a:t>8/1/2011</a:t>
+              <a:t>4/30/25</a:t>
             </a:fld>
             <a:endParaRPr lang="en-US"/>
           </a:p>
@@ -3079,7 +3076,7 @@
 </file>
 
 <file path=ppt/slides/slide1.xml><?xml version="1.0" encoding="utf-8"?>
-<p:sld xmlns:p="http://schemas.openxmlformats.org/presentationml/2006/main" xmlns:a="http://schemas.openxmlformats.org/drawingml/2006/main" xmlns:r="http://schemas.openxmlformats.org/officeDocument/2006/relationships">
+<p:sld xmlns:a="http://schemas.openxmlformats.org/drawingml/2006/main" xmlns:r="http://schemas.openxmlformats.org/officeDocument/2006/relationships" xmlns:p="http://schemas.openxmlformats.org/presentationml/2006/main">
   <p:cSld>
     <p:spTree>
       <p:nvGrpSpPr>
@@ -3097,12 +3094,12 @@
       </p:grpSpPr>
       <p:sp>
         <p:nvSpPr>
-          <p:cNvPr name="Freeform 2" id="2"/>
+          <p:cNvPr id="2" name="Freeform 2"/>
           <p:cNvSpPr/>
           <p:nvPr/>
         </p:nvSpPr>
         <p:spPr>
-          <a:xfrm flipH="false" flipV="false" rot="0">
+          <a:xfrm>
             <a:off x="2289811" y="1288019"/>
             <a:ext cx="13708378" cy="7710963"/>
           </a:xfrm>
@@ -3111,9 +3108,9 @@
             <a:gdLst/>
             <a:ahLst/>
             <a:cxnLst/>
-            <a:rect r="r" b="b" t="t" l="l"/>
+            <a:rect l="l" t="t" r="r" b="b"/>
             <a:pathLst>
-              <a:path h="7710963" w="13708378">
+              <a:path w="13708378" h="7710963">
                 <a:moveTo>
                   <a:pt x="0" y="0"/>
                 </a:moveTo>
@@ -3136,19 +3133,26 @@
           <a:blipFill>
             <a:blip r:embed="rId2"/>
             <a:stretch>
-              <a:fillRect l="0" t="0" r="0" b="0"/>
+              <a:fillRect/>
             </a:stretch>
           </a:blipFill>
         </p:spPr>
+        <p:txBody>
+          <a:bodyPr/>
+          <a:lstStyle/>
+          <a:p>
+            <a:endParaRPr lang="en-CO"/>
+          </a:p>
+        </p:txBody>
       </p:sp>
       <p:sp>
         <p:nvSpPr>
-          <p:cNvPr name="TextBox 3" id="3"/>
-          <p:cNvSpPr txBox="true"/>
+          <p:cNvPr id="3" name="TextBox 3"/>
+          <p:cNvSpPr txBox="1"/>
           <p:nvPr/>
         </p:nvSpPr>
         <p:spPr>
-          <a:xfrm rot="0">
+          <a:xfrm>
             <a:off x="2947307" y="8761386"/>
             <a:ext cx="14219618" cy="496914"/>
           </a:xfrm>
@@ -3157,7 +3161,7 @@
           </a:prstGeom>
         </p:spPr>
         <p:txBody>
-          <a:bodyPr anchor="t" rtlCol="false" tIns="0" lIns="0" bIns="0" rIns="0">
+          <a:bodyPr lIns="0" tIns="0" rIns="0" bIns="0" rtlCol="0" anchor="t">
             <a:spAutoFit/>
           </a:bodyPr>
           <a:lstStyle/>
@@ -3194,7 +3198,7 @@
 </file>
 
 <file path=ppt/slides/slide10.xml><?xml version="1.0" encoding="utf-8"?>
-<p:sld xmlns:p="http://schemas.openxmlformats.org/presentationml/2006/main" xmlns:a="http://schemas.openxmlformats.org/drawingml/2006/main">
+<p:sld xmlns:a="http://schemas.openxmlformats.org/drawingml/2006/main" xmlns:r="http://schemas.openxmlformats.org/officeDocument/2006/relationships" xmlns:p="http://schemas.openxmlformats.org/presentationml/2006/main">
   <p:cSld>
     <p:spTree>
       <p:nvGrpSpPr>
@@ -3212,12 +3216,12 @@
       </p:grpSpPr>
       <p:sp>
         <p:nvSpPr>
-          <p:cNvPr name="TextBox 2" id="2"/>
-          <p:cNvSpPr txBox="true"/>
+          <p:cNvPr id="2" name="TextBox 2"/>
+          <p:cNvSpPr txBox="1"/>
           <p:nvPr/>
         </p:nvSpPr>
         <p:spPr>
-          <a:xfrm rot="0">
+          <a:xfrm>
             <a:off x="1638729" y="2645702"/>
             <a:ext cx="15010543" cy="7022173"/>
           </a:xfrm>
@@ -3226,7 +3230,7 @@
           </a:prstGeom>
         </p:spPr>
         <p:txBody>
-          <a:bodyPr anchor="t" rtlCol="false" tIns="0" lIns="0" bIns="0" rIns="0">
+          <a:bodyPr lIns="0" tIns="0" rIns="0" bIns="0" rtlCol="0" anchor="t">
             <a:spAutoFit/>
           </a:bodyPr>
           <a:lstStyle/>
@@ -3261,6 +3265,15 @@
                 <a:spcPct val="0"/>
               </a:spcBef>
             </a:pPr>
+            <a:endParaRPr lang="en-US" sz="2336">
+              <a:solidFill>
+                <a:srgbClr val="000000"/>
+              </a:solidFill>
+              <a:latin typeface="Montserrat"/>
+              <a:ea typeface="Montserrat"/>
+              <a:cs typeface="Montserrat"/>
+              <a:sym typeface="Montserrat"/>
+            </a:endParaRPr>
           </a:p>
           <a:p>
             <a:pPr algn="just">
@@ -3293,6 +3306,15 @@
                 <a:spcPct val="0"/>
               </a:spcBef>
             </a:pPr>
+            <a:endParaRPr lang="en-US" sz="2336">
+              <a:solidFill>
+                <a:srgbClr val="000000"/>
+              </a:solidFill>
+              <a:latin typeface="Montserrat"/>
+              <a:ea typeface="Montserrat"/>
+              <a:cs typeface="Montserrat"/>
+              <a:sym typeface="Montserrat"/>
+            </a:endParaRPr>
           </a:p>
           <a:p>
             <a:pPr algn="just">
@@ -3325,17 +3347,26 @@
                 <a:spcPct val="0"/>
               </a:spcBef>
             </a:pPr>
+            <a:endParaRPr lang="en-US" sz="2336">
+              <a:solidFill>
+                <a:srgbClr val="000000"/>
+              </a:solidFill>
+              <a:latin typeface="Montserrat"/>
+              <a:ea typeface="Montserrat"/>
+              <a:cs typeface="Montserrat"/>
+              <a:sym typeface="Montserrat"/>
+            </a:endParaRPr>
           </a:p>
         </p:txBody>
       </p:sp>
       <p:sp>
         <p:nvSpPr>
-          <p:cNvPr name="TextBox 3" id="3"/>
-          <p:cNvSpPr txBox="true"/>
+          <p:cNvPr id="3" name="TextBox 3"/>
+          <p:cNvSpPr txBox="1"/>
           <p:nvPr/>
         </p:nvSpPr>
         <p:spPr>
-          <a:xfrm rot="0">
+          <a:xfrm>
             <a:off x="2448320" y="876300"/>
             <a:ext cx="13391361" cy="1351919"/>
           </a:xfrm>
@@ -3344,7 +3375,7 @@
           </a:prstGeom>
         </p:spPr>
         <p:txBody>
-          <a:bodyPr anchor="t" rtlCol="false" tIns="0" lIns="0" bIns="0" rIns="0">
+          <a:bodyPr lIns="0" tIns="0" rIns="0" bIns="0" rtlCol="0" anchor="t">
             <a:spAutoFit/>
           </a:bodyPr>
           <a:lstStyle/>
@@ -3358,7 +3389,7 @@
               </a:spcBef>
             </a:pPr>
             <a:r>
-              <a:rPr lang="en-US" b="true" sz="7899">
+              <a:rPr lang="en-US" sz="7899" b="1">
                 <a:solidFill>
                   <a:srgbClr val="000000"/>
                 </a:solidFill>
@@ -3381,7 +3412,7 @@
 </file>
 
 <file path=ppt/slides/slide11.xml><?xml version="1.0" encoding="utf-8"?>
-<p:sld xmlns:p="http://schemas.openxmlformats.org/presentationml/2006/main" xmlns:a="http://schemas.openxmlformats.org/drawingml/2006/main" xmlns:r="http://schemas.openxmlformats.org/officeDocument/2006/relationships">
+<p:sld xmlns:a="http://schemas.openxmlformats.org/drawingml/2006/main" xmlns:r="http://schemas.openxmlformats.org/officeDocument/2006/relationships" xmlns:p="http://schemas.openxmlformats.org/presentationml/2006/main">
   <p:cSld>
     <p:spTree>
       <p:nvGrpSpPr>
@@ -3399,12 +3430,12 @@
       </p:grpSpPr>
       <p:sp>
         <p:nvSpPr>
-          <p:cNvPr name="Freeform 2" id="2"/>
+          <p:cNvPr id="2" name="Freeform 2"/>
           <p:cNvSpPr/>
           <p:nvPr/>
         </p:nvSpPr>
         <p:spPr>
-          <a:xfrm flipH="false" flipV="false" rot="0">
+          <a:xfrm>
             <a:off x="5525360" y="370347"/>
             <a:ext cx="8063966" cy="9546307"/>
           </a:xfrm>
@@ -3413,9 +3444,9 @@
             <a:gdLst/>
             <a:ahLst/>
             <a:cxnLst/>
-            <a:rect r="r" b="b" t="t" l="l"/>
+            <a:rect l="l" t="t" r="r" b="b"/>
             <a:pathLst>
-              <a:path h="9546307" w="8063966">
+              <a:path w="8063966" h="9546307">
                 <a:moveTo>
                   <a:pt x="0" y="0"/>
                 </a:moveTo>
@@ -3438,10 +3469,17 @@
           <a:blipFill>
             <a:blip r:embed="rId2"/>
             <a:stretch>
-              <a:fillRect l="0" t="0" r="0" b="-35698"/>
+              <a:fillRect b="-35698"/>
             </a:stretch>
           </a:blipFill>
         </p:spPr>
+        <p:txBody>
+          <a:bodyPr/>
+          <a:lstStyle/>
+          <a:p>
+            <a:endParaRPr lang="en-CO"/>
+          </a:p>
+        </p:txBody>
       </p:sp>
     </p:spTree>
   </p:cSld>
@@ -3452,7 +3490,7 @@
 </file>
 
 <file path=ppt/slides/slide12.xml><?xml version="1.0" encoding="utf-8"?>
-<p:sld xmlns:p="http://schemas.openxmlformats.org/presentationml/2006/main" xmlns:a="http://schemas.openxmlformats.org/drawingml/2006/main" xmlns:r="http://schemas.openxmlformats.org/officeDocument/2006/relationships">
+<p:sld xmlns:a="http://schemas.openxmlformats.org/drawingml/2006/main" xmlns:r="http://schemas.openxmlformats.org/officeDocument/2006/relationships" xmlns:p="http://schemas.openxmlformats.org/presentationml/2006/main">
   <p:cSld>
     <p:spTree>
       <p:nvGrpSpPr>
@@ -3470,12 +3508,12 @@
       </p:grpSpPr>
       <p:sp>
         <p:nvSpPr>
-          <p:cNvPr name="Freeform 2" id="2"/>
+          <p:cNvPr id="2" name="Freeform 2"/>
           <p:cNvSpPr/>
           <p:nvPr/>
         </p:nvSpPr>
         <p:spPr>
-          <a:xfrm flipH="false" flipV="false" rot="0">
+          <a:xfrm>
             <a:off x="1562722" y="1885306"/>
             <a:ext cx="15162557" cy="6516388"/>
           </a:xfrm>
@@ -3484,9 +3522,9 @@
             <a:gdLst/>
             <a:ahLst/>
             <a:cxnLst/>
-            <a:rect r="r" b="b" t="t" l="l"/>
+            <a:rect l="l" t="t" r="r" b="b"/>
             <a:pathLst>
-              <a:path h="6516388" w="15162557">
+              <a:path w="15162557" h="6516388">
                 <a:moveTo>
                   <a:pt x="0" y="0"/>
                 </a:moveTo>
@@ -3509,10 +3547,17 @@
           <a:blipFill>
             <a:blip r:embed="rId2"/>
             <a:stretch>
-              <a:fillRect l="0" t="-273788" r="0" b="0"/>
+              <a:fillRect t="-273788"/>
             </a:stretch>
           </a:blipFill>
         </p:spPr>
+        <p:txBody>
+          <a:bodyPr/>
+          <a:lstStyle/>
+          <a:p>
+            <a:endParaRPr lang="en-CO"/>
+          </a:p>
+        </p:txBody>
       </p:sp>
     </p:spTree>
   </p:cSld>
@@ -3523,7 +3568,7 @@
 </file>
 
 <file path=ppt/slides/slide13.xml><?xml version="1.0" encoding="utf-8"?>
-<p:sld xmlns:p="http://schemas.openxmlformats.org/presentationml/2006/main" xmlns:a="http://schemas.openxmlformats.org/drawingml/2006/main">
+<p:sld xmlns:a="http://schemas.openxmlformats.org/drawingml/2006/main" xmlns:r="http://schemas.openxmlformats.org/officeDocument/2006/relationships" xmlns:p="http://schemas.openxmlformats.org/presentationml/2006/main">
   <p:cSld>
     <p:spTree>
       <p:nvGrpSpPr>
@@ -3541,9 +3586,9 @@
       </p:grpSpPr>
       <p:graphicFrame>
         <p:nvGraphicFramePr>
-          <p:cNvPr name="Table 2" id="2"/>
+          <p:cNvPr id="2" name="Table 2"/>
           <p:cNvGraphicFramePr>
-            <a:graphicFrameLocks noGrp="true"/>
+            <a:graphicFrameLocks noGrp="1"/>
           </p:cNvGraphicFramePr>
           <p:nvPr/>
         </p:nvGraphicFramePr>
@@ -3556,14 +3601,32 @@
             <a:tbl>
               <a:tblPr/>
               <a:tblGrid>
-                <a:gridCol w="4950062"/>
-                <a:gridCol w="4950062"/>
-                <a:gridCol w="4950062"/>
+                <a:gridCol w="4950062">
+                  <a:extLst>
+                    <a:ext uri="{9D8B030D-6E8A-4147-A177-3AD203B41FA5}">
+                      <a16:colId xmlns:a16="http://schemas.microsoft.com/office/drawing/2014/main" val="20000"/>
+                    </a:ext>
+                  </a:extLst>
+                </a:gridCol>
+                <a:gridCol w="4950062">
+                  <a:extLst>
+                    <a:ext uri="{9D8B030D-6E8A-4147-A177-3AD203B41FA5}">
+                      <a16:colId xmlns:a16="http://schemas.microsoft.com/office/drawing/2014/main" val="20001"/>
+                    </a:ext>
+                  </a:extLst>
+                </a:gridCol>
+                <a:gridCol w="4950062">
+                  <a:extLst>
+                    <a:ext uri="{9D8B030D-6E8A-4147-A177-3AD203B41FA5}">
+                      <a16:colId xmlns:a16="http://schemas.microsoft.com/office/drawing/2014/main" val="20002"/>
+                    </a:ext>
+                  </a:extLst>
+                </a:gridCol>
               </a:tblGrid>
               <a:tr h="553976">
                 <a:tc>
                   <a:txBody>
-                    <a:bodyPr anchor="t" rtlCol="false"/>
+                    <a:bodyPr/>
                     <a:lstStyle/>
                     <a:p>
                       <a:pPr algn="l">
@@ -3573,7 +3636,7 @@
                         <a:defRPr/>
                       </a:pPr>
                       <a:r>
-                        <a:rPr lang="en-US" sz="1299" b="true">
+                        <a:rPr lang="en-US" sz="1299" b="1">
                           <a:solidFill>
                             <a:srgbClr val="000000"/>
                           </a:solidFill>
@@ -3588,7 +3651,7 @@
                     </a:p>
                   </a:txBody>
                   <a:tcPr marL="133350" marR="133350" marT="133350" marB="133350" anchor="ctr">
-                    <a:lnL cmpd="sng" algn="ctr" cap="flat" w="19050">
+                    <a:lnL w="19050" cap="flat" cmpd="sng" algn="ctr">
                       <a:solidFill>
                         <a:srgbClr val="000000"/>
                       </a:solidFill>
@@ -3597,7 +3660,7 @@
                       <a:headEnd type="none" w="med" len="med"/>
                       <a:tailEnd type="none" w="med" len="med"/>
                     </a:lnL>
-                    <a:lnR cmpd="sng" algn="ctr" cap="flat" w="19050">
+                    <a:lnR w="19050" cap="flat" cmpd="sng" algn="ctr">
                       <a:solidFill>
                         <a:srgbClr val="000000"/>
                       </a:solidFill>
@@ -3606,7 +3669,7 @@
                       <a:headEnd type="none" w="med" len="med"/>
                       <a:tailEnd type="none" w="med" len="med"/>
                     </a:lnR>
-                    <a:lnT cmpd="sng" algn="ctr" cap="flat" w="19050">
+                    <a:lnT w="19050" cap="flat" cmpd="sng" algn="ctr">
                       <a:solidFill>
                         <a:srgbClr val="000000"/>
                       </a:solidFill>
@@ -3615,7 +3678,7 @@
                       <a:headEnd type="none" w="med" len="med"/>
                       <a:tailEnd type="none" w="med" len="med"/>
                     </a:lnT>
-                    <a:lnB cmpd="sng" algn="ctr" cap="flat" w="19050">
+                    <a:lnB w="19050" cap="flat" cmpd="sng" algn="ctr">
                       <a:solidFill>
                         <a:srgbClr val="000000"/>
                       </a:solidFill>
@@ -3628,7 +3691,7 @@
                 </a:tc>
                 <a:tc>
                   <a:txBody>
-                    <a:bodyPr anchor="t" rtlCol="false"/>
+                    <a:bodyPr/>
                     <a:lstStyle/>
                     <a:p>
                       <a:pPr algn="l">
@@ -3638,7 +3701,7 @@
                         <a:defRPr/>
                       </a:pPr>
                       <a:r>
-                        <a:rPr lang="en-US" sz="1299" b="true">
+                        <a:rPr lang="en-US" sz="1299" b="1">
                           <a:solidFill>
                             <a:srgbClr val="000000"/>
                           </a:solidFill>
@@ -3653,7 +3716,7 @@
                     </a:p>
                   </a:txBody>
                   <a:tcPr marL="133350" marR="133350" marT="133350" marB="133350" anchor="ctr">
-                    <a:lnL cmpd="sng" algn="ctr" cap="flat" w="19050">
+                    <a:lnL w="19050" cap="flat" cmpd="sng" algn="ctr">
                       <a:solidFill>
                         <a:srgbClr val="000000"/>
                       </a:solidFill>
@@ -3662,7 +3725,7 @@
                       <a:headEnd type="none" w="med" len="med"/>
                       <a:tailEnd type="none" w="med" len="med"/>
                     </a:lnL>
-                    <a:lnR cmpd="sng" algn="ctr" cap="flat" w="19050">
+                    <a:lnR w="19050" cap="flat" cmpd="sng" algn="ctr">
                       <a:solidFill>
                         <a:srgbClr val="000000"/>
                       </a:solidFill>
@@ -3671,7 +3734,7 @@
                       <a:headEnd type="none" w="med" len="med"/>
                       <a:tailEnd type="none" w="med" len="med"/>
                     </a:lnR>
-                    <a:lnT cmpd="sng" algn="ctr" cap="flat" w="19050">
+                    <a:lnT w="19050" cap="flat" cmpd="sng" algn="ctr">
                       <a:solidFill>
                         <a:srgbClr val="000000"/>
                       </a:solidFill>
@@ -3680,7 +3743,7 @@
                       <a:headEnd type="none" w="med" len="med"/>
                       <a:tailEnd type="none" w="med" len="med"/>
                     </a:lnT>
-                    <a:lnB cmpd="sng" algn="ctr" cap="flat" w="19050">
+                    <a:lnB w="19050" cap="flat" cmpd="sng" algn="ctr">
                       <a:solidFill>
                         <a:srgbClr val="000000"/>
                       </a:solidFill>
@@ -3693,7 +3756,7 @@
                 </a:tc>
                 <a:tc>
                   <a:txBody>
-                    <a:bodyPr anchor="t" rtlCol="false"/>
+                    <a:bodyPr/>
                     <a:lstStyle/>
                     <a:p>
                       <a:pPr algn="l">
@@ -3703,7 +3766,7 @@
                         <a:defRPr/>
                       </a:pPr>
                       <a:r>
-                        <a:rPr lang="en-US" sz="1299" b="true">
+                        <a:rPr lang="en-US" sz="1299" b="1">
                           <a:solidFill>
                             <a:srgbClr val="000000"/>
                           </a:solidFill>
@@ -3718,7 +3781,7 @@
                     </a:p>
                   </a:txBody>
                   <a:tcPr marL="133350" marR="133350" marT="133350" marB="133350" anchor="ctr">
-                    <a:lnL cmpd="sng" algn="ctr" cap="flat" w="19050">
+                    <a:lnL w="19050" cap="flat" cmpd="sng" algn="ctr">
                       <a:solidFill>
                         <a:srgbClr val="000000"/>
                       </a:solidFill>
@@ -3727,7 +3790,7 @@
                       <a:headEnd type="none" w="med" len="med"/>
                       <a:tailEnd type="none" w="med" len="med"/>
                     </a:lnL>
-                    <a:lnR cmpd="sng" algn="ctr" cap="flat" w="19050">
+                    <a:lnR w="19050" cap="flat" cmpd="sng" algn="ctr">
                       <a:solidFill>
                         <a:srgbClr val="000000"/>
                       </a:solidFill>
@@ -3736,7 +3799,7 @@
                       <a:headEnd type="none" w="med" len="med"/>
                       <a:tailEnd type="none" w="med" len="med"/>
                     </a:lnR>
-                    <a:lnT cmpd="sng" algn="ctr" cap="flat" w="19050">
+                    <a:lnT w="19050" cap="flat" cmpd="sng" algn="ctr">
                       <a:solidFill>
                         <a:srgbClr val="000000"/>
                       </a:solidFill>
@@ -3745,7 +3808,7 @@
                       <a:headEnd type="none" w="med" len="med"/>
                       <a:tailEnd type="none" w="med" len="med"/>
                     </a:lnT>
-                    <a:lnB cmpd="sng" algn="ctr" cap="flat" w="19050">
+                    <a:lnB w="19050" cap="flat" cmpd="sng" algn="ctr">
                       <a:solidFill>
                         <a:srgbClr val="000000"/>
                       </a:solidFill>
@@ -3756,11 +3819,16 @@
                     </a:lnB>
                   </a:tcPr>
                 </a:tc>
+                <a:extLst>
+                  <a:ext uri="{0D108BD9-81ED-4DB2-BD59-A6C34878D82A}">
+                    <a16:rowId xmlns:a16="http://schemas.microsoft.com/office/drawing/2014/main" val="10000"/>
+                  </a:ext>
+                </a:extLst>
               </a:tr>
               <a:tr h="783208">
                 <a:tc>
                   <a:txBody>
-                    <a:bodyPr anchor="t" rtlCol="false"/>
+                    <a:bodyPr/>
                     <a:lstStyle/>
                     <a:p>
                       <a:pPr algn="l">
@@ -3770,7 +3838,7 @@
                         <a:defRPr/>
                       </a:pPr>
                       <a:r>
-                        <a:rPr lang="en-US" sz="1299" b="true">
+                        <a:rPr lang="en-US" sz="1299" b="1">
                           <a:solidFill>
                             <a:srgbClr val="000000"/>
                           </a:solidFill>
@@ -3785,7 +3853,7 @@
                     </a:p>
                   </a:txBody>
                   <a:tcPr marL="133350" marR="133350" marT="133350" marB="133350" anchor="ctr">
-                    <a:lnL cmpd="sng" algn="ctr" cap="flat" w="19050">
+                    <a:lnL w="19050" cap="flat" cmpd="sng" algn="ctr">
                       <a:solidFill>
                         <a:srgbClr val="000000"/>
                       </a:solidFill>
@@ -3794,7 +3862,7 @@
                       <a:headEnd type="none" w="med" len="med"/>
                       <a:tailEnd type="none" w="med" len="med"/>
                     </a:lnL>
-                    <a:lnR cmpd="sng" algn="ctr" cap="flat" w="19050">
+                    <a:lnR w="19050" cap="flat" cmpd="sng" algn="ctr">
                       <a:solidFill>
                         <a:srgbClr val="000000"/>
                       </a:solidFill>
@@ -3803,7 +3871,7 @@
                       <a:headEnd type="none" w="med" len="med"/>
                       <a:tailEnd type="none" w="med" len="med"/>
                     </a:lnR>
-                    <a:lnT cmpd="sng" algn="ctr" cap="flat" w="19050">
+                    <a:lnT w="19050" cap="flat" cmpd="sng" algn="ctr">
                       <a:solidFill>
                         <a:srgbClr val="000000"/>
                       </a:solidFill>
@@ -3812,7 +3880,7 @@
                       <a:headEnd type="none" w="med" len="med"/>
                       <a:tailEnd type="none" w="med" len="med"/>
                     </a:lnT>
-                    <a:lnB cmpd="sng" algn="ctr" cap="flat" w="19050">
+                    <a:lnB w="19050" cap="flat" cmpd="sng" algn="ctr">
                       <a:solidFill>
                         <a:srgbClr val="000000"/>
                       </a:solidFill>
@@ -3825,7 +3893,7 @@
                 </a:tc>
                 <a:tc>
                   <a:txBody>
-                    <a:bodyPr anchor="t" rtlCol="false"/>
+                    <a:bodyPr/>
                     <a:lstStyle/>
                     <a:p>
                       <a:pPr algn="l">
@@ -3850,7 +3918,7 @@
                     </a:p>
                   </a:txBody>
                   <a:tcPr marL="133350" marR="133350" marT="133350" marB="133350" anchor="ctr">
-                    <a:lnL cmpd="sng" algn="ctr" cap="flat" w="19050">
+                    <a:lnL w="19050" cap="flat" cmpd="sng" algn="ctr">
                       <a:solidFill>
                         <a:srgbClr val="000000"/>
                       </a:solidFill>
@@ -3859,7 +3927,7 @@
                       <a:headEnd type="none" w="med" len="med"/>
                       <a:tailEnd type="none" w="med" len="med"/>
                     </a:lnL>
-                    <a:lnR cmpd="sng" algn="ctr" cap="flat" w="19050">
+                    <a:lnR w="19050" cap="flat" cmpd="sng" algn="ctr">
                       <a:solidFill>
                         <a:srgbClr val="000000"/>
                       </a:solidFill>
@@ -3868,7 +3936,7 @@
                       <a:headEnd type="none" w="med" len="med"/>
                       <a:tailEnd type="none" w="med" len="med"/>
                     </a:lnR>
-                    <a:lnT cmpd="sng" algn="ctr" cap="flat" w="19050">
+                    <a:lnT w="19050" cap="flat" cmpd="sng" algn="ctr">
                       <a:solidFill>
                         <a:srgbClr val="000000"/>
                       </a:solidFill>
@@ -3877,7 +3945,7 @@
                       <a:headEnd type="none" w="med" len="med"/>
                       <a:tailEnd type="none" w="med" len="med"/>
                     </a:lnT>
-                    <a:lnB cmpd="sng" algn="ctr" cap="flat" w="19050">
+                    <a:lnB w="19050" cap="flat" cmpd="sng" algn="ctr">
                       <a:solidFill>
                         <a:srgbClr val="000000"/>
                       </a:solidFill>
@@ -3890,7 +3958,7 @@
                 </a:tc>
                 <a:tc>
                   <a:txBody>
-                    <a:bodyPr anchor="t" rtlCol="false"/>
+                    <a:bodyPr/>
                     <a:lstStyle/>
                     <a:p>
                       <a:pPr algn="l">
@@ -3915,7 +3983,7 @@
                     </a:p>
                   </a:txBody>
                   <a:tcPr marL="133350" marR="133350" marT="133350" marB="133350" anchor="ctr">
-                    <a:lnL cmpd="sng" algn="ctr" cap="flat" w="19050">
+                    <a:lnL w="19050" cap="flat" cmpd="sng" algn="ctr">
                       <a:solidFill>
                         <a:srgbClr val="000000"/>
                       </a:solidFill>
@@ -3924,7 +3992,7 @@
                       <a:headEnd type="none" w="med" len="med"/>
                       <a:tailEnd type="none" w="med" len="med"/>
                     </a:lnL>
-                    <a:lnR cmpd="sng" algn="ctr" cap="flat" w="19050">
+                    <a:lnR w="19050" cap="flat" cmpd="sng" algn="ctr">
                       <a:solidFill>
                         <a:srgbClr val="000000"/>
                       </a:solidFill>
@@ -3933,7 +4001,7 @@
                       <a:headEnd type="none" w="med" len="med"/>
                       <a:tailEnd type="none" w="med" len="med"/>
                     </a:lnR>
-                    <a:lnT cmpd="sng" algn="ctr" cap="flat" w="19050">
+                    <a:lnT w="19050" cap="flat" cmpd="sng" algn="ctr">
                       <a:solidFill>
                         <a:srgbClr val="000000"/>
                       </a:solidFill>
@@ -3942,7 +4010,7 @@
                       <a:headEnd type="none" w="med" len="med"/>
                       <a:tailEnd type="none" w="med" len="med"/>
                     </a:lnT>
-                    <a:lnB cmpd="sng" algn="ctr" cap="flat" w="19050">
+                    <a:lnB w="19050" cap="flat" cmpd="sng" algn="ctr">
                       <a:solidFill>
                         <a:srgbClr val="000000"/>
                       </a:solidFill>
@@ -3953,11 +4021,16 @@
                     </a:lnB>
                   </a:tcPr>
                 </a:tc>
+                <a:extLst>
+                  <a:ext uri="{0D108BD9-81ED-4DB2-BD59-A6C34878D82A}">
+                    <a16:rowId xmlns:a16="http://schemas.microsoft.com/office/drawing/2014/main" val="10001"/>
+                  </a:ext>
+                </a:extLst>
               </a:tr>
               <a:tr h="553976">
                 <a:tc>
                   <a:txBody>
-                    <a:bodyPr anchor="t" rtlCol="false"/>
+                    <a:bodyPr/>
                     <a:lstStyle/>
                     <a:p>
                       <a:pPr algn="l">
@@ -3967,7 +4040,7 @@
                         <a:defRPr/>
                       </a:pPr>
                       <a:r>
-                        <a:rPr lang="en-US" sz="1299" b="true">
+                        <a:rPr lang="en-US" sz="1299" b="1">
                           <a:solidFill>
                             <a:srgbClr val="000000"/>
                           </a:solidFill>
@@ -3982,7 +4055,7 @@
                     </a:p>
                   </a:txBody>
                   <a:tcPr marL="133350" marR="133350" marT="133350" marB="133350" anchor="ctr">
-                    <a:lnL cmpd="sng" algn="ctr" cap="flat" w="19050">
+                    <a:lnL w="19050" cap="flat" cmpd="sng" algn="ctr">
                       <a:solidFill>
                         <a:srgbClr val="000000"/>
                       </a:solidFill>
@@ -3991,7 +4064,7 @@
                       <a:headEnd type="none" w="med" len="med"/>
                       <a:tailEnd type="none" w="med" len="med"/>
                     </a:lnL>
-                    <a:lnR cmpd="sng" algn="ctr" cap="flat" w="19050">
+                    <a:lnR w="19050" cap="flat" cmpd="sng" algn="ctr">
                       <a:solidFill>
                         <a:srgbClr val="000000"/>
                       </a:solidFill>
@@ -4000,7 +4073,7 @@
                       <a:headEnd type="none" w="med" len="med"/>
                       <a:tailEnd type="none" w="med" len="med"/>
                     </a:lnR>
-                    <a:lnT cmpd="sng" algn="ctr" cap="flat" w="19050">
+                    <a:lnT w="19050" cap="flat" cmpd="sng" algn="ctr">
                       <a:solidFill>
                         <a:srgbClr val="000000"/>
                       </a:solidFill>
@@ -4009,7 +4082,7 @@
                       <a:headEnd type="none" w="med" len="med"/>
                       <a:tailEnd type="none" w="med" len="med"/>
                     </a:lnT>
-                    <a:lnB cmpd="sng" algn="ctr" cap="flat" w="19050">
+                    <a:lnB w="19050" cap="flat" cmpd="sng" algn="ctr">
                       <a:solidFill>
                         <a:srgbClr val="000000"/>
                       </a:solidFill>
@@ -4022,7 +4095,7 @@
                 </a:tc>
                 <a:tc>
                   <a:txBody>
-                    <a:bodyPr anchor="t" rtlCol="false"/>
+                    <a:bodyPr/>
                     <a:lstStyle/>
                     <a:p>
                       <a:pPr algn="l">
@@ -4047,7 +4120,7 @@
                     </a:p>
                   </a:txBody>
                   <a:tcPr marL="133350" marR="133350" marT="133350" marB="133350" anchor="ctr">
-                    <a:lnL cmpd="sng" algn="ctr" cap="flat" w="19050">
+                    <a:lnL w="19050" cap="flat" cmpd="sng" algn="ctr">
                       <a:solidFill>
                         <a:srgbClr val="000000"/>
                       </a:solidFill>
@@ -4056,7 +4129,7 @@
                       <a:headEnd type="none" w="med" len="med"/>
                       <a:tailEnd type="none" w="med" len="med"/>
                     </a:lnL>
-                    <a:lnR cmpd="sng" algn="ctr" cap="flat" w="19050">
+                    <a:lnR w="19050" cap="flat" cmpd="sng" algn="ctr">
                       <a:solidFill>
                         <a:srgbClr val="000000"/>
                       </a:solidFill>
@@ -4065,7 +4138,7 @@
                       <a:headEnd type="none" w="med" len="med"/>
                       <a:tailEnd type="none" w="med" len="med"/>
                     </a:lnR>
-                    <a:lnT cmpd="sng" algn="ctr" cap="flat" w="19050">
+                    <a:lnT w="19050" cap="flat" cmpd="sng" algn="ctr">
                       <a:solidFill>
                         <a:srgbClr val="000000"/>
                       </a:solidFill>
@@ -4074,7 +4147,7 @@
                       <a:headEnd type="none" w="med" len="med"/>
                       <a:tailEnd type="none" w="med" len="med"/>
                     </a:lnT>
-                    <a:lnB cmpd="sng" algn="ctr" cap="flat" w="19050">
+                    <a:lnB w="19050" cap="flat" cmpd="sng" algn="ctr">
                       <a:solidFill>
                         <a:srgbClr val="000000"/>
                       </a:solidFill>
@@ -4087,7 +4160,7 @@
                 </a:tc>
                 <a:tc>
                   <a:txBody>
-                    <a:bodyPr anchor="t" rtlCol="false"/>
+                    <a:bodyPr/>
                     <a:lstStyle/>
                     <a:p>
                       <a:pPr algn="l">
@@ -4112,7 +4185,7 @@
                     </a:p>
                   </a:txBody>
                   <a:tcPr marL="133350" marR="133350" marT="133350" marB="133350" anchor="ctr">
-                    <a:lnL cmpd="sng" algn="ctr" cap="flat" w="19050">
+                    <a:lnL w="19050" cap="flat" cmpd="sng" algn="ctr">
                       <a:solidFill>
                         <a:srgbClr val="000000"/>
                       </a:solidFill>
@@ -4121,7 +4194,7 @@
                       <a:headEnd type="none" w="med" len="med"/>
                       <a:tailEnd type="none" w="med" len="med"/>
                     </a:lnL>
-                    <a:lnR cmpd="sng" algn="ctr" cap="flat" w="19050">
+                    <a:lnR w="19050" cap="flat" cmpd="sng" algn="ctr">
                       <a:solidFill>
                         <a:srgbClr val="000000"/>
                       </a:solidFill>
@@ -4130,7 +4203,7 @@
                       <a:headEnd type="none" w="med" len="med"/>
                       <a:tailEnd type="none" w="med" len="med"/>
                     </a:lnR>
-                    <a:lnT cmpd="sng" algn="ctr" cap="flat" w="19050">
+                    <a:lnT w="19050" cap="flat" cmpd="sng" algn="ctr">
                       <a:solidFill>
                         <a:srgbClr val="000000"/>
                       </a:solidFill>
@@ -4139,7 +4212,7 @@
                       <a:headEnd type="none" w="med" len="med"/>
                       <a:tailEnd type="none" w="med" len="med"/>
                     </a:lnT>
-                    <a:lnB cmpd="sng" algn="ctr" cap="flat" w="19050">
+                    <a:lnB w="19050" cap="flat" cmpd="sng" algn="ctr">
                       <a:solidFill>
                         <a:srgbClr val="000000"/>
                       </a:solidFill>
@@ -4150,11 +4223,16 @@
                     </a:lnB>
                   </a:tcPr>
                 </a:tc>
+                <a:extLst>
+                  <a:ext uri="{0D108BD9-81ED-4DB2-BD59-A6C34878D82A}">
+                    <a16:rowId xmlns:a16="http://schemas.microsoft.com/office/drawing/2014/main" val="10002"/>
+                  </a:ext>
+                </a:extLst>
               </a:tr>
               <a:tr h="783208">
                 <a:tc>
                   <a:txBody>
-                    <a:bodyPr anchor="t" rtlCol="false"/>
+                    <a:bodyPr/>
                     <a:lstStyle/>
                     <a:p>
                       <a:pPr algn="l">
@@ -4164,7 +4242,7 @@
                         <a:defRPr/>
                       </a:pPr>
                       <a:r>
-                        <a:rPr lang="en-US" sz="1299" b="true">
+                        <a:rPr lang="en-US" sz="1299" b="1">
                           <a:solidFill>
                             <a:srgbClr val="000000"/>
                           </a:solidFill>
@@ -4179,7 +4257,7 @@
                     </a:p>
                   </a:txBody>
                   <a:tcPr marL="133350" marR="133350" marT="133350" marB="133350" anchor="ctr">
-                    <a:lnL cmpd="sng" algn="ctr" cap="flat" w="19050">
+                    <a:lnL w="19050" cap="flat" cmpd="sng" algn="ctr">
                       <a:solidFill>
                         <a:srgbClr val="000000"/>
                       </a:solidFill>
@@ -4188,7 +4266,7 @@
                       <a:headEnd type="none" w="med" len="med"/>
                       <a:tailEnd type="none" w="med" len="med"/>
                     </a:lnL>
-                    <a:lnR cmpd="sng" algn="ctr" cap="flat" w="19050">
+                    <a:lnR w="19050" cap="flat" cmpd="sng" algn="ctr">
                       <a:solidFill>
                         <a:srgbClr val="000000"/>
                       </a:solidFill>
@@ -4197,7 +4275,7 @@
                       <a:headEnd type="none" w="med" len="med"/>
                       <a:tailEnd type="none" w="med" len="med"/>
                     </a:lnR>
-                    <a:lnT cmpd="sng" algn="ctr" cap="flat" w="19050">
+                    <a:lnT w="19050" cap="flat" cmpd="sng" algn="ctr">
                       <a:solidFill>
                         <a:srgbClr val="000000"/>
                       </a:solidFill>
@@ -4206,7 +4284,7 @@
                       <a:headEnd type="none" w="med" len="med"/>
                       <a:tailEnd type="none" w="med" len="med"/>
                     </a:lnT>
-                    <a:lnB cmpd="sng" algn="ctr" cap="flat" w="19050">
+                    <a:lnB w="19050" cap="flat" cmpd="sng" algn="ctr">
                       <a:solidFill>
                         <a:srgbClr val="000000"/>
                       </a:solidFill>
@@ -4219,7 +4297,7 @@
                 </a:tc>
                 <a:tc>
                   <a:txBody>
-                    <a:bodyPr anchor="t" rtlCol="false"/>
+                    <a:bodyPr/>
                     <a:lstStyle/>
                     <a:p>
                       <a:pPr algn="l">
@@ -4244,7 +4322,7 @@
                     </a:p>
                   </a:txBody>
                   <a:tcPr marL="133350" marR="133350" marT="133350" marB="133350" anchor="ctr">
-                    <a:lnL cmpd="sng" algn="ctr" cap="flat" w="19050">
+                    <a:lnL w="19050" cap="flat" cmpd="sng" algn="ctr">
                       <a:solidFill>
                         <a:srgbClr val="000000"/>
                       </a:solidFill>
@@ -4253,7 +4331,7 @@
                       <a:headEnd type="none" w="med" len="med"/>
                       <a:tailEnd type="none" w="med" len="med"/>
                     </a:lnL>
-                    <a:lnR cmpd="sng" algn="ctr" cap="flat" w="19050">
+                    <a:lnR w="19050" cap="flat" cmpd="sng" algn="ctr">
                       <a:solidFill>
                         <a:srgbClr val="000000"/>
                       </a:solidFill>
@@ -4262,7 +4340,7 @@
                       <a:headEnd type="none" w="med" len="med"/>
                       <a:tailEnd type="none" w="med" len="med"/>
                     </a:lnR>
-                    <a:lnT cmpd="sng" algn="ctr" cap="flat" w="19050">
+                    <a:lnT w="19050" cap="flat" cmpd="sng" algn="ctr">
                       <a:solidFill>
                         <a:srgbClr val="000000"/>
                       </a:solidFill>
@@ -4271,7 +4349,7 @@
                       <a:headEnd type="none" w="med" len="med"/>
                       <a:tailEnd type="none" w="med" len="med"/>
                     </a:lnT>
-                    <a:lnB cmpd="sng" algn="ctr" cap="flat" w="19050">
+                    <a:lnB w="19050" cap="flat" cmpd="sng" algn="ctr">
                       <a:solidFill>
                         <a:srgbClr val="000000"/>
                       </a:solidFill>
@@ -4284,7 +4362,7 @@
                 </a:tc>
                 <a:tc>
                   <a:txBody>
-                    <a:bodyPr anchor="t" rtlCol="false"/>
+                    <a:bodyPr/>
                     <a:lstStyle/>
                     <a:p>
                       <a:pPr algn="l">
@@ -4309,7 +4387,7 @@
                     </a:p>
                   </a:txBody>
                   <a:tcPr marL="133350" marR="133350" marT="133350" marB="133350" anchor="ctr">
-                    <a:lnL cmpd="sng" algn="ctr" cap="flat" w="19050">
+                    <a:lnL w="19050" cap="flat" cmpd="sng" algn="ctr">
                       <a:solidFill>
                         <a:srgbClr val="000000"/>
                       </a:solidFill>
@@ -4318,7 +4396,7 @@
                       <a:headEnd type="none" w="med" len="med"/>
                       <a:tailEnd type="none" w="med" len="med"/>
                     </a:lnL>
-                    <a:lnR cmpd="sng" algn="ctr" cap="flat" w="19050">
+                    <a:lnR w="19050" cap="flat" cmpd="sng" algn="ctr">
                       <a:solidFill>
                         <a:srgbClr val="000000"/>
                       </a:solidFill>
@@ -4327,7 +4405,7 @@
                       <a:headEnd type="none" w="med" len="med"/>
                       <a:tailEnd type="none" w="med" len="med"/>
                     </a:lnR>
-                    <a:lnT cmpd="sng" algn="ctr" cap="flat" w="19050">
+                    <a:lnT w="19050" cap="flat" cmpd="sng" algn="ctr">
                       <a:solidFill>
                         <a:srgbClr val="000000"/>
                       </a:solidFill>
@@ -4336,7 +4414,7 @@
                       <a:headEnd type="none" w="med" len="med"/>
                       <a:tailEnd type="none" w="med" len="med"/>
                     </a:lnT>
-                    <a:lnB cmpd="sng" algn="ctr" cap="flat" w="19050">
+                    <a:lnB w="19050" cap="flat" cmpd="sng" algn="ctr">
                       <a:solidFill>
                         <a:srgbClr val="000000"/>
                       </a:solidFill>
@@ -4347,11 +4425,16 @@
                     </a:lnB>
                   </a:tcPr>
                 </a:tc>
+                <a:extLst>
+                  <a:ext uri="{0D108BD9-81ED-4DB2-BD59-A6C34878D82A}">
+                    <a16:rowId xmlns:a16="http://schemas.microsoft.com/office/drawing/2014/main" val="10003"/>
+                  </a:ext>
+                </a:extLst>
               </a:tr>
               <a:tr h="783208">
                 <a:tc>
                   <a:txBody>
-                    <a:bodyPr anchor="t" rtlCol="false"/>
+                    <a:bodyPr/>
                     <a:lstStyle/>
                     <a:p>
                       <a:pPr algn="l">
@@ -4361,7 +4444,7 @@
                         <a:defRPr/>
                       </a:pPr>
                       <a:r>
-                        <a:rPr lang="en-US" sz="1299" b="true">
+                        <a:rPr lang="en-US" sz="1299" b="1">
                           <a:solidFill>
                             <a:srgbClr val="000000"/>
                           </a:solidFill>
@@ -4376,7 +4459,7 @@
                     </a:p>
                   </a:txBody>
                   <a:tcPr marL="133350" marR="133350" marT="133350" marB="133350" anchor="ctr">
-                    <a:lnL cmpd="sng" algn="ctr" cap="flat" w="19050">
+                    <a:lnL w="19050" cap="flat" cmpd="sng" algn="ctr">
                       <a:solidFill>
                         <a:srgbClr val="000000"/>
                       </a:solidFill>
@@ -4385,7 +4468,7 @@
                       <a:headEnd type="none" w="med" len="med"/>
                       <a:tailEnd type="none" w="med" len="med"/>
                     </a:lnL>
-                    <a:lnR cmpd="sng" algn="ctr" cap="flat" w="19050">
+                    <a:lnR w="19050" cap="flat" cmpd="sng" algn="ctr">
                       <a:solidFill>
                         <a:srgbClr val="000000"/>
                       </a:solidFill>
@@ -4394,7 +4477,7 @@
                       <a:headEnd type="none" w="med" len="med"/>
                       <a:tailEnd type="none" w="med" len="med"/>
                     </a:lnR>
-                    <a:lnT cmpd="sng" algn="ctr" cap="flat" w="19050">
+                    <a:lnT w="19050" cap="flat" cmpd="sng" algn="ctr">
                       <a:solidFill>
                         <a:srgbClr val="000000"/>
                       </a:solidFill>
@@ -4403,7 +4486,7 @@
                       <a:headEnd type="none" w="med" len="med"/>
                       <a:tailEnd type="none" w="med" len="med"/>
                     </a:lnT>
-                    <a:lnB cmpd="sng" algn="ctr" cap="flat" w="19050">
+                    <a:lnB w="19050" cap="flat" cmpd="sng" algn="ctr">
                       <a:solidFill>
                         <a:srgbClr val="000000"/>
                       </a:solidFill>
@@ -4416,7 +4499,7 @@
                 </a:tc>
                 <a:tc>
                   <a:txBody>
-                    <a:bodyPr anchor="t" rtlCol="false"/>
+                    <a:bodyPr/>
                     <a:lstStyle/>
                     <a:p>
                       <a:pPr algn="l">
@@ -4441,7 +4524,7 @@
                     </a:p>
                   </a:txBody>
                   <a:tcPr marL="133350" marR="133350" marT="133350" marB="133350" anchor="ctr">
-                    <a:lnL cmpd="sng" algn="ctr" cap="flat" w="19050">
+                    <a:lnL w="19050" cap="flat" cmpd="sng" algn="ctr">
                       <a:solidFill>
                         <a:srgbClr val="000000"/>
                       </a:solidFill>
@@ -4450,7 +4533,7 @@
                       <a:headEnd type="none" w="med" len="med"/>
                       <a:tailEnd type="none" w="med" len="med"/>
                     </a:lnL>
-                    <a:lnR cmpd="sng" algn="ctr" cap="flat" w="19050">
+                    <a:lnR w="19050" cap="flat" cmpd="sng" algn="ctr">
                       <a:solidFill>
                         <a:srgbClr val="000000"/>
                       </a:solidFill>
@@ -4459,7 +4542,7 @@
                       <a:headEnd type="none" w="med" len="med"/>
                       <a:tailEnd type="none" w="med" len="med"/>
                     </a:lnR>
-                    <a:lnT cmpd="sng" algn="ctr" cap="flat" w="19050">
+                    <a:lnT w="19050" cap="flat" cmpd="sng" algn="ctr">
                       <a:solidFill>
                         <a:srgbClr val="000000"/>
                       </a:solidFill>
@@ -4468,7 +4551,7 @@
                       <a:headEnd type="none" w="med" len="med"/>
                       <a:tailEnd type="none" w="med" len="med"/>
                     </a:lnT>
-                    <a:lnB cmpd="sng" algn="ctr" cap="flat" w="19050">
+                    <a:lnB w="19050" cap="flat" cmpd="sng" algn="ctr">
                       <a:solidFill>
                         <a:srgbClr val="000000"/>
                       </a:solidFill>
@@ -4481,7 +4564,7 @@
                 </a:tc>
                 <a:tc>
                   <a:txBody>
-                    <a:bodyPr anchor="t" rtlCol="false"/>
+                    <a:bodyPr/>
                     <a:lstStyle/>
                     <a:p>
                       <a:pPr algn="l">
@@ -4506,7 +4589,7 @@
                     </a:p>
                   </a:txBody>
                   <a:tcPr marL="133350" marR="133350" marT="133350" marB="133350" anchor="ctr">
-                    <a:lnL cmpd="sng" algn="ctr" cap="flat" w="19050">
+                    <a:lnL w="19050" cap="flat" cmpd="sng" algn="ctr">
                       <a:solidFill>
                         <a:srgbClr val="000000"/>
                       </a:solidFill>
@@ -4515,7 +4598,7 @@
                       <a:headEnd type="none" w="med" len="med"/>
                       <a:tailEnd type="none" w="med" len="med"/>
                     </a:lnL>
-                    <a:lnR cmpd="sng" algn="ctr" cap="flat" w="19050">
+                    <a:lnR w="19050" cap="flat" cmpd="sng" algn="ctr">
                       <a:solidFill>
                         <a:srgbClr val="000000"/>
                       </a:solidFill>
@@ -4524,7 +4607,7 @@
                       <a:headEnd type="none" w="med" len="med"/>
                       <a:tailEnd type="none" w="med" len="med"/>
                     </a:lnR>
-                    <a:lnT cmpd="sng" algn="ctr" cap="flat" w="19050">
+                    <a:lnT w="19050" cap="flat" cmpd="sng" algn="ctr">
                       <a:solidFill>
                         <a:srgbClr val="000000"/>
                       </a:solidFill>
@@ -4533,7 +4616,7 @@
                       <a:headEnd type="none" w="med" len="med"/>
                       <a:tailEnd type="none" w="med" len="med"/>
                     </a:lnT>
-                    <a:lnB cmpd="sng" algn="ctr" cap="flat" w="19050">
+                    <a:lnB w="19050" cap="flat" cmpd="sng" algn="ctr">
                       <a:solidFill>
                         <a:srgbClr val="000000"/>
                       </a:solidFill>
@@ -4544,11 +4627,16 @@
                     </a:lnB>
                   </a:tcPr>
                 </a:tc>
+                <a:extLst>
+                  <a:ext uri="{0D108BD9-81ED-4DB2-BD59-A6C34878D82A}">
+                    <a16:rowId xmlns:a16="http://schemas.microsoft.com/office/drawing/2014/main" val="10004"/>
+                  </a:ext>
+                </a:extLst>
               </a:tr>
               <a:tr h="553976">
                 <a:tc>
                   <a:txBody>
-                    <a:bodyPr anchor="t" rtlCol="false"/>
+                    <a:bodyPr/>
                     <a:lstStyle/>
                     <a:p>
                       <a:pPr algn="l">
@@ -4558,7 +4646,7 @@
                         <a:defRPr/>
                       </a:pPr>
                       <a:r>
-                        <a:rPr lang="en-US" sz="1299" b="true">
+                        <a:rPr lang="en-US" sz="1299" b="1">
                           <a:solidFill>
                             <a:srgbClr val="000000"/>
                           </a:solidFill>
@@ -4573,7 +4661,7 @@
                     </a:p>
                   </a:txBody>
                   <a:tcPr marL="133350" marR="133350" marT="133350" marB="133350" anchor="ctr">
-                    <a:lnL cmpd="sng" algn="ctr" cap="flat" w="19050">
+                    <a:lnL w="19050" cap="flat" cmpd="sng" algn="ctr">
                       <a:solidFill>
                         <a:srgbClr val="000000"/>
                       </a:solidFill>
@@ -4582,7 +4670,7 @@
                       <a:headEnd type="none" w="med" len="med"/>
                       <a:tailEnd type="none" w="med" len="med"/>
                     </a:lnL>
-                    <a:lnR cmpd="sng" algn="ctr" cap="flat" w="19050">
+                    <a:lnR w="19050" cap="flat" cmpd="sng" algn="ctr">
                       <a:solidFill>
                         <a:srgbClr val="000000"/>
                       </a:solidFill>
@@ -4591,7 +4679,7 @@
                       <a:headEnd type="none" w="med" len="med"/>
                       <a:tailEnd type="none" w="med" len="med"/>
                     </a:lnR>
-                    <a:lnT cmpd="sng" algn="ctr" cap="flat" w="19050">
+                    <a:lnT w="19050" cap="flat" cmpd="sng" algn="ctr">
                       <a:solidFill>
                         <a:srgbClr val="000000"/>
                       </a:solidFill>
@@ -4600,7 +4688,7 @@
                       <a:headEnd type="none" w="med" len="med"/>
                       <a:tailEnd type="none" w="med" len="med"/>
                     </a:lnT>
-                    <a:lnB cmpd="sng" algn="ctr" cap="flat" w="19050">
+                    <a:lnB w="19050" cap="flat" cmpd="sng" algn="ctr">
                       <a:solidFill>
                         <a:srgbClr val="000000"/>
                       </a:solidFill>
@@ -4613,7 +4701,7 @@
                 </a:tc>
                 <a:tc>
                   <a:txBody>
-                    <a:bodyPr anchor="t" rtlCol="false"/>
+                    <a:bodyPr/>
                     <a:lstStyle/>
                     <a:p>
                       <a:pPr algn="l">
@@ -4638,7 +4726,7 @@
                     </a:p>
                   </a:txBody>
                   <a:tcPr marL="133350" marR="133350" marT="133350" marB="133350" anchor="ctr">
-                    <a:lnL cmpd="sng" algn="ctr" cap="flat" w="19050">
+                    <a:lnL w="19050" cap="flat" cmpd="sng" algn="ctr">
                       <a:solidFill>
                         <a:srgbClr val="000000"/>
                       </a:solidFill>
@@ -4647,7 +4735,7 @@
                       <a:headEnd type="none" w="med" len="med"/>
                       <a:tailEnd type="none" w="med" len="med"/>
                     </a:lnL>
-                    <a:lnR cmpd="sng" algn="ctr" cap="flat" w="19050">
+                    <a:lnR w="19050" cap="flat" cmpd="sng" algn="ctr">
                       <a:solidFill>
                         <a:srgbClr val="000000"/>
                       </a:solidFill>
@@ -4656,7 +4744,7 @@
                       <a:headEnd type="none" w="med" len="med"/>
                       <a:tailEnd type="none" w="med" len="med"/>
                     </a:lnR>
-                    <a:lnT cmpd="sng" algn="ctr" cap="flat" w="19050">
+                    <a:lnT w="19050" cap="flat" cmpd="sng" algn="ctr">
                       <a:solidFill>
                         <a:srgbClr val="000000"/>
                       </a:solidFill>
@@ -4665,7 +4753,7 @@
                       <a:headEnd type="none" w="med" len="med"/>
                       <a:tailEnd type="none" w="med" len="med"/>
                     </a:lnT>
-                    <a:lnB cmpd="sng" algn="ctr" cap="flat" w="19050">
+                    <a:lnB w="19050" cap="flat" cmpd="sng" algn="ctr">
                       <a:solidFill>
                         <a:srgbClr val="000000"/>
                       </a:solidFill>
@@ -4678,7 +4766,7 @@
                 </a:tc>
                 <a:tc>
                   <a:txBody>
-                    <a:bodyPr anchor="t" rtlCol="false"/>
+                    <a:bodyPr/>
                     <a:lstStyle/>
                     <a:p>
                       <a:pPr algn="l">
@@ -4703,7 +4791,7 @@
                     </a:p>
                   </a:txBody>
                   <a:tcPr marL="133350" marR="133350" marT="133350" marB="133350" anchor="ctr">
-                    <a:lnL cmpd="sng" algn="ctr" cap="flat" w="19050">
+                    <a:lnL w="19050" cap="flat" cmpd="sng" algn="ctr">
                       <a:solidFill>
                         <a:srgbClr val="000000"/>
                       </a:solidFill>
@@ -4712,7 +4800,7 @@
                       <a:headEnd type="none" w="med" len="med"/>
                       <a:tailEnd type="none" w="med" len="med"/>
                     </a:lnL>
-                    <a:lnR cmpd="sng" algn="ctr" cap="flat" w="19050">
+                    <a:lnR w="19050" cap="flat" cmpd="sng" algn="ctr">
                       <a:solidFill>
                         <a:srgbClr val="000000"/>
                       </a:solidFill>
@@ -4721,7 +4809,7 @@
                       <a:headEnd type="none" w="med" len="med"/>
                       <a:tailEnd type="none" w="med" len="med"/>
                     </a:lnR>
-                    <a:lnT cmpd="sng" algn="ctr" cap="flat" w="19050">
+                    <a:lnT w="19050" cap="flat" cmpd="sng" algn="ctr">
                       <a:solidFill>
                         <a:srgbClr val="000000"/>
                       </a:solidFill>
@@ -4730,7 +4818,7 @@
                       <a:headEnd type="none" w="med" len="med"/>
                       <a:tailEnd type="none" w="med" len="med"/>
                     </a:lnT>
-                    <a:lnB cmpd="sng" algn="ctr" cap="flat" w="19050">
+                    <a:lnB w="19050" cap="flat" cmpd="sng" algn="ctr">
                       <a:solidFill>
                         <a:srgbClr val="000000"/>
                       </a:solidFill>
@@ -4741,11 +4829,16 @@
                     </a:lnB>
                   </a:tcPr>
                 </a:tc>
+                <a:extLst>
+                  <a:ext uri="{0D108BD9-81ED-4DB2-BD59-A6C34878D82A}">
+                    <a16:rowId xmlns:a16="http://schemas.microsoft.com/office/drawing/2014/main" val="10005"/>
+                  </a:ext>
+                </a:extLst>
               </a:tr>
               <a:tr h="783208">
                 <a:tc>
                   <a:txBody>
-                    <a:bodyPr anchor="t" rtlCol="false"/>
+                    <a:bodyPr/>
                     <a:lstStyle/>
                     <a:p>
                       <a:pPr algn="l">
@@ -4755,7 +4848,7 @@
                         <a:defRPr/>
                       </a:pPr>
                       <a:r>
-                        <a:rPr lang="en-US" sz="1299" b="true">
+                        <a:rPr lang="en-US" sz="1299" b="1">
                           <a:solidFill>
                             <a:srgbClr val="000000"/>
                           </a:solidFill>
@@ -4770,7 +4863,7 @@
                     </a:p>
                   </a:txBody>
                   <a:tcPr marL="133350" marR="133350" marT="133350" marB="133350" anchor="ctr">
-                    <a:lnL cmpd="sng" algn="ctr" cap="flat" w="19050">
+                    <a:lnL w="19050" cap="flat" cmpd="sng" algn="ctr">
                       <a:solidFill>
                         <a:srgbClr val="000000"/>
                       </a:solidFill>
@@ -4779,7 +4872,7 @@
                       <a:headEnd type="none" w="med" len="med"/>
                       <a:tailEnd type="none" w="med" len="med"/>
                     </a:lnL>
-                    <a:lnR cmpd="sng" algn="ctr" cap="flat" w="19050">
+                    <a:lnR w="19050" cap="flat" cmpd="sng" algn="ctr">
                       <a:solidFill>
                         <a:srgbClr val="000000"/>
                       </a:solidFill>
@@ -4788,7 +4881,7 @@
                       <a:headEnd type="none" w="med" len="med"/>
                       <a:tailEnd type="none" w="med" len="med"/>
                     </a:lnR>
-                    <a:lnT cmpd="sng" algn="ctr" cap="flat" w="19050">
+                    <a:lnT w="19050" cap="flat" cmpd="sng" algn="ctr">
                       <a:solidFill>
                         <a:srgbClr val="000000"/>
                       </a:solidFill>
@@ -4797,7 +4890,7 @@
                       <a:headEnd type="none" w="med" len="med"/>
                       <a:tailEnd type="none" w="med" len="med"/>
                     </a:lnT>
-                    <a:lnB cmpd="sng" algn="ctr" cap="flat" w="19050">
+                    <a:lnB w="19050" cap="flat" cmpd="sng" algn="ctr">
                       <a:solidFill>
                         <a:srgbClr val="000000"/>
                       </a:solidFill>
@@ -4810,7 +4903,7 @@
                 </a:tc>
                 <a:tc>
                   <a:txBody>
-                    <a:bodyPr anchor="t" rtlCol="false"/>
+                    <a:bodyPr/>
                     <a:lstStyle/>
                     <a:p>
                       <a:pPr algn="l">
@@ -4835,7 +4928,7 @@
                     </a:p>
                   </a:txBody>
                   <a:tcPr marL="133350" marR="133350" marT="133350" marB="133350" anchor="ctr">
-                    <a:lnL cmpd="sng" algn="ctr" cap="flat" w="19050">
+                    <a:lnL w="19050" cap="flat" cmpd="sng" algn="ctr">
                       <a:solidFill>
                         <a:srgbClr val="000000"/>
                       </a:solidFill>
@@ -4844,7 +4937,7 @@
                       <a:headEnd type="none" w="med" len="med"/>
                       <a:tailEnd type="none" w="med" len="med"/>
                     </a:lnL>
-                    <a:lnR cmpd="sng" algn="ctr" cap="flat" w="19050">
+                    <a:lnR w="19050" cap="flat" cmpd="sng" algn="ctr">
                       <a:solidFill>
                         <a:srgbClr val="000000"/>
                       </a:solidFill>
@@ -4853,7 +4946,7 @@
                       <a:headEnd type="none" w="med" len="med"/>
                       <a:tailEnd type="none" w="med" len="med"/>
                     </a:lnR>
-                    <a:lnT cmpd="sng" algn="ctr" cap="flat" w="19050">
+                    <a:lnT w="19050" cap="flat" cmpd="sng" algn="ctr">
                       <a:solidFill>
                         <a:srgbClr val="000000"/>
                       </a:solidFill>
@@ -4862,7 +4955,7 @@
                       <a:headEnd type="none" w="med" len="med"/>
                       <a:tailEnd type="none" w="med" len="med"/>
                     </a:lnT>
-                    <a:lnB cmpd="sng" algn="ctr" cap="flat" w="19050">
+                    <a:lnB w="19050" cap="flat" cmpd="sng" algn="ctr">
                       <a:solidFill>
                         <a:srgbClr val="000000"/>
                       </a:solidFill>
@@ -4875,7 +4968,7 @@
                 </a:tc>
                 <a:tc>
                   <a:txBody>
-                    <a:bodyPr anchor="t" rtlCol="false"/>
+                    <a:bodyPr/>
                     <a:lstStyle/>
                     <a:p>
                       <a:pPr algn="l">
@@ -4900,7 +4993,7 @@
                     </a:p>
                   </a:txBody>
                   <a:tcPr marL="133350" marR="133350" marT="133350" marB="133350" anchor="ctr">
-                    <a:lnL cmpd="sng" algn="ctr" cap="flat" w="19050">
+                    <a:lnL w="19050" cap="flat" cmpd="sng" algn="ctr">
                       <a:solidFill>
                         <a:srgbClr val="000000"/>
                       </a:solidFill>
@@ -4909,7 +5002,7 @@
                       <a:headEnd type="none" w="med" len="med"/>
                       <a:tailEnd type="none" w="med" len="med"/>
                     </a:lnL>
-                    <a:lnR cmpd="sng" algn="ctr" cap="flat" w="19050">
+                    <a:lnR w="19050" cap="flat" cmpd="sng" algn="ctr">
                       <a:solidFill>
                         <a:srgbClr val="000000"/>
                       </a:solidFill>
@@ -4918,7 +5011,7 @@
                       <a:headEnd type="none" w="med" len="med"/>
                       <a:tailEnd type="none" w="med" len="med"/>
                     </a:lnR>
-                    <a:lnT cmpd="sng" algn="ctr" cap="flat" w="19050">
+                    <a:lnT w="19050" cap="flat" cmpd="sng" algn="ctr">
                       <a:solidFill>
                         <a:srgbClr val="000000"/>
                       </a:solidFill>
@@ -4927,7 +5020,7 @@
                       <a:headEnd type="none" w="med" len="med"/>
                       <a:tailEnd type="none" w="med" len="med"/>
                     </a:lnT>
-                    <a:lnB cmpd="sng" algn="ctr" cap="flat" w="19050">
+                    <a:lnB w="19050" cap="flat" cmpd="sng" algn="ctr">
                       <a:solidFill>
                         <a:srgbClr val="000000"/>
                       </a:solidFill>
@@ -4938,11 +5031,16 @@
                     </a:lnB>
                   </a:tcPr>
                 </a:tc>
+                <a:extLst>
+                  <a:ext uri="{0D108BD9-81ED-4DB2-BD59-A6C34878D82A}">
+                    <a16:rowId xmlns:a16="http://schemas.microsoft.com/office/drawing/2014/main" val="10006"/>
+                  </a:ext>
+                </a:extLst>
               </a:tr>
               <a:tr h="553976">
                 <a:tc>
                   <a:txBody>
-                    <a:bodyPr anchor="t" rtlCol="false"/>
+                    <a:bodyPr/>
                     <a:lstStyle/>
                     <a:p>
                       <a:pPr algn="l">
@@ -4952,7 +5050,7 @@
                         <a:defRPr/>
                       </a:pPr>
                       <a:r>
-                        <a:rPr lang="en-US" sz="1299" b="true">
+                        <a:rPr lang="en-US" sz="1299" b="1">
                           <a:solidFill>
                             <a:srgbClr val="000000"/>
                           </a:solidFill>
@@ -4967,7 +5065,7 @@
                     </a:p>
                   </a:txBody>
                   <a:tcPr marL="133350" marR="133350" marT="133350" marB="133350" anchor="ctr">
-                    <a:lnL cmpd="sng" algn="ctr" cap="flat" w="19050">
+                    <a:lnL w="19050" cap="flat" cmpd="sng" algn="ctr">
                       <a:solidFill>
                         <a:srgbClr val="000000"/>
                       </a:solidFill>
@@ -4976,7 +5074,7 @@
                       <a:headEnd type="none" w="med" len="med"/>
                       <a:tailEnd type="none" w="med" len="med"/>
                     </a:lnL>
-                    <a:lnR cmpd="sng" algn="ctr" cap="flat" w="19050">
+                    <a:lnR w="19050" cap="flat" cmpd="sng" algn="ctr">
                       <a:solidFill>
                         <a:srgbClr val="000000"/>
                       </a:solidFill>
@@ -4985,7 +5083,7 @@
                       <a:headEnd type="none" w="med" len="med"/>
                       <a:tailEnd type="none" w="med" len="med"/>
                     </a:lnR>
-                    <a:lnT cmpd="sng" algn="ctr" cap="flat" w="19050">
+                    <a:lnT w="19050" cap="flat" cmpd="sng" algn="ctr">
                       <a:solidFill>
                         <a:srgbClr val="000000"/>
                       </a:solidFill>
@@ -4994,7 +5092,7 @@
                       <a:headEnd type="none" w="med" len="med"/>
                       <a:tailEnd type="none" w="med" len="med"/>
                     </a:lnT>
-                    <a:lnB cmpd="sng" algn="ctr" cap="flat" w="19050">
+                    <a:lnB w="19050" cap="flat" cmpd="sng" algn="ctr">
                       <a:solidFill>
                         <a:srgbClr val="000000"/>
                       </a:solidFill>
@@ -5007,7 +5105,7 @@
                 </a:tc>
                 <a:tc>
                   <a:txBody>
-                    <a:bodyPr anchor="t" rtlCol="false"/>
+                    <a:bodyPr/>
                     <a:lstStyle/>
                     <a:p>
                       <a:pPr algn="l">
@@ -5032,7 +5130,7 @@
                     </a:p>
                   </a:txBody>
                   <a:tcPr marL="133350" marR="133350" marT="133350" marB="133350" anchor="ctr">
-                    <a:lnL cmpd="sng" algn="ctr" cap="flat" w="19050">
+                    <a:lnL w="19050" cap="flat" cmpd="sng" algn="ctr">
                       <a:solidFill>
                         <a:srgbClr val="000000"/>
                       </a:solidFill>
@@ -5041,7 +5139,7 @@
                       <a:headEnd type="none" w="med" len="med"/>
                       <a:tailEnd type="none" w="med" len="med"/>
                     </a:lnL>
-                    <a:lnR cmpd="sng" algn="ctr" cap="flat" w="19050">
+                    <a:lnR w="19050" cap="flat" cmpd="sng" algn="ctr">
                       <a:solidFill>
                         <a:srgbClr val="000000"/>
                       </a:solidFill>
@@ -5050,7 +5148,7 @@
                       <a:headEnd type="none" w="med" len="med"/>
                       <a:tailEnd type="none" w="med" len="med"/>
                     </a:lnR>
-                    <a:lnT cmpd="sng" algn="ctr" cap="flat" w="19050">
+                    <a:lnT w="19050" cap="flat" cmpd="sng" algn="ctr">
                       <a:solidFill>
                         <a:srgbClr val="000000"/>
                       </a:solidFill>
@@ -5059,7 +5157,7 @@
                       <a:headEnd type="none" w="med" len="med"/>
                       <a:tailEnd type="none" w="med" len="med"/>
                     </a:lnT>
-                    <a:lnB cmpd="sng" algn="ctr" cap="flat" w="19050">
+                    <a:lnB w="19050" cap="flat" cmpd="sng" algn="ctr">
                       <a:solidFill>
                         <a:srgbClr val="000000"/>
                       </a:solidFill>
@@ -5072,7 +5170,7 @@
                 </a:tc>
                 <a:tc>
                   <a:txBody>
-                    <a:bodyPr anchor="t" rtlCol="false"/>
+                    <a:bodyPr/>
                     <a:lstStyle/>
                     <a:p>
                       <a:pPr algn="l">
@@ -5097,7 +5195,7 @@
                     </a:p>
                   </a:txBody>
                   <a:tcPr marL="133350" marR="133350" marT="133350" marB="133350" anchor="ctr">
-                    <a:lnL cmpd="sng" algn="ctr" cap="flat" w="19050">
+                    <a:lnL w="19050" cap="flat" cmpd="sng" algn="ctr">
                       <a:solidFill>
                         <a:srgbClr val="000000"/>
                       </a:solidFill>
@@ -5106,7 +5204,7 @@
                       <a:headEnd type="none" w="med" len="med"/>
                       <a:tailEnd type="none" w="med" len="med"/>
                     </a:lnL>
-                    <a:lnR cmpd="sng" algn="ctr" cap="flat" w="19050">
+                    <a:lnR w="19050" cap="flat" cmpd="sng" algn="ctr">
                       <a:solidFill>
                         <a:srgbClr val="000000"/>
                       </a:solidFill>
@@ -5115,7 +5213,7 @@
                       <a:headEnd type="none" w="med" len="med"/>
                       <a:tailEnd type="none" w="med" len="med"/>
                     </a:lnR>
-                    <a:lnT cmpd="sng" algn="ctr" cap="flat" w="19050">
+                    <a:lnT w="19050" cap="flat" cmpd="sng" algn="ctr">
                       <a:solidFill>
                         <a:srgbClr val="000000"/>
                       </a:solidFill>
@@ -5124,7 +5222,7 @@
                       <a:headEnd type="none" w="med" len="med"/>
                       <a:tailEnd type="none" w="med" len="med"/>
                     </a:lnT>
-                    <a:lnB cmpd="sng" algn="ctr" cap="flat" w="19050">
+                    <a:lnB w="19050" cap="flat" cmpd="sng" algn="ctr">
                       <a:solidFill>
                         <a:srgbClr val="000000"/>
                       </a:solidFill>
@@ -5135,11 +5233,16 @@
                     </a:lnB>
                   </a:tcPr>
                 </a:tc>
+                <a:extLst>
+                  <a:ext uri="{0D108BD9-81ED-4DB2-BD59-A6C34878D82A}">
+                    <a16:rowId xmlns:a16="http://schemas.microsoft.com/office/drawing/2014/main" val="10007"/>
+                  </a:ext>
+                </a:extLst>
               </a:tr>
               <a:tr h="783208">
                 <a:tc>
                   <a:txBody>
-                    <a:bodyPr anchor="t" rtlCol="false"/>
+                    <a:bodyPr/>
                     <a:lstStyle/>
                     <a:p>
                       <a:pPr algn="l">
@@ -5149,7 +5252,7 @@
                         <a:defRPr/>
                       </a:pPr>
                       <a:r>
-                        <a:rPr lang="en-US" sz="1299" b="true">
+                        <a:rPr lang="en-US" sz="1299" b="1">
                           <a:solidFill>
                             <a:srgbClr val="000000"/>
                           </a:solidFill>
@@ -5164,7 +5267,7 @@
                     </a:p>
                   </a:txBody>
                   <a:tcPr marL="133350" marR="133350" marT="133350" marB="133350" anchor="ctr">
-                    <a:lnL cmpd="sng" algn="ctr" cap="flat" w="19050">
+                    <a:lnL w="19050" cap="flat" cmpd="sng" algn="ctr">
                       <a:solidFill>
                         <a:srgbClr val="000000"/>
                       </a:solidFill>
@@ -5173,7 +5276,7 @@
                       <a:headEnd type="none" w="med" len="med"/>
                       <a:tailEnd type="none" w="med" len="med"/>
                     </a:lnL>
-                    <a:lnR cmpd="sng" algn="ctr" cap="flat" w="19050">
+                    <a:lnR w="19050" cap="flat" cmpd="sng" algn="ctr">
                       <a:solidFill>
                         <a:srgbClr val="000000"/>
                       </a:solidFill>
@@ -5182,7 +5285,7 @@
                       <a:headEnd type="none" w="med" len="med"/>
                       <a:tailEnd type="none" w="med" len="med"/>
                     </a:lnR>
-                    <a:lnT cmpd="sng" algn="ctr" cap="flat" w="19050">
+                    <a:lnT w="19050" cap="flat" cmpd="sng" algn="ctr">
                       <a:solidFill>
                         <a:srgbClr val="000000"/>
                       </a:solidFill>
@@ -5191,7 +5294,7 @@
                       <a:headEnd type="none" w="med" len="med"/>
                       <a:tailEnd type="none" w="med" len="med"/>
                     </a:lnT>
-                    <a:lnB cmpd="sng" algn="ctr" cap="flat" w="19050">
+                    <a:lnB w="19050" cap="flat" cmpd="sng" algn="ctr">
                       <a:solidFill>
                         <a:srgbClr val="000000"/>
                       </a:solidFill>
@@ -5204,7 +5307,7 @@
                 </a:tc>
                 <a:tc>
                   <a:txBody>
-                    <a:bodyPr anchor="t" rtlCol="false"/>
+                    <a:bodyPr/>
                     <a:lstStyle/>
                     <a:p>
                       <a:pPr algn="l">
@@ -5229,7 +5332,7 @@
                     </a:p>
                   </a:txBody>
                   <a:tcPr marL="133350" marR="133350" marT="133350" marB="133350" anchor="ctr">
-                    <a:lnL cmpd="sng" algn="ctr" cap="flat" w="19050">
+                    <a:lnL w="19050" cap="flat" cmpd="sng" algn="ctr">
                       <a:solidFill>
                         <a:srgbClr val="000000"/>
                       </a:solidFill>
@@ -5238,7 +5341,7 @@
                       <a:headEnd type="none" w="med" len="med"/>
                       <a:tailEnd type="none" w="med" len="med"/>
                     </a:lnL>
-                    <a:lnR cmpd="sng" algn="ctr" cap="flat" w="19050">
+                    <a:lnR w="19050" cap="flat" cmpd="sng" algn="ctr">
                       <a:solidFill>
                         <a:srgbClr val="000000"/>
                       </a:solidFill>
@@ -5247,7 +5350,7 @@
                       <a:headEnd type="none" w="med" len="med"/>
                       <a:tailEnd type="none" w="med" len="med"/>
                     </a:lnR>
-                    <a:lnT cmpd="sng" algn="ctr" cap="flat" w="19050">
+                    <a:lnT w="19050" cap="flat" cmpd="sng" algn="ctr">
                       <a:solidFill>
                         <a:srgbClr val="000000"/>
                       </a:solidFill>
@@ -5256,7 +5359,7 @@
                       <a:headEnd type="none" w="med" len="med"/>
                       <a:tailEnd type="none" w="med" len="med"/>
                     </a:lnT>
-                    <a:lnB cmpd="sng" algn="ctr" cap="flat" w="19050">
+                    <a:lnB w="19050" cap="flat" cmpd="sng" algn="ctr">
                       <a:solidFill>
                         <a:srgbClr val="000000"/>
                       </a:solidFill>
@@ -5269,7 +5372,7 @@
                 </a:tc>
                 <a:tc>
                   <a:txBody>
-                    <a:bodyPr anchor="t" rtlCol="false"/>
+                    <a:bodyPr/>
                     <a:lstStyle/>
                     <a:p>
                       <a:pPr algn="l">
@@ -5294,7 +5397,7 @@
                     </a:p>
                   </a:txBody>
                   <a:tcPr marL="133350" marR="133350" marT="133350" marB="133350" anchor="ctr">
-                    <a:lnL cmpd="sng" algn="ctr" cap="flat" w="19050">
+                    <a:lnL w="19050" cap="flat" cmpd="sng" algn="ctr">
                       <a:solidFill>
                         <a:srgbClr val="000000"/>
                       </a:solidFill>
@@ -5303,7 +5406,7 @@
                       <a:headEnd type="none" w="med" len="med"/>
                       <a:tailEnd type="none" w="med" len="med"/>
                     </a:lnL>
-                    <a:lnR cmpd="sng" algn="ctr" cap="flat" w="19050">
+                    <a:lnR w="19050" cap="flat" cmpd="sng" algn="ctr">
                       <a:solidFill>
                         <a:srgbClr val="000000"/>
                       </a:solidFill>
@@ -5312,7 +5415,7 @@
                       <a:headEnd type="none" w="med" len="med"/>
                       <a:tailEnd type="none" w="med" len="med"/>
                     </a:lnR>
-                    <a:lnT cmpd="sng" algn="ctr" cap="flat" w="19050">
+                    <a:lnT w="19050" cap="flat" cmpd="sng" algn="ctr">
                       <a:solidFill>
                         <a:srgbClr val="000000"/>
                       </a:solidFill>
@@ -5321,7 +5424,7 @@
                       <a:headEnd type="none" w="med" len="med"/>
                       <a:tailEnd type="none" w="med" len="med"/>
                     </a:lnT>
-                    <a:lnB cmpd="sng" algn="ctr" cap="flat" w="19050">
+                    <a:lnB w="19050" cap="flat" cmpd="sng" algn="ctr">
                       <a:solidFill>
                         <a:srgbClr val="000000"/>
                       </a:solidFill>
@@ -5332,11 +5435,16 @@
                     </a:lnB>
                   </a:tcPr>
                 </a:tc>
+                <a:extLst>
+                  <a:ext uri="{0D108BD9-81ED-4DB2-BD59-A6C34878D82A}">
+                    <a16:rowId xmlns:a16="http://schemas.microsoft.com/office/drawing/2014/main" val="10008"/>
+                  </a:ext>
+                </a:extLst>
               </a:tr>
               <a:tr h="783208">
                 <a:tc>
                   <a:txBody>
-                    <a:bodyPr anchor="t" rtlCol="false"/>
+                    <a:bodyPr/>
                     <a:lstStyle/>
                     <a:p>
                       <a:pPr algn="l">
@@ -5346,7 +5454,7 @@
                         <a:defRPr/>
                       </a:pPr>
                       <a:r>
-                        <a:rPr lang="en-US" sz="1299" b="true">
+                        <a:rPr lang="en-US" sz="1299" b="1">
                           <a:solidFill>
                             <a:srgbClr val="000000"/>
                           </a:solidFill>
@@ -5361,7 +5469,7 @@
                     </a:p>
                   </a:txBody>
                   <a:tcPr marL="133350" marR="133350" marT="133350" marB="133350" anchor="ctr">
-                    <a:lnL cmpd="sng" algn="ctr" cap="flat" w="19050">
+                    <a:lnL w="19050" cap="flat" cmpd="sng" algn="ctr">
                       <a:solidFill>
                         <a:srgbClr val="000000"/>
                       </a:solidFill>
@@ -5370,7 +5478,7 @@
                       <a:headEnd type="none" w="med" len="med"/>
                       <a:tailEnd type="none" w="med" len="med"/>
                     </a:lnL>
-                    <a:lnR cmpd="sng" algn="ctr" cap="flat" w="19050">
+                    <a:lnR w="19050" cap="flat" cmpd="sng" algn="ctr">
                       <a:solidFill>
                         <a:srgbClr val="000000"/>
                       </a:solidFill>
@@ -5379,7 +5487,7 @@
                       <a:headEnd type="none" w="med" len="med"/>
                       <a:tailEnd type="none" w="med" len="med"/>
                     </a:lnR>
-                    <a:lnT cmpd="sng" algn="ctr" cap="flat" w="19050">
+                    <a:lnT w="19050" cap="flat" cmpd="sng" algn="ctr">
                       <a:solidFill>
                         <a:srgbClr val="000000"/>
                       </a:solidFill>
@@ -5388,7 +5496,7 @@
                       <a:headEnd type="none" w="med" len="med"/>
                       <a:tailEnd type="none" w="med" len="med"/>
                     </a:lnT>
-                    <a:lnB cmpd="sng" algn="ctr" cap="flat" w="19050">
+                    <a:lnB w="19050" cap="flat" cmpd="sng" algn="ctr">
                       <a:solidFill>
                         <a:srgbClr val="000000"/>
                       </a:solidFill>
@@ -5401,7 +5509,7 @@
                 </a:tc>
                 <a:tc>
                   <a:txBody>
-                    <a:bodyPr anchor="t" rtlCol="false"/>
+                    <a:bodyPr/>
                     <a:lstStyle/>
                     <a:p>
                       <a:pPr algn="l">
@@ -5426,7 +5534,7 @@
                     </a:p>
                   </a:txBody>
                   <a:tcPr marL="133350" marR="133350" marT="133350" marB="133350" anchor="ctr">
-                    <a:lnL cmpd="sng" algn="ctr" cap="flat" w="19050">
+                    <a:lnL w="19050" cap="flat" cmpd="sng" algn="ctr">
                       <a:solidFill>
                         <a:srgbClr val="000000"/>
                       </a:solidFill>
@@ -5435,7 +5543,7 @@
                       <a:headEnd type="none" w="med" len="med"/>
                       <a:tailEnd type="none" w="med" len="med"/>
                     </a:lnL>
-                    <a:lnR cmpd="sng" algn="ctr" cap="flat" w="19050">
+                    <a:lnR w="19050" cap="flat" cmpd="sng" algn="ctr">
                       <a:solidFill>
                         <a:srgbClr val="000000"/>
                       </a:solidFill>
@@ -5444,7 +5552,7 @@
                       <a:headEnd type="none" w="med" len="med"/>
                       <a:tailEnd type="none" w="med" len="med"/>
                     </a:lnR>
-                    <a:lnT cmpd="sng" algn="ctr" cap="flat" w="19050">
+                    <a:lnT w="19050" cap="flat" cmpd="sng" algn="ctr">
                       <a:solidFill>
                         <a:srgbClr val="000000"/>
                       </a:solidFill>
@@ -5453,7 +5561,7 @@
                       <a:headEnd type="none" w="med" len="med"/>
                       <a:tailEnd type="none" w="med" len="med"/>
                     </a:lnT>
-                    <a:lnB cmpd="sng" algn="ctr" cap="flat" w="19050">
+                    <a:lnB w="19050" cap="flat" cmpd="sng" algn="ctr">
                       <a:solidFill>
                         <a:srgbClr val="000000"/>
                       </a:solidFill>
@@ -5466,7 +5574,7 @@
                 </a:tc>
                 <a:tc>
                   <a:txBody>
-                    <a:bodyPr anchor="t" rtlCol="false"/>
+                    <a:bodyPr/>
                     <a:lstStyle/>
                     <a:p>
                       <a:pPr algn="l">
@@ -5491,7 +5599,7 @@
                     </a:p>
                   </a:txBody>
                   <a:tcPr marL="133350" marR="133350" marT="133350" marB="133350" anchor="ctr">
-                    <a:lnL cmpd="sng" algn="ctr" cap="flat" w="19050">
+                    <a:lnL w="19050" cap="flat" cmpd="sng" algn="ctr">
                       <a:solidFill>
                         <a:srgbClr val="000000"/>
                       </a:solidFill>
@@ -5500,7 +5608,7 @@
                       <a:headEnd type="none" w="med" len="med"/>
                       <a:tailEnd type="none" w="med" len="med"/>
                     </a:lnL>
-                    <a:lnR cmpd="sng" algn="ctr" cap="flat" w="19050">
+                    <a:lnR w="19050" cap="flat" cmpd="sng" algn="ctr">
                       <a:solidFill>
                         <a:srgbClr val="000000"/>
                       </a:solidFill>
@@ -5509,7 +5617,7 @@
                       <a:headEnd type="none" w="med" len="med"/>
                       <a:tailEnd type="none" w="med" len="med"/>
                     </a:lnR>
-                    <a:lnT cmpd="sng" algn="ctr" cap="flat" w="19050">
+                    <a:lnT w="19050" cap="flat" cmpd="sng" algn="ctr">
                       <a:solidFill>
                         <a:srgbClr val="000000"/>
                       </a:solidFill>
@@ -5518,7 +5626,7 @@
                       <a:headEnd type="none" w="med" len="med"/>
                       <a:tailEnd type="none" w="med" len="med"/>
                     </a:lnT>
-                    <a:lnB cmpd="sng" algn="ctr" cap="flat" w="19050">
+                    <a:lnB w="19050" cap="flat" cmpd="sng" algn="ctr">
                       <a:solidFill>
                         <a:srgbClr val="000000"/>
                       </a:solidFill>
@@ -5529,6 +5637,11 @@
                     </a:lnB>
                   </a:tcPr>
                 </a:tc>
+                <a:extLst>
+                  <a:ext uri="{0D108BD9-81ED-4DB2-BD59-A6C34878D82A}">
+                    <a16:rowId xmlns:a16="http://schemas.microsoft.com/office/drawing/2014/main" val="10009"/>
+                  </a:ext>
+                </a:extLst>
               </a:tr>
             </a:tbl>
           </a:graphicData>
@@ -5536,12 +5649,12 @@
       </p:graphicFrame>
       <p:sp>
         <p:nvSpPr>
-          <p:cNvPr name="TextBox 3" id="3"/>
-          <p:cNvSpPr txBox="true"/>
+          <p:cNvPr id="3" name="TextBox 3"/>
+          <p:cNvSpPr txBox="1"/>
           <p:nvPr/>
         </p:nvSpPr>
         <p:spPr>
-          <a:xfrm rot="0">
+          <a:xfrm>
             <a:off x="2448320" y="876300"/>
             <a:ext cx="13391361" cy="1351919"/>
           </a:xfrm>
@@ -5550,7 +5663,7 @@
           </a:prstGeom>
         </p:spPr>
         <p:txBody>
-          <a:bodyPr anchor="t" rtlCol="false" tIns="0" lIns="0" bIns="0" rIns="0">
+          <a:bodyPr lIns="0" tIns="0" rIns="0" bIns="0" rtlCol="0" anchor="t">
             <a:spAutoFit/>
           </a:bodyPr>
           <a:lstStyle/>
@@ -5564,7 +5677,7 @@
               </a:spcBef>
             </a:pPr>
             <a:r>
-              <a:rPr lang="en-US" b="true" sz="7899">
+              <a:rPr lang="en-US" sz="7899" b="1">
                 <a:solidFill>
                   <a:srgbClr val="000000"/>
                 </a:solidFill>
@@ -5587,7 +5700,7 @@
 </file>
 
 <file path=ppt/slides/slide14.xml><?xml version="1.0" encoding="utf-8"?>
-<p:sld xmlns:p="http://schemas.openxmlformats.org/presentationml/2006/main" xmlns:a="http://schemas.openxmlformats.org/drawingml/2006/main">
+<p:sld xmlns:a="http://schemas.openxmlformats.org/drawingml/2006/main" xmlns:r="http://schemas.openxmlformats.org/officeDocument/2006/relationships" xmlns:p="http://schemas.openxmlformats.org/presentationml/2006/main">
   <p:cSld>
     <p:spTree>
       <p:nvGrpSpPr>
@@ -5605,12 +5718,12 @@
       </p:grpSpPr>
       <p:sp>
         <p:nvSpPr>
-          <p:cNvPr name="TextBox 2" id="2"/>
-          <p:cNvSpPr txBox="true"/>
+          <p:cNvPr id="2" name="TextBox 2"/>
+          <p:cNvSpPr txBox="1"/>
           <p:nvPr/>
         </p:nvSpPr>
         <p:spPr>
-          <a:xfrm rot="0">
+          <a:xfrm>
             <a:off x="1638729" y="2645702"/>
             <a:ext cx="15010543" cy="6612598"/>
           </a:xfrm>
@@ -5619,7 +5732,7 @@
           </a:prstGeom>
         </p:spPr>
         <p:txBody>
-          <a:bodyPr anchor="t" rtlCol="false" tIns="0" lIns="0" bIns="0" rIns="0">
+          <a:bodyPr lIns="0" tIns="0" rIns="0" bIns="0" rtlCol="0" anchor="t">
             <a:spAutoFit/>
           </a:bodyPr>
           <a:lstStyle/>
@@ -5698,17 +5811,26 @@
                 <a:spcPct val="0"/>
               </a:spcBef>
             </a:pPr>
+            <a:endParaRPr lang="en-US" sz="2336">
+              <a:solidFill>
+                <a:srgbClr val="000000"/>
+              </a:solidFill>
+              <a:latin typeface="Montserrat"/>
+              <a:ea typeface="Montserrat"/>
+              <a:cs typeface="Montserrat"/>
+              <a:sym typeface="Montserrat"/>
+            </a:endParaRPr>
           </a:p>
         </p:txBody>
       </p:sp>
       <p:sp>
         <p:nvSpPr>
-          <p:cNvPr name="TextBox 3" id="3"/>
-          <p:cNvSpPr txBox="true"/>
+          <p:cNvPr id="3" name="TextBox 3"/>
+          <p:cNvSpPr txBox="1"/>
           <p:nvPr/>
         </p:nvSpPr>
         <p:spPr>
-          <a:xfrm rot="0">
+          <a:xfrm>
             <a:off x="2448320" y="876300"/>
             <a:ext cx="13391361" cy="1351919"/>
           </a:xfrm>
@@ -5717,7 +5839,7 @@
           </a:prstGeom>
         </p:spPr>
         <p:txBody>
-          <a:bodyPr anchor="t" rtlCol="false" tIns="0" lIns="0" bIns="0" rIns="0">
+          <a:bodyPr lIns="0" tIns="0" rIns="0" bIns="0" rtlCol="0" anchor="t">
             <a:spAutoFit/>
           </a:bodyPr>
           <a:lstStyle/>
@@ -5731,7 +5853,7 @@
               </a:spcBef>
             </a:pPr>
             <a:r>
-              <a:rPr lang="en-US" b="true" sz="7899">
+              <a:rPr lang="en-US" sz="7899" b="1">
                 <a:solidFill>
                   <a:srgbClr val="000000"/>
                 </a:solidFill>
@@ -5754,7 +5876,7 @@
 </file>
 
 <file path=ppt/slides/slide15.xml><?xml version="1.0" encoding="utf-8"?>
-<p:sld xmlns:p="http://schemas.openxmlformats.org/presentationml/2006/main" xmlns:a="http://schemas.openxmlformats.org/drawingml/2006/main" xmlns:r="http://schemas.openxmlformats.org/officeDocument/2006/relationships">
+<p:sld xmlns:a="http://schemas.openxmlformats.org/drawingml/2006/main" xmlns:r="http://schemas.openxmlformats.org/officeDocument/2006/relationships" xmlns:p="http://schemas.openxmlformats.org/presentationml/2006/main">
   <p:cSld>
     <p:spTree>
       <p:nvGrpSpPr>
@@ -5772,12 +5894,12 @@
       </p:grpSpPr>
       <p:sp>
         <p:nvSpPr>
-          <p:cNvPr name="Freeform 2" id="2"/>
+          <p:cNvPr id="2" name="Freeform 2"/>
           <p:cNvSpPr/>
           <p:nvPr/>
         </p:nvSpPr>
         <p:spPr>
-          <a:xfrm flipH="false" flipV="false" rot="0">
+          <a:xfrm>
             <a:off x="2047950" y="1347113"/>
             <a:ext cx="14443017" cy="7727014"/>
           </a:xfrm>
@@ -5786,9 +5908,9 @@
             <a:gdLst/>
             <a:ahLst/>
             <a:cxnLst/>
-            <a:rect r="r" b="b" t="t" l="l"/>
+            <a:rect l="l" t="t" r="r" b="b"/>
             <a:pathLst>
-              <a:path h="7727014" w="14443017">
+              <a:path w="14443017" h="7727014">
                 <a:moveTo>
                   <a:pt x="0" y="0"/>
                 </a:moveTo>
@@ -5811,10 +5933,17 @@
           <a:blipFill>
             <a:blip r:embed="rId2"/>
             <a:stretch>
-              <a:fillRect l="0" t="0" r="0" b="0"/>
+              <a:fillRect/>
             </a:stretch>
           </a:blipFill>
         </p:spPr>
+        <p:txBody>
+          <a:bodyPr/>
+          <a:lstStyle/>
+          <a:p>
+            <a:endParaRPr lang="en-CO"/>
+          </a:p>
+        </p:txBody>
       </p:sp>
     </p:spTree>
   </p:cSld>
@@ -5825,7 +5954,7 @@
 </file>
 
 <file path=ppt/slides/slide16.xml><?xml version="1.0" encoding="utf-8"?>
-<p:sld xmlns:p="http://schemas.openxmlformats.org/presentationml/2006/main" xmlns:a="http://schemas.openxmlformats.org/drawingml/2006/main">
+<p:sld xmlns:a="http://schemas.openxmlformats.org/drawingml/2006/main" xmlns:r="http://schemas.openxmlformats.org/officeDocument/2006/relationships" xmlns:p="http://schemas.openxmlformats.org/presentationml/2006/main">
   <p:cSld>
     <p:spTree>
       <p:nvGrpSpPr>
@@ -5843,9 +5972,9 @@
       </p:grpSpPr>
       <p:graphicFrame>
         <p:nvGraphicFramePr>
-          <p:cNvPr name="Table 2" id="2"/>
+          <p:cNvPr id="2" name="Table 2"/>
           <p:cNvGraphicFramePr>
-            <a:graphicFrameLocks noGrp="true"/>
+            <a:graphicFrameLocks noGrp="1"/>
           </p:cNvGraphicFramePr>
           <p:nvPr/>
         </p:nvGraphicFramePr>
@@ -5858,14 +5987,32 @@
             <a:tbl>
               <a:tblPr/>
               <a:tblGrid>
-                <a:gridCol w="5113000"/>
-                <a:gridCol w="5113000"/>
-                <a:gridCol w="5113000"/>
+                <a:gridCol w="5113000">
+                  <a:extLst>
+                    <a:ext uri="{9D8B030D-6E8A-4147-A177-3AD203B41FA5}">
+                      <a16:colId xmlns:a16="http://schemas.microsoft.com/office/drawing/2014/main" val="20000"/>
+                    </a:ext>
+                  </a:extLst>
+                </a:gridCol>
+                <a:gridCol w="5113000">
+                  <a:extLst>
+                    <a:ext uri="{9D8B030D-6E8A-4147-A177-3AD203B41FA5}">
+                      <a16:colId xmlns:a16="http://schemas.microsoft.com/office/drawing/2014/main" val="20001"/>
+                    </a:ext>
+                  </a:extLst>
+                </a:gridCol>
+                <a:gridCol w="5113000">
+                  <a:extLst>
+                    <a:ext uri="{9D8B030D-6E8A-4147-A177-3AD203B41FA5}">
+                      <a16:colId xmlns:a16="http://schemas.microsoft.com/office/drawing/2014/main" val="20002"/>
+                    </a:ext>
+                  </a:extLst>
+                </a:gridCol>
               </a:tblGrid>
               <a:tr h="663673">
                 <a:tc>
                   <a:txBody>
-                    <a:bodyPr anchor="t" rtlCol="false"/>
+                    <a:bodyPr/>
                     <a:lstStyle/>
                     <a:p>
                       <a:pPr algn="l">
@@ -5875,7 +6022,7 @@
                         <a:defRPr/>
                       </a:pPr>
                       <a:r>
-                        <a:rPr lang="en-US" sz="1499" b="true">
+                        <a:rPr lang="en-US" sz="1499" b="1">
                           <a:solidFill>
                             <a:srgbClr val="000000"/>
                           </a:solidFill>
@@ -5890,7 +6037,7 @@
                     </a:p>
                   </a:txBody>
                   <a:tcPr marL="142875" marR="142875" marT="142875" marB="142875" anchor="ctr">
-                    <a:lnL cmpd="sng" algn="ctr" cap="flat" w="19050">
+                    <a:lnL w="19050" cap="flat" cmpd="sng" algn="ctr">
                       <a:solidFill>
                         <a:srgbClr val="000000"/>
                       </a:solidFill>
@@ -5899,7 +6046,7 @@
                       <a:headEnd type="none" w="med" len="med"/>
                       <a:tailEnd type="none" w="med" len="med"/>
                     </a:lnL>
-                    <a:lnR cmpd="sng" algn="ctr" cap="flat" w="19050">
+                    <a:lnR w="19050" cap="flat" cmpd="sng" algn="ctr">
                       <a:solidFill>
                         <a:srgbClr val="000000"/>
                       </a:solidFill>
@@ -5908,7 +6055,7 @@
                       <a:headEnd type="none" w="med" len="med"/>
                       <a:tailEnd type="none" w="med" len="med"/>
                     </a:lnR>
-                    <a:lnT cmpd="sng" algn="ctr" cap="flat" w="19050">
+                    <a:lnT w="19050" cap="flat" cmpd="sng" algn="ctr">
                       <a:solidFill>
                         <a:srgbClr val="000000"/>
                       </a:solidFill>
@@ -5917,7 +6064,7 @@
                       <a:headEnd type="none" w="med" len="med"/>
                       <a:tailEnd type="none" w="med" len="med"/>
                     </a:lnT>
-                    <a:lnB cmpd="sng" algn="ctr" cap="flat" w="19050">
+                    <a:lnB w="19050" cap="flat" cmpd="sng" algn="ctr">
                       <a:solidFill>
                         <a:srgbClr val="000000"/>
                       </a:solidFill>
@@ -5930,7 +6077,7 @@
                 </a:tc>
                 <a:tc>
                   <a:txBody>
-                    <a:bodyPr anchor="t" rtlCol="false"/>
+                    <a:bodyPr/>
                     <a:lstStyle/>
                     <a:p>
                       <a:pPr algn="l">
@@ -5940,7 +6087,7 @@
                         <a:defRPr/>
                       </a:pPr>
                       <a:r>
-                        <a:rPr lang="en-US" sz="1499" b="true">
+                        <a:rPr lang="en-US" sz="1499" b="1">
                           <a:solidFill>
                             <a:srgbClr val="000000"/>
                           </a:solidFill>
@@ -5955,7 +6102,7 @@
                     </a:p>
                   </a:txBody>
                   <a:tcPr marL="142875" marR="142875" marT="142875" marB="142875" anchor="ctr">
-                    <a:lnL cmpd="sng" algn="ctr" cap="flat" w="19050">
+                    <a:lnL w="19050" cap="flat" cmpd="sng" algn="ctr">
                       <a:solidFill>
                         <a:srgbClr val="000000"/>
                       </a:solidFill>
@@ -5964,7 +6111,7 @@
                       <a:headEnd type="none" w="med" len="med"/>
                       <a:tailEnd type="none" w="med" len="med"/>
                     </a:lnL>
-                    <a:lnR cmpd="sng" algn="ctr" cap="flat" w="19050">
+                    <a:lnR w="19050" cap="flat" cmpd="sng" algn="ctr">
                       <a:solidFill>
                         <a:srgbClr val="000000"/>
                       </a:solidFill>
@@ -5973,7 +6120,7 @@
                       <a:headEnd type="none" w="med" len="med"/>
                       <a:tailEnd type="none" w="med" len="med"/>
                     </a:lnR>
-                    <a:lnT cmpd="sng" algn="ctr" cap="flat" w="19050">
+                    <a:lnT w="19050" cap="flat" cmpd="sng" algn="ctr">
                       <a:solidFill>
                         <a:srgbClr val="000000"/>
                       </a:solidFill>
@@ -5982,7 +6129,7 @@
                       <a:headEnd type="none" w="med" len="med"/>
                       <a:tailEnd type="none" w="med" len="med"/>
                     </a:lnT>
-                    <a:lnB cmpd="sng" algn="ctr" cap="flat" w="19050">
+                    <a:lnB w="19050" cap="flat" cmpd="sng" algn="ctr">
                       <a:solidFill>
                         <a:srgbClr val="000000"/>
                       </a:solidFill>
@@ -5995,7 +6142,7 @@
                 </a:tc>
                 <a:tc>
                   <a:txBody>
-                    <a:bodyPr anchor="t" rtlCol="false"/>
+                    <a:bodyPr/>
                     <a:lstStyle/>
                     <a:p>
                       <a:pPr algn="l">
@@ -6005,7 +6152,7 @@
                         <a:defRPr/>
                       </a:pPr>
                       <a:r>
-                        <a:rPr lang="en-US" sz="1499" b="true">
+                        <a:rPr lang="en-US" sz="1499" b="1">
                           <a:solidFill>
                             <a:srgbClr val="000000"/>
                           </a:solidFill>
@@ -6020,7 +6167,7 @@
                     </a:p>
                   </a:txBody>
                   <a:tcPr marL="142875" marR="142875" marT="142875" marB="142875" anchor="ctr">
-                    <a:lnL cmpd="sng" algn="ctr" cap="flat" w="19050">
+                    <a:lnL w="19050" cap="flat" cmpd="sng" algn="ctr">
                       <a:solidFill>
                         <a:srgbClr val="000000"/>
                       </a:solidFill>
@@ -6029,7 +6176,7 @@
                       <a:headEnd type="none" w="med" len="med"/>
                       <a:tailEnd type="none" w="med" len="med"/>
                     </a:lnL>
-                    <a:lnR cmpd="sng" algn="ctr" cap="flat" w="19050">
+                    <a:lnR w="19050" cap="flat" cmpd="sng" algn="ctr">
                       <a:solidFill>
                         <a:srgbClr val="000000"/>
                       </a:solidFill>
@@ -6038,7 +6185,7 @@
                       <a:headEnd type="none" w="med" len="med"/>
                       <a:tailEnd type="none" w="med" len="med"/>
                     </a:lnR>
-                    <a:lnT cmpd="sng" algn="ctr" cap="flat" w="19050">
+                    <a:lnT w="19050" cap="flat" cmpd="sng" algn="ctr">
                       <a:solidFill>
                         <a:srgbClr val="000000"/>
                       </a:solidFill>
@@ -6047,7 +6194,7 @@
                       <a:headEnd type="none" w="med" len="med"/>
                       <a:tailEnd type="none" w="med" len="med"/>
                     </a:lnT>
-                    <a:lnB cmpd="sng" algn="ctr" cap="flat" w="19050">
+                    <a:lnB w="19050" cap="flat" cmpd="sng" algn="ctr">
                       <a:solidFill>
                         <a:srgbClr val="000000"/>
                       </a:solidFill>
@@ -6058,11 +6205,16 @@
                     </a:lnB>
                   </a:tcPr>
                 </a:tc>
+                <a:extLst>
+                  <a:ext uri="{0D108BD9-81ED-4DB2-BD59-A6C34878D82A}">
+                    <a16:rowId xmlns:a16="http://schemas.microsoft.com/office/drawing/2014/main" val="10000"/>
+                  </a:ext>
+                </a:extLst>
               </a:tr>
               <a:tr h="859674">
                 <a:tc>
                   <a:txBody>
-                    <a:bodyPr anchor="t" rtlCol="false"/>
+                    <a:bodyPr/>
                     <a:lstStyle/>
                     <a:p>
                       <a:pPr algn="l">
@@ -6072,7 +6224,7 @@
                         <a:defRPr/>
                       </a:pPr>
                       <a:r>
-                        <a:rPr lang="en-US" sz="1499" b="true">
+                        <a:rPr lang="en-US" sz="1499" b="1">
                           <a:solidFill>
                             <a:srgbClr val="000000"/>
                           </a:solidFill>
@@ -6087,7 +6239,7 @@
                     </a:p>
                   </a:txBody>
                   <a:tcPr marL="142875" marR="142875" marT="142875" marB="142875" anchor="ctr">
-                    <a:lnL cmpd="sng" algn="ctr" cap="flat" w="19050">
+                    <a:lnL w="19050" cap="flat" cmpd="sng" algn="ctr">
                       <a:solidFill>
                         <a:srgbClr val="000000"/>
                       </a:solidFill>
@@ -6096,7 +6248,7 @@
                       <a:headEnd type="none" w="med" len="med"/>
                       <a:tailEnd type="none" w="med" len="med"/>
                     </a:lnL>
-                    <a:lnR cmpd="sng" algn="ctr" cap="flat" w="19050">
+                    <a:lnR w="19050" cap="flat" cmpd="sng" algn="ctr">
                       <a:solidFill>
                         <a:srgbClr val="000000"/>
                       </a:solidFill>
@@ -6105,7 +6257,7 @@
                       <a:headEnd type="none" w="med" len="med"/>
                       <a:tailEnd type="none" w="med" len="med"/>
                     </a:lnR>
-                    <a:lnT cmpd="sng" algn="ctr" cap="flat" w="19050">
+                    <a:lnT w="19050" cap="flat" cmpd="sng" algn="ctr">
                       <a:solidFill>
                         <a:srgbClr val="000000"/>
                       </a:solidFill>
@@ -6114,7 +6266,7 @@
                       <a:headEnd type="none" w="med" len="med"/>
                       <a:tailEnd type="none" w="med" len="med"/>
                     </a:lnT>
-                    <a:lnB cmpd="sng" algn="ctr" cap="flat" w="19050">
+                    <a:lnB w="19050" cap="flat" cmpd="sng" algn="ctr">
                       <a:solidFill>
                         <a:srgbClr val="000000"/>
                       </a:solidFill>
@@ -6127,7 +6279,7 @@
                 </a:tc>
                 <a:tc>
                   <a:txBody>
-                    <a:bodyPr anchor="t" rtlCol="false"/>
+                    <a:bodyPr/>
                     <a:lstStyle/>
                     <a:p>
                       <a:pPr algn="l">
@@ -6152,7 +6304,7 @@
                     </a:p>
                   </a:txBody>
                   <a:tcPr marL="142875" marR="142875" marT="142875" marB="142875" anchor="ctr">
-                    <a:lnL cmpd="sng" algn="ctr" cap="flat" w="19050">
+                    <a:lnL w="19050" cap="flat" cmpd="sng" algn="ctr">
                       <a:solidFill>
                         <a:srgbClr val="000000"/>
                       </a:solidFill>
@@ -6161,7 +6313,7 @@
                       <a:headEnd type="none" w="med" len="med"/>
                       <a:tailEnd type="none" w="med" len="med"/>
                     </a:lnL>
-                    <a:lnR cmpd="sng" algn="ctr" cap="flat" w="19050">
+                    <a:lnR w="19050" cap="flat" cmpd="sng" algn="ctr">
                       <a:solidFill>
                         <a:srgbClr val="000000"/>
                       </a:solidFill>
@@ -6170,7 +6322,7 @@
                       <a:headEnd type="none" w="med" len="med"/>
                       <a:tailEnd type="none" w="med" len="med"/>
                     </a:lnR>
-                    <a:lnT cmpd="sng" algn="ctr" cap="flat" w="19050">
+                    <a:lnT w="19050" cap="flat" cmpd="sng" algn="ctr">
                       <a:solidFill>
                         <a:srgbClr val="000000"/>
                       </a:solidFill>
@@ -6179,7 +6331,7 @@
                       <a:headEnd type="none" w="med" len="med"/>
                       <a:tailEnd type="none" w="med" len="med"/>
                     </a:lnT>
-                    <a:lnB cmpd="sng" algn="ctr" cap="flat" w="19050">
+                    <a:lnB w="19050" cap="flat" cmpd="sng" algn="ctr">
                       <a:solidFill>
                         <a:srgbClr val="000000"/>
                       </a:solidFill>
@@ -6192,7 +6344,7 @@
                 </a:tc>
                 <a:tc>
                   <a:txBody>
-                    <a:bodyPr anchor="t" rtlCol="false"/>
+                    <a:bodyPr/>
                     <a:lstStyle/>
                     <a:p>
                       <a:pPr algn="l">
@@ -6217,7 +6369,7 @@
                     </a:p>
                   </a:txBody>
                   <a:tcPr marL="142875" marR="142875" marT="142875" marB="142875" anchor="ctr">
-                    <a:lnL cmpd="sng" algn="ctr" cap="flat" w="19050">
+                    <a:lnL w="19050" cap="flat" cmpd="sng" algn="ctr">
                       <a:solidFill>
                         <a:srgbClr val="000000"/>
                       </a:solidFill>
@@ -6226,7 +6378,7 @@
                       <a:headEnd type="none" w="med" len="med"/>
                       <a:tailEnd type="none" w="med" len="med"/>
                     </a:lnL>
-                    <a:lnR cmpd="sng" algn="ctr" cap="flat" w="19050">
+                    <a:lnR w="19050" cap="flat" cmpd="sng" algn="ctr">
                       <a:solidFill>
                         <a:srgbClr val="000000"/>
                       </a:solidFill>
@@ -6235,7 +6387,7 @@
                       <a:headEnd type="none" w="med" len="med"/>
                       <a:tailEnd type="none" w="med" len="med"/>
                     </a:lnR>
-                    <a:lnT cmpd="sng" algn="ctr" cap="flat" w="19050">
+                    <a:lnT w="19050" cap="flat" cmpd="sng" algn="ctr">
                       <a:solidFill>
                         <a:srgbClr val="000000"/>
                       </a:solidFill>
@@ -6244,7 +6396,7 @@
                       <a:headEnd type="none" w="med" len="med"/>
                       <a:tailEnd type="none" w="med" len="med"/>
                     </a:lnT>
-                    <a:lnB cmpd="sng" algn="ctr" cap="flat" w="19050">
+                    <a:lnB w="19050" cap="flat" cmpd="sng" algn="ctr">
                       <a:solidFill>
                         <a:srgbClr val="000000"/>
                       </a:solidFill>
@@ -6255,11 +6407,16 @@
                     </a:lnB>
                   </a:tcPr>
                 </a:tc>
+                <a:extLst>
+                  <a:ext uri="{0D108BD9-81ED-4DB2-BD59-A6C34878D82A}">
+                    <a16:rowId xmlns:a16="http://schemas.microsoft.com/office/drawing/2014/main" val="10001"/>
+                  </a:ext>
+                </a:extLst>
               </a:tr>
               <a:tr h="859674">
                 <a:tc>
                   <a:txBody>
-                    <a:bodyPr anchor="t" rtlCol="false"/>
+                    <a:bodyPr/>
                     <a:lstStyle/>
                     <a:p>
                       <a:pPr algn="l">
@@ -6269,7 +6426,7 @@
                         <a:defRPr/>
                       </a:pPr>
                       <a:r>
-                        <a:rPr lang="en-US" sz="1499" b="true">
+                        <a:rPr lang="en-US" sz="1499" b="1">
                           <a:solidFill>
                             <a:srgbClr val="000000"/>
                           </a:solidFill>
@@ -6284,7 +6441,7 @@
                     </a:p>
                   </a:txBody>
                   <a:tcPr marL="142875" marR="142875" marT="142875" marB="142875" anchor="ctr">
-                    <a:lnL cmpd="sng" algn="ctr" cap="flat" w="19050">
+                    <a:lnL w="19050" cap="flat" cmpd="sng" algn="ctr">
                       <a:solidFill>
                         <a:srgbClr val="000000"/>
                       </a:solidFill>
@@ -6293,7 +6450,7 @@
                       <a:headEnd type="none" w="med" len="med"/>
                       <a:tailEnd type="none" w="med" len="med"/>
                     </a:lnL>
-                    <a:lnR cmpd="sng" algn="ctr" cap="flat" w="19050">
+                    <a:lnR w="19050" cap="flat" cmpd="sng" algn="ctr">
                       <a:solidFill>
                         <a:srgbClr val="000000"/>
                       </a:solidFill>
@@ -6302,7 +6459,7 @@
                       <a:headEnd type="none" w="med" len="med"/>
                       <a:tailEnd type="none" w="med" len="med"/>
                     </a:lnR>
-                    <a:lnT cmpd="sng" algn="ctr" cap="flat" w="19050">
+                    <a:lnT w="19050" cap="flat" cmpd="sng" algn="ctr">
                       <a:solidFill>
                         <a:srgbClr val="000000"/>
                       </a:solidFill>
@@ -6311,7 +6468,7 @@
                       <a:headEnd type="none" w="med" len="med"/>
                       <a:tailEnd type="none" w="med" len="med"/>
                     </a:lnT>
-                    <a:lnB cmpd="sng" algn="ctr" cap="flat" w="19050">
+                    <a:lnB w="19050" cap="flat" cmpd="sng" algn="ctr">
                       <a:solidFill>
                         <a:srgbClr val="000000"/>
                       </a:solidFill>
@@ -6324,7 +6481,7 @@
                 </a:tc>
                 <a:tc>
                   <a:txBody>
-                    <a:bodyPr anchor="t" rtlCol="false"/>
+                    <a:bodyPr/>
                     <a:lstStyle/>
                     <a:p>
                       <a:pPr algn="l">
@@ -6349,7 +6506,7 @@
                     </a:p>
                   </a:txBody>
                   <a:tcPr marL="142875" marR="142875" marT="142875" marB="142875" anchor="ctr">
-                    <a:lnL cmpd="sng" algn="ctr" cap="flat" w="19050">
+                    <a:lnL w="19050" cap="flat" cmpd="sng" algn="ctr">
                       <a:solidFill>
                         <a:srgbClr val="000000"/>
                       </a:solidFill>
@@ -6358,7 +6515,7 @@
                       <a:headEnd type="none" w="med" len="med"/>
                       <a:tailEnd type="none" w="med" len="med"/>
                     </a:lnL>
-                    <a:lnR cmpd="sng" algn="ctr" cap="flat" w="19050">
+                    <a:lnR w="19050" cap="flat" cmpd="sng" algn="ctr">
                       <a:solidFill>
                         <a:srgbClr val="000000"/>
                       </a:solidFill>
@@ -6367,7 +6524,7 @@
                       <a:headEnd type="none" w="med" len="med"/>
                       <a:tailEnd type="none" w="med" len="med"/>
                     </a:lnR>
-                    <a:lnT cmpd="sng" algn="ctr" cap="flat" w="19050">
+                    <a:lnT w="19050" cap="flat" cmpd="sng" algn="ctr">
                       <a:solidFill>
                         <a:srgbClr val="000000"/>
                       </a:solidFill>
@@ -6376,7 +6533,7 @@
                       <a:headEnd type="none" w="med" len="med"/>
                       <a:tailEnd type="none" w="med" len="med"/>
                     </a:lnT>
-                    <a:lnB cmpd="sng" algn="ctr" cap="flat" w="19050">
+                    <a:lnB w="19050" cap="flat" cmpd="sng" algn="ctr">
                       <a:solidFill>
                         <a:srgbClr val="000000"/>
                       </a:solidFill>
@@ -6389,7 +6546,7 @@
                 </a:tc>
                 <a:tc>
                   <a:txBody>
-                    <a:bodyPr anchor="t" rtlCol="false"/>
+                    <a:bodyPr/>
                     <a:lstStyle/>
                     <a:p>
                       <a:pPr algn="l">
@@ -6414,7 +6571,7 @@
                     </a:p>
                   </a:txBody>
                   <a:tcPr marL="142875" marR="142875" marT="142875" marB="142875" anchor="ctr">
-                    <a:lnL cmpd="sng" algn="ctr" cap="flat" w="19050">
+                    <a:lnL w="19050" cap="flat" cmpd="sng" algn="ctr">
                       <a:solidFill>
                         <a:srgbClr val="000000"/>
                       </a:solidFill>
@@ -6423,7 +6580,7 @@
                       <a:headEnd type="none" w="med" len="med"/>
                       <a:tailEnd type="none" w="med" len="med"/>
                     </a:lnL>
-                    <a:lnR cmpd="sng" algn="ctr" cap="flat" w="19050">
+                    <a:lnR w="19050" cap="flat" cmpd="sng" algn="ctr">
                       <a:solidFill>
                         <a:srgbClr val="000000"/>
                       </a:solidFill>
@@ -6432,7 +6589,7 @@
                       <a:headEnd type="none" w="med" len="med"/>
                       <a:tailEnd type="none" w="med" len="med"/>
                     </a:lnR>
-                    <a:lnT cmpd="sng" algn="ctr" cap="flat" w="19050">
+                    <a:lnT w="19050" cap="flat" cmpd="sng" algn="ctr">
                       <a:solidFill>
                         <a:srgbClr val="000000"/>
                       </a:solidFill>
@@ -6441,7 +6598,7 @@
                       <a:headEnd type="none" w="med" len="med"/>
                       <a:tailEnd type="none" w="med" len="med"/>
                     </a:lnT>
-                    <a:lnB cmpd="sng" algn="ctr" cap="flat" w="19050">
+                    <a:lnB w="19050" cap="flat" cmpd="sng" algn="ctr">
                       <a:solidFill>
                         <a:srgbClr val="000000"/>
                       </a:solidFill>
@@ -6452,11 +6609,16 @@
                     </a:lnB>
                   </a:tcPr>
                 </a:tc>
+                <a:extLst>
+                  <a:ext uri="{0D108BD9-81ED-4DB2-BD59-A6C34878D82A}">
+                    <a16:rowId xmlns:a16="http://schemas.microsoft.com/office/drawing/2014/main" val="10002"/>
+                  </a:ext>
+                </a:extLst>
               </a:tr>
               <a:tr h="663673">
                 <a:tc>
                   <a:txBody>
-                    <a:bodyPr anchor="t" rtlCol="false"/>
+                    <a:bodyPr/>
                     <a:lstStyle/>
                     <a:p>
                       <a:pPr algn="l">
@@ -6466,7 +6628,7 @@
                         <a:defRPr/>
                       </a:pPr>
                       <a:r>
-                        <a:rPr lang="en-US" sz="1499" b="true">
+                        <a:rPr lang="en-US" sz="1499" b="1">
                           <a:solidFill>
                             <a:srgbClr val="000000"/>
                           </a:solidFill>
@@ -6481,7 +6643,7 @@
                     </a:p>
                   </a:txBody>
                   <a:tcPr marL="142875" marR="142875" marT="142875" marB="142875" anchor="ctr">
-                    <a:lnL cmpd="sng" algn="ctr" cap="flat" w="19050">
+                    <a:lnL w="19050" cap="flat" cmpd="sng" algn="ctr">
                       <a:solidFill>
                         <a:srgbClr val="000000"/>
                       </a:solidFill>
@@ -6490,7 +6652,7 @@
                       <a:headEnd type="none" w="med" len="med"/>
                       <a:tailEnd type="none" w="med" len="med"/>
                     </a:lnL>
-                    <a:lnR cmpd="sng" algn="ctr" cap="flat" w="19050">
+                    <a:lnR w="19050" cap="flat" cmpd="sng" algn="ctr">
                       <a:solidFill>
                         <a:srgbClr val="000000"/>
                       </a:solidFill>
@@ -6499,7 +6661,7 @@
                       <a:headEnd type="none" w="med" len="med"/>
                       <a:tailEnd type="none" w="med" len="med"/>
                     </a:lnR>
-                    <a:lnT cmpd="sng" algn="ctr" cap="flat" w="19050">
+                    <a:lnT w="19050" cap="flat" cmpd="sng" algn="ctr">
                       <a:solidFill>
                         <a:srgbClr val="000000"/>
                       </a:solidFill>
@@ -6508,7 +6670,7 @@
                       <a:headEnd type="none" w="med" len="med"/>
                       <a:tailEnd type="none" w="med" len="med"/>
                     </a:lnT>
-                    <a:lnB cmpd="sng" algn="ctr" cap="flat" w="19050">
+                    <a:lnB w="19050" cap="flat" cmpd="sng" algn="ctr">
                       <a:solidFill>
                         <a:srgbClr val="000000"/>
                       </a:solidFill>
@@ -6521,7 +6683,7 @@
                 </a:tc>
                 <a:tc>
                   <a:txBody>
-                    <a:bodyPr anchor="t" rtlCol="false"/>
+                    <a:bodyPr/>
                     <a:lstStyle/>
                     <a:p>
                       <a:pPr algn="l">
@@ -6546,7 +6708,7 @@
                     </a:p>
                   </a:txBody>
                   <a:tcPr marL="142875" marR="142875" marT="142875" marB="142875" anchor="ctr">
-                    <a:lnL cmpd="sng" algn="ctr" cap="flat" w="19050">
+                    <a:lnL w="19050" cap="flat" cmpd="sng" algn="ctr">
                       <a:solidFill>
                         <a:srgbClr val="000000"/>
                       </a:solidFill>
@@ -6555,7 +6717,7 @@
                       <a:headEnd type="none" w="med" len="med"/>
                       <a:tailEnd type="none" w="med" len="med"/>
                     </a:lnL>
-                    <a:lnR cmpd="sng" algn="ctr" cap="flat" w="19050">
+                    <a:lnR w="19050" cap="flat" cmpd="sng" algn="ctr">
                       <a:solidFill>
                         <a:srgbClr val="000000"/>
                       </a:solidFill>
@@ -6564,7 +6726,7 @@
                       <a:headEnd type="none" w="med" len="med"/>
                       <a:tailEnd type="none" w="med" len="med"/>
                     </a:lnR>
-                    <a:lnT cmpd="sng" algn="ctr" cap="flat" w="19050">
+                    <a:lnT w="19050" cap="flat" cmpd="sng" algn="ctr">
                       <a:solidFill>
                         <a:srgbClr val="000000"/>
                       </a:solidFill>
@@ -6573,7 +6735,7 @@
                       <a:headEnd type="none" w="med" len="med"/>
                       <a:tailEnd type="none" w="med" len="med"/>
                     </a:lnT>
-                    <a:lnB cmpd="sng" algn="ctr" cap="flat" w="19050">
+                    <a:lnB w="19050" cap="flat" cmpd="sng" algn="ctr">
                       <a:solidFill>
                         <a:srgbClr val="000000"/>
                       </a:solidFill>
@@ -6586,7 +6748,7 @@
                 </a:tc>
                 <a:tc>
                   <a:txBody>
-                    <a:bodyPr anchor="t" rtlCol="false"/>
+                    <a:bodyPr/>
                     <a:lstStyle/>
                     <a:p>
                       <a:pPr algn="l">
@@ -6611,7 +6773,7 @@
                     </a:p>
                   </a:txBody>
                   <a:tcPr marL="142875" marR="142875" marT="142875" marB="142875" anchor="ctr">
-                    <a:lnL cmpd="sng" algn="ctr" cap="flat" w="19050">
+                    <a:lnL w="19050" cap="flat" cmpd="sng" algn="ctr">
                       <a:solidFill>
                         <a:srgbClr val="000000"/>
                       </a:solidFill>
@@ -6620,7 +6782,7 @@
                       <a:headEnd type="none" w="med" len="med"/>
                       <a:tailEnd type="none" w="med" len="med"/>
                     </a:lnL>
-                    <a:lnR cmpd="sng" algn="ctr" cap="flat" w="19050">
+                    <a:lnR w="19050" cap="flat" cmpd="sng" algn="ctr">
                       <a:solidFill>
                         <a:srgbClr val="000000"/>
                       </a:solidFill>
@@ -6629,7 +6791,7 @@
                       <a:headEnd type="none" w="med" len="med"/>
                       <a:tailEnd type="none" w="med" len="med"/>
                     </a:lnR>
-                    <a:lnT cmpd="sng" algn="ctr" cap="flat" w="19050">
+                    <a:lnT w="19050" cap="flat" cmpd="sng" algn="ctr">
                       <a:solidFill>
                         <a:srgbClr val="000000"/>
                       </a:solidFill>
@@ -6638,7 +6800,7 @@
                       <a:headEnd type="none" w="med" len="med"/>
                       <a:tailEnd type="none" w="med" len="med"/>
                     </a:lnT>
-                    <a:lnB cmpd="sng" algn="ctr" cap="flat" w="19050">
+                    <a:lnB w="19050" cap="flat" cmpd="sng" algn="ctr">
                       <a:solidFill>
                         <a:srgbClr val="000000"/>
                       </a:solidFill>
@@ -6649,11 +6811,16 @@
                     </a:lnB>
                   </a:tcPr>
                 </a:tc>
+                <a:extLst>
+                  <a:ext uri="{0D108BD9-81ED-4DB2-BD59-A6C34878D82A}">
+                    <a16:rowId xmlns:a16="http://schemas.microsoft.com/office/drawing/2014/main" val="10003"/>
+                  </a:ext>
+                </a:extLst>
               </a:tr>
               <a:tr h="663673">
                 <a:tc>
                   <a:txBody>
-                    <a:bodyPr anchor="t" rtlCol="false"/>
+                    <a:bodyPr/>
                     <a:lstStyle/>
                     <a:p>
                       <a:pPr algn="l">
@@ -6663,7 +6830,7 @@
                         <a:defRPr/>
                       </a:pPr>
                       <a:r>
-                        <a:rPr lang="en-US" sz="1499" b="true">
+                        <a:rPr lang="en-US" sz="1499" b="1">
                           <a:solidFill>
                             <a:srgbClr val="000000"/>
                           </a:solidFill>
@@ -6678,7 +6845,7 @@
                     </a:p>
                   </a:txBody>
                   <a:tcPr marL="142875" marR="142875" marT="142875" marB="142875" anchor="ctr">
-                    <a:lnL cmpd="sng" algn="ctr" cap="flat" w="19050">
+                    <a:lnL w="19050" cap="flat" cmpd="sng" algn="ctr">
                       <a:solidFill>
                         <a:srgbClr val="000000"/>
                       </a:solidFill>
@@ -6687,7 +6854,7 @@
                       <a:headEnd type="none" w="med" len="med"/>
                       <a:tailEnd type="none" w="med" len="med"/>
                     </a:lnL>
-                    <a:lnR cmpd="sng" algn="ctr" cap="flat" w="19050">
+                    <a:lnR w="19050" cap="flat" cmpd="sng" algn="ctr">
                       <a:solidFill>
                         <a:srgbClr val="000000"/>
                       </a:solidFill>
@@ -6696,7 +6863,7 @@
                       <a:headEnd type="none" w="med" len="med"/>
                       <a:tailEnd type="none" w="med" len="med"/>
                     </a:lnR>
-                    <a:lnT cmpd="sng" algn="ctr" cap="flat" w="19050">
+                    <a:lnT w="19050" cap="flat" cmpd="sng" algn="ctr">
                       <a:solidFill>
                         <a:srgbClr val="000000"/>
                       </a:solidFill>
@@ -6705,7 +6872,7 @@
                       <a:headEnd type="none" w="med" len="med"/>
                       <a:tailEnd type="none" w="med" len="med"/>
                     </a:lnT>
-                    <a:lnB cmpd="sng" algn="ctr" cap="flat" w="19050">
+                    <a:lnB w="19050" cap="flat" cmpd="sng" algn="ctr">
                       <a:solidFill>
                         <a:srgbClr val="000000"/>
                       </a:solidFill>
@@ -6718,7 +6885,7 @@
                 </a:tc>
                 <a:tc>
                   <a:txBody>
-                    <a:bodyPr anchor="t" rtlCol="false"/>
+                    <a:bodyPr/>
                     <a:lstStyle/>
                     <a:p>
                       <a:pPr algn="l">
@@ -6743,7 +6910,7 @@
                     </a:p>
                   </a:txBody>
                   <a:tcPr marL="142875" marR="142875" marT="142875" marB="142875" anchor="ctr">
-                    <a:lnL cmpd="sng" algn="ctr" cap="flat" w="19050">
+                    <a:lnL w="19050" cap="flat" cmpd="sng" algn="ctr">
                       <a:solidFill>
                         <a:srgbClr val="000000"/>
                       </a:solidFill>
@@ -6752,7 +6919,7 @@
                       <a:headEnd type="none" w="med" len="med"/>
                       <a:tailEnd type="none" w="med" len="med"/>
                     </a:lnL>
-                    <a:lnR cmpd="sng" algn="ctr" cap="flat" w="19050">
+                    <a:lnR w="19050" cap="flat" cmpd="sng" algn="ctr">
                       <a:solidFill>
                         <a:srgbClr val="000000"/>
                       </a:solidFill>
@@ -6761,7 +6928,7 @@
                       <a:headEnd type="none" w="med" len="med"/>
                       <a:tailEnd type="none" w="med" len="med"/>
                     </a:lnR>
-                    <a:lnT cmpd="sng" algn="ctr" cap="flat" w="19050">
+                    <a:lnT w="19050" cap="flat" cmpd="sng" algn="ctr">
                       <a:solidFill>
                         <a:srgbClr val="000000"/>
                       </a:solidFill>
@@ -6770,7 +6937,7 @@
                       <a:headEnd type="none" w="med" len="med"/>
                       <a:tailEnd type="none" w="med" len="med"/>
                     </a:lnT>
-                    <a:lnB cmpd="sng" algn="ctr" cap="flat" w="19050">
+                    <a:lnB w="19050" cap="flat" cmpd="sng" algn="ctr">
                       <a:solidFill>
                         <a:srgbClr val="000000"/>
                       </a:solidFill>
@@ -6783,7 +6950,7 @@
                 </a:tc>
                 <a:tc>
                   <a:txBody>
-                    <a:bodyPr anchor="t" rtlCol="false"/>
+                    <a:bodyPr/>
                     <a:lstStyle/>
                     <a:p>
                       <a:pPr algn="l">
@@ -6808,7 +6975,7 @@
                     </a:p>
                   </a:txBody>
                   <a:tcPr marL="142875" marR="142875" marT="142875" marB="142875" anchor="ctr">
-                    <a:lnL cmpd="sng" algn="ctr" cap="flat" w="19050">
+                    <a:lnL w="19050" cap="flat" cmpd="sng" algn="ctr">
                       <a:solidFill>
                         <a:srgbClr val="000000"/>
                       </a:solidFill>
@@ -6817,7 +6984,7 @@
                       <a:headEnd type="none" w="med" len="med"/>
                       <a:tailEnd type="none" w="med" len="med"/>
                     </a:lnL>
-                    <a:lnR cmpd="sng" algn="ctr" cap="flat" w="19050">
+                    <a:lnR w="19050" cap="flat" cmpd="sng" algn="ctr">
                       <a:solidFill>
                         <a:srgbClr val="000000"/>
                       </a:solidFill>
@@ -6826,7 +6993,7 @@
                       <a:headEnd type="none" w="med" len="med"/>
                       <a:tailEnd type="none" w="med" len="med"/>
                     </a:lnR>
-                    <a:lnT cmpd="sng" algn="ctr" cap="flat" w="19050">
+                    <a:lnT w="19050" cap="flat" cmpd="sng" algn="ctr">
                       <a:solidFill>
                         <a:srgbClr val="000000"/>
                       </a:solidFill>
@@ -6835,7 +7002,7 @@
                       <a:headEnd type="none" w="med" len="med"/>
                       <a:tailEnd type="none" w="med" len="med"/>
                     </a:lnT>
-                    <a:lnB cmpd="sng" algn="ctr" cap="flat" w="19050">
+                    <a:lnB w="19050" cap="flat" cmpd="sng" algn="ctr">
                       <a:solidFill>
                         <a:srgbClr val="000000"/>
                       </a:solidFill>
@@ -6846,11 +7013,16 @@
                     </a:lnB>
                   </a:tcPr>
                 </a:tc>
+                <a:extLst>
+                  <a:ext uri="{0D108BD9-81ED-4DB2-BD59-A6C34878D82A}">
+                    <a16:rowId xmlns:a16="http://schemas.microsoft.com/office/drawing/2014/main" val="10004"/>
+                  </a:ext>
+                </a:extLst>
               </a:tr>
               <a:tr h="663673">
                 <a:tc>
                   <a:txBody>
-                    <a:bodyPr anchor="t" rtlCol="false"/>
+                    <a:bodyPr/>
                     <a:lstStyle/>
                     <a:p>
                       <a:pPr algn="l">
@@ -6860,7 +7032,7 @@
                         <a:defRPr/>
                       </a:pPr>
                       <a:r>
-                        <a:rPr lang="en-US" sz="1499" b="true">
+                        <a:rPr lang="en-US" sz="1499" b="1">
                           <a:solidFill>
                             <a:srgbClr val="000000"/>
                           </a:solidFill>
@@ -6875,7 +7047,7 @@
                     </a:p>
                   </a:txBody>
                   <a:tcPr marL="142875" marR="142875" marT="142875" marB="142875" anchor="ctr">
-                    <a:lnL cmpd="sng" algn="ctr" cap="flat" w="19050">
+                    <a:lnL w="19050" cap="flat" cmpd="sng" algn="ctr">
                       <a:solidFill>
                         <a:srgbClr val="000000"/>
                       </a:solidFill>
@@ -6884,7 +7056,7 @@
                       <a:headEnd type="none" w="med" len="med"/>
                       <a:tailEnd type="none" w="med" len="med"/>
                     </a:lnL>
-                    <a:lnR cmpd="sng" algn="ctr" cap="flat" w="19050">
+                    <a:lnR w="19050" cap="flat" cmpd="sng" algn="ctr">
                       <a:solidFill>
                         <a:srgbClr val="000000"/>
                       </a:solidFill>
@@ -6893,7 +7065,7 @@
                       <a:headEnd type="none" w="med" len="med"/>
                       <a:tailEnd type="none" w="med" len="med"/>
                     </a:lnR>
-                    <a:lnT cmpd="sng" algn="ctr" cap="flat" w="19050">
+                    <a:lnT w="19050" cap="flat" cmpd="sng" algn="ctr">
                       <a:solidFill>
                         <a:srgbClr val="000000"/>
                       </a:solidFill>
@@ -6902,7 +7074,7 @@
                       <a:headEnd type="none" w="med" len="med"/>
                       <a:tailEnd type="none" w="med" len="med"/>
                     </a:lnT>
-                    <a:lnB cmpd="sng" algn="ctr" cap="flat" w="19050">
+                    <a:lnB w="19050" cap="flat" cmpd="sng" algn="ctr">
                       <a:solidFill>
                         <a:srgbClr val="000000"/>
                       </a:solidFill>
@@ -6915,7 +7087,7 @@
                 </a:tc>
                 <a:tc>
                   <a:txBody>
-                    <a:bodyPr anchor="t" rtlCol="false"/>
+                    <a:bodyPr/>
                     <a:lstStyle/>
                     <a:p>
                       <a:pPr algn="l">
@@ -6940,7 +7112,7 @@
                     </a:p>
                   </a:txBody>
                   <a:tcPr marL="142875" marR="142875" marT="142875" marB="142875" anchor="ctr">
-                    <a:lnL cmpd="sng" algn="ctr" cap="flat" w="19050">
+                    <a:lnL w="19050" cap="flat" cmpd="sng" algn="ctr">
                       <a:solidFill>
                         <a:srgbClr val="000000"/>
                       </a:solidFill>
@@ -6949,7 +7121,7 @@
                       <a:headEnd type="none" w="med" len="med"/>
                       <a:tailEnd type="none" w="med" len="med"/>
                     </a:lnL>
-                    <a:lnR cmpd="sng" algn="ctr" cap="flat" w="19050">
+                    <a:lnR w="19050" cap="flat" cmpd="sng" algn="ctr">
                       <a:solidFill>
                         <a:srgbClr val="000000"/>
                       </a:solidFill>
@@ -6958,7 +7130,7 @@
                       <a:headEnd type="none" w="med" len="med"/>
                       <a:tailEnd type="none" w="med" len="med"/>
                     </a:lnR>
-                    <a:lnT cmpd="sng" algn="ctr" cap="flat" w="19050">
+                    <a:lnT w="19050" cap="flat" cmpd="sng" algn="ctr">
                       <a:solidFill>
                         <a:srgbClr val="000000"/>
                       </a:solidFill>
@@ -6967,7 +7139,7 @@
                       <a:headEnd type="none" w="med" len="med"/>
                       <a:tailEnd type="none" w="med" len="med"/>
                     </a:lnT>
-                    <a:lnB cmpd="sng" algn="ctr" cap="flat" w="19050">
+                    <a:lnB w="19050" cap="flat" cmpd="sng" algn="ctr">
                       <a:solidFill>
                         <a:srgbClr val="000000"/>
                       </a:solidFill>
@@ -6980,7 +7152,7 @@
                 </a:tc>
                 <a:tc>
                   <a:txBody>
-                    <a:bodyPr anchor="t" rtlCol="false"/>
+                    <a:bodyPr/>
                     <a:lstStyle/>
                     <a:p>
                       <a:pPr algn="l">
@@ -7005,7 +7177,7 @@
                     </a:p>
                   </a:txBody>
                   <a:tcPr marL="142875" marR="142875" marT="142875" marB="142875" anchor="ctr">
-                    <a:lnL cmpd="sng" algn="ctr" cap="flat" w="19050">
+                    <a:lnL w="19050" cap="flat" cmpd="sng" algn="ctr">
                       <a:solidFill>
                         <a:srgbClr val="000000"/>
                       </a:solidFill>
@@ -7014,7 +7186,7 @@
                       <a:headEnd type="none" w="med" len="med"/>
                       <a:tailEnd type="none" w="med" len="med"/>
                     </a:lnL>
-                    <a:lnR cmpd="sng" algn="ctr" cap="flat" w="19050">
+                    <a:lnR w="19050" cap="flat" cmpd="sng" algn="ctr">
                       <a:solidFill>
                         <a:srgbClr val="000000"/>
                       </a:solidFill>
@@ -7023,7 +7195,7 @@
                       <a:headEnd type="none" w="med" len="med"/>
                       <a:tailEnd type="none" w="med" len="med"/>
                     </a:lnR>
-                    <a:lnT cmpd="sng" algn="ctr" cap="flat" w="19050">
+                    <a:lnT w="19050" cap="flat" cmpd="sng" algn="ctr">
                       <a:solidFill>
                         <a:srgbClr val="000000"/>
                       </a:solidFill>
@@ -7032,7 +7204,7 @@
                       <a:headEnd type="none" w="med" len="med"/>
                       <a:tailEnd type="none" w="med" len="med"/>
                     </a:lnT>
-                    <a:lnB cmpd="sng" algn="ctr" cap="flat" w="19050">
+                    <a:lnB w="19050" cap="flat" cmpd="sng" algn="ctr">
                       <a:solidFill>
                         <a:srgbClr val="000000"/>
                       </a:solidFill>
@@ -7043,11 +7215,16 @@
                     </a:lnB>
                   </a:tcPr>
                 </a:tc>
+                <a:extLst>
+                  <a:ext uri="{0D108BD9-81ED-4DB2-BD59-A6C34878D82A}">
+                    <a16:rowId xmlns:a16="http://schemas.microsoft.com/office/drawing/2014/main" val="10005"/>
+                  </a:ext>
+                </a:extLst>
               </a:tr>
               <a:tr h="859674">
                 <a:tc>
                   <a:txBody>
-                    <a:bodyPr anchor="t" rtlCol="false"/>
+                    <a:bodyPr/>
                     <a:lstStyle/>
                     <a:p>
                       <a:pPr algn="l">
@@ -7057,7 +7234,7 @@
                         <a:defRPr/>
                       </a:pPr>
                       <a:r>
-                        <a:rPr lang="en-US" sz="1499" b="true">
+                        <a:rPr lang="en-US" sz="1499" b="1">
                           <a:solidFill>
                             <a:srgbClr val="000000"/>
                           </a:solidFill>
@@ -7072,7 +7249,7 @@
                     </a:p>
                   </a:txBody>
                   <a:tcPr marL="142875" marR="142875" marT="142875" marB="142875" anchor="ctr">
-                    <a:lnL cmpd="sng" algn="ctr" cap="flat" w="19050">
+                    <a:lnL w="19050" cap="flat" cmpd="sng" algn="ctr">
                       <a:solidFill>
                         <a:srgbClr val="000000"/>
                       </a:solidFill>
@@ -7081,7 +7258,7 @@
                       <a:headEnd type="none" w="med" len="med"/>
                       <a:tailEnd type="none" w="med" len="med"/>
                     </a:lnL>
-                    <a:lnR cmpd="sng" algn="ctr" cap="flat" w="19050">
+                    <a:lnR w="19050" cap="flat" cmpd="sng" algn="ctr">
                       <a:solidFill>
                         <a:srgbClr val="000000"/>
                       </a:solidFill>
@@ -7090,7 +7267,7 @@
                       <a:headEnd type="none" w="med" len="med"/>
                       <a:tailEnd type="none" w="med" len="med"/>
                     </a:lnR>
-                    <a:lnT cmpd="sng" algn="ctr" cap="flat" w="19050">
+                    <a:lnT w="19050" cap="flat" cmpd="sng" algn="ctr">
                       <a:solidFill>
                         <a:srgbClr val="000000"/>
                       </a:solidFill>
@@ -7099,7 +7276,7 @@
                       <a:headEnd type="none" w="med" len="med"/>
                       <a:tailEnd type="none" w="med" len="med"/>
                     </a:lnT>
-                    <a:lnB cmpd="sng" algn="ctr" cap="flat" w="19050">
+                    <a:lnB w="19050" cap="flat" cmpd="sng" algn="ctr">
                       <a:solidFill>
                         <a:srgbClr val="000000"/>
                       </a:solidFill>
@@ -7112,7 +7289,7 @@
                 </a:tc>
                 <a:tc>
                   <a:txBody>
-                    <a:bodyPr anchor="t" rtlCol="false"/>
+                    <a:bodyPr/>
                     <a:lstStyle/>
                     <a:p>
                       <a:pPr algn="l">
@@ -7137,7 +7314,7 @@
                     </a:p>
                   </a:txBody>
                   <a:tcPr marL="142875" marR="142875" marT="142875" marB="142875" anchor="ctr">
-                    <a:lnL cmpd="sng" algn="ctr" cap="flat" w="19050">
+                    <a:lnL w="19050" cap="flat" cmpd="sng" algn="ctr">
                       <a:solidFill>
                         <a:srgbClr val="000000"/>
                       </a:solidFill>
@@ -7146,7 +7323,7 @@
                       <a:headEnd type="none" w="med" len="med"/>
                       <a:tailEnd type="none" w="med" len="med"/>
                     </a:lnL>
-                    <a:lnR cmpd="sng" algn="ctr" cap="flat" w="19050">
+                    <a:lnR w="19050" cap="flat" cmpd="sng" algn="ctr">
                       <a:solidFill>
                         <a:srgbClr val="000000"/>
                       </a:solidFill>
@@ -7155,7 +7332,7 @@
                       <a:headEnd type="none" w="med" len="med"/>
                       <a:tailEnd type="none" w="med" len="med"/>
                     </a:lnR>
-                    <a:lnT cmpd="sng" algn="ctr" cap="flat" w="19050">
+                    <a:lnT w="19050" cap="flat" cmpd="sng" algn="ctr">
                       <a:solidFill>
                         <a:srgbClr val="000000"/>
                       </a:solidFill>
@@ -7164,7 +7341,7 @@
                       <a:headEnd type="none" w="med" len="med"/>
                       <a:tailEnd type="none" w="med" len="med"/>
                     </a:lnT>
-                    <a:lnB cmpd="sng" algn="ctr" cap="flat" w="19050">
+                    <a:lnB w="19050" cap="flat" cmpd="sng" algn="ctr">
                       <a:solidFill>
                         <a:srgbClr val="000000"/>
                       </a:solidFill>
@@ -7177,7 +7354,7 @@
                 </a:tc>
                 <a:tc>
                   <a:txBody>
-                    <a:bodyPr anchor="t" rtlCol="false"/>
+                    <a:bodyPr/>
                     <a:lstStyle/>
                     <a:p>
                       <a:pPr algn="l">
@@ -7202,7 +7379,7 @@
                     </a:p>
                   </a:txBody>
                   <a:tcPr marL="142875" marR="142875" marT="142875" marB="142875" anchor="ctr">
-                    <a:lnL cmpd="sng" algn="ctr" cap="flat" w="19050">
+                    <a:lnL w="19050" cap="flat" cmpd="sng" algn="ctr">
                       <a:solidFill>
                         <a:srgbClr val="000000"/>
                       </a:solidFill>
@@ -7211,7 +7388,7 @@
                       <a:headEnd type="none" w="med" len="med"/>
                       <a:tailEnd type="none" w="med" len="med"/>
                     </a:lnL>
-                    <a:lnR cmpd="sng" algn="ctr" cap="flat" w="19050">
+                    <a:lnR w="19050" cap="flat" cmpd="sng" algn="ctr">
                       <a:solidFill>
                         <a:srgbClr val="000000"/>
                       </a:solidFill>
@@ -7220,7 +7397,7 @@
                       <a:headEnd type="none" w="med" len="med"/>
                       <a:tailEnd type="none" w="med" len="med"/>
                     </a:lnR>
-                    <a:lnT cmpd="sng" algn="ctr" cap="flat" w="19050">
+                    <a:lnT w="19050" cap="flat" cmpd="sng" algn="ctr">
                       <a:solidFill>
                         <a:srgbClr val="000000"/>
                       </a:solidFill>
@@ -7229,7 +7406,7 @@
                       <a:headEnd type="none" w="med" len="med"/>
                       <a:tailEnd type="none" w="med" len="med"/>
                     </a:lnT>
-                    <a:lnB cmpd="sng" algn="ctr" cap="flat" w="19050">
+                    <a:lnB w="19050" cap="flat" cmpd="sng" algn="ctr">
                       <a:solidFill>
                         <a:srgbClr val="000000"/>
                       </a:solidFill>
@@ -7240,11 +7417,16 @@
                     </a:lnB>
                   </a:tcPr>
                 </a:tc>
+                <a:extLst>
+                  <a:ext uri="{0D108BD9-81ED-4DB2-BD59-A6C34878D82A}">
+                    <a16:rowId xmlns:a16="http://schemas.microsoft.com/office/drawing/2014/main" val="10006"/>
+                  </a:ext>
+                </a:extLst>
               </a:tr>
               <a:tr h="859674">
                 <a:tc>
                   <a:txBody>
-                    <a:bodyPr anchor="t" rtlCol="false"/>
+                    <a:bodyPr/>
                     <a:lstStyle/>
                     <a:p>
                       <a:pPr algn="l">
@@ -7254,7 +7436,7 @@
                         <a:defRPr/>
                       </a:pPr>
                       <a:r>
-                        <a:rPr lang="en-US" sz="1499" b="true">
+                        <a:rPr lang="en-US" sz="1499" b="1">
                           <a:solidFill>
                             <a:srgbClr val="000000"/>
                           </a:solidFill>
@@ -7269,7 +7451,7 @@
                     </a:p>
                   </a:txBody>
                   <a:tcPr marL="142875" marR="142875" marT="142875" marB="142875" anchor="ctr">
-                    <a:lnL cmpd="sng" algn="ctr" cap="flat" w="19050">
+                    <a:lnL w="19050" cap="flat" cmpd="sng" algn="ctr">
                       <a:solidFill>
                         <a:srgbClr val="000000"/>
                       </a:solidFill>
@@ -7278,7 +7460,7 @@
                       <a:headEnd type="none" w="med" len="med"/>
                       <a:tailEnd type="none" w="med" len="med"/>
                     </a:lnL>
-                    <a:lnR cmpd="sng" algn="ctr" cap="flat" w="19050">
+                    <a:lnR w="19050" cap="flat" cmpd="sng" algn="ctr">
                       <a:solidFill>
                         <a:srgbClr val="000000"/>
                       </a:solidFill>
@@ -7287,7 +7469,7 @@
                       <a:headEnd type="none" w="med" len="med"/>
                       <a:tailEnd type="none" w="med" len="med"/>
                     </a:lnR>
-                    <a:lnT cmpd="sng" algn="ctr" cap="flat" w="19050">
+                    <a:lnT w="19050" cap="flat" cmpd="sng" algn="ctr">
                       <a:solidFill>
                         <a:srgbClr val="000000"/>
                       </a:solidFill>
@@ -7296,7 +7478,7 @@
                       <a:headEnd type="none" w="med" len="med"/>
                       <a:tailEnd type="none" w="med" len="med"/>
                     </a:lnT>
-                    <a:lnB cmpd="sng" algn="ctr" cap="flat" w="19050">
+                    <a:lnB w="19050" cap="flat" cmpd="sng" algn="ctr">
                       <a:solidFill>
                         <a:srgbClr val="000000"/>
                       </a:solidFill>
@@ -7309,7 +7491,7 @@
                 </a:tc>
                 <a:tc>
                   <a:txBody>
-                    <a:bodyPr anchor="t" rtlCol="false"/>
+                    <a:bodyPr/>
                     <a:lstStyle/>
                     <a:p>
                       <a:pPr algn="l">
@@ -7334,7 +7516,7 @@
                     </a:p>
                   </a:txBody>
                   <a:tcPr marL="142875" marR="142875" marT="142875" marB="142875" anchor="ctr">
-                    <a:lnL cmpd="sng" algn="ctr" cap="flat" w="19050">
+                    <a:lnL w="19050" cap="flat" cmpd="sng" algn="ctr">
                       <a:solidFill>
                         <a:srgbClr val="000000"/>
                       </a:solidFill>
@@ -7343,7 +7525,7 @@
                       <a:headEnd type="none" w="med" len="med"/>
                       <a:tailEnd type="none" w="med" len="med"/>
                     </a:lnL>
-                    <a:lnR cmpd="sng" algn="ctr" cap="flat" w="19050">
+                    <a:lnR w="19050" cap="flat" cmpd="sng" algn="ctr">
                       <a:solidFill>
                         <a:srgbClr val="000000"/>
                       </a:solidFill>
@@ -7352,7 +7534,7 @@
                       <a:headEnd type="none" w="med" len="med"/>
                       <a:tailEnd type="none" w="med" len="med"/>
                     </a:lnR>
-                    <a:lnT cmpd="sng" algn="ctr" cap="flat" w="19050">
+                    <a:lnT w="19050" cap="flat" cmpd="sng" algn="ctr">
                       <a:solidFill>
                         <a:srgbClr val="000000"/>
                       </a:solidFill>
@@ -7361,7 +7543,7 @@
                       <a:headEnd type="none" w="med" len="med"/>
                       <a:tailEnd type="none" w="med" len="med"/>
                     </a:lnT>
-                    <a:lnB cmpd="sng" algn="ctr" cap="flat" w="19050">
+                    <a:lnB w="19050" cap="flat" cmpd="sng" algn="ctr">
                       <a:solidFill>
                         <a:srgbClr val="000000"/>
                       </a:solidFill>
@@ -7374,7 +7556,7 @@
                 </a:tc>
                 <a:tc>
                   <a:txBody>
-                    <a:bodyPr anchor="t" rtlCol="false"/>
+                    <a:bodyPr/>
                     <a:lstStyle/>
                     <a:p>
                       <a:pPr algn="l">
@@ -7399,7 +7581,7 @@
                     </a:p>
                   </a:txBody>
                   <a:tcPr marL="142875" marR="142875" marT="142875" marB="142875" anchor="ctr">
-                    <a:lnL cmpd="sng" algn="ctr" cap="flat" w="19050">
+                    <a:lnL w="19050" cap="flat" cmpd="sng" algn="ctr">
                       <a:solidFill>
                         <a:srgbClr val="000000"/>
                       </a:solidFill>
@@ -7408,7 +7590,7 @@
                       <a:headEnd type="none" w="med" len="med"/>
                       <a:tailEnd type="none" w="med" len="med"/>
                     </a:lnL>
-                    <a:lnR cmpd="sng" algn="ctr" cap="flat" w="19050">
+                    <a:lnR w="19050" cap="flat" cmpd="sng" algn="ctr">
                       <a:solidFill>
                         <a:srgbClr val="000000"/>
                       </a:solidFill>
@@ -7417,7 +7599,7 @@
                       <a:headEnd type="none" w="med" len="med"/>
                       <a:tailEnd type="none" w="med" len="med"/>
                     </a:lnR>
-                    <a:lnT cmpd="sng" algn="ctr" cap="flat" w="19050">
+                    <a:lnT w="19050" cap="flat" cmpd="sng" algn="ctr">
                       <a:solidFill>
                         <a:srgbClr val="000000"/>
                       </a:solidFill>
@@ -7426,7 +7608,7 @@
                       <a:headEnd type="none" w="med" len="med"/>
                       <a:tailEnd type="none" w="med" len="med"/>
                     </a:lnT>
-                    <a:lnB cmpd="sng" algn="ctr" cap="flat" w="19050">
+                    <a:lnB w="19050" cap="flat" cmpd="sng" algn="ctr">
                       <a:solidFill>
                         <a:srgbClr val="000000"/>
                       </a:solidFill>
@@ -7437,11 +7619,16 @@
                     </a:lnB>
                   </a:tcPr>
                 </a:tc>
+                <a:extLst>
+                  <a:ext uri="{0D108BD9-81ED-4DB2-BD59-A6C34878D82A}">
+                    <a16:rowId xmlns:a16="http://schemas.microsoft.com/office/drawing/2014/main" val="10007"/>
+                  </a:ext>
+                </a:extLst>
               </a:tr>
               <a:tr h="663673">
                 <a:tc>
                   <a:txBody>
-                    <a:bodyPr anchor="t" rtlCol="false"/>
+                    <a:bodyPr/>
                     <a:lstStyle/>
                     <a:p>
                       <a:pPr algn="l">
@@ -7451,7 +7638,7 @@
                         <a:defRPr/>
                       </a:pPr>
                       <a:r>
-                        <a:rPr lang="en-US" sz="1499" b="true">
+                        <a:rPr lang="en-US" sz="1499" b="1">
                           <a:solidFill>
                             <a:srgbClr val="000000"/>
                           </a:solidFill>
@@ -7466,7 +7653,7 @@
                     </a:p>
                   </a:txBody>
                   <a:tcPr marL="142875" marR="142875" marT="142875" marB="142875" anchor="ctr">
-                    <a:lnL cmpd="sng" algn="ctr" cap="flat" w="19050">
+                    <a:lnL w="19050" cap="flat" cmpd="sng" algn="ctr">
                       <a:solidFill>
                         <a:srgbClr val="000000"/>
                       </a:solidFill>
@@ -7475,7 +7662,7 @@
                       <a:headEnd type="none" w="med" len="med"/>
                       <a:tailEnd type="none" w="med" len="med"/>
                     </a:lnL>
-                    <a:lnR cmpd="sng" algn="ctr" cap="flat" w="19050">
+                    <a:lnR w="19050" cap="flat" cmpd="sng" algn="ctr">
                       <a:solidFill>
                         <a:srgbClr val="000000"/>
                       </a:solidFill>
@@ -7484,7 +7671,7 @@
                       <a:headEnd type="none" w="med" len="med"/>
                       <a:tailEnd type="none" w="med" len="med"/>
                     </a:lnR>
-                    <a:lnT cmpd="sng" algn="ctr" cap="flat" w="19050">
+                    <a:lnT w="19050" cap="flat" cmpd="sng" algn="ctr">
                       <a:solidFill>
                         <a:srgbClr val="000000"/>
                       </a:solidFill>
@@ -7493,7 +7680,7 @@
                       <a:headEnd type="none" w="med" len="med"/>
                       <a:tailEnd type="none" w="med" len="med"/>
                     </a:lnT>
-                    <a:lnB cmpd="sng" algn="ctr" cap="flat" w="19050">
+                    <a:lnB w="19050" cap="flat" cmpd="sng" algn="ctr">
                       <a:solidFill>
                         <a:srgbClr val="000000"/>
                       </a:solidFill>
@@ -7506,7 +7693,7 @@
                 </a:tc>
                 <a:tc>
                   <a:txBody>
-                    <a:bodyPr anchor="t" rtlCol="false"/>
+                    <a:bodyPr/>
                     <a:lstStyle/>
                     <a:p>
                       <a:pPr algn="l">
@@ -7531,7 +7718,7 @@
                     </a:p>
                   </a:txBody>
                   <a:tcPr marL="142875" marR="142875" marT="142875" marB="142875" anchor="ctr">
-                    <a:lnL cmpd="sng" algn="ctr" cap="flat" w="19050">
+                    <a:lnL w="19050" cap="flat" cmpd="sng" algn="ctr">
                       <a:solidFill>
                         <a:srgbClr val="000000"/>
                       </a:solidFill>
@@ -7540,7 +7727,7 @@
                       <a:headEnd type="none" w="med" len="med"/>
                       <a:tailEnd type="none" w="med" len="med"/>
                     </a:lnL>
-                    <a:lnR cmpd="sng" algn="ctr" cap="flat" w="19050">
+                    <a:lnR w="19050" cap="flat" cmpd="sng" algn="ctr">
                       <a:solidFill>
                         <a:srgbClr val="000000"/>
                       </a:solidFill>
@@ -7549,7 +7736,7 @@
                       <a:headEnd type="none" w="med" len="med"/>
                       <a:tailEnd type="none" w="med" len="med"/>
                     </a:lnR>
-                    <a:lnT cmpd="sng" algn="ctr" cap="flat" w="19050">
+                    <a:lnT w="19050" cap="flat" cmpd="sng" algn="ctr">
                       <a:solidFill>
                         <a:srgbClr val="000000"/>
                       </a:solidFill>
@@ -7558,7 +7745,7 @@
                       <a:headEnd type="none" w="med" len="med"/>
                       <a:tailEnd type="none" w="med" len="med"/>
                     </a:lnT>
-                    <a:lnB cmpd="sng" algn="ctr" cap="flat" w="19050">
+                    <a:lnB w="19050" cap="flat" cmpd="sng" algn="ctr">
                       <a:solidFill>
                         <a:srgbClr val="000000"/>
                       </a:solidFill>
@@ -7571,7 +7758,7 @@
                 </a:tc>
                 <a:tc>
                   <a:txBody>
-                    <a:bodyPr anchor="t" rtlCol="false"/>
+                    <a:bodyPr/>
                     <a:lstStyle/>
                     <a:p>
                       <a:pPr algn="l">
@@ -7596,7 +7783,7 @@
                     </a:p>
                   </a:txBody>
                   <a:tcPr marL="142875" marR="142875" marT="142875" marB="142875" anchor="ctr">
-                    <a:lnL cmpd="sng" algn="ctr" cap="flat" w="19050">
+                    <a:lnL w="19050" cap="flat" cmpd="sng" algn="ctr">
                       <a:solidFill>
                         <a:srgbClr val="000000"/>
                       </a:solidFill>
@@ -7605,7 +7792,7 @@
                       <a:headEnd type="none" w="med" len="med"/>
                       <a:tailEnd type="none" w="med" len="med"/>
                     </a:lnL>
-                    <a:lnR cmpd="sng" algn="ctr" cap="flat" w="19050">
+                    <a:lnR w="19050" cap="flat" cmpd="sng" algn="ctr">
                       <a:solidFill>
                         <a:srgbClr val="000000"/>
                       </a:solidFill>
@@ -7614,7 +7801,7 @@
                       <a:headEnd type="none" w="med" len="med"/>
                       <a:tailEnd type="none" w="med" len="med"/>
                     </a:lnR>
-                    <a:lnT cmpd="sng" algn="ctr" cap="flat" w="19050">
+                    <a:lnT w="19050" cap="flat" cmpd="sng" algn="ctr">
                       <a:solidFill>
                         <a:srgbClr val="000000"/>
                       </a:solidFill>
@@ -7623,7 +7810,7 @@
                       <a:headEnd type="none" w="med" len="med"/>
                       <a:tailEnd type="none" w="med" len="med"/>
                     </a:lnT>
-                    <a:lnB cmpd="sng" algn="ctr" cap="flat" w="19050">
+                    <a:lnB w="19050" cap="flat" cmpd="sng" algn="ctr">
                       <a:solidFill>
                         <a:srgbClr val="000000"/>
                       </a:solidFill>
@@ -7634,6 +7821,11 @@
                     </a:lnB>
                   </a:tcPr>
                 </a:tc>
+                <a:extLst>
+                  <a:ext uri="{0D108BD9-81ED-4DB2-BD59-A6C34878D82A}">
+                    <a16:rowId xmlns:a16="http://schemas.microsoft.com/office/drawing/2014/main" val="10008"/>
+                  </a:ext>
+                </a:extLst>
               </a:tr>
             </a:tbl>
           </a:graphicData>
@@ -7641,12 +7833,12 @@
       </p:graphicFrame>
       <p:sp>
         <p:nvSpPr>
-          <p:cNvPr name="TextBox 3" id="3"/>
-          <p:cNvSpPr txBox="true"/>
+          <p:cNvPr id="3" name="TextBox 3"/>
+          <p:cNvSpPr txBox="1"/>
           <p:nvPr/>
         </p:nvSpPr>
         <p:spPr>
-          <a:xfrm rot="0">
+          <a:xfrm>
             <a:off x="2448320" y="876300"/>
             <a:ext cx="13391361" cy="1351919"/>
           </a:xfrm>
@@ -7655,7 +7847,7 @@
           </a:prstGeom>
         </p:spPr>
         <p:txBody>
-          <a:bodyPr anchor="t" rtlCol="false" tIns="0" lIns="0" bIns="0" rIns="0">
+          <a:bodyPr lIns="0" tIns="0" rIns="0" bIns="0" rtlCol="0" anchor="t">
             <a:spAutoFit/>
           </a:bodyPr>
           <a:lstStyle/>
@@ -7669,7 +7861,7 @@
               </a:spcBef>
             </a:pPr>
             <a:r>
-              <a:rPr lang="en-US" b="true" sz="7899">
+              <a:rPr lang="en-US" sz="7899" b="1">
                 <a:solidFill>
                   <a:srgbClr val="000000"/>
                 </a:solidFill>
@@ -7692,7 +7884,7 @@
 </file>
 
 <file path=ppt/slides/slide17.xml><?xml version="1.0" encoding="utf-8"?>
-<p:sld xmlns:p="http://schemas.openxmlformats.org/presentationml/2006/main" xmlns:a="http://schemas.openxmlformats.org/drawingml/2006/main">
+<p:sld xmlns:a="http://schemas.openxmlformats.org/drawingml/2006/main" xmlns:r="http://schemas.openxmlformats.org/officeDocument/2006/relationships" xmlns:p="http://schemas.openxmlformats.org/presentationml/2006/main">
   <p:cSld>
     <p:spTree>
       <p:nvGrpSpPr>
@@ -7710,12 +7902,12 @@
       </p:grpSpPr>
       <p:sp>
         <p:nvSpPr>
-          <p:cNvPr name="TextBox 2" id="2"/>
-          <p:cNvSpPr txBox="true"/>
+          <p:cNvPr id="2" name="TextBox 2"/>
+          <p:cNvSpPr txBox="1"/>
           <p:nvPr/>
         </p:nvSpPr>
         <p:spPr>
-          <a:xfrm rot="0">
+          <a:xfrm>
             <a:off x="1638729" y="2645702"/>
             <a:ext cx="15010543" cy="7022173"/>
           </a:xfrm>
@@ -7724,7 +7916,7 @@
           </a:prstGeom>
         </p:spPr>
         <p:txBody>
-          <a:bodyPr anchor="t" rtlCol="false" tIns="0" lIns="0" bIns="0" rIns="0">
+          <a:bodyPr lIns="0" tIns="0" rIns="0" bIns="0" rtlCol="0" anchor="t">
             <a:spAutoFit/>
           </a:bodyPr>
           <a:lstStyle/>
@@ -7759,6 +7951,15 @@
                 <a:spcPct val="0"/>
               </a:spcBef>
             </a:pPr>
+            <a:endParaRPr lang="en-US" sz="2336">
+              <a:solidFill>
+                <a:srgbClr val="000000"/>
+              </a:solidFill>
+              <a:latin typeface="Montserrat"/>
+              <a:ea typeface="Montserrat"/>
+              <a:cs typeface="Montserrat"/>
+              <a:sym typeface="Montserrat"/>
+            </a:endParaRPr>
           </a:p>
           <a:p>
             <a:pPr algn="just">
@@ -7791,6 +7992,15 @@
                 <a:spcPct val="0"/>
               </a:spcBef>
             </a:pPr>
+            <a:endParaRPr lang="en-US" sz="2336">
+              <a:solidFill>
+                <a:srgbClr val="000000"/>
+              </a:solidFill>
+              <a:latin typeface="Montserrat"/>
+              <a:ea typeface="Montserrat"/>
+              <a:cs typeface="Montserrat"/>
+              <a:sym typeface="Montserrat"/>
+            </a:endParaRPr>
           </a:p>
           <a:p>
             <a:pPr algn="just">
@@ -7823,17 +8033,26 @@
                 <a:spcPct val="0"/>
               </a:spcBef>
             </a:pPr>
+            <a:endParaRPr lang="en-US" sz="2336">
+              <a:solidFill>
+                <a:srgbClr val="000000"/>
+              </a:solidFill>
+              <a:latin typeface="Montserrat"/>
+              <a:ea typeface="Montserrat"/>
+              <a:cs typeface="Montserrat"/>
+              <a:sym typeface="Montserrat"/>
+            </a:endParaRPr>
           </a:p>
         </p:txBody>
       </p:sp>
       <p:sp>
         <p:nvSpPr>
-          <p:cNvPr name="TextBox 3" id="3"/>
-          <p:cNvSpPr txBox="true"/>
+          <p:cNvPr id="3" name="TextBox 3"/>
+          <p:cNvSpPr txBox="1"/>
           <p:nvPr/>
         </p:nvSpPr>
         <p:spPr>
-          <a:xfrm rot="0">
+          <a:xfrm>
             <a:off x="2448320" y="876300"/>
             <a:ext cx="13391361" cy="1351919"/>
           </a:xfrm>
@@ -7842,7 +8061,7 @@
           </a:prstGeom>
         </p:spPr>
         <p:txBody>
-          <a:bodyPr anchor="t" rtlCol="false" tIns="0" lIns="0" bIns="0" rIns="0">
+          <a:bodyPr lIns="0" tIns="0" rIns="0" bIns="0" rtlCol="0" anchor="t">
             <a:spAutoFit/>
           </a:bodyPr>
           <a:lstStyle/>
@@ -7856,7 +8075,7 @@
               </a:spcBef>
             </a:pPr>
             <a:r>
-              <a:rPr lang="en-US" b="true" sz="7899">
+              <a:rPr lang="en-US" sz="7899" b="1">
                 <a:solidFill>
                   <a:srgbClr val="000000"/>
                 </a:solidFill>
@@ -7879,7 +8098,7 @@
 </file>
 
 <file path=ppt/slides/slide18.xml><?xml version="1.0" encoding="utf-8"?>
-<p:sld xmlns:p="http://schemas.openxmlformats.org/presentationml/2006/main" xmlns:a="http://schemas.openxmlformats.org/drawingml/2006/main" xmlns:r="http://schemas.openxmlformats.org/officeDocument/2006/relationships">
+<p:sld xmlns:a="http://schemas.openxmlformats.org/drawingml/2006/main" xmlns:r="http://schemas.openxmlformats.org/officeDocument/2006/relationships" xmlns:p="http://schemas.openxmlformats.org/presentationml/2006/main">
   <p:cSld>
     <p:spTree>
       <p:nvGrpSpPr>
@@ -7897,12 +8116,12 @@
       </p:grpSpPr>
       <p:sp>
         <p:nvSpPr>
-          <p:cNvPr name="Freeform 2" id="2"/>
+          <p:cNvPr id="2" name="Freeform 2"/>
           <p:cNvSpPr/>
           <p:nvPr/>
         </p:nvSpPr>
         <p:spPr>
-          <a:xfrm flipH="false" flipV="false" rot="0">
+          <a:xfrm>
             <a:off x="2002284" y="1729743"/>
             <a:ext cx="15257016" cy="6827515"/>
           </a:xfrm>
@@ -7911,9 +8130,9 @@
             <a:gdLst/>
             <a:ahLst/>
             <a:cxnLst/>
-            <a:rect r="r" b="b" t="t" l="l"/>
+            <a:rect l="l" t="t" r="r" b="b"/>
             <a:pathLst>
-              <a:path h="6827515" w="15257016">
+              <a:path w="15257016" h="6827515">
                 <a:moveTo>
                   <a:pt x="0" y="0"/>
                 </a:moveTo>
@@ -7936,10 +8155,17 @@
           <a:blipFill>
             <a:blip r:embed="rId2"/>
             <a:stretch>
-              <a:fillRect l="0" t="0" r="0" b="0"/>
+              <a:fillRect/>
             </a:stretch>
           </a:blipFill>
         </p:spPr>
+        <p:txBody>
+          <a:bodyPr/>
+          <a:lstStyle/>
+          <a:p>
+            <a:endParaRPr lang="en-CO"/>
+          </a:p>
+        </p:txBody>
       </p:sp>
     </p:spTree>
   </p:cSld>
@@ -7950,7 +8176,7 @@
 </file>
 
 <file path=ppt/slides/slide19.xml><?xml version="1.0" encoding="utf-8"?>
-<p:sld xmlns:p="http://schemas.openxmlformats.org/presentationml/2006/main" xmlns:a="http://schemas.openxmlformats.org/drawingml/2006/main">
+<p:sld xmlns:a="http://schemas.openxmlformats.org/drawingml/2006/main" xmlns:r="http://schemas.openxmlformats.org/officeDocument/2006/relationships" xmlns:p="http://schemas.openxmlformats.org/presentationml/2006/main">
   <p:cSld>
     <p:spTree>
       <p:nvGrpSpPr>
@@ -7968,9 +8194,9 @@
       </p:grpSpPr>
       <p:graphicFrame>
         <p:nvGraphicFramePr>
-          <p:cNvPr name="Table 2" id="2"/>
+          <p:cNvPr id="2" name="Table 2"/>
           <p:cNvGraphicFramePr>
-            <a:graphicFrameLocks noGrp="true"/>
+            <a:graphicFrameLocks noGrp="1"/>
           </p:cNvGraphicFramePr>
           <p:nvPr/>
         </p:nvGraphicFramePr>
@@ -7983,14 +8209,32 @@
             <a:tbl>
               <a:tblPr/>
               <a:tblGrid>
-                <a:gridCol w="5212287"/>
-                <a:gridCol w="5212287"/>
-                <a:gridCol w="5212287"/>
+                <a:gridCol w="5212287">
+                  <a:extLst>
+                    <a:ext uri="{9D8B030D-6E8A-4147-A177-3AD203B41FA5}">
+                      <a16:colId xmlns:a16="http://schemas.microsoft.com/office/drawing/2014/main" val="20000"/>
+                    </a:ext>
+                  </a:extLst>
+                </a:gridCol>
+                <a:gridCol w="5212287">
+                  <a:extLst>
+                    <a:ext uri="{9D8B030D-6E8A-4147-A177-3AD203B41FA5}">
+                      <a16:colId xmlns:a16="http://schemas.microsoft.com/office/drawing/2014/main" val="20001"/>
+                    </a:ext>
+                  </a:extLst>
+                </a:gridCol>
+                <a:gridCol w="5212287">
+                  <a:extLst>
+                    <a:ext uri="{9D8B030D-6E8A-4147-A177-3AD203B41FA5}">
+                      <a16:colId xmlns:a16="http://schemas.microsoft.com/office/drawing/2014/main" val="20002"/>
+                    </a:ext>
+                  </a:extLst>
+                </a:gridCol>
               </a:tblGrid>
               <a:tr h="710935">
                 <a:tc>
                   <a:txBody>
-                    <a:bodyPr anchor="t" rtlCol="false"/>
+                    <a:bodyPr/>
                     <a:lstStyle/>
                     <a:p>
                       <a:pPr algn="l">
@@ -8000,7 +8244,7 @@
                         <a:defRPr/>
                       </a:pPr>
                       <a:r>
-                        <a:rPr lang="en-US" sz="1699" b="true">
+                        <a:rPr lang="en-US" sz="1699" b="1">
                           <a:solidFill>
                             <a:srgbClr val="000000"/>
                           </a:solidFill>
@@ -8015,7 +8259,7 @@
                     </a:p>
                   </a:txBody>
                   <a:tcPr marL="161925" marR="161925" marT="161925" marB="161925" anchor="ctr">
-                    <a:lnL cmpd="sng" algn="ctr" cap="flat" w="19050">
+                    <a:lnL w="19050" cap="flat" cmpd="sng" algn="ctr">
                       <a:solidFill>
                         <a:srgbClr val="000000"/>
                       </a:solidFill>
@@ -8024,7 +8268,7 @@
                       <a:headEnd type="none" w="med" len="med"/>
                       <a:tailEnd type="none" w="med" len="med"/>
                     </a:lnL>
-                    <a:lnR cmpd="sng" algn="ctr" cap="flat" w="19050">
+                    <a:lnR w="19050" cap="flat" cmpd="sng" algn="ctr">
                       <a:solidFill>
                         <a:srgbClr val="000000"/>
                       </a:solidFill>
@@ -8033,7 +8277,7 @@
                       <a:headEnd type="none" w="med" len="med"/>
                       <a:tailEnd type="none" w="med" len="med"/>
                     </a:lnR>
-                    <a:lnT cmpd="sng" algn="ctr" cap="flat" w="19050">
+                    <a:lnT w="19050" cap="flat" cmpd="sng" algn="ctr">
                       <a:solidFill>
                         <a:srgbClr val="000000"/>
                       </a:solidFill>
@@ -8042,7 +8286,7 @@
                       <a:headEnd type="none" w="med" len="med"/>
                       <a:tailEnd type="none" w="med" len="med"/>
                     </a:lnT>
-                    <a:lnB cmpd="sng" algn="ctr" cap="flat" w="19050">
+                    <a:lnB w="19050" cap="flat" cmpd="sng" algn="ctr">
                       <a:solidFill>
                         <a:srgbClr val="000000"/>
                       </a:solidFill>
@@ -8055,7 +8299,7 @@
                 </a:tc>
                 <a:tc>
                   <a:txBody>
-                    <a:bodyPr anchor="t" rtlCol="false"/>
+                    <a:bodyPr/>
                     <a:lstStyle/>
                     <a:p>
                       <a:pPr algn="l">
@@ -8065,7 +8309,7 @@
                         <a:defRPr/>
                       </a:pPr>
                       <a:r>
-                        <a:rPr lang="en-US" sz="1699" b="true">
+                        <a:rPr lang="en-US" sz="1699" b="1">
                           <a:solidFill>
                             <a:srgbClr val="000000"/>
                           </a:solidFill>
@@ -8080,7 +8324,7 @@
                     </a:p>
                   </a:txBody>
                   <a:tcPr marL="161925" marR="161925" marT="161925" marB="161925" anchor="ctr">
-                    <a:lnL cmpd="sng" algn="ctr" cap="flat" w="19050">
+                    <a:lnL w="19050" cap="flat" cmpd="sng" algn="ctr">
                       <a:solidFill>
                         <a:srgbClr val="000000"/>
                       </a:solidFill>
@@ -8089,7 +8333,7 @@
                       <a:headEnd type="none" w="med" len="med"/>
                       <a:tailEnd type="none" w="med" len="med"/>
                     </a:lnL>
-                    <a:lnR cmpd="sng" algn="ctr" cap="flat" w="19050">
+                    <a:lnR w="19050" cap="flat" cmpd="sng" algn="ctr">
                       <a:solidFill>
                         <a:srgbClr val="000000"/>
                       </a:solidFill>
@@ -8098,7 +8342,7 @@
                       <a:headEnd type="none" w="med" len="med"/>
                       <a:tailEnd type="none" w="med" len="med"/>
                     </a:lnR>
-                    <a:lnT cmpd="sng" algn="ctr" cap="flat" w="19050">
+                    <a:lnT w="19050" cap="flat" cmpd="sng" algn="ctr">
                       <a:solidFill>
                         <a:srgbClr val="000000"/>
                       </a:solidFill>
@@ -8107,7 +8351,7 @@
                       <a:headEnd type="none" w="med" len="med"/>
                       <a:tailEnd type="none" w="med" len="med"/>
                     </a:lnT>
-                    <a:lnB cmpd="sng" algn="ctr" cap="flat" w="19050">
+                    <a:lnB w="19050" cap="flat" cmpd="sng" algn="ctr">
                       <a:solidFill>
                         <a:srgbClr val="000000"/>
                       </a:solidFill>
@@ -8120,7 +8364,7 @@
                 </a:tc>
                 <a:tc>
                   <a:txBody>
-                    <a:bodyPr anchor="t" rtlCol="false"/>
+                    <a:bodyPr/>
                     <a:lstStyle/>
                     <a:p>
                       <a:pPr algn="l">
@@ -8130,7 +8374,7 @@
                         <a:defRPr/>
                       </a:pPr>
                       <a:r>
-                        <a:rPr lang="en-US" sz="1699" b="true">
+                        <a:rPr lang="en-US" sz="1699" b="1">
                           <a:solidFill>
                             <a:srgbClr val="000000"/>
                           </a:solidFill>
@@ -8145,7 +8389,7 @@
                     </a:p>
                   </a:txBody>
                   <a:tcPr marL="161925" marR="161925" marT="161925" marB="161925" anchor="ctr">
-                    <a:lnL cmpd="sng" algn="ctr" cap="flat" w="19050">
+                    <a:lnL w="19050" cap="flat" cmpd="sng" algn="ctr">
                       <a:solidFill>
                         <a:srgbClr val="000000"/>
                       </a:solidFill>
@@ -8154,7 +8398,7 @@
                       <a:headEnd type="none" w="med" len="med"/>
                       <a:tailEnd type="none" w="med" len="med"/>
                     </a:lnL>
-                    <a:lnR cmpd="sng" algn="ctr" cap="flat" w="19050">
+                    <a:lnR w="19050" cap="flat" cmpd="sng" algn="ctr">
                       <a:solidFill>
                         <a:srgbClr val="000000"/>
                       </a:solidFill>
@@ -8163,7 +8407,7 @@
                       <a:headEnd type="none" w="med" len="med"/>
                       <a:tailEnd type="none" w="med" len="med"/>
                     </a:lnR>
-                    <a:lnT cmpd="sng" algn="ctr" cap="flat" w="19050">
+                    <a:lnT w="19050" cap="flat" cmpd="sng" algn="ctr">
                       <a:solidFill>
                         <a:srgbClr val="000000"/>
                       </a:solidFill>
@@ -8172,7 +8416,7 @@
                       <a:headEnd type="none" w="med" len="med"/>
                       <a:tailEnd type="none" w="med" len="med"/>
                     </a:lnT>
-                    <a:lnB cmpd="sng" algn="ctr" cap="flat" w="19050">
+                    <a:lnB w="19050" cap="flat" cmpd="sng" algn="ctr">
                       <a:solidFill>
                         <a:srgbClr val="000000"/>
                       </a:solidFill>
@@ -8183,11 +8427,16 @@
                     </a:lnB>
                   </a:tcPr>
                 </a:tc>
+                <a:extLst>
+                  <a:ext uri="{0D108BD9-81ED-4DB2-BD59-A6C34878D82A}">
+                    <a16:rowId xmlns:a16="http://schemas.microsoft.com/office/drawing/2014/main" val="10000"/>
+                  </a:ext>
+                </a:extLst>
               </a:tr>
               <a:tr h="710935">
                 <a:tc>
                   <a:txBody>
-                    <a:bodyPr anchor="t" rtlCol="false"/>
+                    <a:bodyPr/>
                     <a:lstStyle/>
                     <a:p>
                       <a:pPr algn="l">
@@ -8197,7 +8446,7 @@
                         <a:defRPr/>
                       </a:pPr>
                       <a:r>
-                        <a:rPr lang="en-US" sz="1699" b="true">
+                        <a:rPr lang="en-US" sz="1699" b="1">
                           <a:solidFill>
                             <a:srgbClr val="000000"/>
                           </a:solidFill>
@@ -8212,7 +8461,7 @@
                     </a:p>
                   </a:txBody>
                   <a:tcPr marL="161925" marR="161925" marT="161925" marB="161925" anchor="ctr">
-                    <a:lnL cmpd="sng" algn="ctr" cap="flat" w="19050">
+                    <a:lnL w="19050" cap="flat" cmpd="sng" algn="ctr">
                       <a:solidFill>
                         <a:srgbClr val="000000"/>
                       </a:solidFill>
@@ -8221,7 +8470,7 @@
                       <a:headEnd type="none" w="med" len="med"/>
                       <a:tailEnd type="none" w="med" len="med"/>
                     </a:lnL>
-                    <a:lnR cmpd="sng" algn="ctr" cap="flat" w="19050">
+                    <a:lnR w="19050" cap="flat" cmpd="sng" algn="ctr">
                       <a:solidFill>
                         <a:srgbClr val="000000"/>
                       </a:solidFill>
@@ -8230,7 +8479,7 @@
                       <a:headEnd type="none" w="med" len="med"/>
                       <a:tailEnd type="none" w="med" len="med"/>
                     </a:lnR>
-                    <a:lnT cmpd="sng" algn="ctr" cap="flat" w="19050">
+                    <a:lnT w="19050" cap="flat" cmpd="sng" algn="ctr">
                       <a:solidFill>
                         <a:srgbClr val="000000"/>
                       </a:solidFill>
@@ -8239,7 +8488,7 @@
                       <a:headEnd type="none" w="med" len="med"/>
                       <a:tailEnd type="none" w="med" len="med"/>
                     </a:lnT>
-                    <a:lnB cmpd="sng" algn="ctr" cap="flat" w="19050">
+                    <a:lnB w="19050" cap="flat" cmpd="sng" algn="ctr">
                       <a:solidFill>
                         <a:srgbClr val="000000"/>
                       </a:solidFill>
@@ -8252,7 +8501,7 @@
                 </a:tc>
                 <a:tc>
                   <a:txBody>
-                    <a:bodyPr anchor="t" rtlCol="false"/>
+                    <a:bodyPr/>
                     <a:lstStyle/>
                     <a:p>
                       <a:pPr algn="l">
@@ -8277,7 +8526,7 @@
                     </a:p>
                   </a:txBody>
                   <a:tcPr marL="161925" marR="161925" marT="161925" marB="161925" anchor="ctr">
-                    <a:lnL cmpd="sng" algn="ctr" cap="flat" w="19050">
+                    <a:lnL w="19050" cap="flat" cmpd="sng" algn="ctr">
                       <a:solidFill>
                         <a:srgbClr val="000000"/>
                       </a:solidFill>
@@ -8286,7 +8535,7 @@
                       <a:headEnd type="none" w="med" len="med"/>
                       <a:tailEnd type="none" w="med" len="med"/>
                     </a:lnL>
-                    <a:lnR cmpd="sng" algn="ctr" cap="flat" w="19050">
+                    <a:lnR w="19050" cap="flat" cmpd="sng" algn="ctr">
                       <a:solidFill>
                         <a:srgbClr val="000000"/>
                       </a:solidFill>
@@ -8295,7 +8544,7 @@
                       <a:headEnd type="none" w="med" len="med"/>
                       <a:tailEnd type="none" w="med" len="med"/>
                     </a:lnR>
-                    <a:lnT cmpd="sng" algn="ctr" cap="flat" w="19050">
+                    <a:lnT w="19050" cap="flat" cmpd="sng" algn="ctr">
                       <a:solidFill>
                         <a:srgbClr val="000000"/>
                       </a:solidFill>
@@ -8304,7 +8553,7 @@
                       <a:headEnd type="none" w="med" len="med"/>
                       <a:tailEnd type="none" w="med" len="med"/>
                     </a:lnT>
-                    <a:lnB cmpd="sng" algn="ctr" cap="flat" w="19050">
+                    <a:lnB w="19050" cap="flat" cmpd="sng" algn="ctr">
                       <a:solidFill>
                         <a:srgbClr val="000000"/>
                       </a:solidFill>
@@ -8317,7 +8566,7 @@
                 </a:tc>
                 <a:tc>
                   <a:txBody>
-                    <a:bodyPr anchor="t" rtlCol="false"/>
+                    <a:bodyPr/>
                     <a:lstStyle/>
                     <a:p>
                       <a:pPr algn="l">
@@ -8342,7 +8591,7 @@
                     </a:p>
                   </a:txBody>
                   <a:tcPr marL="161925" marR="161925" marT="161925" marB="161925" anchor="ctr">
-                    <a:lnL cmpd="sng" algn="ctr" cap="flat" w="19050">
+                    <a:lnL w="19050" cap="flat" cmpd="sng" algn="ctr">
                       <a:solidFill>
                         <a:srgbClr val="000000"/>
                       </a:solidFill>
@@ -8351,7 +8600,7 @@
                       <a:headEnd type="none" w="med" len="med"/>
                       <a:tailEnd type="none" w="med" len="med"/>
                     </a:lnL>
-                    <a:lnR cmpd="sng" algn="ctr" cap="flat" w="19050">
+                    <a:lnR w="19050" cap="flat" cmpd="sng" algn="ctr">
                       <a:solidFill>
                         <a:srgbClr val="000000"/>
                       </a:solidFill>
@@ -8360,7 +8609,7 @@
                       <a:headEnd type="none" w="med" len="med"/>
                       <a:tailEnd type="none" w="med" len="med"/>
                     </a:lnR>
-                    <a:lnT cmpd="sng" algn="ctr" cap="flat" w="19050">
+                    <a:lnT w="19050" cap="flat" cmpd="sng" algn="ctr">
                       <a:solidFill>
                         <a:srgbClr val="000000"/>
                       </a:solidFill>
@@ -8369,7 +8618,7 @@
                       <a:headEnd type="none" w="med" len="med"/>
                       <a:tailEnd type="none" w="med" len="med"/>
                     </a:lnT>
-                    <a:lnB cmpd="sng" algn="ctr" cap="flat" w="19050">
+                    <a:lnB w="19050" cap="flat" cmpd="sng" algn="ctr">
                       <a:solidFill>
                         <a:srgbClr val="000000"/>
                       </a:solidFill>
@@ -8380,11 +8629,16 @@
                     </a:lnB>
                   </a:tcPr>
                 </a:tc>
+                <a:extLst>
+                  <a:ext uri="{0D108BD9-81ED-4DB2-BD59-A6C34878D82A}">
+                    <a16:rowId xmlns:a16="http://schemas.microsoft.com/office/drawing/2014/main" val="10001"/>
+                  </a:ext>
+                </a:extLst>
               </a:tr>
               <a:tr h="1279668">
                 <a:tc>
                   <a:txBody>
-                    <a:bodyPr anchor="t" rtlCol="false"/>
+                    <a:bodyPr/>
                     <a:lstStyle/>
                     <a:p>
                       <a:pPr algn="l">
@@ -8394,7 +8648,7 @@
                         <a:defRPr/>
                       </a:pPr>
                       <a:r>
-                        <a:rPr lang="en-US" sz="1699" b="true">
+                        <a:rPr lang="en-US" sz="1699" b="1">
                           <a:solidFill>
                             <a:srgbClr val="000000"/>
                           </a:solidFill>
@@ -8409,7 +8663,7 @@
                     </a:p>
                   </a:txBody>
                   <a:tcPr marL="161925" marR="161925" marT="161925" marB="161925" anchor="ctr">
-                    <a:lnL cmpd="sng" algn="ctr" cap="flat" w="19050">
+                    <a:lnL w="19050" cap="flat" cmpd="sng" algn="ctr">
                       <a:solidFill>
                         <a:srgbClr val="000000"/>
                       </a:solidFill>
@@ -8418,7 +8672,7 @@
                       <a:headEnd type="none" w="med" len="med"/>
                       <a:tailEnd type="none" w="med" len="med"/>
                     </a:lnL>
-                    <a:lnR cmpd="sng" algn="ctr" cap="flat" w="19050">
+                    <a:lnR w="19050" cap="flat" cmpd="sng" algn="ctr">
                       <a:solidFill>
                         <a:srgbClr val="000000"/>
                       </a:solidFill>
@@ -8427,7 +8681,7 @@
                       <a:headEnd type="none" w="med" len="med"/>
                       <a:tailEnd type="none" w="med" len="med"/>
                     </a:lnR>
-                    <a:lnT cmpd="sng" algn="ctr" cap="flat" w="19050">
+                    <a:lnT w="19050" cap="flat" cmpd="sng" algn="ctr">
                       <a:solidFill>
                         <a:srgbClr val="000000"/>
                       </a:solidFill>
@@ -8436,7 +8690,7 @@
                       <a:headEnd type="none" w="med" len="med"/>
                       <a:tailEnd type="none" w="med" len="med"/>
                     </a:lnT>
-                    <a:lnB cmpd="sng" algn="ctr" cap="flat" w="19050">
+                    <a:lnB w="19050" cap="flat" cmpd="sng" algn="ctr">
                       <a:solidFill>
                         <a:srgbClr val="000000"/>
                       </a:solidFill>
@@ -8449,7 +8703,7 @@
                 </a:tc>
                 <a:tc>
                   <a:txBody>
-                    <a:bodyPr anchor="t" rtlCol="false"/>
+                    <a:bodyPr/>
                     <a:lstStyle/>
                     <a:p>
                       <a:pPr algn="l">
@@ -8474,7 +8728,7 @@
                     </a:p>
                   </a:txBody>
                   <a:tcPr marL="161925" marR="161925" marT="161925" marB="161925" anchor="ctr">
-                    <a:lnL cmpd="sng" algn="ctr" cap="flat" w="19050">
+                    <a:lnL w="19050" cap="flat" cmpd="sng" algn="ctr">
                       <a:solidFill>
                         <a:srgbClr val="000000"/>
                       </a:solidFill>
@@ -8483,7 +8737,7 @@
                       <a:headEnd type="none" w="med" len="med"/>
                       <a:tailEnd type="none" w="med" len="med"/>
                     </a:lnL>
-                    <a:lnR cmpd="sng" algn="ctr" cap="flat" w="19050">
+                    <a:lnR w="19050" cap="flat" cmpd="sng" algn="ctr">
                       <a:solidFill>
                         <a:srgbClr val="000000"/>
                       </a:solidFill>
@@ -8492,7 +8746,7 @@
                       <a:headEnd type="none" w="med" len="med"/>
                       <a:tailEnd type="none" w="med" len="med"/>
                     </a:lnR>
-                    <a:lnT cmpd="sng" algn="ctr" cap="flat" w="19050">
+                    <a:lnT w="19050" cap="flat" cmpd="sng" algn="ctr">
                       <a:solidFill>
                         <a:srgbClr val="000000"/>
                       </a:solidFill>
@@ -8501,7 +8755,7 @@
                       <a:headEnd type="none" w="med" len="med"/>
                       <a:tailEnd type="none" w="med" len="med"/>
                     </a:lnT>
-                    <a:lnB cmpd="sng" algn="ctr" cap="flat" w="19050">
+                    <a:lnB w="19050" cap="flat" cmpd="sng" algn="ctr">
                       <a:solidFill>
                         <a:srgbClr val="000000"/>
                       </a:solidFill>
@@ -8514,7 +8768,7 @@
                 </a:tc>
                 <a:tc>
                   <a:txBody>
-                    <a:bodyPr anchor="t" rtlCol="false"/>
+                    <a:bodyPr/>
                     <a:lstStyle/>
                     <a:p>
                       <a:pPr algn="l">
@@ -8539,7 +8793,7 @@
                     </a:p>
                   </a:txBody>
                   <a:tcPr marL="161925" marR="161925" marT="161925" marB="161925" anchor="ctr">
-                    <a:lnL cmpd="sng" algn="ctr" cap="flat" w="19050">
+                    <a:lnL w="19050" cap="flat" cmpd="sng" algn="ctr">
                       <a:solidFill>
                         <a:srgbClr val="000000"/>
                       </a:solidFill>
@@ -8548,7 +8802,7 @@
                       <a:headEnd type="none" w="med" len="med"/>
                       <a:tailEnd type="none" w="med" len="med"/>
                     </a:lnL>
-                    <a:lnR cmpd="sng" algn="ctr" cap="flat" w="19050">
+                    <a:lnR w="19050" cap="flat" cmpd="sng" algn="ctr">
                       <a:solidFill>
                         <a:srgbClr val="000000"/>
                       </a:solidFill>
@@ -8557,7 +8811,7 @@
                       <a:headEnd type="none" w="med" len="med"/>
                       <a:tailEnd type="none" w="med" len="med"/>
                     </a:lnR>
-                    <a:lnT cmpd="sng" algn="ctr" cap="flat" w="19050">
+                    <a:lnT w="19050" cap="flat" cmpd="sng" algn="ctr">
                       <a:solidFill>
                         <a:srgbClr val="000000"/>
                       </a:solidFill>
@@ -8566,7 +8820,7 @@
                       <a:headEnd type="none" w="med" len="med"/>
                       <a:tailEnd type="none" w="med" len="med"/>
                     </a:lnT>
-                    <a:lnB cmpd="sng" algn="ctr" cap="flat" w="19050">
+                    <a:lnB w="19050" cap="flat" cmpd="sng" algn="ctr">
                       <a:solidFill>
                         <a:srgbClr val="000000"/>
                       </a:solidFill>
@@ -8577,11 +8831,16 @@
                     </a:lnB>
                   </a:tcPr>
                 </a:tc>
+                <a:extLst>
+                  <a:ext uri="{0D108BD9-81ED-4DB2-BD59-A6C34878D82A}">
+                    <a16:rowId xmlns:a16="http://schemas.microsoft.com/office/drawing/2014/main" val="10002"/>
+                  </a:ext>
+                </a:extLst>
               </a:tr>
               <a:tr h="983625">
                 <a:tc>
                   <a:txBody>
-                    <a:bodyPr anchor="t" rtlCol="false"/>
+                    <a:bodyPr/>
                     <a:lstStyle/>
                     <a:p>
                       <a:pPr algn="l">
@@ -8591,7 +8850,7 @@
                         <a:defRPr/>
                       </a:pPr>
                       <a:r>
-                        <a:rPr lang="en-US" sz="1699" b="true">
+                        <a:rPr lang="en-US" sz="1699" b="1">
                           <a:solidFill>
                             <a:srgbClr val="000000"/>
                           </a:solidFill>
@@ -8606,7 +8865,7 @@
                     </a:p>
                   </a:txBody>
                   <a:tcPr marL="161925" marR="161925" marT="161925" marB="161925" anchor="ctr">
-                    <a:lnL cmpd="sng" algn="ctr" cap="flat" w="19050">
+                    <a:lnL w="19050" cap="flat" cmpd="sng" algn="ctr">
                       <a:solidFill>
                         <a:srgbClr val="000000"/>
                       </a:solidFill>
@@ -8615,7 +8874,7 @@
                       <a:headEnd type="none" w="med" len="med"/>
                       <a:tailEnd type="none" w="med" len="med"/>
                     </a:lnL>
-                    <a:lnR cmpd="sng" algn="ctr" cap="flat" w="19050">
+                    <a:lnR w="19050" cap="flat" cmpd="sng" algn="ctr">
                       <a:solidFill>
                         <a:srgbClr val="000000"/>
                       </a:solidFill>
@@ -8624,7 +8883,7 @@
                       <a:headEnd type="none" w="med" len="med"/>
                       <a:tailEnd type="none" w="med" len="med"/>
                     </a:lnR>
-                    <a:lnT cmpd="sng" algn="ctr" cap="flat" w="19050">
+                    <a:lnT w="19050" cap="flat" cmpd="sng" algn="ctr">
                       <a:solidFill>
                         <a:srgbClr val="000000"/>
                       </a:solidFill>
@@ -8633,7 +8892,7 @@
                       <a:headEnd type="none" w="med" len="med"/>
                       <a:tailEnd type="none" w="med" len="med"/>
                     </a:lnT>
-                    <a:lnB cmpd="sng" algn="ctr" cap="flat" w="19050">
+                    <a:lnB w="19050" cap="flat" cmpd="sng" algn="ctr">
                       <a:solidFill>
                         <a:srgbClr val="000000"/>
                       </a:solidFill>
@@ -8646,7 +8905,7 @@
                 </a:tc>
                 <a:tc>
                   <a:txBody>
-                    <a:bodyPr anchor="t" rtlCol="false"/>
+                    <a:bodyPr/>
                     <a:lstStyle/>
                     <a:p>
                       <a:pPr algn="l">
@@ -8671,7 +8930,7 @@
                     </a:p>
                   </a:txBody>
                   <a:tcPr marL="161925" marR="161925" marT="161925" marB="161925" anchor="ctr">
-                    <a:lnL cmpd="sng" algn="ctr" cap="flat" w="19050">
+                    <a:lnL w="19050" cap="flat" cmpd="sng" algn="ctr">
                       <a:solidFill>
                         <a:srgbClr val="000000"/>
                       </a:solidFill>
@@ -8680,7 +8939,7 @@
                       <a:headEnd type="none" w="med" len="med"/>
                       <a:tailEnd type="none" w="med" len="med"/>
                     </a:lnL>
-                    <a:lnR cmpd="sng" algn="ctr" cap="flat" w="19050">
+                    <a:lnR w="19050" cap="flat" cmpd="sng" algn="ctr">
                       <a:solidFill>
                         <a:srgbClr val="000000"/>
                       </a:solidFill>
@@ -8689,7 +8948,7 @@
                       <a:headEnd type="none" w="med" len="med"/>
                       <a:tailEnd type="none" w="med" len="med"/>
                     </a:lnR>
-                    <a:lnT cmpd="sng" algn="ctr" cap="flat" w="19050">
+                    <a:lnT w="19050" cap="flat" cmpd="sng" algn="ctr">
                       <a:solidFill>
                         <a:srgbClr val="000000"/>
                       </a:solidFill>
@@ -8698,7 +8957,7 @@
                       <a:headEnd type="none" w="med" len="med"/>
                       <a:tailEnd type="none" w="med" len="med"/>
                     </a:lnT>
-                    <a:lnB cmpd="sng" algn="ctr" cap="flat" w="19050">
+                    <a:lnB w="19050" cap="flat" cmpd="sng" algn="ctr">
                       <a:solidFill>
                         <a:srgbClr val="000000"/>
                       </a:solidFill>
@@ -8711,7 +8970,7 @@
                 </a:tc>
                 <a:tc>
                   <a:txBody>
-                    <a:bodyPr anchor="t" rtlCol="false"/>
+                    <a:bodyPr/>
                     <a:lstStyle/>
                     <a:p>
                       <a:pPr algn="l">
@@ -8736,7 +8995,7 @@
                     </a:p>
                   </a:txBody>
                   <a:tcPr marL="161925" marR="161925" marT="161925" marB="161925" anchor="ctr">
-                    <a:lnL cmpd="sng" algn="ctr" cap="flat" w="19050">
+                    <a:lnL w="19050" cap="flat" cmpd="sng" algn="ctr">
                       <a:solidFill>
                         <a:srgbClr val="000000"/>
                       </a:solidFill>
@@ -8745,7 +9004,7 @@
                       <a:headEnd type="none" w="med" len="med"/>
                       <a:tailEnd type="none" w="med" len="med"/>
                     </a:lnL>
-                    <a:lnR cmpd="sng" algn="ctr" cap="flat" w="19050">
+                    <a:lnR w="19050" cap="flat" cmpd="sng" algn="ctr">
                       <a:solidFill>
                         <a:srgbClr val="000000"/>
                       </a:solidFill>
@@ -8754,7 +9013,7 @@
                       <a:headEnd type="none" w="med" len="med"/>
                       <a:tailEnd type="none" w="med" len="med"/>
                     </a:lnR>
-                    <a:lnT cmpd="sng" algn="ctr" cap="flat" w="19050">
+                    <a:lnT w="19050" cap="flat" cmpd="sng" algn="ctr">
                       <a:solidFill>
                         <a:srgbClr val="000000"/>
                       </a:solidFill>
@@ -8763,7 +9022,7 @@
                       <a:headEnd type="none" w="med" len="med"/>
                       <a:tailEnd type="none" w="med" len="med"/>
                     </a:lnT>
-                    <a:lnB cmpd="sng" algn="ctr" cap="flat" w="19050">
+                    <a:lnB w="19050" cap="flat" cmpd="sng" algn="ctr">
                       <a:solidFill>
                         <a:srgbClr val="000000"/>
                       </a:solidFill>
@@ -8774,11 +9033,16 @@
                     </a:lnB>
                   </a:tcPr>
                 </a:tc>
+                <a:extLst>
+                  <a:ext uri="{0D108BD9-81ED-4DB2-BD59-A6C34878D82A}">
+                    <a16:rowId xmlns:a16="http://schemas.microsoft.com/office/drawing/2014/main" val="10003"/>
+                  </a:ext>
+                </a:extLst>
               </a:tr>
               <a:tr h="710935">
                 <a:tc>
                   <a:txBody>
-                    <a:bodyPr anchor="t" rtlCol="false"/>
+                    <a:bodyPr/>
                     <a:lstStyle/>
                     <a:p>
                       <a:pPr algn="l">
@@ -8788,7 +9052,7 @@
                         <a:defRPr/>
                       </a:pPr>
                       <a:r>
-                        <a:rPr lang="en-US" sz="1699" b="true">
+                        <a:rPr lang="en-US" sz="1699" b="1">
                           <a:solidFill>
                             <a:srgbClr val="000000"/>
                           </a:solidFill>
@@ -8803,7 +9067,7 @@
                     </a:p>
                   </a:txBody>
                   <a:tcPr marL="161925" marR="161925" marT="161925" marB="161925" anchor="ctr">
-                    <a:lnL cmpd="sng" algn="ctr" cap="flat" w="19050">
+                    <a:lnL w="19050" cap="flat" cmpd="sng" algn="ctr">
                       <a:solidFill>
                         <a:srgbClr val="000000"/>
                       </a:solidFill>
@@ -8812,7 +9076,7 @@
                       <a:headEnd type="none" w="med" len="med"/>
                       <a:tailEnd type="none" w="med" len="med"/>
                     </a:lnL>
-                    <a:lnR cmpd="sng" algn="ctr" cap="flat" w="19050">
+                    <a:lnR w="19050" cap="flat" cmpd="sng" algn="ctr">
                       <a:solidFill>
                         <a:srgbClr val="000000"/>
                       </a:solidFill>
@@ -8821,7 +9085,7 @@
                       <a:headEnd type="none" w="med" len="med"/>
                       <a:tailEnd type="none" w="med" len="med"/>
                     </a:lnR>
-                    <a:lnT cmpd="sng" algn="ctr" cap="flat" w="19050">
+                    <a:lnT w="19050" cap="flat" cmpd="sng" algn="ctr">
                       <a:solidFill>
                         <a:srgbClr val="000000"/>
                       </a:solidFill>
@@ -8830,7 +9094,7 @@
                       <a:headEnd type="none" w="med" len="med"/>
                       <a:tailEnd type="none" w="med" len="med"/>
                     </a:lnT>
-                    <a:lnB cmpd="sng" algn="ctr" cap="flat" w="19050">
+                    <a:lnB w="19050" cap="flat" cmpd="sng" algn="ctr">
                       <a:solidFill>
                         <a:srgbClr val="000000"/>
                       </a:solidFill>
@@ -8843,7 +9107,7 @@
                 </a:tc>
                 <a:tc>
                   <a:txBody>
-                    <a:bodyPr anchor="t" rtlCol="false"/>
+                    <a:bodyPr/>
                     <a:lstStyle/>
                     <a:p>
                       <a:pPr algn="l">
@@ -8868,7 +9132,7 @@
                     </a:p>
                   </a:txBody>
                   <a:tcPr marL="161925" marR="161925" marT="161925" marB="161925" anchor="ctr">
-                    <a:lnL cmpd="sng" algn="ctr" cap="flat" w="19050">
+                    <a:lnL w="19050" cap="flat" cmpd="sng" algn="ctr">
                       <a:solidFill>
                         <a:srgbClr val="000000"/>
                       </a:solidFill>
@@ -8877,7 +9141,7 @@
                       <a:headEnd type="none" w="med" len="med"/>
                       <a:tailEnd type="none" w="med" len="med"/>
                     </a:lnL>
-                    <a:lnR cmpd="sng" algn="ctr" cap="flat" w="19050">
+                    <a:lnR w="19050" cap="flat" cmpd="sng" algn="ctr">
                       <a:solidFill>
                         <a:srgbClr val="000000"/>
                       </a:solidFill>
@@ -8886,7 +9150,7 @@
                       <a:headEnd type="none" w="med" len="med"/>
                       <a:tailEnd type="none" w="med" len="med"/>
                     </a:lnR>
-                    <a:lnT cmpd="sng" algn="ctr" cap="flat" w="19050">
+                    <a:lnT w="19050" cap="flat" cmpd="sng" algn="ctr">
                       <a:solidFill>
                         <a:srgbClr val="000000"/>
                       </a:solidFill>
@@ -8895,7 +9159,7 @@
                       <a:headEnd type="none" w="med" len="med"/>
                       <a:tailEnd type="none" w="med" len="med"/>
                     </a:lnT>
-                    <a:lnB cmpd="sng" algn="ctr" cap="flat" w="19050">
+                    <a:lnB w="19050" cap="flat" cmpd="sng" algn="ctr">
                       <a:solidFill>
                         <a:srgbClr val="000000"/>
                       </a:solidFill>
@@ -8908,7 +9172,7 @@
                 </a:tc>
                 <a:tc>
                   <a:txBody>
-                    <a:bodyPr anchor="t" rtlCol="false"/>
+                    <a:bodyPr/>
                     <a:lstStyle/>
                     <a:p>
                       <a:pPr algn="l">
@@ -8933,7 +9197,7 @@
                     </a:p>
                   </a:txBody>
                   <a:tcPr marL="161925" marR="161925" marT="161925" marB="161925" anchor="ctr">
-                    <a:lnL cmpd="sng" algn="ctr" cap="flat" w="19050">
+                    <a:lnL w="19050" cap="flat" cmpd="sng" algn="ctr">
                       <a:solidFill>
                         <a:srgbClr val="000000"/>
                       </a:solidFill>
@@ -8942,7 +9206,7 @@
                       <a:headEnd type="none" w="med" len="med"/>
                       <a:tailEnd type="none" w="med" len="med"/>
                     </a:lnL>
-                    <a:lnR cmpd="sng" algn="ctr" cap="flat" w="19050">
+                    <a:lnR w="19050" cap="flat" cmpd="sng" algn="ctr">
                       <a:solidFill>
                         <a:srgbClr val="000000"/>
                       </a:solidFill>
@@ -8951,7 +9215,7 @@
                       <a:headEnd type="none" w="med" len="med"/>
                       <a:tailEnd type="none" w="med" len="med"/>
                     </a:lnR>
-                    <a:lnT cmpd="sng" algn="ctr" cap="flat" w="19050">
+                    <a:lnT w="19050" cap="flat" cmpd="sng" algn="ctr">
                       <a:solidFill>
                         <a:srgbClr val="000000"/>
                       </a:solidFill>
@@ -8960,7 +9224,7 @@
                       <a:headEnd type="none" w="med" len="med"/>
                       <a:tailEnd type="none" w="med" len="med"/>
                     </a:lnT>
-                    <a:lnB cmpd="sng" algn="ctr" cap="flat" w="19050">
+                    <a:lnB w="19050" cap="flat" cmpd="sng" algn="ctr">
                       <a:solidFill>
                         <a:srgbClr val="000000"/>
                       </a:solidFill>
@@ -8971,11 +9235,16 @@
                     </a:lnB>
                   </a:tcPr>
                 </a:tc>
+                <a:extLst>
+                  <a:ext uri="{0D108BD9-81ED-4DB2-BD59-A6C34878D82A}">
+                    <a16:rowId xmlns:a16="http://schemas.microsoft.com/office/drawing/2014/main" val="10004"/>
+                  </a:ext>
+                </a:extLst>
               </a:tr>
               <a:tr h="983625">
                 <a:tc>
                   <a:txBody>
-                    <a:bodyPr anchor="t" rtlCol="false"/>
+                    <a:bodyPr/>
                     <a:lstStyle/>
                     <a:p>
                       <a:pPr algn="l">
@@ -8985,7 +9254,7 @@
                         <a:defRPr/>
                       </a:pPr>
                       <a:r>
-                        <a:rPr lang="en-US" sz="1699" b="true">
+                        <a:rPr lang="en-US" sz="1699" b="1">
                           <a:solidFill>
                             <a:srgbClr val="000000"/>
                           </a:solidFill>
@@ -9000,7 +9269,7 @@
                     </a:p>
                   </a:txBody>
                   <a:tcPr marL="161925" marR="161925" marT="161925" marB="161925" anchor="ctr">
-                    <a:lnL cmpd="sng" algn="ctr" cap="flat" w="19050">
+                    <a:lnL w="19050" cap="flat" cmpd="sng" algn="ctr">
                       <a:solidFill>
                         <a:srgbClr val="000000"/>
                       </a:solidFill>
@@ -9009,7 +9278,7 @@
                       <a:headEnd type="none" w="med" len="med"/>
                       <a:tailEnd type="none" w="med" len="med"/>
                     </a:lnL>
-                    <a:lnR cmpd="sng" algn="ctr" cap="flat" w="19050">
+                    <a:lnR w="19050" cap="flat" cmpd="sng" algn="ctr">
                       <a:solidFill>
                         <a:srgbClr val="000000"/>
                       </a:solidFill>
@@ -9018,7 +9287,7 @@
                       <a:headEnd type="none" w="med" len="med"/>
                       <a:tailEnd type="none" w="med" len="med"/>
                     </a:lnR>
-                    <a:lnT cmpd="sng" algn="ctr" cap="flat" w="19050">
+                    <a:lnT w="19050" cap="flat" cmpd="sng" algn="ctr">
                       <a:solidFill>
                         <a:srgbClr val="000000"/>
                       </a:solidFill>
@@ -9027,7 +9296,7 @@
                       <a:headEnd type="none" w="med" len="med"/>
                       <a:tailEnd type="none" w="med" len="med"/>
                     </a:lnT>
-                    <a:lnB cmpd="sng" algn="ctr" cap="flat" w="19050">
+                    <a:lnB w="19050" cap="flat" cmpd="sng" algn="ctr">
                       <a:solidFill>
                         <a:srgbClr val="000000"/>
                       </a:solidFill>
@@ -9040,7 +9309,7 @@
                 </a:tc>
                 <a:tc>
                   <a:txBody>
-                    <a:bodyPr anchor="t" rtlCol="false"/>
+                    <a:bodyPr/>
                     <a:lstStyle/>
                     <a:p>
                       <a:pPr algn="l">
@@ -9065,7 +9334,7 @@
                     </a:p>
                   </a:txBody>
                   <a:tcPr marL="161925" marR="161925" marT="161925" marB="161925" anchor="ctr">
-                    <a:lnL cmpd="sng" algn="ctr" cap="flat" w="19050">
+                    <a:lnL w="19050" cap="flat" cmpd="sng" algn="ctr">
                       <a:solidFill>
                         <a:srgbClr val="000000"/>
                       </a:solidFill>
@@ -9074,7 +9343,7 @@
                       <a:headEnd type="none" w="med" len="med"/>
                       <a:tailEnd type="none" w="med" len="med"/>
                     </a:lnL>
-                    <a:lnR cmpd="sng" algn="ctr" cap="flat" w="19050">
+                    <a:lnR w="19050" cap="flat" cmpd="sng" algn="ctr">
                       <a:solidFill>
                         <a:srgbClr val="000000"/>
                       </a:solidFill>
@@ -9083,7 +9352,7 @@
                       <a:headEnd type="none" w="med" len="med"/>
                       <a:tailEnd type="none" w="med" len="med"/>
                     </a:lnR>
-                    <a:lnT cmpd="sng" algn="ctr" cap="flat" w="19050">
+                    <a:lnT w="19050" cap="flat" cmpd="sng" algn="ctr">
                       <a:solidFill>
                         <a:srgbClr val="000000"/>
                       </a:solidFill>
@@ -9092,7 +9361,7 @@
                       <a:headEnd type="none" w="med" len="med"/>
                       <a:tailEnd type="none" w="med" len="med"/>
                     </a:lnT>
-                    <a:lnB cmpd="sng" algn="ctr" cap="flat" w="19050">
+                    <a:lnB w="19050" cap="flat" cmpd="sng" algn="ctr">
                       <a:solidFill>
                         <a:srgbClr val="000000"/>
                       </a:solidFill>
@@ -9105,7 +9374,7 @@
                 </a:tc>
                 <a:tc>
                   <a:txBody>
-                    <a:bodyPr anchor="t" rtlCol="false"/>
+                    <a:bodyPr/>
                     <a:lstStyle/>
                     <a:p>
                       <a:pPr algn="l">
@@ -9130,7 +9399,7 @@
                     </a:p>
                   </a:txBody>
                   <a:tcPr marL="161925" marR="161925" marT="161925" marB="161925" anchor="ctr">
-                    <a:lnL cmpd="sng" algn="ctr" cap="flat" w="19050">
+                    <a:lnL w="19050" cap="flat" cmpd="sng" algn="ctr">
                       <a:solidFill>
                         <a:srgbClr val="000000"/>
                       </a:solidFill>
@@ -9139,7 +9408,7 @@
                       <a:headEnd type="none" w="med" len="med"/>
                       <a:tailEnd type="none" w="med" len="med"/>
                     </a:lnL>
-                    <a:lnR cmpd="sng" algn="ctr" cap="flat" w="19050">
+                    <a:lnR w="19050" cap="flat" cmpd="sng" algn="ctr">
                       <a:solidFill>
                         <a:srgbClr val="000000"/>
                       </a:solidFill>
@@ -9148,7 +9417,7 @@
                       <a:headEnd type="none" w="med" len="med"/>
                       <a:tailEnd type="none" w="med" len="med"/>
                     </a:lnR>
-                    <a:lnT cmpd="sng" algn="ctr" cap="flat" w="19050">
+                    <a:lnT w="19050" cap="flat" cmpd="sng" algn="ctr">
                       <a:solidFill>
                         <a:srgbClr val="000000"/>
                       </a:solidFill>
@@ -9157,7 +9426,7 @@
                       <a:headEnd type="none" w="med" len="med"/>
                       <a:tailEnd type="none" w="med" len="med"/>
                     </a:lnT>
-                    <a:lnB cmpd="sng" algn="ctr" cap="flat" w="19050">
+                    <a:lnB w="19050" cap="flat" cmpd="sng" algn="ctr">
                       <a:solidFill>
                         <a:srgbClr val="000000"/>
                       </a:solidFill>
@@ -9168,11 +9437,16 @@
                     </a:lnB>
                   </a:tcPr>
                 </a:tc>
+                <a:extLst>
+                  <a:ext uri="{0D108BD9-81ED-4DB2-BD59-A6C34878D82A}">
+                    <a16:rowId xmlns:a16="http://schemas.microsoft.com/office/drawing/2014/main" val="10005"/>
+                  </a:ext>
+                </a:extLst>
               </a:tr>
               <a:tr h="983625">
                 <a:tc>
                   <a:txBody>
-                    <a:bodyPr anchor="t" rtlCol="false"/>
+                    <a:bodyPr/>
                     <a:lstStyle/>
                     <a:p>
                       <a:pPr algn="l">
@@ -9182,7 +9456,7 @@
                         <a:defRPr/>
                       </a:pPr>
                       <a:r>
-                        <a:rPr lang="en-US" sz="1699" b="true">
+                        <a:rPr lang="en-US" sz="1699" b="1">
                           <a:solidFill>
                             <a:srgbClr val="000000"/>
                           </a:solidFill>
@@ -9197,7 +9471,7 @@
                     </a:p>
                   </a:txBody>
                   <a:tcPr marL="161925" marR="161925" marT="161925" marB="161925" anchor="ctr">
-                    <a:lnL cmpd="sng" algn="ctr" cap="flat" w="19050">
+                    <a:lnL w="19050" cap="flat" cmpd="sng" algn="ctr">
                       <a:solidFill>
                         <a:srgbClr val="000000"/>
                       </a:solidFill>
@@ -9206,7 +9480,7 @@
                       <a:headEnd type="none" w="med" len="med"/>
                       <a:tailEnd type="none" w="med" len="med"/>
                     </a:lnL>
-                    <a:lnR cmpd="sng" algn="ctr" cap="flat" w="19050">
+                    <a:lnR w="19050" cap="flat" cmpd="sng" algn="ctr">
                       <a:solidFill>
                         <a:srgbClr val="000000"/>
                       </a:solidFill>
@@ -9215,7 +9489,7 @@
                       <a:headEnd type="none" w="med" len="med"/>
                       <a:tailEnd type="none" w="med" len="med"/>
                     </a:lnR>
-                    <a:lnT cmpd="sng" algn="ctr" cap="flat" w="19050">
+                    <a:lnT w="19050" cap="flat" cmpd="sng" algn="ctr">
                       <a:solidFill>
                         <a:srgbClr val="000000"/>
                       </a:solidFill>
@@ -9224,7 +9498,7 @@
                       <a:headEnd type="none" w="med" len="med"/>
                       <a:tailEnd type="none" w="med" len="med"/>
                     </a:lnT>
-                    <a:lnB cmpd="sng" algn="ctr" cap="flat" w="19050">
+                    <a:lnB w="19050" cap="flat" cmpd="sng" algn="ctr">
                       <a:solidFill>
                         <a:srgbClr val="000000"/>
                       </a:solidFill>
@@ -9237,7 +9511,7 @@
                 </a:tc>
                 <a:tc>
                   <a:txBody>
-                    <a:bodyPr anchor="t" rtlCol="false"/>
+                    <a:bodyPr/>
                     <a:lstStyle/>
                     <a:p>
                       <a:pPr algn="l">
@@ -9262,7 +9536,7 @@
                     </a:p>
                   </a:txBody>
                   <a:tcPr marL="161925" marR="161925" marT="161925" marB="161925" anchor="ctr">
-                    <a:lnL cmpd="sng" algn="ctr" cap="flat" w="19050">
+                    <a:lnL w="19050" cap="flat" cmpd="sng" algn="ctr">
                       <a:solidFill>
                         <a:srgbClr val="000000"/>
                       </a:solidFill>
@@ -9271,7 +9545,7 @@
                       <a:headEnd type="none" w="med" len="med"/>
                       <a:tailEnd type="none" w="med" len="med"/>
                     </a:lnL>
-                    <a:lnR cmpd="sng" algn="ctr" cap="flat" w="19050">
+                    <a:lnR w="19050" cap="flat" cmpd="sng" algn="ctr">
                       <a:solidFill>
                         <a:srgbClr val="000000"/>
                       </a:solidFill>
@@ -9280,7 +9554,7 @@
                       <a:headEnd type="none" w="med" len="med"/>
                       <a:tailEnd type="none" w="med" len="med"/>
                     </a:lnR>
-                    <a:lnT cmpd="sng" algn="ctr" cap="flat" w="19050">
+                    <a:lnT w="19050" cap="flat" cmpd="sng" algn="ctr">
                       <a:solidFill>
                         <a:srgbClr val="000000"/>
                       </a:solidFill>
@@ -9289,7 +9563,7 @@
                       <a:headEnd type="none" w="med" len="med"/>
                       <a:tailEnd type="none" w="med" len="med"/>
                     </a:lnT>
-                    <a:lnB cmpd="sng" algn="ctr" cap="flat" w="19050">
+                    <a:lnB w="19050" cap="flat" cmpd="sng" algn="ctr">
                       <a:solidFill>
                         <a:srgbClr val="000000"/>
                       </a:solidFill>
@@ -9302,7 +9576,7 @@
                 </a:tc>
                 <a:tc>
                   <a:txBody>
-                    <a:bodyPr anchor="t" rtlCol="false"/>
+                    <a:bodyPr/>
                     <a:lstStyle/>
                     <a:p>
                       <a:pPr algn="l">
@@ -9327,7 +9601,7 @@
                     </a:p>
                   </a:txBody>
                   <a:tcPr marL="161925" marR="161925" marT="161925" marB="161925" anchor="ctr">
-                    <a:lnL cmpd="sng" algn="ctr" cap="flat" w="19050">
+                    <a:lnL w="19050" cap="flat" cmpd="sng" algn="ctr">
                       <a:solidFill>
                         <a:srgbClr val="000000"/>
                       </a:solidFill>
@@ -9336,7 +9610,7 @@
                       <a:headEnd type="none" w="med" len="med"/>
                       <a:tailEnd type="none" w="med" len="med"/>
                     </a:lnL>
-                    <a:lnR cmpd="sng" algn="ctr" cap="flat" w="19050">
+                    <a:lnR w="19050" cap="flat" cmpd="sng" algn="ctr">
                       <a:solidFill>
                         <a:srgbClr val="000000"/>
                       </a:solidFill>
@@ -9345,7 +9619,7 @@
                       <a:headEnd type="none" w="med" len="med"/>
                       <a:tailEnd type="none" w="med" len="med"/>
                     </a:lnR>
-                    <a:lnT cmpd="sng" algn="ctr" cap="flat" w="19050">
+                    <a:lnT w="19050" cap="flat" cmpd="sng" algn="ctr">
                       <a:solidFill>
                         <a:srgbClr val="000000"/>
                       </a:solidFill>
@@ -9354,7 +9628,7 @@
                       <a:headEnd type="none" w="med" len="med"/>
                       <a:tailEnd type="none" w="med" len="med"/>
                     </a:lnT>
-                    <a:lnB cmpd="sng" algn="ctr" cap="flat" w="19050">
+                    <a:lnB w="19050" cap="flat" cmpd="sng" algn="ctr">
                       <a:solidFill>
                         <a:srgbClr val="000000"/>
                       </a:solidFill>
@@ -9365,11 +9639,16 @@
                     </a:lnB>
                   </a:tcPr>
                 </a:tc>
+                <a:extLst>
+                  <a:ext uri="{0D108BD9-81ED-4DB2-BD59-A6C34878D82A}">
+                    <a16:rowId xmlns:a16="http://schemas.microsoft.com/office/drawing/2014/main" val="10006"/>
+                  </a:ext>
+                </a:extLst>
               </a:tr>
               <a:tr h="983625">
                 <a:tc>
                   <a:txBody>
-                    <a:bodyPr anchor="t" rtlCol="false"/>
+                    <a:bodyPr/>
                     <a:lstStyle/>
                     <a:p>
                       <a:pPr algn="l">
@@ -9379,7 +9658,7 @@
                         <a:defRPr/>
                       </a:pPr>
                       <a:r>
-                        <a:rPr lang="en-US" sz="1699" b="true">
+                        <a:rPr lang="en-US" sz="1699" b="1">
                           <a:solidFill>
                             <a:srgbClr val="000000"/>
                           </a:solidFill>
@@ -9394,7 +9673,7 @@
                     </a:p>
                   </a:txBody>
                   <a:tcPr marL="161925" marR="161925" marT="161925" marB="161925" anchor="ctr">
-                    <a:lnL cmpd="sng" algn="ctr" cap="flat" w="19050">
+                    <a:lnL w="19050" cap="flat" cmpd="sng" algn="ctr">
                       <a:solidFill>
                         <a:srgbClr val="000000"/>
                       </a:solidFill>
@@ -9403,7 +9682,7 @@
                       <a:headEnd type="none" w="med" len="med"/>
                       <a:tailEnd type="none" w="med" len="med"/>
                     </a:lnL>
-                    <a:lnR cmpd="sng" algn="ctr" cap="flat" w="19050">
+                    <a:lnR w="19050" cap="flat" cmpd="sng" algn="ctr">
                       <a:solidFill>
                         <a:srgbClr val="000000"/>
                       </a:solidFill>
@@ -9412,7 +9691,7 @@
                       <a:headEnd type="none" w="med" len="med"/>
                       <a:tailEnd type="none" w="med" len="med"/>
                     </a:lnR>
-                    <a:lnT cmpd="sng" algn="ctr" cap="flat" w="19050">
+                    <a:lnT w="19050" cap="flat" cmpd="sng" algn="ctr">
                       <a:solidFill>
                         <a:srgbClr val="000000"/>
                       </a:solidFill>
@@ -9421,7 +9700,7 @@
                       <a:headEnd type="none" w="med" len="med"/>
                       <a:tailEnd type="none" w="med" len="med"/>
                     </a:lnT>
-                    <a:lnB cmpd="sng" algn="ctr" cap="flat" w="19050">
+                    <a:lnB w="19050" cap="flat" cmpd="sng" algn="ctr">
                       <a:solidFill>
                         <a:srgbClr val="000000"/>
                       </a:solidFill>
@@ -9434,7 +9713,7 @@
                 </a:tc>
                 <a:tc>
                   <a:txBody>
-                    <a:bodyPr anchor="t" rtlCol="false"/>
+                    <a:bodyPr/>
                     <a:lstStyle/>
                     <a:p>
                       <a:pPr algn="l">
@@ -9459,7 +9738,7 @@
                     </a:p>
                   </a:txBody>
                   <a:tcPr marL="161925" marR="161925" marT="161925" marB="161925" anchor="ctr">
-                    <a:lnL cmpd="sng" algn="ctr" cap="flat" w="19050">
+                    <a:lnL w="19050" cap="flat" cmpd="sng" algn="ctr">
                       <a:solidFill>
                         <a:srgbClr val="000000"/>
                       </a:solidFill>
@@ -9468,7 +9747,7 @@
                       <a:headEnd type="none" w="med" len="med"/>
                       <a:tailEnd type="none" w="med" len="med"/>
                     </a:lnL>
-                    <a:lnR cmpd="sng" algn="ctr" cap="flat" w="19050">
+                    <a:lnR w="19050" cap="flat" cmpd="sng" algn="ctr">
                       <a:solidFill>
                         <a:srgbClr val="000000"/>
                       </a:solidFill>
@@ -9477,7 +9756,7 @@
                       <a:headEnd type="none" w="med" len="med"/>
                       <a:tailEnd type="none" w="med" len="med"/>
                     </a:lnR>
-                    <a:lnT cmpd="sng" algn="ctr" cap="flat" w="19050">
+                    <a:lnT w="19050" cap="flat" cmpd="sng" algn="ctr">
                       <a:solidFill>
                         <a:srgbClr val="000000"/>
                       </a:solidFill>
@@ -9486,7 +9765,7 @@
                       <a:headEnd type="none" w="med" len="med"/>
                       <a:tailEnd type="none" w="med" len="med"/>
                     </a:lnT>
-                    <a:lnB cmpd="sng" algn="ctr" cap="flat" w="19050">
+                    <a:lnB w="19050" cap="flat" cmpd="sng" algn="ctr">
                       <a:solidFill>
                         <a:srgbClr val="000000"/>
                       </a:solidFill>
@@ -9499,7 +9778,7 @@
                 </a:tc>
                 <a:tc>
                   <a:txBody>
-                    <a:bodyPr anchor="t" rtlCol="false"/>
+                    <a:bodyPr/>
                     <a:lstStyle/>
                     <a:p>
                       <a:pPr algn="l">
@@ -9524,7 +9803,7 @@
                     </a:p>
                   </a:txBody>
                   <a:tcPr marL="161925" marR="161925" marT="161925" marB="161925" anchor="ctr">
-                    <a:lnL cmpd="sng" algn="ctr" cap="flat" w="19050">
+                    <a:lnL w="19050" cap="flat" cmpd="sng" algn="ctr">
                       <a:solidFill>
                         <a:srgbClr val="000000"/>
                       </a:solidFill>
@@ -9533,7 +9812,7 @@
                       <a:headEnd type="none" w="med" len="med"/>
                       <a:tailEnd type="none" w="med" len="med"/>
                     </a:lnL>
-                    <a:lnR cmpd="sng" algn="ctr" cap="flat" w="19050">
+                    <a:lnR w="19050" cap="flat" cmpd="sng" algn="ctr">
                       <a:solidFill>
                         <a:srgbClr val="000000"/>
                       </a:solidFill>
@@ -9542,7 +9821,7 @@
                       <a:headEnd type="none" w="med" len="med"/>
                       <a:tailEnd type="none" w="med" len="med"/>
                     </a:lnR>
-                    <a:lnT cmpd="sng" algn="ctr" cap="flat" w="19050">
+                    <a:lnT w="19050" cap="flat" cmpd="sng" algn="ctr">
                       <a:solidFill>
                         <a:srgbClr val="000000"/>
                       </a:solidFill>
@@ -9551,7 +9830,7 @@
                       <a:headEnd type="none" w="med" len="med"/>
                       <a:tailEnd type="none" w="med" len="med"/>
                     </a:lnT>
-                    <a:lnB cmpd="sng" algn="ctr" cap="flat" w="19050">
+                    <a:lnB w="19050" cap="flat" cmpd="sng" algn="ctr">
                       <a:solidFill>
                         <a:srgbClr val="000000"/>
                       </a:solidFill>
@@ -9562,6 +9841,11 @@
                     </a:lnB>
                   </a:tcPr>
                 </a:tc>
+                <a:extLst>
+                  <a:ext uri="{0D108BD9-81ED-4DB2-BD59-A6C34878D82A}">
+                    <a16:rowId xmlns:a16="http://schemas.microsoft.com/office/drawing/2014/main" val="10007"/>
+                  </a:ext>
+                </a:extLst>
               </a:tr>
             </a:tbl>
           </a:graphicData>
@@ -9569,12 +9853,12 @@
       </p:graphicFrame>
       <p:sp>
         <p:nvSpPr>
-          <p:cNvPr name="TextBox 3" id="3"/>
-          <p:cNvSpPr txBox="true"/>
+          <p:cNvPr id="3" name="TextBox 3"/>
+          <p:cNvSpPr txBox="1"/>
           <p:nvPr/>
         </p:nvSpPr>
         <p:spPr>
-          <a:xfrm rot="0">
+          <a:xfrm>
             <a:off x="2448320" y="580696"/>
             <a:ext cx="13391361" cy="1351919"/>
           </a:xfrm>
@@ -9583,7 +9867,7 @@
           </a:prstGeom>
         </p:spPr>
         <p:txBody>
-          <a:bodyPr anchor="t" rtlCol="false" tIns="0" lIns="0" bIns="0" rIns="0">
+          <a:bodyPr lIns="0" tIns="0" rIns="0" bIns="0" rtlCol="0" anchor="t">
             <a:spAutoFit/>
           </a:bodyPr>
           <a:lstStyle/>
@@ -9597,7 +9881,7 @@
               </a:spcBef>
             </a:pPr>
             <a:r>
-              <a:rPr lang="en-US" b="true" sz="7899">
+              <a:rPr lang="en-US" sz="7899" b="1">
                 <a:solidFill>
                   <a:srgbClr val="000000"/>
                 </a:solidFill>
@@ -9620,7 +9904,7 @@
 </file>
 
 <file path=ppt/slides/slide2.xml><?xml version="1.0" encoding="utf-8"?>
-<p:sld xmlns:p="http://schemas.openxmlformats.org/presentationml/2006/main" xmlns:a="http://schemas.openxmlformats.org/drawingml/2006/main">
+<p:sld xmlns:a="http://schemas.openxmlformats.org/drawingml/2006/main" xmlns:r="http://schemas.openxmlformats.org/officeDocument/2006/relationships" xmlns:p="http://schemas.openxmlformats.org/presentationml/2006/main">
   <p:cSld>
     <p:spTree>
       <p:nvGrpSpPr>
@@ -9638,12 +9922,12 @@
       </p:grpSpPr>
       <p:sp>
         <p:nvSpPr>
-          <p:cNvPr name="TextBox 2" id="2"/>
-          <p:cNvSpPr txBox="true"/>
+          <p:cNvPr id="2" name="TextBox 2"/>
+          <p:cNvSpPr txBox="1"/>
           <p:nvPr/>
         </p:nvSpPr>
         <p:spPr>
-          <a:xfrm rot="0">
+          <a:xfrm>
             <a:off x="2034191" y="3286579"/>
             <a:ext cx="14219618" cy="3452839"/>
           </a:xfrm>
@@ -9652,19 +9936,19 @@
           </a:prstGeom>
         </p:spPr>
         <p:txBody>
-          <a:bodyPr anchor="t" rtlCol="false" tIns="0" lIns="0" bIns="0" rIns="0">
+          <a:bodyPr lIns="0" tIns="0" rIns="0" bIns="0" rtlCol="0" anchor="t">
             <a:spAutoFit/>
           </a:bodyPr>
           <a:lstStyle/>
           <a:p>
-            <a:pPr algn="just" marL="849878" indent="-424939" lvl="1">
+            <a:pPr marL="849878" lvl="1" indent="-424939" algn="just">
               <a:lnSpc>
                 <a:spcPts val="5511"/>
               </a:lnSpc>
-              <a:buAutoNum type="arabicPeriod" startAt="1"/>
+              <a:buAutoNum type="arabicPeriod"/>
             </a:pPr>
             <a:r>
-              <a:rPr lang="en-US" b="true" sz="3936">
+              <a:rPr lang="en-US" sz="3936" b="1">
                 <a:solidFill>
                   <a:srgbClr val="000000"/>
                 </a:solidFill>
@@ -9677,14 +9961,14 @@
             </a:r>
           </a:p>
           <a:p>
-            <a:pPr algn="just" marL="849878" indent="-424939" lvl="1">
+            <a:pPr marL="849878" lvl="1" indent="-424939" algn="just">
               <a:lnSpc>
                 <a:spcPts val="5511"/>
               </a:lnSpc>
-              <a:buAutoNum type="arabicPeriod" startAt="1"/>
+              <a:buAutoNum type="arabicPeriod"/>
             </a:pPr>
             <a:r>
-              <a:rPr lang="en-US" b="true" sz="3936">
+              <a:rPr lang="en-US" sz="3936" b="1">
                 <a:solidFill>
                   <a:srgbClr val="000000"/>
                 </a:solidFill>
@@ -9697,14 +9981,14 @@
             </a:r>
           </a:p>
           <a:p>
-            <a:pPr algn="just" marL="849878" indent="-424939" lvl="1">
+            <a:pPr marL="849878" lvl="1" indent="-424939" algn="just">
               <a:lnSpc>
                 <a:spcPts val="5511"/>
               </a:lnSpc>
-              <a:buAutoNum type="arabicPeriod" startAt="1"/>
+              <a:buAutoNum type="arabicPeriod"/>
             </a:pPr>
             <a:r>
-              <a:rPr lang="en-US" b="true" sz="3936">
+              <a:rPr lang="en-US" sz="3936" b="1">
                 <a:solidFill>
                   <a:srgbClr val="000000"/>
                 </a:solidFill>
@@ -9717,14 +10001,14 @@
             </a:r>
           </a:p>
           <a:p>
-            <a:pPr algn="just" marL="849878" indent="-424939" lvl="1">
+            <a:pPr marL="849878" lvl="1" indent="-424939" algn="just">
               <a:lnSpc>
                 <a:spcPts val="5511"/>
               </a:lnSpc>
-              <a:buAutoNum type="arabicPeriod" startAt="1"/>
+              <a:buAutoNum type="arabicPeriod"/>
             </a:pPr>
             <a:r>
-              <a:rPr lang="en-US" b="true" sz="3936">
+              <a:rPr lang="en-US" sz="3936" b="1">
                 <a:solidFill>
                   <a:srgbClr val="000000"/>
                 </a:solidFill>
@@ -9737,17 +10021,17 @@
             </a:r>
           </a:p>
           <a:p>
-            <a:pPr algn="just" marL="849878" indent="-424939" lvl="1">
+            <a:pPr marL="849878" lvl="1" indent="-424939" algn="just">
               <a:lnSpc>
                 <a:spcPts val="5511"/>
               </a:lnSpc>
               <a:spcBef>
                 <a:spcPct val="0"/>
               </a:spcBef>
-              <a:buAutoNum type="arabicPeriod" startAt="1"/>
+              <a:buAutoNum type="arabicPeriod"/>
             </a:pPr>
             <a:r>
-              <a:rPr lang="en-US" b="true" sz="3936">
+              <a:rPr lang="en-US" sz="3936" b="1">
                 <a:solidFill>
                   <a:srgbClr val="000000"/>
                 </a:solidFill>
@@ -9763,12 +10047,12 @@
       </p:sp>
       <p:sp>
         <p:nvSpPr>
-          <p:cNvPr name="TextBox 3" id="3"/>
-          <p:cNvSpPr txBox="true"/>
+          <p:cNvPr id="3" name="TextBox 3"/>
+          <p:cNvSpPr txBox="1"/>
           <p:nvPr/>
         </p:nvSpPr>
         <p:spPr>
-          <a:xfrm rot="0">
+          <a:xfrm>
             <a:off x="2448320" y="876300"/>
             <a:ext cx="13391361" cy="1351919"/>
           </a:xfrm>
@@ -9777,7 +10061,7 @@
           </a:prstGeom>
         </p:spPr>
         <p:txBody>
-          <a:bodyPr anchor="t" rtlCol="false" tIns="0" lIns="0" bIns="0" rIns="0">
+          <a:bodyPr lIns="0" tIns="0" rIns="0" bIns="0" rtlCol="0" anchor="t">
             <a:spAutoFit/>
           </a:bodyPr>
           <a:lstStyle/>
@@ -9791,7 +10075,7 @@
               </a:spcBef>
             </a:pPr>
             <a:r>
-              <a:rPr lang="en-US" b="true" sz="7899">
+              <a:rPr lang="en-US" sz="7899" b="1">
                 <a:solidFill>
                   <a:srgbClr val="000000"/>
                 </a:solidFill>
@@ -9814,7 +10098,7 @@
 </file>
 
 <file path=ppt/slides/slide3.xml><?xml version="1.0" encoding="utf-8"?>
-<p:sld xmlns:p="http://schemas.openxmlformats.org/presentationml/2006/main" xmlns:a="http://schemas.openxmlformats.org/drawingml/2006/main">
+<p:sld xmlns:a="http://schemas.openxmlformats.org/drawingml/2006/main" xmlns:r="http://schemas.openxmlformats.org/officeDocument/2006/relationships" xmlns:p="http://schemas.openxmlformats.org/presentationml/2006/main">
   <p:cSld>
     <p:spTree>
       <p:nvGrpSpPr>
@@ -9832,12 +10116,12 @@
       </p:grpSpPr>
       <p:sp>
         <p:nvSpPr>
-          <p:cNvPr name="TextBox 2" id="2"/>
-          <p:cNvSpPr txBox="true"/>
+          <p:cNvPr id="2" name="TextBox 2"/>
+          <p:cNvSpPr txBox="1"/>
           <p:nvPr/>
         </p:nvSpPr>
         <p:spPr>
-          <a:xfrm rot="0">
+          <a:xfrm>
             <a:off x="2011229" y="2892925"/>
             <a:ext cx="14265542" cy="4974298"/>
           </a:xfrm>
@@ -9846,7 +10130,7 @@
           </a:prstGeom>
         </p:spPr>
         <p:txBody>
-          <a:bodyPr anchor="t" rtlCol="false" tIns="0" lIns="0" bIns="0" rIns="0">
+          <a:bodyPr lIns="0" tIns="0" rIns="0" bIns="0" rtlCol="0" anchor="t">
             <a:spAutoFit/>
           </a:bodyPr>
           <a:lstStyle/>
@@ -9860,7 +10144,7 @@
               </a:spcBef>
             </a:pPr>
             <a:r>
-              <a:rPr lang="en-US" sz="2336">
+              <a:rPr lang="en-US" sz="2336" dirty="0">
                 <a:solidFill>
                   <a:srgbClr val="000000"/>
                 </a:solidFill>
@@ -9882,7 +10166,7 @@
               </a:spcBef>
             </a:pPr>
             <a:r>
-              <a:rPr lang="en-US" sz="2336">
+              <a:rPr lang="en-US" sz="2336" dirty="0">
                 <a:solidFill>
                   <a:srgbClr val="000000"/>
                 </a:solidFill>
@@ -9903,6 +10187,15 @@
                 <a:spcPct val="0"/>
               </a:spcBef>
             </a:pPr>
+            <a:endParaRPr lang="en-US" sz="2336" dirty="0">
+              <a:solidFill>
+                <a:srgbClr val="000000"/>
+              </a:solidFill>
+              <a:latin typeface="Montserrat"/>
+              <a:ea typeface="Montserrat"/>
+              <a:cs typeface="Montserrat"/>
+              <a:sym typeface="Montserrat"/>
+            </a:endParaRPr>
           </a:p>
           <a:p>
             <a:pPr algn="just">
@@ -9914,7 +10207,7 @@
               </a:spcBef>
             </a:pPr>
             <a:r>
-              <a:rPr lang="en-US" sz="2336">
+              <a:rPr lang="en-US" sz="2336" dirty="0">
                 <a:solidFill>
                   <a:srgbClr val="000000"/>
                 </a:solidFill>
@@ -9935,17 +10228,26 @@
                 <a:spcPct val="0"/>
               </a:spcBef>
             </a:pPr>
+            <a:endParaRPr lang="en-US" sz="2336" dirty="0">
+              <a:solidFill>
+                <a:srgbClr val="000000"/>
+              </a:solidFill>
+              <a:latin typeface="Montserrat"/>
+              <a:ea typeface="Montserrat"/>
+              <a:cs typeface="Montserrat"/>
+              <a:sym typeface="Montserrat"/>
+            </a:endParaRPr>
           </a:p>
         </p:txBody>
       </p:sp>
       <p:sp>
         <p:nvSpPr>
-          <p:cNvPr name="TextBox 3" id="3"/>
-          <p:cNvSpPr txBox="true"/>
+          <p:cNvPr id="3" name="TextBox 3"/>
+          <p:cNvSpPr txBox="1"/>
           <p:nvPr/>
         </p:nvSpPr>
         <p:spPr>
-          <a:xfrm rot="0">
+          <a:xfrm>
             <a:off x="2448320" y="876300"/>
             <a:ext cx="13391361" cy="1351919"/>
           </a:xfrm>
@@ -9954,7 +10256,7 @@
           </a:prstGeom>
         </p:spPr>
         <p:txBody>
-          <a:bodyPr anchor="t" rtlCol="false" tIns="0" lIns="0" bIns="0" rIns="0">
+          <a:bodyPr lIns="0" tIns="0" rIns="0" bIns="0" rtlCol="0" anchor="t">
             <a:spAutoFit/>
           </a:bodyPr>
           <a:lstStyle/>
@@ -9968,7 +10270,7 @@
               </a:spcBef>
             </a:pPr>
             <a:r>
-              <a:rPr lang="en-US" b="true" sz="7899">
+              <a:rPr lang="en-US" sz="7899" b="1">
                 <a:solidFill>
                   <a:srgbClr val="000000"/>
                 </a:solidFill>
@@ -9991,7 +10293,7 @@
 </file>
 
 <file path=ppt/slides/slide4.xml><?xml version="1.0" encoding="utf-8"?>
-<p:sld xmlns:p="http://schemas.openxmlformats.org/presentationml/2006/main" xmlns:a="http://schemas.openxmlformats.org/drawingml/2006/main">
+<p:sld xmlns:a="http://schemas.openxmlformats.org/drawingml/2006/main" xmlns:r="http://schemas.openxmlformats.org/officeDocument/2006/relationships" xmlns:p="http://schemas.openxmlformats.org/presentationml/2006/main">
   <p:cSld>
     <p:spTree>
       <p:nvGrpSpPr>
@@ -10009,29 +10311,47 @@
       </p:grpSpPr>
       <p:graphicFrame>
         <p:nvGraphicFramePr>
-          <p:cNvPr name="Table 2" id="2"/>
+          <p:cNvPr id="2" name="Table 2"/>
           <p:cNvGraphicFramePr>
-            <a:graphicFrameLocks noGrp="true"/>
+            <a:graphicFrameLocks noGrp="1"/>
           </p:cNvGraphicFramePr>
           <p:nvPr/>
         </p:nvGraphicFramePr>
         <p:xfrm>
           <a:off x="1028700" y="1864316"/>
-          <a:ext cx="15972760" cy="7576153"/>
+          <a:ext cx="15972761" cy="7576152"/>
         </p:xfrm>
         <a:graphic>
           <a:graphicData uri="http://schemas.openxmlformats.org/drawingml/2006/table">
             <a:tbl>
               <a:tblPr/>
               <a:tblGrid>
-                <a:gridCol w="2524507"/>
-                <a:gridCol w="6628831"/>
-                <a:gridCol w="6819423"/>
+                <a:gridCol w="2524507">
+                  <a:extLst>
+                    <a:ext uri="{9D8B030D-6E8A-4147-A177-3AD203B41FA5}">
+                      <a16:colId xmlns:a16="http://schemas.microsoft.com/office/drawing/2014/main" val="20000"/>
+                    </a:ext>
+                  </a:extLst>
+                </a:gridCol>
+                <a:gridCol w="6628831">
+                  <a:extLst>
+                    <a:ext uri="{9D8B030D-6E8A-4147-A177-3AD203B41FA5}">
+                      <a16:colId xmlns:a16="http://schemas.microsoft.com/office/drawing/2014/main" val="20001"/>
+                    </a:ext>
+                  </a:extLst>
+                </a:gridCol>
+                <a:gridCol w="6819423">
+                  <a:extLst>
+                    <a:ext uri="{9D8B030D-6E8A-4147-A177-3AD203B41FA5}">
+                      <a16:colId xmlns:a16="http://schemas.microsoft.com/office/drawing/2014/main" val="20002"/>
+                    </a:ext>
+                  </a:extLst>
+                </a:gridCol>
               </a:tblGrid>
               <a:tr h="761098">
                 <a:tc>
                   <a:txBody>
-                    <a:bodyPr anchor="t" rtlCol="false"/>
+                    <a:bodyPr/>
                     <a:lstStyle/>
                     <a:p>
                       <a:pPr algn="l">
@@ -10041,7 +10361,7 @@
                         <a:defRPr/>
                       </a:pPr>
                       <a:r>
-                        <a:rPr lang="en-US" sz="1499" b="true">
+                        <a:rPr lang="en-US" sz="1499" b="1">
                           <a:solidFill>
                             <a:srgbClr val="000000"/>
                           </a:solidFill>
@@ -10056,7 +10376,7 @@
                     </a:p>
                   </a:txBody>
                   <a:tcPr marL="142875" marR="142875" marT="142875" marB="142875" anchor="ctr">
-                    <a:lnL cmpd="sng" algn="ctr" cap="flat" w="19050">
+                    <a:lnL w="19050" cap="flat" cmpd="sng" algn="ctr">
                       <a:solidFill>
                         <a:srgbClr val="000000"/>
                       </a:solidFill>
@@ -10065,7 +10385,7 @@
                       <a:headEnd type="none" w="med" len="med"/>
                       <a:tailEnd type="none" w="med" len="med"/>
                     </a:lnL>
-                    <a:lnR cmpd="sng" algn="ctr" cap="flat" w="19050">
+                    <a:lnR w="19050" cap="flat" cmpd="sng" algn="ctr">
                       <a:solidFill>
                         <a:srgbClr val="000000"/>
                       </a:solidFill>
@@ -10074,7 +10394,7 @@
                       <a:headEnd type="none" w="med" len="med"/>
                       <a:tailEnd type="none" w="med" len="med"/>
                     </a:lnR>
-                    <a:lnT cmpd="sng" algn="ctr" cap="flat" w="19050">
+                    <a:lnT w="19050" cap="flat" cmpd="sng" algn="ctr">
                       <a:solidFill>
                         <a:srgbClr val="000000"/>
                       </a:solidFill>
@@ -10083,7 +10403,7 @@
                       <a:headEnd type="none" w="med" len="med"/>
                       <a:tailEnd type="none" w="med" len="med"/>
                     </a:lnT>
-                    <a:lnB cmpd="sng" algn="ctr" cap="flat" w="19050">
+                    <a:lnB w="19050" cap="flat" cmpd="sng" algn="ctr">
                       <a:solidFill>
                         <a:srgbClr val="000000"/>
                       </a:solidFill>
@@ -10096,7 +10416,7 @@
                 </a:tc>
                 <a:tc>
                   <a:txBody>
-                    <a:bodyPr anchor="t" rtlCol="false"/>
+                    <a:bodyPr/>
                     <a:lstStyle/>
                     <a:p>
                       <a:pPr algn="l">
@@ -10106,7 +10426,7 @@
                         <a:defRPr/>
                       </a:pPr>
                       <a:r>
-                        <a:rPr lang="en-US" sz="1499" b="true">
+                        <a:rPr lang="en-US" sz="1499" b="1">
                           <a:solidFill>
                             <a:srgbClr val="000000"/>
                           </a:solidFill>
@@ -10121,7 +10441,7 @@
                     </a:p>
                   </a:txBody>
                   <a:tcPr marL="142875" marR="142875" marT="142875" marB="142875" anchor="ctr">
-                    <a:lnL cmpd="sng" algn="ctr" cap="flat" w="19050">
+                    <a:lnL w="19050" cap="flat" cmpd="sng" algn="ctr">
                       <a:solidFill>
                         <a:srgbClr val="000000"/>
                       </a:solidFill>
@@ -10130,7 +10450,7 @@
                       <a:headEnd type="none" w="med" len="med"/>
                       <a:tailEnd type="none" w="med" len="med"/>
                     </a:lnL>
-                    <a:lnR cmpd="sng" algn="ctr" cap="flat" w="19050">
+                    <a:lnR w="19050" cap="flat" cmpd="sng" algn="ctr">
                       <a:solidFill>
                         <a:srgbClr val="000000"/>
                       </a:solidFill>
@@ -10139,7 +10459,7 @@
                       <a:headEnd type="none" w="med" len="med"/>
                       <a:tailEnd type="none" w="med" len="med"/>
                     </a:lnR>
-                    <a:lnT cmpd="sng" algn="ctr" cap="flat" w="19050">
+                    <a:lnT w="19050" cap="flat" cmpd="sng" algn="ctr">
                       <a:solidFill>
                         <a:srgbClr val="000000"/>
                       </a:solidFill>
@@ -10148,7 +10468,7 @@
                       <a:headEnd type="none" w="med" len="med"/>
                       <a:tailEnd type="none" w="med" len="med"/>
                     </a:lnT>
-                    <a:lnB cmpd="sng" algn="ctr" cap="flat" w="19050">
+                    <a:lnB w="19050" cap="flat" cmpd="sng" algn="ctr">
                       <a:solidFill>
                         <a:srgbClr val="000000"/>
                       </a:solidFill>
@@ -10161,7 +10481,7 @@
                 </a:tc>
                 <a:tc>
                   <a:txBody>
-                    <a:bodyPr anchor="t" rtlCol="false"/>
+                    <a:bodyPr/>
                     <a:lstStyle/>
                     <a:p>
                       <a:pPr algn="l">
@@ -10171,7 +10491,7 @@
                         <a:defRPr/>
                       </a:pPr>
                       <a:r>
-                        <a:rPr lang="en-US" sz="1499" b="true">
+                        <a:rPr lang="en-US" sz="1499" b="1">
                           <a:solidFill>
                             <a:srgbClr val="000000"/>
                           </a:solidFill>
@@ -10186,7 +10506,7 @@
                     </a:p>
                   </a:txBody>
                   <a:tcPr marL="142875" marR="142875" marT="142875" marB="142875" anchor="ctr">
-                    <a:lnL cmpd="sng" algn="ctr" cap="flat" w="19050">
+                    <a:lnL w="19050" cap="flat" cmpd="sng" algn="ctr">
                       <a:solidFill>
                         <a:srgbClr val="000000"/>
                       </a:solidFill>
@@ -10195,7 +10515,7 @@
                       <a:headEnd type="none" w="med" len="med"/>
                       <a:tailEnd type="none" w="med" len="med"/>
                     </a:lnL>
-                    <a:lnR cmpd="sng" algn="ctr" cap="flat" w="19050">
+                    <a:lnR w="19050" cap="flat" cmpd="sng" algn="ctr">
                       <a:solidFill>
                         <a:srgbClr val="000000"/>
                       </a:solidFill>
@@ -10204,7 +10524,7 @@
                       <a:headEnd type="none" w="med" len="med"/>
                       <a:tailEnd type="none" w="med" len="med"/>
                     </a:lnR>
-                    <a:lnT cmpd="sng" algn="ctr" cap="flat" w="19050">
+                    <a:lnT w="19050" cap="flat" cmpd="sng" algn="ctr">
                       <a:solidFill>
                         <a:srgbClr val="000000"/>
                       </a:solidFill>
@@ -10213,7 +10533,7 @@
                       <a:headEnd type="none" w="med" len="med"/>
                       <a:tailEnd type="none" w="med" len="med"/>
                     </a:lnT>
-                    <a:lnB cmpd="sng" algn="ctr" cap="flat" w="19050">
+                    <a:lnB w="19050" cap="flat" cmpd="sng" algn="ctr">
                       <a:solidFill>
                         <a:srgbClr val="000000"/>
                       </a:solidFill>
@@ -10224,11 +10544,16 @@
                     </a:lnB>
                   </a:tcPr>
                 </a:tc>
+                <a:extLst>
+                  <a:ext uri="{0D108BD9-81ED-4DB2-BD59-A6C34878D82A}">
+                    <a16:rowId xmlns:a16="http://schemas.microsoft.com/office/drawing/2014/main" val="10000"/>
+                  </a:ext>
+                </a:extLst>
               </a:tr>
               <a:tr h="761098">
                 <a:tc>
                   <a:txBody>
-                    <a:bodyPr anchor="t" rtlCol="false"/>
+                    <a:bodyPr/>
                     <a:lstStyle/>
                     <a:p>
                       <a:pPr algn="l">
@@ -10238,7 +10563,7 @@
                         <a:defRPr/>
                       </a:pPr>
                       <a:r>
-                        <a:rPr lang="en-US" sz="1499" b="true">
+                        <a:rPr lang="en-US" sz="1499" b="1">
                           <a:solidFill>
                             <a:srgbClr val="000000"/>
                           </a:solidFill>
@@ -10253,7 +10578,7 @@
                     </a:p>
                   </a:txBody>
                   <a:tcPr marL="142875" marR="142875" marT="142875" marB="142875" anchor="ctr">
-                    <a:lnL cmpd="sng" algn="ctr" cap="flat" w="19050">
+                    <a:lnL w="19050" cap="flat" cmpd="sng" algn="ctr">
                       <a:solidFill>
                         <a:srgbClr val="000000"/>
                       </a:solidFill>
@@ -10262,7 +10587,7 @@
                       <a:headEnd type="none" w="med" len="med"/>
                       <a:tailEnd type="none" w="med" len="med"/>
                     </a:lnL>
-                    <a:lnR cmpd="sng" algn="ctr" cap="flat" w="19050">
+                    <a:lnR w="19050" cap="flat" cmpd="sng" algn="ctr">
                       <a:solidFill>
                         <a:srgbClr val="000000"/>
                       </a:solidFill>
@@ -10271,7 +10596,7 @@
                       <a:headEnd type="none" w="med" len="med"/>
                       <a:tailEnd type="none" w="med" len="med"/>
                     </a:lnR>
-                    <a:lnT cmpd="sng" algn="ctr" cap="flat" w="19050">
+                    <a:lnT w="19050" cap="flat" cmpd="sng" algn="ctr">
                       <a:solidFill>
                         <a:srgbClr val="000000"/>
                       </a:solidFill>
@@ -10280,7 +10605,7 @@
                       <a:headEnd type="none" w="med" len="med"/>
                       <a:tailEnd type="none" w="med" len="med"/>
                     </a:lnT>
-                    <a:lnB cmpd="sng" algn="ctr" cap="flat" w="19050">
+                    <a:lnB w="19050" cap="flat" cmpd="sng" algn="ctr">
                       <a:solidFill>
                         <a:srgbClr val="000000"/>
                       </a:solidFill>
@@ -10293,7 +10618,7 @@
                 </a:tc>
                 <a:tc>
                   <a:txBody>
-                    <a:bodyPr anchor="t" rtlCol="false"/>
+                    <a:bodyPr/>
                     <a:lstStyle/>
                     <a:p>
                       <a:pPr algn="l">
@@ -10318,7 +10643,7 @@
                     </a:p>
                   </a:txBody>
                   <a:tcPr marL="142875" marR="142875" marT="142875" marB="142875" anchor="ctr">
-                    <a:lnL cmpd="sng" algn="ctr" cap="flat" w="19050">
+                    <a:lnL w="19050" cap="flat" cmpd="sng" algn="ctr">
                       <a:solidFill>
                         <a:srgbClr val="000000"/>
                       </a:solidFill>
@@ -10327,7 +10652,7 @@
                       <a:headEnd type="none" w="med" len="med"/>
                       <a:tailEnd type="none" w="med" len="med"/>
                     </a:lnL>
-                    <a:lnR cmpd="sng" algn="ctr" cap="flat" w="19050">
+                    <a:lnR w="19050" cap="flat" cmpd="sng" algn="ctr">
                       <a:solidFill>
                         <a:srgbClr val="000000"/>
                       </a:solidFill>
@@ -10336,7 +10661,7 @@
                       <a:headEnd type="none" w="med" len="med"/>
                       <a:tailEnd type="none" w="med" len="med"/>
                     </a:lnR>
-                    <a:lnT cmpd="sng" algn="ctr" cap="flat" w="19050">
+                    <a:lnT w="19050" cap="flat" cmpd="sng" algn="ctr">
                       <a:solidFill>
                         <a:srgbClr val="000000"/>
                       </a:solidFill>
@@ -10345,7 +10670,7 @@
                       <a:headEnd type="none" w="med" len="med"/>
                       <a:tailEnd type="none" w="med" len="med"/>
                     </a:lnT>
-                    <a:lnB cmpd="sng" algn="ctr" cap="flat" w="19050">
+                    <a:lnB w="19050" cap="flat" cmpd="sng" algn="ctr">
                       <a:solidFill>
                         <a:srgbClr val="000000"/>
                       </a:solidFill>
@@ -10358,7 +10683,7 @@
                 </a:tc>
                 <a:tc>
                   <a:txBody>
-                    <a:bodyPr anchor="t" rtlCol="false"/>
+                    <a:bodyPr/>
                     <a:lstStyle/>
                     <a:p>
                       <a:pPr algn="l">
@@ -10383,7 +10708,7 @@
                     </a:p>
                   </a:txBody>
                   <a:tcPr marL="142875" marR="142875" marT="142875" marB="142875" anchor="ctr">
-                    <a:lnL cmpd="sng" algn="ctr" cap="flat" w="19050">
+                    <a:lnL w="19050" cap="flat" cmpd="sng" algn="ctr">
                       <a:solidFill>
                         <a:srgbClr val="000000"/>
                       </a:solidFill>
@@ -10392,7 +10717,7 @@
                       <a:headEnd type="none" w="med" len="med"/>
                       <a:tailEnd type="none" w="med" len="med"/>
                     </a:lnL>
-                    <a:lnR cmpd="sng" algn="ctr" cap="flat" w="19050">
+                    <a:lnR w="19050" cap="flat" cmpd="sng" algn="ctr">
                       <a:solidFill>
                         <a:srgbClr val="000000"/>
                       </a:solidFill>
@@ -10401,7 +10726,7 @@
                       <a:headEnd type="none" w="med" len="med"/>
                       <a:tailEnd type="none" w="med" len="med"/>
                     </a:lnR>
-                    <a:lnT cmpd="sng" algn="ctr" cap="flat" w="19050">
+                    <a:lnT w="19050" cap="flat" cmpd="sng" algn="ctr">
                       <a:solidFill>
                         <a:srgbClr val="000000"/>
                       </a:solidFill>
@@ -10410,7 +10735,7 @@
                       <a:headEnd type="none" w="med" len="med"/>
                       <a:tailEnd type="none" w="med" len="med"/>
                     </a:lnT>
-                    <a:lnB cmpd="sng" algn="ctr" cap="flat" w="19050">
+                    <a:lnB w="19050" cap="flat" cmpd="sng" algn="ctr">
                       <a:solidFill>
                         <a:srgbClr val="000000"/>
                       </a:solidFill>
@@ -10421,11 +10746,16 @@
                     </a:lnB>
                   </a:tcPr>
                 </a:tc>
+                <a:extLst>
+                  <a:ext uri="{0D108BD9-81ED-4DB2-BD59-A6C34878D82A}">
+                    <a16:rowId xmlns:a16="http://schemas.microsoft.com/office/drawing/2014/main" val="10001"/>
+                  </a:ext>
+                </a:extLst>
               </a:tr>
               <a:tr h="1032919">
                 <a:tc>
                   <a:txBody>
-                    <a:bodyPr anchor="t" rtlCol="false"/>
+                    <a:bodyPr/>
                     <a:lstStyle/>
                     <a:p>
                       <a:pPr algn="l">
@@ -10435,7 +10765,7 @@
                         <a:defRPr/>
                       </a:pPr>
                       <a:r>
-                        <a:rPr lang="en-US" sz="1499" b="true">
+                        <a:rPr lang="en-US" sz="1499" b="1">
                           <a:solidFill>
                             <a:srgbClr val="000000"/>
                           </a:solidFill>
@@ -10450,7 +10780,7 @@
                     </a:p>
                   </a:txBody>
                   <a:tcPr marL="142875" marR="142875" marT="142875" marB="142875" anchor="ctr">
-                    <a:lnL cmpd="sng" algn="ctr" cap="flat" w="19050">
+                    <a:lnL w="19050" cap="flat" cmpd="sng" algn="ctr">
                       <a:solidFill>
                         <a:srgbClr val="000000"/>
                       </a:solidFill>
@@ -10459,7 +10789,7 @@
                       <a:headEnd type="none" w="med" len="med"/>
                       <a:tailEnd type="none" w="med" len="med"/>
                     </a:lnL>
-                    <a:lnR cmpd="sng" algn="ctr" cap="flat" w="19050">
+                    <a:lnR w="19050" cap="flat" cmpd="sng" algn="ctr">
                       <a:solidFill>
                         <a:srgbClr val="000000"/>
                       </a:solidFill>
@@ -10468,7 +10798,7 @@
                       <a:headEnd type="none" w="med" len="med"/>
                       <a:tailEnd type="none" w="med" len="med"/>
                     </a:lnR>
-                    <a:lnT cmpd="sng" algn="ctr" cap="flat" w="19050">
+                    <a:lnT w="19050" cap="flat" cmpd="sng" algn="ctr">
                       <a:solidFill>
                         <a:srgbClr val="000000"/>
                       </a:solidFill>
@@ -10477,7 +10807,7 @@
                       <a:headEnd type="none" w="med" len="med"/>
                       <a:tailEnd type="none" w="med" len="med"/>
                     </a:lnT>
-                    <a:lnB cmpd="sng" algn="ctr" cap="flat" w="19050">
+                    <a:lnB w="19050" cap="flat" cmpd="sng" algn="ctr">
                       <a:solidFill>
                         <a:srgbClr val="000000"/>
                       </a:solidFill>
@@ -10490,7 +10820,7 @@
                 </a:tc>
                 <a:tc>
                   <a:txBody>
-                    <a:bodyPr anchor="t" rtlCol="false"/>
+                    <a:bodyPr/>
                     <a:lstStyle/>
                     <a:p>
                       <a:pPr algn="l">
@@ -10515,7 +10845,7 @@
                     </a:p>
                   </a:txBody>
                   <a:tcPr marL="142875" marR="142875" marT="142875" marB="142875" anchor="ctr">
-                    <a:lnL cmpd="sng" algn="ctr" cap="flat" w="19050">
+                    <a:lnL w="19050" cap="flat" cmpd="sng" algn="ctr">
                       <a:solidFill>
                         <a:srgbClr val="000000"/>
                       </a:solidFill>
@@ -10524,7 +10854,7 @@
                       <a:headEnd type="none" w="med" len="med"/>
                       <a:tailEnd type="none" w="med" len="med"/>
                     </a:lnL>
-                    <a:lnR cmpd="sng" algn="ctr" cap="flat" w="19050">
+                    <a:lnR w="19050" cap="flat" cmpd="sng" algn="ctr">
                       <a:solidFill>
                         <a:srgbClr val="000000"/>
                       </a:solidFill>
@@ -10533,7 +10863,7 @@
                       <a:headEnd type="none" w="med" len="med"/>
                       <a:tailEnd type="none" w="med" len="med"/>
                     </a:lnR>
-                    <a:lnT cmpd="sng" algn="ctr" cap="flat" w="19050">
+                    <a:lnT w="19050" cap="flat" cmpd="sng" algn="ctr">
                       <a:solidFill>
                         <a:srgbClr val="000000"/>
                       </a:solidFill>
@@ -10542,7 +10872,7 @@
                       <a:headEnd type="none" w="med" len="med"/>
                       <a:tailEnd type="none" w="med" len="med"/>
                     </a:lnT>
-                    <a:lnB cmpd="sng" algn="ctr" cap="flat" w="19050">
+                    <a:lnB w="19050" cap="flat" cmpd="sng" algn="ctr">
                       <a:solidFill>
                         <a:srgbClr val="000000"/>
                       </a:solidFill>
@@ -10555,7 +10885,7 @@
                 </a:tc>
                 <a:tc>
                   <a:txBody>
-                    <a:bodyPr anchor="t" rtlCol="false"/>
+                    <a:bodyPr/>
                     <a:lstStyle/>
                     <a:p>
                       <a:pPr algn="l">
@@ -10580,7 +10910,7 @@
                     </a:p>
                   </a:txBody>
                   <a:tcPr marL="142875" marR="142875" marT="142875" marB="142875" anchor="ctr">
-                    <a:lnL cmpd="sng" algn="ctr" cap="flat" w="19050">
+                    <a:lnL w="19050" cap="flat" cmpd="sng" algn="ctr">
                       <a:solidFill>
                         <a:srgbClr val="000000"/>
                       </a:solidFill>
@@ -10589,7 +10919,7 @@
                       <a:headEnd type="none" w="med" len="med"/>
                       <a:tailEnd type="none" w="med" len="med"/>
                     </a:lnL>
-                    <a:lnR cmpd="sng" algn="ctr" cap="flat" w="19050">
+                    <a:lnR w="19050" cap="flat" cmpd="sng" algn="ctr">
                       <a:solidFill>
                         <a:srgbClr val="000000"/>
                       </a:solidFill>
@@ -10598,7 +10928,7 @@
                       <a:headEnd type="none" w="med" len="med"/>
                       <a:tailEnd type="none" w="med" len="med"/>
                     </a:lnR>
-                    <a:lnT cmpd="sng" algn="ctr" cap="flat" w="19050">
+                    <a:lnT w="19050" cap="flat" cmpd="sng" algn="ctr">
                       <a:solidFill>
                         <a:srgbClr val="000000"/>
                       </a:solidFill>
@@ -10607,7 +10937,7 @@
                       <a:headEnd type="none" w="med" len="med"/>
                       <a:tailEnd type="none" w="med" len="med"/>
                     </a:lnT>
-                    <a:lnB cmpd="sng" algn="ctr" cap="flat" w="19050">
+                    <a:lnB w="19050" cap="flat" cmpd="sng" algn="ctr">
                       <a:solidFill>
                         <a:srgbClr val="000000"/>
                       </a:solidFill>
@@ -10618,11 +10948,16 @@
                     </a:lnB>
                   </a:tcPr>
                 </a:tc>
+                <a:extLst>
+                  <a:ext uri="{0D108BD9-81ED-4DB2-BD59-A6C34878D82A}">
+                    <a16:rowId xmlns:a16="http://schemas.microsoft.com/office/drawing/2014/main" val="10002"/>
+                  </a:ext>
+                </a:extLst>
               </a:tr>
               <a:tr h="1117234">
                 <a:tc>
                   <a:txBody>
-                    <a:bodyPr anchor="t" rtlCol="false"/>
+                    <a:bodyPr/>
                     <a:lstStyle/>
                     <a:p>
                       <a:pPr algn="l">
@@ -10632,7 +10967,7 @@
                         <a:defRPr/>
                       </a:pPr>
                       <a:r>
-                        <a:rPr lang="en-US" sz="1499" b="true">
+                        <a:rPr lang="en-US" sz="1499" b="1">
                           <a:solidFill>
                             <a:srgbClr val="000000"/>
                           </a:solidFill>
@@ -10647,7 +10982,7 @@
                     </a:p>
                   </a:txBody>
                   <a:tcPr marL="142875" marR="142875" marT="142875" marB="142875" anchor="ctr">
-                    <a:lnL cmpd="sng" algn="ctr" cap="flat" w="19050">
+                    <a:lnL w="19050" cap="flat" cmpd="sng" algn="ctr">
                       <a:solidFill>
                         <a:srgbClr val="000000"/>
                       </a:solidFill>
@@ -10656,7 +10991,7 @@
                       <a:headEnd type="none" w="med" len="med"/>
                       <a:tailEnd type="none" w="med" len="med"/>
                     </a:lnL>
-                    <a:lnR cmpd="sng" algn="ctr" cap="flat" w="19050">
+                    <a:lnR w="19050" cap="flat" cmpd="sng" algn="ctr">
                       <a:solidFill>
                         <a:srgbClr val="000000"/>
                       </a:solidFill>
@@ -10665,7 +11000,7 @@
                       <a:headEnd type="none" w="med" len="med"/>
                       <a:tailEnd type="none" w="med" len="med"/>
                     </a:lnR>
-                    <a:lnT cmpd="sng" algn="ctr" cap="flat" w="19050">
+                    <a:lnT w="19050" cap="flat" cmpd="sng" algn="ctr">
                       <a:solidFill>
                         <a:srgbClr val="000000"/>
                       </a:solidFill>
@@ -10674,7 +11009,7 @@
                       <a:headEnd type="none" w="med" len="med"/>
                       <a:tailEnd type="none" w="med" len="med"/>
                     </a:lnT>
-                    <a:lnB cmpd="sng" algn="ctr" cap="flat" w="19050">
+                    <a:lnB w="19050" cap="flat" cmpd="sng" algn="ctr">
                       <a:solidFill>
                         <a:srgbClr val="000000"/>
                       </a:solidFill>
@@ -10687,7 +11022,7 @@
                 </a:tc>
                 <a:tc>
                   <a:txBody>
-                    <a:bodyPr anchor="t" rtlCol="false"/>
+                    <a:bodyPr/>
                     <a:lstStyle/>
                     <a:p>
                       <a:pPr algn="l">
@@ -10712,7 +11047,7 @@
                     </a:p>
                   </a:txBody>
                   <a:tcPr marL="142875" marR="142875" marT="142875" marB="142875" anchor="ctr">
-                    <a:lnL cmpd="sng" algn="ctr" cap="flat" w="19050">
+                    <a:lnL w="19050" cap="flat" cmpd="sng" algn="ctr">
                       <a:solidFill>
                         <a:srgbClr val="000000"/>
                       </a:solidFill>
@@ -10721,7 +11056,7 @@
                       <a:headEnd type="none" w="med" len="med"/>
                       <a:tailEnd type="none" w="med" len="med"/>
                     </a:lnL>
-                    <a:lnR cmpd="sng" algn="ctr" cap="flat" w="19050">
+                    <a:lnR w="19050" cap="flat" cmpd="sng" algn="ctr">
                       <a:solidFill>
                         <a:srgbClr val="000000"/>
                       </a:solidFill>
@@ -10730,7 +11065,7 @@
                       <a:headEnd type="none" w="med" len="med"/>
                       <a:tailEnd type="none" w="med" len="med"/>
                     </a:lnR>
-                    <a:lnT cmpd="sng" algn="ctr" cap="flat" w="19050">
+                    <a:lnT w="19050" cap="flat" cmpd="sng" algn="ctr">
                       <a:solidFill>
                         <a:srgbClr val="000000"/>
                       </a:solidFill>
@@ -10739,7 +11074,7 @@
                       <a:headEnd type="none" w="med" len="med"/>
                       <a:tailEnd type="none" w="med" len="med"/>
                     </a:lnT>
-                    <a:lnB cmpd="sng" algn="ctr" cap="flat" w="19050">
+                    <a:lnB w="19050" cap="flat" cmpd="sng" algn="ctr">
                       <a:solidFill>
                         <a:srgbClr val="000000"/>
                       </a:solidFill>
@@ -10752,7 +11087,7 @@
                 </a:tc>
                 <a:tc>
                   <a:txBody>
-                    <a:bodyPr anchor="t" rtlCol="false"/>
+                    <a:bodyPr/>
                     <a:lstStyle/>
                     <a:p>
                       <a:pPr algn="l">
@@ -10777,7 +11112,7 @@
                     </a:p>
                   </a:txBody>
                   <a:tcPr marL="142875" marR="142875" marT="142875" marB="142875" anchor="ctr">
-                    <a:lnL cmpd="sng" algn="ctr" cap="flat" w="19050">
+                    <a:lnL w="19050" cap="flat" cmpd="sng" algn="ctr">
                       <a:solidFill>
                         <a:srgbClr val="000000"/>
                       </a:solidFill>
@@ -10786,7 +11121,7 @@
                       <a:headEnd type="none" w="med" len="med"/>
                       <a:tailEnd type="none" w="med" len="med"/>
                     </a:lnL>
-                    <a:lnR cmpd="sng" algn="ctr" cap="flat" w="19050">
+                    <a:lnR w="19050" cap="flat" cmpd="sng" algn="ctr">
                       <a:solidFill>
                         <a:srgbClr val="000000"/>
                       </a:solidFill>
@@ -10795,7 +11130,7 @@
                       <a:headEnd type="none" w="med" len="med"/>
                       <a:tailEnd type="none" w="med" len="med"/>
                     </a:lnR>
-                    <a:lnT cmpd="sng" algn="ctr" cap="flat" w="19050">
+                    <a:lnT w="19050" cap="flat" cmpd="sng" algn="ctr">
                       <a:solidFill>
                         <a:srgbClr val="000000"/>
                       </a:solidFill>
@@ -10804,7 +11139,7 @@
                       <a:headEnd type="none" w="med" len="med"/>
                       <a:tailEnd type="none" w="med" len="med"/>
                     </a:lnT>
-                    <a:lnB cmpd="sng" algn="ctr" cap="flat" w="19050">
+                    <a:lnB w="19050" cap="flat" cmpd="sng" algn="ctr">
                       <a:solidFill>
                         <a:srgbClr val="000000"/>
                       </a:solidFill>
@@ -10815,11 +11150,16 @@
                     </a:lnB>
                   </a:tcPr>
                 </a:tc>
+                <a:extLst>
+                  <a:ext uri="{0D108BD9-81ED-4DB2-BD59-A6C34878D82A}">
+                    <a16:rowId xmlns:a16="http://schemas.microsoft.com/office/drawing/2014/main" val="10003"/>
+                  </a:ext>
+                </a:extLst>
               </a:tr>
               <a:tr h="761098">
                 <a:tc>
                   <a:txBody>
-                    <a:bodyPr anchor="t" rtlCol="false"/>
+                    <a:bodyPr/>
                     <a:lstStyle/>
                     <a:p>
                       <a:pPr algn="l">
@@ -10829,7 +11169,7 @@
                         <a:defRPr/>
                       </a:pPr>
                       <a:r>
-                        <a:rPr lang="en-US" sz="1499" b="true">
+                        <a:rPr lang="en-US" sz="1499" b="1">
                           <a:solidFill>
                             <a:srgbClr val="000000"/>
                           </a:solidFill>
@@ -10844,7 +11184,7 @@
                     </a:p>
                   </a:txBody>
                   <a:tcPr marL="142875" marR="142875" marT="142875" marB="142875" anchor="ctr">
-                    <a:lnL cmpd="sng" algn="ctr" cap="flat" w="19050">
+                    <a:lnL w="19050" cap="flat" cmpd="sng" algn="ctr">
                       <a:solidFill>
                         <a:srgbClr val="000000"/>
                       </a:solidFill>
@@ -10853,7 +11193,7 @@
                       <a:headEnd type="none" w="med" len="med"/>
                       <a:tailEnd type="none" w="med" len="med"/>
                     </a:lnL>
-                    <a:lnR cmpd="sng" algn="ctr" cap="flat" w="19050">
+                    <a:lnR w="19050" cap="flat" cmpd="sng" algn="ctr">
                       <a:solidFill>
                         <a:srgbClr val="000000"/>
                       </a:solidFill>
@@ -10862,7 +11202,7 @@
                       <a:headEnd type="none" w="med" len="med"/>
                       <a:tailEnd type="none" w="med" len="med"/>
                     </a:lnR>
-                    <a:lnT cmpd="sng" algn="ctr" cap="flat" w="19050">
+                    <a:lnT w="19050" cap="flat" cmpd="sng" algn="ctr">
                       <a:solidFill>
                         <a:srgbClr val="000000"/>
                       </a:solidFill>
@@ -10871,7 +11211,7 @@
                       <a:headEnd type="none" w="med" len="med"/>
                       <a:tailEnd type="none" w="med" len="med"/>
                     </a:lnT>
-                    <a:lnB cmpd="sng" algn="ctr" cap="flat" w="19050">
+                    <a:lnB w="19050" cap="flat" cmpd="sng" algn="ctr">
                       <a:solidFill>
                         <a:srgbClr val="000000"/>
                       </a:solidFill>
@@ -10884,7 +11224,7 @@
                 </a:tc>
                 <a:tc>
                   <a:txBody>
-                    <a:bodyPr anchor="t" rtlCol="false"/>
+                    <a:bodyPr/>
                     <a:lstStyle/>
                     <a:p>
                       <a:pPr algn="l">
@@ -10909,7 +11249,7 @@
                     </a:p>
                   </a:txBody>
                   <a:tcPr marL="142875" marR="142875" marT="142875" marB="142875" anchor="ctr">
-                    <a:lnL cmpd="sng" algn="ctr" cap="flat" w="19050">
+                    <a:lnL w="19050" cap="flat" cmpd="sng" algn="ctr">
                       <a:solidFill>
                         <a:srgbClr val="000000"/>
                       </a:solidFill>
@@ -10918,7 +11258,7 @@
                       <a:headEnd type="none" w="med" len="med"/>
                       <a:tailEnd type="none" w="med" len="med"/>
                     </a:lnL>
-                    <a:lnR cmpd="sng" algn="ctr" cap="flat" w="19050">
+                    <a:lnR w="19050" cap="flat" cmpd="sng" algn="ctr">
                       <a:solidFill>
                         <a:srgbClr val="000000"/>
                       </a:solidFill>
@@ -10927,7 +11267,7 @@
                       <a:headEnd type="none" w="med" len="med"/>
                       <a:tailEnd type="none" w="med" len="med"/>
                     </a:lnR>
-                    <a:lnT cmpd="sng" algn="ctr" cap="flat" w="19050">
+                    <a:lnT w="19050" cap="flat" cmpd="sng" algn="ctr">
                       <a:solidFill>
                         <a:srgbClr val="000000"/>
                       </a:solidFill>
@@ -10936,7 +11276,7 @@
                       <a:headEnd type="none" w="med" len="med"/>
                       <a:tailEnd type="none" w="med" len="med"/>
                     </a:lnT>
-                    <a:lnB cmpd="sng" algn="ctr" cap="flat" w="19050">
+                    <a:lnB w="19050" cap="flat" cmpd="sng" algn="ctr">
                       <a:solidFill>
                         <a:srgbClr val="000000"/>
                       </a:solidFill>
@@ -10949,7 +11289,7 @@
                 </a:tc>
                 <a:tc>
                   <a:txBody>
-                    <a:bodyPr anchor="t" rtlCol="false"/>
+                    <a:bodyPr/>
                     <a:lstStyle/>
                     <a:p>
                       <a:pPr algn="l">
@@ -10974,7 +11314,7 @@
                     </a:p>
                   </a:txBody>
                   <a:tcPr marL="142875" marR="142875" marT="142875" marB="142875" anchor="ctr">
-                    <a:lnL cmpd="sng" algn="ctr" cap="flat" w="19050">
+                    <a:lnL w="19050" cap="flat" cmpd="sng" algn="ctr">
                       <a:solidFill>
                         <a:srgbClr val="000000"/>
                       </a:solidFill>
@@ -10983,7 +11323,7 @@
                       <a:headEnd type="none" w="med" len="med"/>
                       <a:tailEnd type="none" w="med" len="med"/>
                     </a:lnL>
-                    <a:lnR cmpd="sng" algn="ctr" cap="flat" w="19050">
+                    <a:lnR w="19050" cap="flat" cmpd="sng" algn="ctr">
                       <a:solidFill>
                         <a:srgbClr val="000000"/>
                       </a:solidFill>
@@ -10992,7 +11332,7 @@
                       <a:headEnd type="none" w="med" len="med"/>
                       <a:tailEnd type="none" w="med" len="med"/>
                     </a:lnR>
-                    <a:lnT cmpd="sng" algn="ctr" cap="flat" w="19050">
+                    <a:lnT w="19050" cap="flat" cmpd="sng" algn="ctr">
                       <a:solidFill>
                         <a:srgbClr val="000000"/>
                       </a:solidFill>
@@ -11001,7 +11341,7 @@
                       <a:headEnd type="none" w="med" len="med"/>
                       <a:tailEnd type="none" w="med" len="med"/>
                     </a:lnT>
-                    <a:lnB cmpd="sng" algn="ctr" cap="flat" w="19050">
+                    <a:lnB w="19050" cap="flat" cmpd="sng" algn="ctr">
                       <a:solidFill>
                         <a:srgbClr val="000000"/>
                       </a:solidFill>
@@ -11012,11 +11352,16 @@
                     </a:lnB>
                   </a:tcPr>
                 </a:tc>
+                <a:extLst>
+                  <a:ext uri="{0D108BD9-81ED-4DB2-BD59-A6C34878D82A}">
+                    <a16:rowId xmlns:a16="http://schemas.microsoft.com/office/drawing/2014/main" val="10004"/>
+                  </a:ext>
+                </a:extLst>
               </a:tr>
               <a:tr h="859411">
                 <a:tc>
                   <a:txBody>
-                    <a:bodyPr anchor="t" rtlCol="false"/>
+                    <a:bodyPr/>
                     <a:lstStyle/>
                     <a:p>
                       <a:pPr algn="l">
@@ -11026,7 +11371,7 @@
                         <a:defRPr/>
                       </a:pPr>
                       <a:r>
-                        <a:rPr lang="en-US" sz="1499" b="true">
+                        <a:rPr lang="en-US" sz="1499" b="1">
                           <a:solidFill>
                             <a:srgbClr val="000000"/>
                           </a:solidFill>
@@ -11041,7 +11386,7 @@
                     </a:p>
                   </a:txBody>
                   <a:tcPr marL="142875" marR="142875" marT="142875" marB="142875" anchor="ctr">
-                    <a:lnL cmpd="sng" algn="ctr" cap="flat" w="19050">
+                    <a:lnL w="19050" cap="flat" cmpd="sng" algn="ctr">
                       <a:solidFill>
                         <a:srgbClr val="000000"/>
                       </a:solidFill>
@@ -11050,7 +11395,7 @@
                       <a:headEnd type="none" w="med" len="med"/>
                       <a:tailEnd type="none" w="med" len="med"/>
                     </a:lnL>
-                    <a:lnR cmpd="sng" algn="ctr" cap="flat" w="19050">
+                    <a:lnR w="19050" cap="flat" cmpd="sng" algn="ctr">
                       <a:solidFill>
                         <a:srgbClr val="000000"/>
                       </a:solidFill>
@@ -11059,7 +11404,7 @@
                       <a:headEnd type="none" w="med" len="med"/>
                       <a:tailEnd type="none" w="med" len="med"/>
                     </a:lnR>
-                    <a:lnT cmpd="sng" algn="ctr" cap="flat" w="19050">
+                    <a:lnT w="19050" cap="flat" cmpd="sng" algn="ctr">
                       <a:solidFill>
                         <a:srgbClr val="000000"/>
                       </a:solidFill>
@@ -11068,7 +11413,7 @@
                       <a:headEnd type="none" w="med" len="med"/>
                       <a:tailEnd type="none" w="med" len="med"/>
                     </a:lnT>
-                    <a:lnB cmpd="sng" algn="ctr" cap="flat" w="19050">
+                    <a:lnB w="19050" cap="flat" cmpd="sng" algn="ctr">
                       <a:solidFill>
                         <a:srgbClr val="000000"/>
                       </a:solidFill>
@@ -11081,7 +11426,7 @@
                 </a:tc>
                 <a:tc>
                   <a:txBody>
-                    <a:bodyPr anchor="t" rtlCol="false"/>
+                    <a:bodyPr/>
                     <a:lstStyle/>
                     <a:p>
                       <a:pPr algn="l">
@@ -11106,7 +11451,7 @@
                     </a:p>
                   </a:txBody>
                   <a:tcPr marL="142875" marR="142875" marT="142875" marB="142875" anchor="ctr">
-                    <a:lnL cmpd="sng" algn="ctr" cap="flat" w="19050">
+                    <a:lnL w="19050" cap="flat" cmpd="sng" algn="ctr">
                       <a:solidFill>
                         <a:srgbClr val="000000"/>
                       </a:solidFill>
@@ -11115,7 +11460,7 @@
                       <a:headEnd type="none" w="med" len="med"/>
                       <a:tailEnd type="none" w="med" len="med"/>
                     </a:lnL>
-                    <a:lnR cmpd="sng" algn="ctr" cap="flat" w="19050">
+                    <a:lnR w="19050" cap="flat" cmpd="sng" algn="ctr">
                       <a:solidFill>
                         <a:srgbClr val="000000"/>
                       </a:solidFill>
@@ -11124,7 +11469,7 @@
                       <a:headEnd type="none" w="med" len="med"/>
                       <a:tailEnd type="none" w="med" len="med"/>
                     </a:lnR>
-                    <a:lnT cmpd="sng" algn="ctr" cap="flat" w="19050">
+                    <a:lnT w="19050" cap="flat" cmpd="sng" algn="ctr">
                       <a:solidFill>
                         <a:srgbClr val="000000"/>
                       </a:solidFill>
@@ -11133,7 +11478,7 @@
                       <a:headEnd type="none" w="med" len="med"/>
                       <a:tailEnd type="none" w="med" len="med"/>
                     </a:lnT>
-                    <a:lnB cmpd="sng" algn="ctr" cap="flat" w="19050">
+                    <a:lnB w="19050" cap="flat" cmpd="sng" algn="ctr">
                       <a:solidFill>
                         <a:srgbClr val="000000"/>
                       </a:solidFill>
@@ -11146,7 +11491,7 @@
                 </a:tc>
                 <a:tc>
                   <a:txBody>
-                    <a:bodyPr anchor="t" rtlCol="false"/>
+                    <a:bodyPr/>
                     <a:lstStyle/>
                     <a:p>
                       <a:pPr algn="l">
@@ -11171,7 +11516,7 @@
                     </a:p>
                   </a:txBody>
                   <a:tcPr marL="142875" marR="142875" marT="142875" marB="142875" anchor="ctr">
-                    <a:lnL cmpd="sng" algn="ctr" cap="flat" w="19050">
+                    <a:lnL w="19050" cap="flat" cmpd="sng" algn="ctr">
                       <a:solidFill>
                         <a:srgbClr val="000000"/>
                       </a:solidFill>
@@ -11180,7 +11525,7 @@
                       <a:headEnd type="none" w="med" len="med"/>
                       <a:tailEnd type="none" w="med" len="med"/>
                     </a:lnL>
-                    <a:lnR cmpd="sng" algn="ctr" cap="flat" w="19050">
+                    <a:lnR w="19050" cap="flat" cmpd="sng" algn="ctr">
                       <a:solidFill>
                         <a:srgbClr val="000000"/>
                       </a:solidFill>
@@ -11189,7 +11534,7 @@
                       <a:headEnd type="none" w="med" len="med"/>
                       <a:tailEnd type="none" w="med" len="med"/>
                     </a:lnR>
-                    <a:lnT cmpd="sng" algn="ctr" cap="flat" w="19050">
+                    <a:lnT w="19050" cap="flat" cmpd="sng" algn="ctr">
                       <a:solidFill>
                         <a:srgbClr val="000000"/>
                       </a:solidFill>
@@ -11198,7 +11543,7 @@
                       <a:headEnd type="none" w="med" len="med"/>
                       <a:tailEnd type="none" w="med" len="med"/>
                     </a:lnT>
-                    <a:lnB cmpd="sng" algn="ctr" cap="flat" w="19050">
+                    <a:lnB w="19050" cap="flat" cmpd="sng" algn="ctr">
                       <a:solidFill>
                         <a:srgbClr val="000000"/>
                       </a:solidFill>
@@ -11209,11 +11554,16 @@
                     </a:lnB>
                   </a:tcPr>
                 </a:tc>
+                <a:extLst>
+                  <a:ext uri="{0D108BD9-81ED-4DB2-BD59-A6C34878D82A}">
+                    <a16:rowId xmlns:a16="http://schemas.microsoft.com/office/drawing/2014/main" val="10005"/>
+                  </a:ext>
+                </a:extLst>
               </a:tr>
               <a:tr h="761098">
                 <a:tc>
                   <a:txBody>
-                    <a:bodyPr anchor="t" rtlCol="false"/>
+                    <a:bodyPr/>
                     <a:lstStyle/>
                     <a:p>
                       <a:pPr algn="l">
@@ -11223,7 +11573,7 @@
                         <a:defRPr/>
                       </a:pPr>
                       <a:r>
-                        <a:rPr lang="en-US" sz="1499" b="true">
+                        <a:rPr lang="en-US" sz="1499" b="1">
                           <a:solidFill>
                             <a:srgbClr val="000000"/>
                           </a:solidFill>
@@ -11238,7 +11588,7 @@
                     </a:p>
                   </a:txBody>
                   <a:tcPr marL="142875" marR="142875" marT="142875" marB="142875" anchor="ctr">
-                    <a:lnL cmpd="sng" algn="ctr" cap="flat" w="19050">
+                    <a:lnL w="19050" cap="flat" cmpd="sng" algn="ctr">
                       <a:solidFill>
                         <a:srgbClr val="000000"/>
                       </a:solidFill>
@@ -11247,7 +11597,7 @@
                       <a:headEnd type="none" w="med" len="med"/>
                       <a:tailEnd type="none" w="med" len="med"/>
                     </a:lnL>
-                    <a:lnR cmpd="sng" algn="ctr" cap="flat" w="19050">
+                    <a:lnR w="19050" cap="flat" cmpd="sng" algn="ctr">
                       <a:solidFill>
                         <a:srgbClr val="000000"/>
                       </a:solidFill>
@@ -11256,7 +11606,7 @@
                       <a:headEnd type="none" w="med" len="med"/>
                       <a:tailEnd type="none" w="med" len="med"/>
                     </a:lnR>
-                    <a:lnT cmpd="sng" algn="ctr" cap="flat" w="19050">
+                    <a:lnT w="19050" cap="flat" cmpd="sng" algn="ctr">
                       <a:solidFill>
                         <a:srgbClr val="000000"/>
                       </a:solidFill>
@@ -11265,7 +11615,7 @@
                       <a:headEnd type="none" w="med" len="med"/>
                       <a:tailEnd type="none" w="med" len="med"/>
                     </a:lnT>
-                    <a:lnB cmpd="sng" algn="ctr" cap="flat" w="19050">
+                    <a:lnB w="19050" cap="flat" cmpd="sng" algn="ctr">
                       <a:solidFill>
                         <a:srgbClr val="000000"/>
                       </a:solidFill>
@@ -11278,7 +11628,7 @@
                 </a:tc>
                 <a:tc>
                   <a:txBody>
-                    <a:bodyPr anchor="t" rtlCol="false"/>
+                    <a:bodyPr/>
                     <a:lstStyle/>
                     <a:p>
                       <a:pPr algn="l">
@@ -11303,7 +11653,7 @@
                     </a:p>
                   </a:txBody>
                   <a:tcPr marL="142875" marR="142875" marT="142875" marB="142875" anchor="ctr">
-                    <a:lnL cmpd="sng" algn="ctr" cap="flat" w="19050">
+                    <a:lnL w="19050" cap="flat" cmpd="sng" algn="ctr">
                       <a:solidFill>
                         <a:srgbClr val="000000"/>
                       </a:solidFill>
@@ -11312,7 +11662,7 @@
                       <a:headEnd type="none" w="med" len="med"/>
                       <a:tailEnd type="none" w="med" len="med"/>
                     </a:lnL>
-                    <a:lnR cmpd="sng" algn="ctr" cap="flat" w="19050">
+                    <a:lnR w="19050" cap="flat" cmpd="sng" algn="ctr">
                       <a:solidFill>
                         <a:srgbClr val="000000"/>
                       </a:solidFill>
@@ -11321,7 +11671,7 @@
                       <a:headEnd type="none" w="med" len="med"/>
                       <a:tailEnd type="none" w="med" len="med"/>
                     </a:lnR>
-                    <a:lnT cmpd="sng" algn="ctr" cap="flat" w="19050">
+                    <a:lnT w="19050" cap="flat" cmpd="sng" algn="ctr">
                       <a:solidFill>
                         <a:srgbClr val="000000"/>
                       </a:solidFill>
@@ -11330,7 +11680,7 @@
                       <a:headEnd type="none" w="med" len="med"/>
                       <a:tailEnd type="none" w="med" len="med"/>
                     </a:lnT>
-                    <a:lnB cmpd="sng" algn="ctr" cap="flat" w="19050">
+                    <a:lnB w="19050" cap="flat" cmpd="sng" algn="ctr">
                       <a:solidFill>
                         <a:srgbClr val="000000"/>
                       </a:solidFill>
@@ -11343,7 +11693,7 @@
                 </a:tc>
                 <a:tc>
                   <a:txBody>
-                    <a:bodyPr anchor="t" rtlCol="false"/>
+                    <a:bodyPr/>
                     <a:lstStyle/>
                     <a:p>
                       <a:pPr algn="l">
@@ -11368,7 +11718,7 @@
                     </a:p>
                   </a:txBody>
                   <a:tcPr marL="142875" marR="142875" marT="142875" marB="142875" anchor="ctr">
-                    <a:lnL cmpd="sng" algn="ctr" cap="flat" w="19050">
+                    <a:lnL w="19050" cap="flat" cmpd="sng" algn="ctr">
                       <a:solidFill>
                         <a:srgbClr val="000000"/>
                       </a:solidFill>
@@ -11377,7 +11727,7 @@
                       <a:headEnd type="none" w="med" len="med"/>
                       <a:tailEnd type="none" w="med" len="med"/>
                     </a:lnL>
-                    <a:lnR cmpd="sng" algn="ctr" cap="flat" w="19050">
+                    <a:lnR w="19050" cap="flat" cmpd="sng" algn="ctr">
                       <a:solidFill>
                         <a:srgbClr val="000000"/>
                       </a:solidFill>
@@ -11386,7 +11736,7 @@
                       <a:headEnd type="none" w="med" len="med"/>
                       <a:tailEnd type="none" w="med" len="med"/>
                     </a:lnR>
-                    <a:lnT cmpd="sng" algn="ctr" cap="flat" w="19050">
+                    <a:lnT w="19050" cap="flat" cmpd="sng" algn="ctr">
                       <a:solidFill>
                         <a:srgbClr val="000000"/>
                       </a:solidFill>
@@ -11395,7 +11745,7 @@
                       <a:headEnd type="none" w="med" len="med"/>
                       <a:tailEnd type="none" w="med" len="med"/>
                     </a:lnT>
-                    <a:lnB cmpd="sng" algn="ctr" cap="flat" w="19050">
+                    <a:lnB w="19050" cap="flat" cmpd="sng" algn="ctr">
                       <a:solidFill>
                         <a:srgbClr val="000000"/>
                       </a:solidFill>
@@ -11406,11 +11756,16 @@
                     </a:lnB>
                   </a:tcPr>
                 </a:tc>
+                <a:extLst>
+                  <a:ext uri="{0D108BD9-81ED-4DB2-BD59-A6C34878D82A}">
+                    <a16:rowId xmlns:a16="http://schemas.microsoft.com/office/drawing/2014/main" val="10006"/>
+                  </a:ext>
+                </a:extLst>
               </a:tr>
               <a:tr h="761098">
                 <a:tc>
                   <a:txBody>
-                    <a:bodyPr anchor="t" rtlCol="false"/>
+                    <a:bodyPr/>
                     <a:lstStyle/>
                     <a:p>
                       <a:pPr algn="l">
@@ -11420,7 +11775,7 @@
                         <a:defRPr/>
                       </a:pPr>
                       <a:r>
-                        <a:rPr lang="en-US" sz="1499" b="true">
+                        <a:rPr lang="en-US" sz="1499" b="1">
                           <a:solidFill>
                             <a:srgbClr val="000000"/>
                           </a:solidFill>
@@ -11435,7 +11790,7 @@
                     </a:p>
                   </a:txBody>
                   <a:tcPr marL="142875" marR="142875" marT="142875" marB="142875" anchor="ctr">
-                    <a:lnL cmpd="sng" algn="ctr" cap="flat" w="19050">
+                    <a:lnL w="19050" cap="flat" cmpd="sng" algn="ctr">
                       <a:solidFill>
                         <a:srgbClr val="000000"/>
                       </a:solidFill>
@@ -11444,7 +11799,7 @@
                       <a:headEnd type="none" w="med" len="med"/>
                       <a:tailEnd type="none" w="med" len="med"/>
                     </a:lnL>
-                    <a:lnR cmpd="sng" algn="ctr" cap="flat" w="19050">
+                    <a:lnR w="19050" cap="flat" cmpd="sng" algn="ctr">
                       <a:solidFill>
                         <a:srgbClr val="000000"/>
                       </a:solidFill>
@@ -11453,7 +11808,7 @@
                       <a:headEnd type="none" w="med" len="med"/>
                       <a:tailEnd type="none" w="med" len="med"/>
                     </a:lnR>
-                    <a:lnT cmpd="sng" algn="ctr" cap="flat" w="19050">
+                    <a:lnT w="19050" cap="flat" cmpd="sng" algn="ctr">
                       <a:solidFill>
                         <a:srgbClr val="000000"/>
                       </a:solidFill>
@@ -11462,7 +11817,7 @@
                       <a:headEnd type="none" w="med" len="med"/>
                       <a:tailEnd type="none" w="med" len="med"/>
                     </a:lnT>
-                    <a:lnB cmpd="sng" algn="ctr" cap="flat" w="19050">
+                    <a:lnB w="19050" cap="flat" cmpd="sng" algn="ctr">
                       <a:solidFill>
                         <a:srgbClr val="000000"/>
                       </a:solidFill>
@@ -11475,7 +11830,7 @@
                 </a:tc>
                 <a:tc>
                   <a:txBody>
-                    <a:bodyPr anchor="t" rtlCol="false"/>
+                    <a:bodyPr/>
                     <a:lstStyle/>
                     <a:p>
                       <a:pPr algn="l">
@@ -11500,7 +11855,7 @@
                     </a:p>
                   </a:txBody>
                   <a:tcPr marL="142875" marR="142875" marT="142875" marB="142875" anchor="ctr">
-                    <a:lnL cmpd="sng" algn="ctr" cap="flat" w="19050">
+                    <a:lnL w="19050" cap="flat" cmpd="sng" algn="ctr">
                       <a:solidFill>
                         <a:srgbClr val="000000"/>
                       </a:solidFill>
@@ -11509,7 +11864,7 @@
                       <a:headEnd type="none" w="med" len="med"/>
                       <a:tailEnd type="none" w="med" len="med"/>
                     </a:lnL>
-                    <a:lnR cmpd="sng" algn="ctr" cap="flat" w="19050">
+                    <a:lnR w="19050" cap="flat" cmpd="sng" algn="ctr">
                       <a:solidFill>
                         <a:srgbClr val="000000"/>
                       </a:solidFill>
@@ -11518,7 +11873,7 @@
                       <a:headEnd type="none" w="med" len="med"/>
                       <a:tailEnd type="none" w="med" len="med"/>
                     </a:lnR>
-                    <a:lnT cmpd="sng" algn="ctr" cap="flat" w="19050">
+                    <a:lnT w="19050" cap="flat" cmpd="sng" algn="ctr">
                       <a:solidFill>
                         <a:srgbClr val="000000"/>
                       </a:solidFill>
@@ -11527,7 +11882,7 @@
                       <a:headEnd type="none" w="med" len="med"/>
                       <a:tailEnd type="none" w="med" len="med"/>
                     </a:lnT>
-                    <a:lnB cmpd="sng" algn="ctr" cap="flat" w="19050">
+                    <a:lnB w="19050" cap="flat" cmpd="sng" algn="ctr">
                       <a:solidFill>
                         <a:srgbClr val="000000"/>
                       </a:solidFill>
@@ -11540,7 +11895,7 @@
                 </a:tc>
                 <a:tc>
                   <a:txBody>
-                    <a:bodyPr anchor="t" rtlCol="false"/>
+                    <a:bodyPr/>
                     <a:lstStyle/>
                     <a:p>
                       <a:pPr algn="l">
@@ -11565,7 +11920,7 @@
                     </a:p>
                   </a:txBody>
                   <a:tcPr marL="142875" marR="142875" marT="142875" marB="142875" anchor="ctr">
-                    <a:lnL cmpd="sng" algn="ctr" cap="flat" w="19050">
+                    <a:lnL w="19050" cap="flat" cmpd="sng" algn="ctr">
                       <a:solidFill>
                         <a:srgbClr val="000000"/>
                       </a:solidFill>
@@ -11574,7 +11929,7 @@
                       <a:headEnd type="none" w="med" len="med"/>
                       <a:tailEnd type="none" w="med" len="med"/>
                     </a:lnL>
-                    <a:lnR cmpd="sng" algn="ctr" cap="flat" w="19050">
+                    <a:lnR w="19050" cap="flat" cmpd="sng" algn="ctr">
                       <a:solidFill>
                         <a:srgbClr val="000000"/>
                       </a:solidFill>
@@ -11583,7 +11938,7 @@
                       <a:headEnd type="none" w="med" len="med"/>
                       <a:tailEnd type="none" w="med" len="med"/>
                     </a:lnR>
-                    <a:lnT cmpd="sng" algn="ctr" cap="flat" w="19050">
+                    <a:lnT w="19050" cap="flat" cmpd="sng" algn="ctr">
                       <a:solidFill>
                         <a:srgbClr val="000000"/>
                       </a:solidFill>
@@ -11592,7 +11947,7 @@
                       <a:headEnd type="none" w="med" len="med"/>
                       <a:tailEnd type="none" w="med" len="med"/>
                     </a:lnT>
-                    <a:lnB cmpd="sng" algn="ctr" cap="flat" w="19050">
+                    <a:lnB w="19050" cap="flat" cmpd="sng" algn="ctr">
                       <a:solidFill>
                         <a:srgbClr val="000000"/>
                       </a:solidFill>
@@ -11603,11 +11958,16 @@
                     </a:lnB>
                   </a:tcPr>
                 </a:tc>
+                <a:extLst>
+                  <a:ext uri="{0D108BD9-81ED-4DB2-BD59-A6C34878D82A}">
+                    <a16:rowId xmlns:a16="http://schemas.microsoft.com/office/drawing/2014/main" val="10007"/>
+                  </a:ext>
+                </a:extLst>
               </a:tr>
               <a:tr h="761098">
                 <a:tc>
                   <a:txBody>
-                    <a:bodyPr anchor="t" rtlCol="false"/>
+                    <a:bodyPr/>
                     <a:lstStyle/>
                     <a:p>
                       <a:pPr algn="l">
@@ -11617,7 +11977,7 @@
                         <a:defRPr/>
                       </a:pPr>
                       <a:r>
-                        <a:rPr lang="en-US" sz="1499" b="true">
+                        <a:rPr lang="en-US" sz="1499" b="1">
                           <a:solidFill>
                             <a:srgbClr val="000000"/>
                           </a:solidFill>
@@ -11632,7 +11992,7 @@
                     </a:p>
                   </a:txBody>
                   <a:tcPr marL="142875" marR="142875" marT="142875" marB="142875" anchor="ctr">
-                    <a:lnL cmpd="sng" algn="ctr" cap="flat" w="19050">
+                    <a:lnL w="19050" cap="flat" cmpd="sng" algn="ctr">
                       <a:solidFill>
                         <a:srgbClr val="000000"/>
                       </a:solidFill>
@@ -11641,7 +12001,7 @@
                       <a:headEnd type="none" w="med" len="med"/>
                       <a:tailEnd type="none" w="med" len="med"/>
                     </a:lnL>
-                    <a:lnR cmpd="sng" algn="ctr" cap="flat" w="19050">
+                    <a:lnR w="19050" cap="flat" cmpd="sng" algn="ctr">
                       <a:solidFill>
                         <a:srgbClr val="000000"/>
                       </a:solidFill>
@@ -11650,7 +12010,7 @@
                       <a:headEnd type="none" w="med" len="med"/>
                       <a:tailEnd type="none" w="med" len="med"/>
                     </a:lnR>
-                    <a:lnT cmpd="sng" algn="ctr" cap="flat" w="19050">
+                    <a:lnT w="19050" cap="flat" cmpd="sng" algn="ctr">
                       <a:solidFill>
                         <a:srgbClr val="000000"/>
                       </a:solidFill>
@@ -11659,7 +12019,7 @@
                       <a:headEnd type="none" w="med" len="med"/>
                       <a:tailEnd type="none" w="med" len="med"/>
                     </a:lnT>
-                    <a:lnB cmpd="sng" algn="ctr" cap="flat" w="19050">
+                    <a:lnB w="19050" cap="flat" cmpd="sng" algn="ctr">
                       <a:solidFill>
                         <a:srgbClr val="000000"/>
                       </a:solidFill>
@@ -11672,7 +12032,7 @@
                 </a:tc>
                 <a:tc>
                   <a:txBody>
-                    <a:bodyPr anchor="t" rtlCol="false"/>
+                    <a:bodyPr/>
                     <a:lstStyle/>
                     <a:p>
                       <a:pPr algn="l">
@@ -11697,7 +12057,7 @@
                     </a:p>
                   </a:txBody>
                   <a:tcPr marL="142875" marR="142875" marT="142875" marB="142875" anchor="ctr">
-                    <a:lnL cmpd="sng" algn="ctr" cap="flat" w="19050">
+                    <a:lnL w="19050" cap="flat" cmpd="sng" algn="ctr">
                       <a:solidFill>
                         <a:srgbClr val="000000"/>
                       </a:solidFill>
@@ -11706,7 +12066,7 @@
                       <a:headEnd type="none" w="med" len="med"/>
                       <a:tailEnd type="none" w="med" len="med"/>
                     </a:lnL>
-                    <a:lnR cmpd="sng" algn="ctr" cap="flat" w="19050">
+                    <a:lnR w="19050" cap="flat" cmpd="sng" algn="ctr">
                       <a:solidFill>
                         <a:srgbClr val="000000"/>
                       </a:solidFill>
@@ -11715,7 +12075,7 @@
                       <a:headEnd type="none" w="med" len="med"/>
                       <a:tailEnd type="none" w="med" len="med"/>
                     </a:lnR>
-                    <a:lnT cmpd="sng" algn="ctr" cap="flat" w="19050">
+                    <a:lnT w="19050" cap="flat" cmpd="sng" algn="ctr">
                       <a:solidFill>
                         <a:srgbClr val="000000"/>
                       </a:solidFill>
@@ -11724,7 +12084,7 @@
                       <a:headEnd type="none" w="med" len="med"/>
                       <a:tailEnd type="none" w="med" len="med"/>
                     </a:lnT>
-                    <a:lnB cmpd="sng" algn="ctr" cap="flat" w="19050">
+                    <a:lnB w="19050" cap="flat" cmpd="sng" algn="ctr">
                       <a:solidFill>
                         <a:srgbClr val="000000"/>
                       </a:solidFill>
@@ -11737,7 +12097,7 @@
                 </a:tc>
                 <a:tc>
                   <a:txBody>
-                    <a:bodyPr anchor="t" rtlCol="false"/>
+                    <a:bodyPr/>
                     <a:lstStyle/>
                     <a:p>
                       <a:pPr algn="l">
@@ -11762,7 +12122,7 @@
                     </a:p>
                   </a:txBody>
                   <a:tcPr marL="142875" marR="142875" marT="142875" marB="142875" anchor="ctr">
-                    <a:lnL cmpd="sng" algn="ctr" cap="flat" w="19050">
+                    <a:lnL w="19050" cap="flat" cmpd="sng" algn="ctr">
                       <a:solidFill>
                         <a:srgbClr val="000000"/>
                       </a:solidFill>
@@ -11771,7 +12131,7 @@
                       <a:headEnd type="none" w="med" len="med"/>
                       <a:tailEnd type="none" w="med" len="med"/>
                     </a:lnL>
-                    <a:lnR cmpd="sng" algn="ctr" cap="flat" w="19050">
+                    <a:lnR w="19050" cap="flat" cmpd="sng" algn="ctr">
                       <a:solidFill>
                         <a:srgbClr val="000000"/>
                       </a:solidFill>
@@ -11780,7 +12140,7 @@
                       <a:headEnd type="none" w="med" len="med"/>
                       <a:tailEnd type="none" w="med" len="med"/>
                     </a:lnR>
-                    <a:lnT cmpd="sng" algn="ctr" cap="flat" w="19050">
+                    <a:lnT w="19050" cap="flat" cmpd="sng" algn="ctr">
                       <a:solidFill>
                         <a:srgbClr val="000000"/>
                       </a:solidFill>
@@ -11789,7 +12149,7 @@
                       <a:headEnd type="none" w="med" len="med"/>
                       <a:tailEnd type="none" w="med" len="med"/>
                     </a:lnT>
-                    <a:lnB cmpd="sng" algn="ctr" cap="flat" w="19050">
+                    <a:lnB w="19050" cap="flat" cmpd="sng" algn="ctr">
                       <a:solidFill>
                         <a:srgbClr val="000000"/>
                       </a:solidFill>
@@ -11800,6 +12160,11 @@
                     </a:lnB>
                   </a:tcPr>
                 </a:tc>
+                <a:extLst>
+                  <a:ext uri="{0D108BD9-81ED-4DB2-BD59-A6C34878D82A}">
+                    <a16:rowId xmlns:a16="http://schemas.microsoft.com/office/drawing/2014/main" val="10008"/>
+                  </a:ext>
+                </a:extLst>
               </a:tr>
             </a:tbl>
           </a:graphicData>
@@ -11807,12 +12172,12 @@
       </p:graphicFrame>
       <p:sp>
         <p:nvSpPr>
-          <p:cNvPr name="TextBox 3" id="3"/>
-          <p:cNvSpPr txBox="true"/>
+          <p:cNvPr id="3" name="TextBox 3"/>
+          <p:cNvSpPr txBox="1"/>
           <p:nvPr/>
         </p:nvSpPr>
         <p:spPr>
-          <a:xfrm rot="0">
+          <a:xfrm>
             <a:off x="2448320" y="276540"/>
             <a:ext cx="13391361" cy="1351919"/>
           </a:xfrm>
@@ -11821,7 +12186,7 @@
           </a:prstGeom>
         </p:spPr>
         <p:txBody>
-          <a:bodyPr anchor="t" rtlCol="false" tIns="0" lIns="0" bIns="0" rIns="0">
+          <a:bodyPr lIns="0" tIns="0" rIns="0" bIns="0" rtlCol="0" anchor="t">
             <a:spAutoFit/>
           </a:bodyPr>
           <a:lstStyle/>
@@ -11835,7 +12200,7 @@
               </a:spcBef>
             </a:pPr>
             <a:r>
-              <a:rPr lang="en-US" b="true" sz="7899">
+              <a:rPr lang="en-US" sz="7899" b="1">
                 <a:solidFill>
                   <a:srgbClr val="000000"/>
                 </a:solidFill>
@@ -11858,7 +12223,7 @@
 </file>
 
 <file path=ppt/slides/slide5.xml><?xml version="1.0" encoding="utf-8"?>
-<p:sld xmlns:p="http://schemas.openxmlformats.org/presentationml/2006/main" xmlns:a="http://schemas.openxmlformats.org/drawingml/2006/main" xmlns:r="http://schemas.openxmlformats.org/officeDocument/2006/relationships">
+<p:sld xmlns:a="http://schemas.openxmlformats.org/drawingml/2006/main" xmlns:r="http://schemas.openxmlformats.org/officeDocument/2006/relationships" xmlns:p="http://schemas.openxmlformats.org/presentationml/2006/main">
   <p:cSld>
     <p:spTree>
       <p:nvGrpSpPr>
@@ -11876,12 +12241,12 @@
       </p:grpSpPr>
       <p:sp>
         <p:nvSpPr>
-          <p:cNvPr name="Freeform 2" id="2"/>
+          <p:cNvPr id="2" name="Freeform 2"/>
           <p:cNvSpPr/>
           <p:nvPr/>
         </p:nvSpPr>
         <p:spPr>
-          <a:xfrm flipH="false" flipV="false" rot="0">
+          <a:xfrm>
             <a:off x="7054222" y="353110"/>
             <a:ext cx="4179556" cy="9580780"/>
           </a:xfrm>
@@ -11890,9 +12255,9 @@
             <a:gdLst/>
             <a:ahLst/>
             <a:cxnLst/>
-            <a:rect r="r" b="b" t="t" l="l"/>
+            <a:rect l="l" t="t" r="r" b="b"/>
             <a:pathLst>
-              <a:path h="9580780" w="4179556">
+              <a:path w="4179556" h="9580780">
                 <a:moveTo>
                   <a:pt x="0" y="0"/>
                 </a:moveTo>
@@ -11915,19 +12280,26 @@
           <a:blipFill>
             <a:blip r:embed="rId2"/>
             <a:stretch>
-              <a:fillRect l="0" t="0" r="0" b="-79894"/>
+              <a:fillRect b="-79894"/>
             </a:stretch>
           </a:blipFill>
         </p:spPr>
+        <p:txBody>
+          <a:bodyPr/>
+          <a:lstStyle/>
+          <a:p>
+            <a:endParaRPr lang="en-CO"/>
+          </a:p>
+        </p:txBody>
       </p:sp>
       <p:sp>
         <p:nvSpPr>
-          <p:cNvPr name="TextBox 3" id="3"/>
-          <p:cNvSpPr txBox="true"/>
+          <p:cNvPr id="3" name="TextBox 3"/>
+          <p:cNvSpPr txBox="1"/>
           <p:nvPr/>
         </p:nvSpPr>
         <p:spPr>
-          <a:xfrm rot="0">
+          <a:xfrm>
             <a:off x="10521750" y="8371205"/>
             <a:ext cx="9944993" cy="887095"/>
           </a:xfrm>
@@ -11936,7 +12308,7 @@
           </a:prstGeom>
         </p:spPr>
         <p:txBody>
-          <a:bodyPr anchor="t" rtlCol="false" tIns="0" lIns="0" bIns="0" rIns="0">
+          <a:bodyPr lIns="0" tIns="0" rIns="0" bIns="0" rtlCol="0" anchor="t">
             <a:spAutoFit/>
           </a:bodyPr>
           <a:lstStyle/>
@@ -11947,7 +12319,7 @@
               </a:lnSpc>
             </a:pPr>
             <a:r>
-              <a:rPr lang="en-US" sz="5199" b="true">
+              <a:rPr lang="en-US" sz="5199" b="1">
                 <a:solidFill>
                   <a:srgbClr val="000000"/>
                 </a:solidFill>
@@ -11970,7 +12342,7 @@
 </file>
 
 <file path=ppt/slides/slide6.xml><?xml version="1.0" encoding="utf-8"?>
-<p:sld xmlns:p="http://schemas.openxmlformats.org/presentationml/2006/main" xmlns:a="http://schemas.openxmlformats.org/drawingml/2006/main" xmlns:r="http://schemas.openxmlformats.org/officeDocument/2006/relationships">
+<p:sld xmlns:a="http://schemas.openxmlformats.org/drawingml/2006/main" xmlns:r="http://schemas.openxmlformats.org/officeDocument/2006/relationships" xmlns:p="http://schemas.openxmlformats.org/presentationml/2006/main">
   <p:cSld>
     <p:spTree>
       <p:nvGrpSpPr>
@@ -11988,12 +12360,12 @@
       </p:grpSpPr>
       <p:sp>
         <p:nvSpPr>
-          <p:cNvPr name="Freeform 2" id="2"/>
+          <p:cNvPr id="2" name="Freeform 2"/>
           <p:cNvSpPr/>
           <p:nvPr/>
         </p:nvSpPr>
         <p:spPr>
-          <a:xfrm flipH="false" flipV="false" rot="0">
+          <a:xfrm>
             <a:off x="6531646" y="655531"/>
             <a:ext cx="4763909" cy="9112407"/>
           </a:xfrm>
@@ -12002,9 +12374,9 @@
             <a:gdLst/>
             <a:ahLst/>
             <a:cxnLst/>
-            <a:rect r="r" b="b" t="t" l="l"/>
+            <a:rect l="l" t="t" r="r" b="b"/>
             <a:pathLst>
-              <a:path h="9112407" w="4763909">
+              <a:path w="4763909" h="9112407">
                 <a:moveTo>
                   <a:pt x="0" y="0"/>
                 </a:moveTo>
@@ -12027,10 +12399,17 @@
           <a:blipFill>
             <a:blip r:embed="rId2"/>
             <a:stretch>
-              <a:fillRect l="0" t="-116702" r="0" b="0"/>
+              <a:fillRect t="-116702"/>
             </a:stretch>
           </a:blipFill>
         </p:spPr>
+        <p:txBody>
+          <a:bodyPr/>
+          <a:lstStyle/>
+          <a:p>
+            <a:endParaRPr lang="en-CO"/>
+          </a:p>
+        </p:txBody>
       </p:sp>
     </p:spTree>
   </p:cSld>
@@ -12041,7 +12420,7 @@
 </file>
 
 <file path=ppt/slides/slide7.xml><?xml version="1.0" encoding="utf-8"?>
-<p:sld xmlns:p="http://schemas.openxmlformats.org/presentationml/2006/main" xmlns:a="http://schemas.openxmlformats.org/drawingml/2006/main">
+<p:sld xmlns:a="http://schemas.openxmlformats.org/drawingml/2006/main" xmlns:r="http://schemas.openxmlformats.org/officeDocument/2006/relationships" xmlns:p="http://schemas.openxmlformats.org/presentationml/2006/main">
   <p:cSld>
     <p:spTree>
       <p:nvGrpSpPr>
@@ -12059,12 +12438,12 @@
       </p:grpSpPr>
       <p:sp>
         <p:nvSpPr>
-          <p:cNvPr name="TextBox 2" id="2"/>
-          <p:cNvSpPr txBox="true"/>
+          <p:cNvPr id="2" name="TextBox 2"/>
+          <p:cNvSpPr txBox="1"/>
           <p:nvPr/>
         </p:nvSpPr>
         <p:spPr>
-          <a:xfrm rot="0">
+          <a:xfrm>
             <a:off x="1638729" y="2645702"/>
             <a:ext cx="15010543" cy="6612598"/>
           </a:xfrm>
@@ -12073,7 +12452,7 @@
           </a:prstGeom>
         </p:spPr>
         <p:txBody>
-          <a:bodyPr anchor="t" rtlCol="false" tIns="0" lIns="0" bIns="0" rIns="0">
+          <a:bodyPr lIns="0" tIns="0" rIns="0" bIns="0" rtlCol="0" anchor="t">
             <a:spAutoFit/>
           </a:bodyPr>
           <a:lstStyle/>
@@ -12108,6 +12487,15 @@
                 <a:spcPct val="0"/>
               </a:spcBef>
             </a:pPr>
+            <a:endParaRPr lang="en-US" sz="2336">
+              <a:solidFill>
+                <a:srgbClr val="000000"/>
+              </a:solidFill>
+              <a:latin typeface="Montserrat"/>
+              <a:ea typeface="Montserrat"/>
+              <a:cs typeface="Montserrat"/>
+              <a:sym typeface="Montserrat"/>
+            </a:endParaRPr>
           </a:p>
           <a:p>
             <a:pPr algn="just">
@@ -12140,6 +12528,15 @@
                 <a:spcPct val="0"/>
               </a:spcBef>
             </a:pPr>
+            <a:endParaRPr lang="en-US" sz="2336">
+              <a:solidFill>
+                <a:srgbClr val="000000"/>
+              </a:solidFill>
+              <a:latin typeface="Montserrat"/>
+              <a:ea typeface="Montserrat"/>
+              <a:cs typeface="Montserrat"/>
+              <a:sym typeface="Montserrat"/>
+            </a:endParaRPr>
           </a:p>
           <a:p>
             <a:pPr algn="just">
@@ -12172,17 +12569,26 @@
                 <a:spcPct val="0"/>
               </a:spcBef>
             </a:pPr>
+            <a:endParaRPr lang="en-US" sz="2336">
+              <a:solidFill>
+                <a:srgbClr val="000000"/>
+              </a:solidFill>
+              <a:latin typeface="Montserrat"/>
+              <a:ea typeface="Montserrat"/>
+              <a:cs typeface="Montserrat"/>
+              <a:sym typeface="Montserrat"/>
+            </a:endParaRPr>
           </a:p>
         </p:txBody>
       </p:sp>
       <p:sp>
         <p:nvSpPr>
-          <p:cNvPr name="TextBox 3" id="3"/>
-          <p:cNvSpPr txBox="true"/>
+          <p:cNvPr id="3" name="TextBox 3"/>
+          <p:cNvSpPr txBox="1"/>
           <p:nvPr/>
         </p:nvSpPr>
         <p:spPr>
-          <a:xfrm rot="0">
+          <a:xfrm>
             <a:off x="2448320" y="876300"/>
             <a:ext cx="13391361" cy="1351919"/>
           </a:xfrm>
@@ -12191,7 +12597,7 @@
           </a:prstGeom>
         </p:spPr>
         <p:txBody>
-          <a:bodyPr anchor="t" rtlCol="false" tIns="0" lIns="0" bIns="0" rIns="0">
+          <a:bodyPr lIns="0" tIns="0" rIns="0" bIns="0" rtlCol="0" anchor="t">
             <a:spAutoFit/>
           </a:bodyPr>
           <a:lstStyle/>
@@ -12205,7 +12611,7 @@
               </a:spcBef>
             </a:pPr>
             <a:r>
-              <a:rPr lang="en-US" b="true" sz="7899">
+              <a:rPr lang="en-US" sz="7899" b="1">
                 <a:solidFill>
                   <a:srgbClr val="000000"/>
                 </a:solidFill>
@@ -12228,7 +12634,7 @@
 </file>
 
 <file path=ppt/slides/slide8.xml><?xml version="1.0" encoding="utf-8"?>
-<p:sld xmlns:p="http://schemas.openxmlformats.org/presentationml/2006/main" xmlns:a="http://schemas.openxmlformats.org/drawingml/2006/main" xmlns:r="http://schemas.openxmlformats.org/officeDocument/2006/relationships">
+<p:sld xmlns:a="http://schemas.openxmlformats.org/drawingml/2006/main" xmlns:r="http://schemas.openxmlformats.org/officeDocument/2006/relationships" xmlns:p="http://schemas.openxmlformats.org/presentationml/2006/main">
   <p:cSld>
     <p:spTree>
       <p:nvGrpSpPr>
@@ -12244,52 +12650,42 @@
           <a:chExt cx="0" cy="0"/>
         </a:xfrm>
       </p:grpSpPr>
-      <p:sp>
-        <p:nvSpPr>
-          <p:cNvPr name="Freeform 2" id="2"/>
-          <p:cNvSpPr/>
+      <p:pic>
+        <p:nvPicPr>
+          <p:cNvPr id="4" name="Picture 3">
+            <a:extLst>
+              <a:ext uri="{FF2B5EF4-FFF2-40B4-BE49-F238E27FC236}">
+                <a16:creationId xmlns:a16="http://schemas.microsoft.com/office/drawing/2014/main" id="{C41C828E-256D-BB04-97F0-FC02EECC7B1B}"/>
+              </a:ext>
+            </a:extLst>
+          </p:cNvPr>
+          <p:cNvPicPr>
+            <a:picLocks noChangeAspect="1"/>
+          </p:cNvPicPr>
           <p:nvPr/>
-        </p:nvSpPr>
+        </p:nvPicPr>
+        <p:blipFill>
+          <a:blip r:embed="rId2">
+            <a:extLst>
+              <a:ext uri="{28A0092B-C50C-407E-A947-70E740481C1C}">
+                <a14:useLocalDpi xmlns:a14="http://schemas.microsoft.com/office/drawing/2010/main" val="0"/>
+              </a:ext>
+            </a:extLst>
+          </a:blip>
+          <a:stretch>
+            <a:fillRect/>
+          </a:stretch>
+        </p:blipFill>
         <p:spPr>
-          <a:xfrm flipH="false" flipV="false" rot="0">
-            <a:off x="4179713" y="737695"/>
-            <a:ext cx="9928574" cy="8811610"/>
+          <a:xfrm>
+            <a:off x="2590800" y="317815"/>
+            <a:ext cx="13106400" cy="9651370"/>
           </a:xfrm>
-          <a:custGeom>
+          <a:prstGeom prst="rect">
             <a:avLst/>
-            <a:gdLst/>
-            <a:ahLst/>
-            <a:cxnLst/>
-            <a:rect r="r" b="b" t="t" l="l"/>
-            <a:pathLst>
-              <a:path h="8811610" w="9928574">
-                <a:moveTo>
-                  <a:pt x="0" y="0"/>
-                </a:moveTo>
-                <a:lnTo>
-                  <a:pt x="9928574" y="0"/>
-                </a:lnTo>
-                <a:lnTo>
-                  <a:pt x="9928574" y="8811610"/>
-                </a:lnTo>
-                <a:lnTo>
-                  <a:pt x="0" y="8811610"/>
-                </a:lnTo>
-                <a:lnTo>
-                  <a:pt x="0" y="0"/>
-                </a:lnTo>
-                <a:close/>
-              </a:path>
-            </a:pathLst>
-          </a:custGeom>
-          <a:blipFill>
-            <a:blip r:embed="rId2"/>
-            <a:stretch>
-              <a:fillRect l="0" t="0" r="0" b="0"/>
-            </a:stretch>
-          </a:blipFill>
+          </a:prstGeom>
         </p:spPr>
-      </p:sp>
+      </p:pic>
     </p:spTree>
   </p:cSld>
   <p:clrMapOvr>
@@ -12299,7 +12695,7 @@
 </file>
 
 <file path=ppt/slides/slide9.xml><?xml version="1.0" encoding="utf-8"?>
-<p:sld xmlns:p="http://schemas.openxmlformats.org/presentationml/2006/main" xmlns:a="http://schemas.openxmlformats.org/drawingml/2006/main">
+<p:sld xmlns:a="http://schemas.openxmlformats.org/drawingml/2006/main" xmlns:r="http://schemas.openxmlformats.org/officeDocument/2006/relationships" xmlns:p="http://schemas.openxmlformats.org/presentationml/2006/main">
   <p:cSld>
     <p:spTree>
       <p:nvGrpSpPr>
@@ -12317,9 +12713,9 @@
       </p:grpSpPr>
       <p:graphicFrame>
         <p:nvGraphicFramePr>
-          <p:cNvPr name="Table 2" id="2"/>
+          <p:cNvPr id="2" name="Table 2"/>
           <p:cNvGraphicFramePr>
-            <a:graphicFrameLocks noGrp="true"/>
+            <a:graphicFrameLocks noGrp="1"/>
           </p:cNvGraphicFramePr>
           <p:nvPr/>
         </p:nvGraphicFramePr>
@@ -12332,14 +12728,32 @@
             <a:tbl>
               <a:tblPr/>
               <a:tblGrid>
-                <a:gridCol w="4756181"/>
-                <a:gridCol w="4756181"/>
-                <a:gridCol w="4756181"/>
+                <a:gridCol w="4756181">
+                  <a:extLst>
+                    <a:ext uri="{9D8B030D-6E8A-4147-A177-3AD203B41FA5}">
+                      <a16:colId xmlns:a16="http://schemas.microsoft.com/office/drawing/2014/main" val="20000"/>
+                    </a:ext>
+                  </a:extLst>
+                </a:gridCol>
+                <a:gridCol w="4756181">
+                  <a:extLst>
+                    <a:ext uri="{9D8B030D-6E8A-4147-A177-3AD203B41FA5}">
+                      <a16:colId xmlns:a16="http://schemas.microsoft.com/office/drawing/2014/main" val="20001"/>
+                    </a:ext>
+                  </a:extLst>
+                </a:gridCol>
+                <a:gridCol w="4756181">
+                  <a:extLst>
+                    <a:ext uri="{9D8B030D-6E8A-4147-A177-3AD203B41FA5}">
+                      <a16:colId xmlns:a16="http://schemas.microsoft.com/office/drawing/2014/main" val="20002"/>
+                    </a:ext>
+                  </a:extLst>
+                </a:gridCol>
               </a:tblGrid>
               <a:tr h="666431">
                 <a:tc>
                   <a:txBody>
-                    <a:bodyPr anchor="t" rtlCol="false"/>
+                    <a:bodyPr/>
                     <a:lstStyle/>
                     <a:p>
                       <a:pPr algn="l">
@@ -12349,7 +12763,7 @@
                         <a:defRPr/>
                       </a:pPr>
                       <a:r>
-                        <a:rPr lang="en-US" sz="1299" b="true">
+                        <a:rPr lang="en-US" sz="1299" b="1">
                           <a:solidFill>
                             <a:srgbClr val="000000"/>
                           </a:solidFill>
@@ -12364,7 +12778,7 @@
                     </a:p>
                   </a:txBody>
                   <a:tcPr marL="142875" marR="142875" marT="142875" marB="142875" anchor="ctr">
-                    <a:lnL cmpd="sng" algn="ctr" cap="flat" w="19050">
+                    <a:lnL w="19050" cap="flat" cmpd="sng" algn="ctr">
                       <a:solidFill>
                         <a:srgbClr val="000000"/>
                       </a:solidFill>
@@ -12373,7 +12787,7 @@
                       <a:headEnd type="none" w="med" len="med"/>
                       <a:tailEnd type="none" w="med" len="med"/>
                     </a:lnL>
-                    <a:lnR cmpd="sng" algn="ctr" cap="flat" w="19050">
+                    <a:lnR w="19050" cap="flat" cmpd="sng" algn="ctr">
                       <a:solidFill>
                         <a:srgbClr val="000000"/>
                       </a:solidFill>
@@ -12382,7 +12796,7 @@
                       <a:headEnd type="none" w="med" len="med"/>
                       <a:tailEnd type="none" w="med" len="med"/>
                     </a:lnR>
-                    <a:lnT cmpd="sng" algn="ctr" cap="flat" w="19050">
+                    <a:lnT w="19050" cap="flat" cmpd="sng" algn="ctr">
                       <a:solidFill>
                         <a:srgbClr val="000000"/>
                       </a:solidFill>
@@ -12391,7 +12805,7 @@
                       <a:headEnd type="none" w="med" len="med"/>
                       <a:tailEnd type="none" w="med" len="med"/>
                     </a:lnT>
-                    <a:lnB cmpd="sng" algn="ctr" cap="flat" w="19050">
+                    <a:lnB w="19050" cap="flat" cmpd="sng" algn="ctr">
                       <a:solidFill>
                         <a:srgbClr val="000000"/>
                       </a:solidFill>
@@ -12404,7 +12818,7 @@
                 </a:tc>
                 <a:tc>
                   <a:txBody>
-                    <a:bodyPr anchor="t" rtlCol="false"/>
+                    <a:bodyPr/>
                     <a:lstStyle/>
                     <a:p>
                       <a:pPr algn="l">
@@ -12414,7 +12828,7 @@
                         <a:defRPr/>
                       </a:pPr>
                       <a:r>
-                        <a:rPr lang="en-US" sz="1299" b="true">
+                        <a:rPr lang="en-US" sz="1299" b="1">
                           <a:solidFill>
                             <a:srgbClr val="000000"/>
                           </a:solidFill>
@@ -12429,7 +12843,7 @@
                     </a:p>
                   </a:txBody>
                   <a:tcPr marL="142875" marR="142875" marT="142875" marB="142875" anchor="ctr">
-                    <a:lnL cmpd="sng" algn="ctr" cap="flat" w="19050">
+                    <a:lnL w="19050" cap="flat" cmpd="sng" algn="ctr">
                       <a:solidFill>
                         <a:srgbClr val="000000"/>
                       </a:solidFill>
@@ -12438,7 +12852,7 @@
                       <a:headEnd type="none" w="med" len="med"/>
                       <a:tailEnd type="none" w="med" len="med"/>
                     </a:lnL>
-                    <a:lnR cmpd="sng" algn="ctr" cap="flat" w="19050">
+                    <a:lnR w="19050" cap="flat" cmpd="sng" algn="ctr">
                       <a:solidFill>
                         <a:srgbClr val="000000"/>
                       </a:solidFill>
@@ -12447,7 +12861,7 @@
                       <a:headEnd type="none" w="med" len="med"/>
                       <a:tailEnd type="none" w="med" len="med"/>
                     </a:lnR>
-                    <a:lnT cmpd="sng" algn="ctr" cap="flat" w="19050">
+                    <a:lnT w="19050" cap="flat" cmpd="sng" algn="ctr">
                       <a:solidFill>
                         <a:srgbClr val="000000"/>
                       </a:solidFill>
@@ -12456,7 +12870,7 @@
                       <a:headEnd type="none" w="med" len="med"/>
                       <a:tailEnd type="none" w="med" len="med"/>
                     </a:lnT>
-                    <a:lnB cmpd="sng" algn="ctr" cap="flat" w="19050">
+                    <a:lnB w="19050" cap="flat" cmpd="sng" algn="ctr">
                       <a:solidFill>
                         <a:srgbClr val="000000"/>
                       </a:solidFill>
@@ -12469,7 +12883,7 @@
                 </a:tc>
                 <a:tc>
                   <a:txBody>
-                    <a:bodyPr anchor="t" rtlCol="false"/>
+                    <a:bodyPr/>
                     <a:lstStyle/>
                     <a:p>
                       <a:pPr algn="l">
@@ -12479,7 +12893,7 @@
                         <a:defRPr/>
                       </a:pPr>
                       <a:r>
-                        <a:rPr lang="en-US" sz="1299" b="true">
+                        <a:rPr lang="en-US" sz="1299" b="1">
                           <a:solidFill>
                             <a:srgbClr val="000000"/>
                           </a:solidFill>
@@ -12494,7 +12908,7 @@
                     </a:p>
                   </a:txBody>
                   <a:tcPr marL="142875" marR="142875" marT="142875" marB="142875" anchor="ctr">
-                    <a:lnL cmpd="sng" algn="ctr" cap="flat" w="19050">
+                    <a:lnL w="19050" cap="flat" cmpd="sng" algn="ctr">
                       <a:solidFill>
                         <a:srgbClr val="000000"/>
                       </a:solidFill>
@@ -12503,7 +12917,7 @@
                       <a:headEnd type="none" w="med" len="med"/>
                       <a:tailEnd type="none" w="med" len="med"/>
                     </a:lnL>
-                    <a:lnR cmpd="sng" algn="ctr" cap="flat" w="19050">
+                    <a:lnR w="19050" cap="flat" cmpd="sng" algn="ctr">
                       <a:solidFill>
                         <a:srgbClr val="000000"/>
                       </a:solidFill>
@@ -12512,7 +12926,7 @@
                       <a:headEnd type="none" w="med" len="med"/>
                       <a:tailEnd type="none" w="med" len="med"/>
                     </a:lnR>
-                    <a:lnT cmpd="sng" algn="ctr" cap="flat" w="19050">
+                    <a:lnT w="19050" cap="flat" cmpd="sng" algn="ctr">
                       <a:solidFill>
                         <a:srgbClr val="000000"/>
                       </a:solidFill>
@@ -12521,7 +12935,7 @@
                       <a:headEnd type="none" w="med" len="med"/>
                       <a:tailEnd type="none" w="med" len="med"/>
                     </a:lnT>
-                    <a:lnB cmpd="sng" algn="ctr" cap="flat" w="19050">
+                    <a:lnB w="19050" cap="flat" cmpd="sng" algn="ctr">
                       <a:solidFill>
                         <a:srgbClr val="000000"/>
                       </a:solidFill>
@@ -12532,11 +12946,16 @@
                     </a:lnB>
                   </a:tcPr>
                 </a:tc>
+                <a:extLst>
+                  <a:ext uri="{0D108BD9-81ED-4DB2-BD59-A6C34878D82A}">
+                    <a16:rowId xmlns:a16="http://schemas.microsoft.com/office/drawing/2014/main" val="10000"/>
+                  </a:ext>
+                </a:extLst>
               </a:tr>
               <a:tr h="802343">
                 <a:tc>
                   <a:txBody>
-                    <a:bodyPr anchor="t" rtlCol="false"/>
+                    <a:bodyPr/>
                     <a:lstStyle/>
                     <a:p>
                       <a:pPr algn="l">
@@ -12546,7 +12965,7 @@
                         <a:defRPr/>
                       </a:pPr>
                       <a:r>
-                        <a:rPr lang="en-US" sz="1299" b="true">
+                        <a:rPr lang="en-US" sz="1299" b="1">
                           <a:solidFill>
                             <a:srgbClr val="000000"/>
                           </a:solidFill>
@@ -12561,7 +12980,7 @@
                     </a:p>
                   </a:txBody>
                   <a:tcPr marL="142875" marR="142875" marT="142875" marB="142875" anchor="ctr">
-                    <a:lnL cmpd="sng" algn="ctr" cap="flat" w="19050">
+                    <a:lnL w="19050" cap="flat" cmpd="sng" algn="ctr">
                       <a:solidFill>
                         <a:srgbClr val="000000"/>
                       </a:solidFill>
@@ -12570,7 +12989,7 @@
                       <a:headEnd type="none" w="med" len="med"/>
                       <a:tailEnd type="none" w="med" len="med"/>
                     </a:lnL>
-                    <a:lnR cmpd="sng" algn="ctr" cap="flat" w="19050">
+                    <a:lnR w="19050" cap="flat" cmpd="sng" algn="ctr">
                       <a:solidFill>
                         <a:srgbClr val="000000"/>
                       </a:solidFill>
@@ -12579,7 +12998,7 @@
                       <a:headEnd type="none" w="med" len="med"/>
                       <a:tailEnd type="none" w="med" len="med"/>
                     </a:lnR>
-                    <a:lnT cmpd="sng" algn="ctr" cap="flat" w="19050">
+                    <a:lnT w="19050" cap="flat" cmpd="sng" algn="ctr">
                       <a:solidFill>
                         <a:srgbClr val="000000"/>
                       </a:solidFill>
@@ -12588,7 +13007,7 @@
                       <a:headEnd type="none" w="med" len="med"/>
                       <a:tailEnd type="none" w="med" len="med"/>
                     </a:lnT>
-                    <a:lnB cmpd="sng" algn="ctr" cap="flat" w="19050">
+                    <a:lnB w="19050" cap="flat" cmpd="sng" algn="ctr">
                       <a:solidFill>
                         <a:srgbClr val="000000"/>
                       </a:solidFill>
@@ -12601,7 +13020,7 @@
                 </a:tc>
                 <a:tc>
                   <a:txBody>
-                    <a:bodyPr anchor="t" rtlCol="false"/>
+                    <a:bodyPr/>
                     <a:lstStyle/>
                     <a:p>
                       <a:pPr algn="l">
@@ -12626,7 +13045,7 @@
                     </a:p>
                   </a:txBody>
                   <a:tcPr marL="142875" marR="142875" marT="142875" marB="142875" anchor="ctr">
-                    <a:lnL cmpd="sng" algn="ctr" cap="flat" w="19050">
+                    <a:lnL w="19050" cap="flat" cmpd="sng" algn="ctr">
                       <a:solidFill>
                         <a:srgbClr val="000000"/>
                       </a:solidFill>
@@ -12635,7 +13054,7 @@
                       <a:headEnd type="none" w="med" len="med"/>
                       <a:tailEnd type="none" w="med" len="med"/>
                     </a:lnL>
-                    <a:lnR cmpd="sng" algn="ctr" cap="flat" w="19050">
+                    <a:lnR w="19050" cap="flat" cmpd="sng" algn="ctr">
                       <a:solidFill>
                         <a:srgbClr val="000000"/>
                       </a:solidFill>
@@ -12644,7 +13063,7 @@
                       <a:headEnd type="none" w="med" len="med"/>
                       <a:tailEnd type="none" w="med" len="med"/>
                     </a:lnR>
-                    <a:lnT cmpd="sng" algn="ctr" cap="flat" w="19050">
+                    <a:lnT w="19050" cap="flat" cmpd="sng" algn="ctr">
                       <a:solidFill>
                         <a:srgbClr val="000000"/>
                       </a:solidFill>
@@ -12653,7 +13072,7 @@
                       <a:headEnd type="none" w="med" len="med"/>
                       <a:tailEnd type="none" w="med" len="med"/>
                     </a:lnT>
-                    <a:lnB cmpd="sng" algn="ctr" cap="flat" w="19050">
+                    <a:lnB w="19050" cap="flat" cmpd="sng" algn="ctr">
                       <a:solidFill>
                         <a:srgbClr val="000000"/>
                       </a:solidFill>
@@ -12666,7 +13085,7 @@
                 </a:tc>
                 <a:tc>
                   <a:txBody>
-                    <a:bodyPr anchor="t" rtlCol="false"/>
+                    <a:bodyPr/>
                     <a:lstStyle/>
                     <a:p>
                       <a:pPr algn="l">
@@ -12691,7 +13110,7 @@
                     </a:p>
                   </a:txBody>
                   <a:tcPr marL="142875" marR="142875" marT="142875" marB="142875" anchor="ctr">
-                    <a:lnL cmpd="sng" algn="ctr" cap="flat" w="19050">
+                    <a:lnL w="19050" cap="flat" cmpd="sng" algn="ctr">
                       <a:solidFill>
                         <a:srgbClr val="000000"/>
                       </a:solidFill>
@@ -12700,7 +13119,7 @@
                       <a:headEnd type="none" w="med" len="med"/>
                       <a:tailEnd type="none" w="med" len="med"/>
                     </a:lnL>
-                    <a:lnR cmpd="sng" algn="ctr" cap="flat" w="19050">
+                    <a:lnR w="19050" cap="flat" cmpd="sng" algn="ctr">
                       <a:solidFill>
                         <a:srgbClr val="000000"/>
                       </a:solidFill>
@@ -12709,7 +13128,7 @@
                       <a:headEnd type="none" w="med" len="med"/>
                       <a:tailEnd type="none" w="med" len="med"/>
                     </a:lnR>
-                    <a:lnT cmpd="sng" algn="ctr" cap="flat" w="19050">
+                    <a:lnT w="19050" cap="flat" cmpd="sng" algn="ctr">
                       <a:solidFill>
                         <a:srgbClr val="000000"/>
                       </a:solidFill>
@@ -12718,7 +13137,7 @@
                       <a:headEnd type="none" w="med" len="med"/>
                       <a:tailEnd type="none" w="med" len="med"/>
                     </a:lnT>
-                    <a:lnB cmpd="sng" algn="ctr" cap="flat" w="19050">
+                    <a:lnB w="19050" cap="flat" cmpd="sng" algn="ctr">
                       <a:solidFill>
                         <a:srgbClr val="000000"/>
                       </a:solidFill>
@@ -12729,11 +13148,16 @@
                     </a:lnB>
                   </a:tcPr>
                 </a:tc>
+                <a:extLst>
+                  <a:ext uri="{0D108BD9-81ED-4DB2-BD59-A6C34878D82A}">
+                    <a16:rowId xmlns:a16="http://schemas.microsoft.com/office/drawing/2014/main" val="10001"/>
+                  </a:ext>
+                </a:extLst>
               </a:tr>
               <a:tr h="802343">
                 <a:tc>
                   <a:txBody>
-                    <a:bodyPr anchor="t" rtlCol="false"/>
+                    <a:bodyPr/>
                     <a:lstStyle/>
                     <a:p>
                       <a:pPr algn="l">
@@ -12743,7 +13167,7 @@
                         <a:defRPr/>
                       </a:pPr>
                       <a:r>
-                        <a:rPr lang="en-US" sz="1299" b="true">
+                        <a:rPr lang="en-US" sz="1299" b="1">
                           <a:solidFill>
                             <a:srgbClr val="000000"/>
                           </a:solidFill>
@@ -12758,7 +13182,7 @@
                     </a:p>
                   </a:txBody>
                   <a:tcPr marL="142875" marR="142875" marT="142875" marB="142875" anchor="ctr">
-                    <a:lnL cmpd="sng" algn="ctr" cap="flat" w="19050">
+                    <a:lnL w="19050" cap="flat" cmpd="sng" algn="ctr">
                       <a:solidFill>
                         <a:srgbClr val="000000"/>
                       </a:solidFill>
@@ -12767,7 +13191,7 @@
                       <a:headEnd type="none" w="med" len="med"/>
                       <a:tailEnd type="none" w="med" len="med"/>
                     </a:lnL>
-                    <a:lnR cmpd="sng" algn="ctr" cap="flat" w="19050">
+                    <a:lnR w="19050" cap="flat" cmpd="sng" algn="ctr">
                       <a:solidFill>
                         <a:srgbClr val="000000"/>
                       </a:solidFill>
@@ -12776,7 +13200,7 @@
                       <a:headEnd type="none" w="med" len="med"/>
                       <a:tailEnd type="none" w="med" len="med"/>
                     </a:lnR>
-                    <a:lnT cmpd="sng" algn="ctr" cap="flat" w="19050">
+                    <a:lnT w="19050" cap="flat" cmpd="sng" algn="ctr">
                       <a:solidFill>
                         <a:srgbClr val="000000"/>
                       </a:solidFill>
@@ -12785,7 +13209,7 @@
                       <a:headEnd type="none" w="med" len="med"/>
                       <a:tailEnd type="none" w="med" len="med"/>
                     </a:lnT>
-                    <a:lnB cmpd="sng" algn="ctr" cap="flat" w="19050">
+                    <a:lnB w="19050" cap="flat" cmpd="sng" algn="ctr">
                       <a:solidFill>
                         <a:srgbClr val="000000"/>
                       </a:solidFill>
@@ -12798,7 +13222,7 @@
                 </a:tc>
                 <a:tc>
                   <a:txBody>
-                    <a:bodyPr anchor="t" rtlCol="false"/>
+                    <a:bodyPr/>
                     <a:lstStyle/>
                     <a:p>
                       <a:pPr algn="l">
@@ -12823,7 +13247,7 @@
                     </a:p>
                   </a:txBody>
                   <a:tcPr marL="142875" marR="142875" marT="142875" marB="142875" anchor="ctr">
-                    <a:lnL cmpd="sng" algn="ctr" cap="flat" w="19050">
+                    <a:lnL w="19050" cap="flat" cmpd="sng" algn="ctr">
                       <a:solidFill>
                         <a:srgbClr val="000000"/>
                       </a:solidFill>
@@ -12832,7 +13256,7 @@
                       <a:headEnd type="none" w="med" len="med"/>
                       <a:tailEnd type="none" w="med" len="med"/>
                     </a:lnL>
-                    <a:lnR cmpd="sng" algn="ctr" cap="flat" w="19050">
+                    <a:lnR w="19050" cap="flat" cmpd="sng" algn="ctr">
                       <a:solidFill>
                         <a:srgbClr val="000000"/>
                       </a:solidFill>
@@ -12841,7 +13265,7 @@
                       <a:headEnd type="none" w="med" len="med"/>
                       <a:tailEnd type="none" w="med" len="med"/>
                     </a:lnR>
-                    <a:lnT cmpd="sng" algn="ctr" cap="flat" w="19050">
+                    <a:lnT w="19050" cap="flat" cmpd="sng" algn="ctr">
                       <a:solidFill>
                         <a:srgbClr val="000000"/>
                       </a:solidFill>
@@ -12850,7 +13274,7 @@
                       <a:headEnd type="none" w="med" len="med"/>
                       <a:tailEnd type="none" w="med" len="med"/>
                     </a:lnT>
-                    <a:lnB cmpd="sng" algn="ctr" cap="flat" w="19050">
+                    <a:lnB w="19050" cap="flat" cmpd="sng" algn="ctr">
                       <a:solidFill>
                         <a:srgbClr val="000000"/>
                       </a:solidFill>
@@ -12863,7 +13287,7 @@
                 </a:tc>
                 <a:tc>
                   <a:txBody>
-                    <a:bodyPr anchor="t" rtlCol="false"/>
+                    <a:bodyPr/>
                     <a:lstStyle/>
                     <a:p>
                       <a:pPr algn="l">
@@ -12888,7 +13312,7 @@
                     </a:p>
                   </a:txBody>
                   <a:tcPr marL="142875" marR="142875" marT="142875" marB="142875" anchor="ctr">
-                    <a:lnL cmpd="sng" algn="ctr" cap="flat" w="19050">
+                    <a:lnL w="19050" cap="flat" cmpd="sng" algn="ctr">
                       <a:solidFill>
                         <a:srgbClr val="000000"/>
                       </a:solidFill>
@@ -12897,7 +13321,7 @@
                       <a:headEnd type="none" w="med" len="med"/>
                       <a:tailEnd type="none" w="med" len="med"/>
                     </a:lnL>
-                    <a:lnR cmpd="sng" algn="ctr" cap="flat" w="19050">
+                    <a:lnR w="19050" cap="flat" cmpd="sng" algn="ctr">
                       <a:solidFill>
                         <a:srgbClr val="000000"/>
                       </a:solidFill>
@@ -12906,7 +13330,7 @@
                       <a:headEnd type="none" w="med" len="med"/>
                       <a:tailEnd type="none" w="med" len="med"/>
                     </a:lnR>
-                    <a:lnT cmpd="sng" algn="ctr" cap="flat" w="19050">
+                    <a:lnT w="19050" cap="flat" cmpd="sng" algn="ctr">
                       <a:solidFill>
                         <a:srgbClr val="000000"/>
                       </a:solidFill>
@@ -12915,7 +13339,7 @@
                       <a:headEnd type="none" w="med" len="med"/>
                       <a:tailEnd type="none" w="med" len="med"/>
                     </a:lnT>
-                    <a:lnB cmpd="sng" algn="ctr" cap="flat" w="19050">
+                    <a:lnB w="19050" cap="flat" cmpd="sng" algn="ctr">
                       <a:solidFill>
                         <a:srgbClr val="000000"/>
                       </a:solidFill>
@@ -12926,11 +13350,16 @@
                     </a:lnB>
                   </a:tcPr>
                 </a:tc>
+                <a:extLst>
+                  <a:ext uri="{0D108BD9-81ED-4DB2-BD59-A6C34878D82A}">
+                    <a16:rowId xmlns:a16="http://schemas.microsoft.com/office/drawing/2014/main" val="10002"/>
+                  </a:ext>
+                </a:extLst>
               </a:tr>
               <a:tr h="802343">
                 <a:tc>
                   <a:txBody>
-                    <a:bodyPr anchor="t" rtlCol="false"/>
+                    <a:bodyPr/>
                     <a:lstStyle/>
                     <a:p>
                       <a:pPr algn="l">
@@ -12940,7 +13369,7 @@
                         <a:defRPr/>
                       </a:pPr>
                       <a:r>
-                        <a:rPr lang="en-US" sz="1299" b="true">
+                        <a:rPr lang="en-US" sz="1299" b="1">
                           <a:solidFill>
                             <a:srgbClr val="000000"/>
                           </a:solidFill>
@@ -12955,7 +13384,7 @@
                     </a:p>
                   </a:txBody>
                   <a:tcPr marL="142875" marR="142875" marT="142875" marB="142875" anchor="ctr">
-                    <a:lnL cmpd="sng" algn="ctr" cap="flat" w="19050">
+                    <a:lnL w="19050" cap="flat" cmpd="sng" algn="ctr">
                       <a:solidFill>
                         <a:srgbClr val="000000"/>
                       </a:solidFill>
@@ -12964,7 +13393,7 @@
                       <a:headEnd type="none" w="med" len="med"/>
                       <a:tailEnd type="none" w="med" len="med"/>
                     </a:lnL>
-                    <a:lnR cmpd="sng" algn="ctr" cap="flat" w="19050">
+                    <a:lnR w="19050" cap="flat" cmpd="sng" algn="ctr">
                       <a:solidFill>
                         <a:srgbClr val="000000"/>
                       </a:solidFill>
@@ -12973,7 +13402,7 @@
                       <a:headEnd type="none" w="med" len="med"/>
                       <a:tailEnd type="none" w="med" len="med"/>
                     </a:lnR>
-                    <a:lnT cmpd="sng" algn="ctr" cap="flat" w="19050">
+                    <a:lnT w="19050" cap="flat" cmpd="sng" algn="ctr">
                       <a:solidFill>
                         <a:srgbClr val="000000"/>
                       </a:solidFill>
@@ -12982,7 +13411,7 @@
                       <a:headEnd type="none" w="med" len="med"/>
                       <a:tailEnd type="none" w="med" len="med"/>
                     </a:lnT>
-                    <a:lnB cmpd="sng" algn="ctr" cap="flat" w="19050">
+                    <a:lnB w="19050" cap="flat" cmpd="sng" algn="ctr">
                       <a:solidFill>
                         <a:srgbClr val="000000"/>
                       </a:solidFill>
@@ -12995,7 +13424,7 @@
                 </a:tc>
                 <a:tc>
                   <a:txBody>
-                    <a:bodyPr anchor="t" rtlCol="false"/>
+                    <a:bodyPr/>
                     <a:lstStyle/>
                     <a:p>
                       <a:pPr algn="l">
@@ -13020,7 +13449,7 @@
                     </a:p>
                   </a:txBody>
                   <a:tcPr marL="142875" marR="142875" marT="142875" marB="142875" anchor="ctr">
-                    <a:lnL cmpd="sng" algn="ctr" cap="flat" w="19050">
+                    <a:lnL w="19050" cap="flat" cmpd="sng" algn="ctr">
                       <a:solidFill>
                         <a:srgbClr val="000000"/>
                       </a:solidFill>
@@ -13029,7 +13458,7 @@
                       <a:headEnd type="none" w="med" len="med"/>
                       <a:tailEnd type="none" w="med" len="med"/>
                     </a:lnL>
-                    <a:lnR cmpd="sng" algn="ctr" cap="flat" w="19050">
+                    <a:lnR w="19050" cap="flat" cmpd="sng" algn="ctr">
                       <a:solidFill>
                         <a:srgbClr val="000000"/>
                       </a:solidFill>
@@ -13038,7 +13467,7 @@
                       <a:headEnd type="none" w="med" len="med"/>
                       <a:tailEnd type="none" w="med" len="med"/>
                     </a:lnR>
-                    <a:lnT cmpd="sng" algn="ctr" cap="flat" w="19050">
+                    <a:lnT w="19050" cap="flat" cmpd="sng" algn="ctr">
                       <a:solidFill>
                         <a:srgbClr val="000000"/>
                       </a:solidFill>
@@ -13047,7 +13476,7 @@
                       <a:headEnd type="none" w="med" len="med"/>
                       <a:tailEnd type="none" w="med" len="med"/>
                     </a:lnT>
-                    <a:lnB cmpd="sng" algn="ctr" cap="flat" w="19050">
+                    <a:lnB w="19050" cap="flat" cmpd="sng" algn="ctr">
                       <a:solidFill>
                         <a:srgbClr val="000000"/>
                       </a:solidFill>
@@ -13060,7 +13489,7 @@
                 </a:tc>
                 <a:tc>
                   <a:txBody>
-                    <a:bodyPr anchor="t" rtlCol="false"/>
+                    <a:bodyPr/>
                     <a:lstStyle/>
                     <a:p>
                       <a:pPr algn="l">
@@ -13085,7 +13514,7 @@
                     </a:p>
                   </a:txBody>
                   <a:tcPr marL="142875" marR="142875" marT="142875" marB="142875" anchor="ctr">
-                    <a:lnL cmpd="sng" algn="ctr" cap="flat" w="19050">
+                    <a:lnL w="19050" cap="flat" cmpd="sng" algn="ctr">
                       <a:solidFill>
                         <a:srgbClr val="000000"/>
                       </a:solidFill>
@@ -13094,7 +13523,7 @@
                       <a:headEnd type="none" w="med" len="med"/>
                       <a:tailEnd type="none" w="med" len="med"/>
                     </a:lnL>
-                    <a:lnR cmpd="sng" algn="ctr" cap="flat" w="19050">
+                    <a:lnR w="19050" cap="flat" cmpd="sng" algn="ctr">
                       <a:solidFill>
                         <a:srgbClr val="000000"/>
                       </a:solidFill>
@@ -13103,7 +13532,7 @@
                       <a:headEnd type="none" w="med" len="med"/>
                       <a:tailEnd type="none" w="med" len="med"/>
                     </a:lnR>
-                    <a:lnT cmpd="sng" algn="ctr" cap="flat" w="19050">
+                    <a:lnT w="19050" cap="flat" cmpd="sng" algn="ctr">
                       <a:solidFill>
                         <a:srgbClr val="000000"/>
                       </a:solidFill>
@@ -13112,7 +13541,7 @@
                       <a:headEnd type="none" w="med" len="med"/>
                       <a:tailEnd type="none" w="med" len="med"/>
                     </a:lnT>
-                    <a:lnB cmpd="sng" algn="ctr" cap="flat" w="19050">
+                    <a:lnB w="19050" cap="flat" cmpd="sng" algn="ctr">
                       <a:solidFill>
                         <a:srgbClr val="000000"/>
                       </a:solidFill>
@@ -13123,11 +13552,16 @@
                     </a:lnB>
                   </a:tcPr>
                 </a:tc>
+                <a:extLst>
+                  <a:ext uri="{0D108BD9-81ED-4DB2-BD59-A6C34878D82A}">
+                    <a16:rowId xmlns:a16="http://schemas.microsoft.com/office/drawing/2014/main" val="10003"/>
+                  </a:ext>
+                </a:extLst>
               </a:tr>
               <a:tr h="802343">
                 <a:tc>
                   <a:txBody>
-                    <a:bodyPr anchor="t" rtlCol="false"/>
+                    <a:bodyPr/>
                     <a:lstStyle/>
                     <a:p>
                       <a:pPr algn="l">
@@ -13137,7 +13571,7 @@
                         <a:defRPr/>
                       </a:pPr>
                       <a:r>
-                        <a:rPr lang="en-US" sz="1299" b="true">
+                        <a:rPr lang="en-US" sz="1299" b="1">
                           <a:solidFill>
                             <a:srgbClr val="000000"/>
                           </a:solidFill>
@@ -13152,7 +13586,7 @@
                     </a:p>
                   </a:txBody>
                   <a:tcPr marL="142875" marR="142875" marT="142875" marB="142875" anchor="ctr">
-                    <a:lnL cmpd="sng" algn="ctr" cap="flat" w="19050">
+                    <a:lnL w="19050" cap="flat" cmpd="sng" algn="ctr">
                       <a:solidFill>
                         <a:srgbClr val="000000"/>
                       </a:solidFill>
@@ -13161,7 +13595,7 @@
                       <a:headEnd type="none" w="med" len="med"/>
                       <a:tailEnd type="none" w="med" len="med"/>
                     </a:lnL>
-                    <a:lnR cmpd="sng" algn="ctr" cap="flat" w="19050">
+                    <a:lnR w="19050" cap="flat" cmpd="sng" algn="ctr">
                       <a:solidFill>
                         <a:srgbClr val="000000"/>
                       </a:solidFill>
@@ -13170,7 +13604,7 @@
                       <a:headEnd type="none" w="med" len="med"/>
                       <a:tailEnd type="none" w="med" len="med"/>
                     </a:lnR>
-                    <a:lnT cmpd="sng" algn="ctr" cap="flat" w="19050">
+                    <a:lnT w="19050" cap="flat" cmpd="sng" algn="ctr">
                       <a:solidFill>
                         <a:srgbClr val="000000"/>
                       </a:solidFill>
@@ -13179,7 +13613,7 @@
                       <a:headEnd type="none" w="med" len="med"/>
                       <a:tailEnd type="none" w="med" len="med"/>
                     </a:lnT>
-                    <a:lnB cmpd="sng" algn="ctr" cap="flat" w="19050">
+                    <a:lnB w="19050" cap="flat" cmpd="sng" algn="ctr">
                       <a:solidFill>
                         <a:srgbClr val="000000"/>
                       </a:solidFill>
@@ -13192,7 +13626,7 @@
                 </a:tc>
                 <a:tc>
                   <a:txBody>
-                    <a:bodyPr anchor="t" rtlCol="false"/>
+                    <a:bodyPr/>
                     <a:lstStyle/>
                     <a:p>
                       <a:pPr algn="l">
@@ -13217,7 +13651,7 @@
                     </a:p>
                   </a:txBody>
                   <a:tcPr marL="142875" marR="142875" marT="142875" marB="142875" anchor="ctr">
-                    <a:lnL cmpd="sng" algn="ctr" cap="flat" w="19050">
+                    <a:lnL w="19050" cap="flat" cmpd="sng" algn="ctr">
                       <a:solidFill>
                         <a:srgbClr val="000000"/>
                       </a:solidFill>
@@ -13226,7 +13660,7 @@
                       <a:headEnd type="none" w="med" len="med"/>
                       <a:tailEnd type="none" w="med" len="med"/>
                     </a:lnL>
-                    <a:lnR cmpd="sng" algn="ctr" cap="flat" w="19050">
+                    <a:lnR w="19050" cap="flat" cmpd="sng" algn="ctr">
                       <a:solidFill>
                         <a:srgbClr val="000000"/>
                       </a:solidFill>
@@ -13235,7 +13669,7 @@
                       <a:headEnd type="none" w="med" len="med"/>
                       <a:tailEnd type="none" w="med" len="med"/>
                     </a:lnR>
-                    <a:lnT cmpd="sng" algn="ctr" cap="flat" w="19050">
+                    <a:lnT w="19050" cap="flat" cmpd="sng" algn="ctr">
                       <a:solidFill>
                         <a:srgbClr val="000000"/>
                       </a:solidFill>
@@ -13244,7 +13678,7 @@
                       <a:headEnd type="none" w="med" len="med"/>
                       <a:tailEnd type="none" w="med" len="med"/>
                     </a:lnT>
-                    <a:lnB cmpd="sng" algn="ctr" cap="flat" w="19050">
+                    <a:lnB w="19050" cap="flat" cmpd="sng" algn="ctr">
                       <a:solidFill>
                         <a:srgbClr val="000000"/>
                       </a:solidFill>
@@ -13257,7 +13691,7 @@
                 </a:tc>
                 <a:tc>
                   <a:txBody>
-                    <a:bodyPr anchor="t" rtlCol="false"/>
+                    <a:bodyPr/>
                     <a:lstStyle/>
                     <a:p>
                       <a:pPr algn="l">
@@ -13282,7 +13716,7 @@
                     </a:p>
                   </a:txBody>
                   <a:tcPr marL="142875" marR="142875" marT="142875" marB="142875" anchor="ctr">
-                    <a:lnL cmpd="sng" algn="ctr" cap="flat" w="19050">
+                    <a:lnL w="19050" cap="flat" cmpd="sng" algn="ctr">
                       <a:solidFill>
                         <a:srgbClr val="000000"/>
                       </a:solidFill>
@@ -13291,7 +13725,7 @@
                       <a:headEnd type="none" w="med" len="med"/>
                       <a:tailEnd type="none" w="med" len="med"/>
                     </a:lnL>
-                    <a:lnR cmpd="sng" algn="ctr" cap="flat" w="19050">
+                    <a:lnR w="19050" cap="flat" cmpd="sng" algn="ctr">
                       <a:solidFill>
                         <a:srgbClr val="000000"/>
                       </a:solidFill>
@@ -13300,7 +13734,7 @@
                       <a:headEnd type="none" w="med" len="med"/>
                       <a:tailEnd type="none" w="med" len="med"/>
                     </a:lnR>
-                    <a:lnT cmpd="sng" algn="ctr" cap="flat" w="19050">
+                    <a:lnT w="19050" cap="flat" cmpd="sng" algn="ctr">
                       <a:solidFill>
                         <a:srgbClr val="000000"/>
                       </a:solidFill>
@@ -13309,7 +13743,7 @@
                       <a:headEnd type="none" w="med" len="med"/>
                       <a:tailEnd type="none" w="med" len="med"/>
                     </a:lnT>
-                    <a:lnB cmpd="sng" algn="ctr" cap="flat" w="19050">
+                    <a:lnB w="19050" cap="flat" cmpd="sng" algn="ctr">
                       <a:solidFill>
                         <a:srgbClr val="000000"/>
                       </a:solidFill>
@@ -13320,11 +13754,16 @@
                     </a:lnB>
                   </a:tcPr>
                 </a:tc>
+                <a:extLst>
+                  <a:ext uri="{0D108BD9-81ED-4DB2-BD59-A6C34878D82A}">
+                    <a16:rowId xmlns:a16="http://schemas.microsoft.com/office/drawing/2014/main" val="10004"/>
+                  </a:ext>
+                </a:extLst>
               </a:tr>
               <a:tr h="802343">
                 <a:tc>
                   <a:txBody>
-                    <a:bodyPr anchor="t" rtlCol="false"/>
+                    <a:bodyPr/>
                     <a:lstStyle/>
                     <a:p>
                       <a:pPr algn="l">
@@ -13334,7 +13773,7 @@
                         <a:defRPr/>
                       </a:pPr>
                       <a:r>
-                        <a:rPr lang="en-US" sz="1299" b="true">
+                        <a:rPr lang="en-US" sz="1299" b="1">
                           <a:solidFill>
                             <a:srgbClr val="000000"/>
                           </a:solidFill>
@@ -13349,7 +13788,7 @@
                     </a:p>
                   </a:txBody>
                   <a:tcPr marL="142875" marR="142875" marT="142875" marB="142875" anchor="ctr">
-                    <a:lnL cmpd="sng" algn="ctr" cap="flat" w="19050">
+                    <a:lnL w="19050" cap="flat" cmpd="sng" algn="ctr">
                       <a:solidFill>
                         <a:srgbClr val="000000"/>
                       </a:solidFill>
@@ -13358,7 +13797,7 @@
                       <a:headEnd type="none" w="med" len="med"/>
                       <a:tailEnd type="none" w="med" len="med"/>
                     </a:lnL>
-                    <a:lnR cmpd="sng" algn="ctr" cap="flat" w="19050">
+                    <a:lnR w="19050" cap="flat" cmpd="sng" algn="ctr">
                       <a:solidFill>
                         <a:srgbClr val="000000"/>
                       </a:solidFill>
@@ -13367,7 +13806,7 @@
                       <a:headEnd type="none" w="med" len="med"/>
                       <a:tailEnd type="none" w="med" len="med"/>
                     </a:lnR>
-                    <a:lnT cmpd="sng" algn="ctr" cap="flat" w="19050">
+                    <a:lnT w="19050" cap="flat" cmpd="sng" algn="ctr">
                       <a:solidFill>
                         <a:srgbClr val="000000"/>
                       </a:solidFill>
@@ -13376,7 +13815,7 @@
                       <a:headEnd type="none" w="med" len="med"/>
                       <a:tailEnd type="none" w="med" len="med"/>
                     </a:lnT>
-                    <a:lnB cmpd="sng" algn="ctr" cap="flat" w="19050">
+                    <a:lnB w="19050" cap="flat" cmpd="sng" algn="ctr">
                       <a:solidFill>
                         <a:srgbClr val="000000"/>
                       </a:solidFill>
@@ -13389,7 +13828,7 @@
                 </a:tc>
                 <a:tc>
                   <a:txBody>
-                    <a:bodyPr anchor="t" rtlCol="false"/>
+                    <a:bodyPr/>
                     <a:lstStyle/>
                     <a:p>
                       <a:pPr algn="l">
@@ -13414,7 +13853,7 @@
                     </a:p>
                   </a:txBody>
                   <a:tcPr marL="142875" marR="142875" marT="142875" marB="142875" anchor="ctr">
-                    <a:lnL cmpd="sng" algn="ctr" cap="flat" w="19050">
+                    <a:lnL w="19050" cap="flat" cmpd="sng" algn="ctr">
                       <a:solidFill>
                         <a:srgbClr val="000000"/>
                       </a:solidFill>
@@ -13423,7 +13862,7 @@
                       <a:headEnd type="none" w="med" len="med"/>
                       <a:tailEnd type="none" w="med" len="med"/>
                     </a:lnL>
-                    <a:lnR cmpd="sng" algn="ctr" cap="flat" w="19050">
+                    <a:lnR w="19050" cap="flat" cmpd="sng" algn="ctr">
                       <a:solidFill>
                         <a:srgbClr val="000000"/>
                       </a:solidFill>
@@ -13432,7 +13871,7 @@
                       <a:headEnd type="none" w="med" len="med"/>
                       <a:tailEnd type="none" w="med" len="med"/>
                     </a:lnR>
-                    <a:lnT cmpd="sng" algn="ctr" cap="flat" w="19050">
+                    <a:lnT w="19050" cap="flat" cmpd="sng" algn="ctr">
                       <a:solidFill>
                         <a:srgbClr val="000000"/>
                       </a:solidFill>
@@ -13441,7 +13880,7 @@
                       <a:headEnd type="none" w="med" len="med"/>
                       <a:tailEnd type="none" w="med" len="med"/>
                     </a:lnT>
-                    <a:lnB cmpd="sng" algn="ctr" cap="flat" w="19050">
+                    <a:lnB w="19050" cap="flat" cmpd="sng" algn="ctr">
                       <a:solidFill>
                         <a:srgbClr val="000000"/>
                       </a:solidFill>
@@ -13454,7 +13893,7 @@
                 </a:tc>
                 <a:tc>
                   <a:txBody>
-                    <a:bodyPr anchor="t" rtlCol="false"/>
+                    <a:bodyPr/>
                     <a:lstStyle/>
                     <a:p>
                       <a:pPr algn="l">
@@ -13479,7 +13918,7 @@
                     </a:p>
                   </a:txBody>
                   <a:tcPr marL="142875" marR="142875" marT="142875" marB="142875" anchor="ctr">
-                    <a:lnL cmpd="sng" algn="ctr" cap="flat" w="19050">
+                    <a:lnL w="19050" cap="flat" cmpd="sng" algn="ctr">
                       <a:solidFill>
                         <a:srgbClr val="000000"/>
                       </a:solidFill>
@@ -13488,7 +13927,7 @@
                       <a:headEnd type="none" w="med" len="med"/>
                       <a:tailEnd type="none" w="med" len="med"/>
                     </a:lnL>
-                    <a:lnR cmpd="sng" algn="ctr" cap="flat" w="19050">
+                    <a:lnR w="19050" cap="flat" cmpd="sng" algn="ctr">
                       <a:solidFill>
                         <a:srgbClr val="000000"/>
                       </a:solidFill>
@@ -13497,7 +13936,7 @@
                       <a:headEnd type="none" w="med" len="med"/>
                       <a:tailEnd type="none" w="med" len="med"/>
                     </a:lnR>
-                    <a:lnT cmpd="sng" algn="ctr" cap="flat" w="19050">
+                    <a:lnT w="19050" cap="flat" cmpd="sng" algn="ctr">
                       <a:solidFill>
                         <a:srgbClr val="000000"/>
                       </a:solidFill>
@@ -13506,7 +13945,7 @@
                       <a:headEnd type="none" w="med" len="med"/>
                       <a:tailEnd type="none" w="med" len="med"/>
                     </a:lnT>
-                    <a:lnB cmpd="sng" algn="ctr" cap="flat" w="19050">
+                    <a:lnB w="19050" cap="flat" cmpd="sng" algn="ctr">
                       <a:solidFill>
                         <a:srgbClr val="000000"/>
                       </a:solidFill>
@@ -13517,11 +13956,16 @@
                     </a:lnB>
                   </a:tcPr>
                 </a:tc>
+                <a:extLst>
+                  <a:ext uri="{0D108BD9-81ED-4DB2-BD59-A6C34878D82A}">
+                    <a16:rowId xmlns:a16="http://schemas.microsoft.com/office/drawing/2014/main" val="10005"/>
+                  </a:ext>
+                </a:extLst>
               </a:tr>
               <a:tr h="666431">
                 <a:tc>
                   <a:txBody>
-                    <a:bodyPr anchor="t" rtlCol="false"/>
+                    <a:bodyPr/>
                     <a:lstStyle/>
                     <a:p>
                       <a:pPr algn="l">
@@ -13531,7 +13975,7 @@
                         <a:defRPr/>
                       </a:pPr>
                       <a:r>
-                        <a:rPr lang="en-US" sz="1299" b="true">
+                        <a:rPr lang="en-US" sz="1299" b="1">
                           <a:solidFill>
                             <a:srgbClr val="000000"/>
                           </a:solidFill>
@@ -13546,7 +13990,7 @@
                     </a:p>
                   </a:txBody>
                   <a:tcPr marL="142875" marR="142875" marT="142875" marB="142875" anchor="ctr">
-                    <a:lnL cmpd="sng" algn="ctr" cap="flat" w="19050">
+                    <a:lnL w="19050" cap="flat" cmpd="sng" algn="ctr">
                       <a:solidFill>
                         <a:srgbClr val="000000"/>
                       </a:solidFill>
@@ -13555,7 +13999,7 @@
                       <a:headEnd type="none" w="med" len="med"/>
                       <a:tailEnd type="none" w="med" len="med"/>
                     </a:lnL>
-                    <a:lnR cmpd="sng" algn="ctr" cap="flat" w="19050">
+                    <a:lnR w="19050" cap="flat" cmpd="sng" algn="ctr">
                       <a:solidFill>
                         <a:srgbClr val="000000"/>
                       </a:solidFill>
@@ -13564,7 +14008,7 @@
                       <a:headEnd type="none" w="med" len="med"/>
                       <a:tailEnd type="none" w="med" len="med"/>
                     </a:lnR>
-                    <a:lnT cmpd="sng" algn="ctr" cap="flat" w="19050">
+                    <a:lnT w="19050" cap="flat" cmpd="sng" algn="ctr">
                       <a:solidFill>
                         <a:srgbClr val="000000"/>
                       </a:solidFill>
@@ -13573,7 +14017,7 @@
                       <a:headEnd type="none" w="med" len="med"/>
                       <a:tailEnd type="none" w="med" len="med"/>
                     </a:lnT>
-                    <a:lnB cmpd="sng" algn="ctr" cap="flat" w="19050">
+                    <a:lnB w="19050" cap="flat" cmpd="sng" algn="ctr">
                       <a:solidFill>
                         <a:srgbClr val="000000"/>
                       </a:solidFill>
@@ -13586,7 +14030,7 @@
                 </a:tc>
                 <a:tc>
                   <a:txBody>
-                    <a:bodyPr anchor="t" rtlCol="false"/>
+                    <a:bodyPr/>
                     <a:lstStyle/>
                     <a:p>
                       <a:pPr algn="l">
@@ -13611,7 +14055,7 @@
                     </a:p>
                   </a:txBody>
                   <a:tcPr marL="142875" marR="142875" marT="142875" marB="142875" anchor="ctr">
-                    <a:lnL cmpd="sng" algn="ctr" cap="flat" w="19050">
+                    <a:lnL w="19050" cap="flat" cmpd="sng" algn="ctr">
                       <a:solidFill>
                         <a:srgbClr val="000000"/>
                       </a:solidFill>
@@ -13620,7 +14064,7 @@
                       <a:headEnd type="none" w="med" len="med"/>
                       <a:tailEnd type="none" w="med" len="med"/>
                     </a:lnL>
-                    <a:lnR cmpd="sng" algn="ctr" cap="flat" w="19050">
+                    <a:lnR w="19050" cap="flat" cmpd="sng" algn="ctr">
                       <a:solidFill>
                         <a:srgbClr val="000000"/>
                       </a:solidFill>
@@ -13629,7 +14073,7 @@
                       <a:headEnd type="none" w="med" len="med"/>
                       <a:tailEnd type="none" w="med" len="med"/>
                     </a:lnR>
-                    <a:lnT cmpd="sng" algn="ctr" cap="flat" w="19050">
+                    <a:lnT w="19050" cap="flat" cmpd="sng" algn="ctr">
                       <a:solidFill>
                         <a:srgbClr val="000000"/>
                       </a:solidFill>
@@ -13638,7 +14082,7 @@
                       <a:headEnd type="none" w="med" len="med"/>
                       <a:tailEnd type="none" w="med" len="med"/>
                     </a:lnT>
-                    <a:lnB cmpd="sng" algn="ctr" cap="flat" w="19050">
+                    <a:lnB w="19050" cap="flat" cmpd="sng" algn="ctr">
                       <a:solidFill>
                         <a:srgbClr val="000000"/>
                       </a:solidFill>
@@ -13651,7 +14095,7 @@
                 </a:tc>
                 <a:tc>
                   <a:txBody>
-                    <a:bodyPr anchor="t" rtlCol="false"/>
+                    <a:bodyPr/>
                     <a:lstStyle/>
                     <a:p>
                       <a:pPr algn="l">
@@ -13676,7 +14120,7 @@
                     </a:p>
                   </a:txBody>
                   <a:tcPr marL="142875" marR="142875" marT="142875" marB="142875" anchor="ctr">
-                    <a:lnL cmpd="sng" algn="ctr" cap="flat" w="19050">
+                    <a:lnL w="19050" cap="flat" cmpd="sng" algn="ctr">
                       <a:solidFill>
                         <a:srgbClr val="000000"/>
                       </a:solidFill>
@@ -13685,7 +14129,7 @@
                       <a:headEnd type="none" w="med" len="med"/>
                       <a:tailEnd type="none" w="med" len="med"/>
                     </a:lnL>
-                    <a:lnR cmpd="sng" algn="ctr" cap="flat" w="19050">
+                    <a:lnR w="19050" cap="flat" cmpd="sng" algn="ctr">
                       <a:solidFill>
                         <a:srgbClr val="000000"/>
                       </a:solidFill>
@@ -13694,7 +14138,7 @@
                       <a:headEnd type="none" w="med" len="med"/>
                       <a:tailEnd type="none" w="med" len="med"/>
                     </a:lnR>
-                    <a:lnT cmpd="sng" algn="ctr" cap="flat" w="19050">
+                    <a:lnT w="19050" cap="flat" cmpd="sng" algn="ctr">
                       <a:solidFill>
                         <a:srgbClr val="000000"/>
                       </a:solidFill>
@@ -13703,7 +14147,7 @@
                       <a:headEnd type="none" w="med" len="med"/>
                       <a:tailEnd type="none" w="med" len="med"/>
                     </a:lnT>
-                    <a:lnB cmpd="sng" algn="ctr" cap="flat" w="19050">
+                    <a:lnB w="19050" cap="flat" cmpd="sng" algn="ctr">
                       <a:solidFill>
                         <a:srgbClr val="000000"/>
                       </a:solidFill>
@@ -13714,11 +14158,16 @@
                     </a:lnB>
                   </a:tcPr>
                 </a:tc>
+                <a:extLst>
+                  <a:ext uri="{0D108BD9-81ED-4DB2-BD59-A6C34878D82A}">
+                    <a16:rowId xmlns:a16="http://schemas.microsoft.com/office/drawing/2014/main" val="10006"/>
+                  </a:ext>
+                </a:extLst>
               </a:tr>
               <a:tr h="802343">
                 <a:tc>
                   <a:txBody>
-                    <a:bodyPr anchor="t" rtlCol="false"/>
+                    <a:bodyPr/>
                     <a:lstStyle/>
                     <a:p>
                       <a:pPr algn="l">
@@ -13728,7 +14177,7 @@
                         <a:defRPr/>
                       </a:pPr>
                       <a:r>
-                        <a:rPr lang="en-US" sz="1299" b="true">
+                        <a:rPr lang="en-US" sz="1299" b="1">
                           <a:solidFill>
                             <a:srgbClr val="000000"/>
                           </a:solidFill>
@@ -13743,7 +14192,7 @@
                     </a:p>
                   </a:txBody>
                   <a:tcPr marL="142875" marR="142875" marT="142875" marB="142875" anchor="ctr">
-                    <a:lnL cmpd="sng" algn="ctr" cap="flat" w="19050">
+                    <a:lnL w="19050" cap="flat" cmpd="sng" algn="ctr">
                       <a:solidFill>
                         <a:srgbClr val="000000"/>
                       </a:solidFill>
@@ -13752,7 +14201,7 @@
                       <a:headEnd type="none" w="med" len="med"/>
                       <a:tailEnd type="none" w="med" len="med"/>
                     </a:lnL>
-                    <a:lnR cmpd="sng" algn="ctr" cap="flat" w="19050">
+                    <a:lnR w="19050" cap="flat" cmpd="sng" algn="ctr">
                       <a:solidFill>
                         <a:srgbClr val="000000"/>
                       </a:solidFill>
@@ -13761,7 +14210,7 @@
                       <a:headEnd type="none" w="med" len="med"/>
                       <a:tailEnd type="none" w="med" len="med"/>
                     </a:lnR>
-                    <a:lnT cmpd="sng" algn="ctr" cap="flat" w="19050">
+                    <a:lnT w="19050" cap="flat" cmpd="sng" algn="ctr">
                       <a:solidFill>
                         <a:srgbClr val="000000"/>
                       </a:solidFill>
@@ -13770,7 +14219,7 @@
                       <a:headEnd type="none" w="med" len="med"/>
                       <a:tailEnd type="none" w="med" len="med"/>
                     </a:lnT>
-                    <a:lnB cmpd="sng" algn="ctr" cap="flat" w="19050">
+                    <a:lnB w="19050" cap="flat" cmpd="sng" algn="ctr">
                       <a:solidFill>
                         <a:srgbClr val="000000"/>
                       </a:solidFill>
@@ -13783,7 +14232,7 @@
                 </a:tc>
                 <a:tc>
                   <a:txBody>
-                    <a:bodyPr anchor="t" rtlCol="false"/>
+                    <a:bodyPr/>
                     <a:lstStyle/>
                     <a:p>
                       <a:pPr algn="l">
@@ -13808,7 +14257,7 @@
                     </a:p>
                   </a:txBody>
                   <a:tcPr marL="142875" marR="142875" marT="142875" marB="142875" anchor="ctr">
-                    <a:lnL cmpd="sng" algn="ctr" cap="flat" w="19050">
+                    <a:lnL w="19050" cap="flat" cmpd="sng" algn="ctr">
                       <a:solidFill>
                         <a:srgbClr val="000000"/>
                       </a:solidFill>
@@ -13817,7 +14266,7 @@
                       <a:headEnd type="none" w="med" len="med"/>
                       <a:tailEnd type="none" w="med" len="med"/>
                     </a:lnL>
-                    <a:lnR cmpd="sng" algn="ctr" cap="flat" w="19050">
+                    <a:lnR w="19050" cap="flat" cmpd="sng" algn="ctr">
                       <a:solidFill>
                         <a:srgbClr val="000000"/>
                       </a:solidFill>
@@ -13826,7 +14275,7 @@
                       <a:headEnd type="none" w="med" len="med"/>
                       <a:tailEnd type="none" w="med" len="med"/>
                     </a:lnR>
-                    <a:lnT cmpd="sng" algn="ctr" cap="flat" w="19050">
+                    <a:lnT w="19050" cap="flat" cmpd="sng" algn="ctr">
                       <a:solidFill>
                         <a:srgbClr val="000000"/>
                       </a:solidFill>
@@ -13835,7 +14284,7 @@
                       <a:headEnd type="none" w="med" len="med"/>
                       <a:tailEnd type="none" w="med" len="med"/>
                     </a:lnT>
-                    <a:lnB cmpd="sng" algn="ctr" cap="flat" w="19050">
+                    <a:lnB w="19050" cap="flat" cmpd="sng" algn="ctr">
                       <a:solidFill>
                         <a:srgbClr val="000000"/>
                       </a:solidFill>
@@ -13848,7 +14297,7 @@
                 </a:tc>
                 <a:tc>
                   <a:txBody>
-                    <a:bodyPr anchor="t" rtlCol="false"/>
+                    <a:bodyPr/>
                     <a:lstStyle/>
                     <a:p>
                       <a:pPr algn="l">
@@ -13873,7 +14322,7 @@
                     </a:p>
                   </a:txBody>
                   <a:tcPr marL="142875" marR="142875" marT="142875" marB="142875" anchor="ctr">
-                    <a:lnL cmpd="sng" algn="ctr" cap="flat" w="19050">
+                    <a:lnL w="19050" cap="flat" cmpd="sng" algn="ctr">
                       <a:solidFill>
                         <a:srgbClr val="000000"/>
                       </a:solidFill>
@@ -13882,7 +14331,7 @@
                       <a:headEnd type="none" w="med" len="med"/>
                       <a:tailEnd type="none" w="med" len="med"/>
                     </a:lnL>
-                    <a:lnR cmpd="sng" algn="ctr" cap="flat" w="19050">
+                    <a:lnR w="19050" cap="flat" cmpd="sng" algn="ctr">
                       <a:solidFill>
                         <a:srgbClr val="000000"/>
                       </a:solidFill>
@@ -13891,7 +14340,7 @@
                       <a:headEnd type="none" w="med" len="med"/>
                       <a:tailEnd type="none" w="med" len="med"/>
                     </a:lnR>
-                    <a:lnT cmpd="sng" algn="ctr" cap="flat" w="19050">
+                    <a:lnT w="19050" cap="flat" cmpd="sng" algn="ctr">
                       <a:solidFill>
                         <a:srgbClr val="000000"/>
                       </a:solidFill>
@@ -13900,7 +14349,7 @@
                       <a:headEnd type="none" w="med" len="med"/>
                       <a:tailEnd type="none" w="med" len="med"/>
                     </a:lnT>
-                    <a:lnB cmpd="sng" algn="ctr" cap="flat" w="19050">
+                    <a:lnB w="19050" cap="flat" cmpd="sng" algn="ctr">
                       <a:solidFill>
                         <a:srgbClr val="000000"/>
                       </a:solidFill>
@@ -13911,11 +14360,16 @@
                     </a:lnB>
                   </a:tcPr>
                 </a:tc>
+                <a:extLst>
+                  <a:ext uri="{0D108BD9-81ED-4DB2-BD59-A6C34878D82A}">
+                    <a16:rowId xmlns:a16="http://schemas.microsoft.com/office/drawing/2014/main" val="10007"/>
+                  </a:ext>
+                </a:extLst>
               </a:tr>
               <a:tr h="666431">
                 <a:tc>
                   <a:txBody>
-                    <a:bodyPr anchor="t" rtlCol="false"/>
+                    <a:bodyPr/>
                     <a:lstStyle/>
                     <a:p>
                       <a:pPr algn="l">
@@ -13925,7 +14379,7 @@
                         <a:defRPr/>
                       </a:pPr>
                       <a:r>
-                        <a:rPr lang="en-US" sz="1299" b="true">
+                        <a:rPr lang="en-US" sz="1299" b="1">
                           <a:solidFill>
                             <a:srgbClr val="000000"/>
                           </a:solidFill>
@@ -13940,7 +14394,7 @@
                     </a:p>
                   </a:txBody>
                   <a:tcPr marL="142875" marR="142875" marT="142875" marB="142875" anchor="ctr">
-                    <a:lnL cmpd="sng" algn="ctr" cap="flat" w="19050">
+                    <a:lnL w="19050" cap="flat" cmpd="sng" algn="ctr">
                       <a:solidFill>
                         <a:srgbClr val="000000"/>
                       </a:solidFill>
@@ -13949,7 +14403,7 @@
                       <a:headEnd type="none" w="med" len="med"/>
                       <a:tailEnd type="none" w="med" len="med"/>
                     </a:lnL>
-                    <a:lnR cmpd="sng" algn="ctr" cap="flat" w="19050">
+                    <a:lnR w="19050" cap="flat" cmpd="sng" algn="ctr">
                       <a:solidFill>
                         <a:srgbClr val="000000"/>
                       </a:solidFill>
@@ -13958,7 +14412,7 @@
                       <a:headEnd type="none" w="med" len="med"/>
                       <a:tailEnd type="none" w="med" len="med"/>
                     </a:lnR>
-                    <a:lnT cmpd="sng" algn="ctr" cap="flat" w="19050">
+                    <a:lnT w="19050" cap="flat" cmpd="sng" algn="ctr">
                       <a:solidFill>
                         <a:srgbClr val="000000"/>
                       </a:solidFill>
@@ -13967,7 +14421,7 @@
                       <a:headEnd type="none" w="med" len="med"/>
                       <a:tailEnd type="none" w="med" len="med"/>
                     </a:lnT>
-                    <a:lnB cmpd="sng" algn="ctr" cap="flat" w="19050">
+                    <a:lnB w="19050" cap="flat" cmpd="sng" algn="ctr">
                       <a:solidFill>
                         <a:srgbClr val="000000"/>
                       </a:solidFill>
@@ -13980,7 +14434,7 @@
                 </a:tc>
                 <a:tc>
                   <a:txBody>
-                    <a:bodyPr anchor="t" rtlCol="false"/>
+                    <a:bodyPr/>
                     <a:lstStyle/>
                     <a:p>
                       <a:pPr algn="l">
@@ -14005,7 +14459,7 @@
                     </a:p>
                   </a:txBody>
                   <a:tcPr marL="142875" marR="142875" marT="142875" marB="142875" anchor="ctr">
-                    <a:lnL cmpd="sng" algn="ctr" cap="flat" w="19050">
+                    <a:lnL w="19050" cap="flat" cmpd="sng" algn="ctr">
                       <a:solidFill>
                         <a:srgbClr val="000000"/>
                       </a:solidFill>
@@ -14014,7 +14468,7 @@
                       <a:headEnd type="none" w="med" len="med"/>
                       <a:tailEnd type="none" w="med" len="med"/>
                     </a:lnL>
-                    <a:lnR cmpd="sng" algn="ctr" cap="flat" w="19050">
+                    <a:lnR w="19050" cap="flat" cmpd="sng" algn="ctr">
                       <a:solidFill>
                         <a:srgbClr val="000000"/>
                       </a:solidFill>
@@ -14023,7 +14477,7 @@
                       <a:headEnd type="none" w="med" len="med"/>
                       <a:tailEnd type="none" w="med" len="med"/>
                     </a:lnR>
-                    <a:lnT cmpd="sng" algn="ctr" cap="flat" w="19050">
+                    <a:lnT w="19050" cap="flat" cmpd="sng" algn="ctr">
                       <a:solidFill>
                         <a:srgbClr val="000000"/>
                       </a:solidFill>
@@ -14032,7 +14486,7 @@
                       <a:headEnd type="none" w="med" len="med"/>
                       <a:tailEnd type="none" w="med" len="med"/>
                     </a:lnT>
-                    <a:lnB cmpd="sng" algn="ctr" cap="flat" w="19050">
+                    <a:lnB w="19050" cap="flat" cmpd="sng" algn="ctr">
                       <a:solidFill>
                         <a:srgbClr val="000000"/>
                       </a:solidFill>
@@ -14045,7 +14499,7 @@
                 </a:tc>
                 <a:tc>
                   <a:txBody>
-                    <a:bodyPr anchor="t" rtlCol="false"/>
+                    <a:bodyPr/>
                     <a:lstStyle/>
                     <a:p>
                       <a:pPr algn="l">
@@ -14070,7 +14524,7 @@
                     </a:p>
                   </a:txBody>
                   <a:tcPr marL="142875" marR="142875" marT="142875" marB="142875" anchor="ctr">
-                    <a:lnL cmpd="sng" algn="ctr" cap="flat" w="19050">
+                    <a:lnL w="19050" cap="flat" cmpd="sng" algn="ctr">
                       <a:solidFill>
                         <a:srgbClr val="000000"/>
                       </a:solidFill>
@@ -14079,7 +14533,7 @@
                       <a:headEnd type="none" w="med" len="med"/>
                       <a:tailEnd type="none" w="med" len="med"/>
                     </a:lnL>
-                    <a:lnR cmpd="sng" algn="ctr" cap="flat" w="19050">
+                    <a:lnR w="19050" cap="flat" cmpd="sng" algn="ctr">
                       <a:solidFill>
                         <a:srgbClr val="000000"/>
                       </a:solidFill>
@@ -14088,7 +14542,7 @@
                       <a:headEnd type="none" w="med" len="med"/>
                       <a:tailEnd type="none" w="med" len="med"/>
                     </a:lnR>
-                    <a:lnT cmpd="sng" algn="ctr" cap="flat" w="19050">
+                    <a:lnT w="19050" cap="flat" cmpd="sng" algn="ctr">
                       <a:solidFill>
                         <a:srgbClr val="000000"/>
                       </a:solidFill>
@@ -14097,7 +14551,7 @@
                       <a:headEnd type="none" w="med" len="med"/>
                       <a:tailEnd type="none" w="med" len="med"/>
                     </a:lnT>
-                    <a:lnB cmpd="sng" algn="ctr" cap="flat" w="19050">
+                    <a:lnB w="19050" cap="flat" cmpd="sng" algn="ctr">
                       <a:solidFill>
                         <a:srgbClr val="000000"/>
                       </a:solidFill>
@@ -14108,6 +14562,11 @@
                     </a:lnB>
                   </a:tcPr>
                 </a:tc>
+                <a:extLst>
+                  <a:ext uri="{0D108BD9-81ED-4DB2-BD59-A6C34878D82A}">
+                    <a16:rowId xmlns:a16="http://schemas.microsoft.com/office/drawing/2014/main" val="10008"/>
+                  </a:ext>
+                </a:extLst>
               </a:tr>
             </a:tbl>
           </a:graphicData>
@@ -14115,12 +14574,12 @@
       </p:graphicFrame>
       <p:sp>
         <p:nvSpPr>
-          <p:cNvPr name="TextBox 3" id="3"/>
-          <p:cNvSpPr txBox="true"/>
+          <p:cNvPr id="3" name="TextBox 3"/>
+          <p:cNvSpPr txBox="1"/>
           <p:nvPr/>
         </p:nvSpPr>
         <p:spPr>
-          <a:xfrm rot="0">
+          <a:xfrm>
             <a:off x="2448320" y="876300"/>
             <a:ext cx="13391361" cy="1351919"/>
           </a:xfrm>
@@ -14129,7 +14588,7 @@
           </a:prstGeom>
         </p:spPr>
         <p:txBody>
-          <a:bodyPr anchor="t" rtlCol="false" tIns="0" lIns="0" bIns="0" rIns="0">
+          <a:bodyPr lIns="0" tIns="0" rIns="0" bIns="0" rtlCol="0" anchor="t">
             <a:spAutoFit/>
           </a:bodyPr>
           <a:lstStyle/>
@@ -14143,7 +14602,7 @@
               </a:spcBef>
             </a:pPr>
             <a:r>
-              <a:rPr lang="en-US" b="true" sz="7899">
+              <a:rPr lang="en-US" sz="7899" b="1">
                 <a:solidFill>
                   <a:srgbClr val="000000"/>
                 </a:solidFill>
